--- a/АиСД дерево.pptx
+++ b/АиСД дерево.pptx
@@ -1,14 +1,14 @@
 
 <file path=ppt/presentation.xml><?xml version="1.0" encoding="utf-8"?>
-<p:presentation xmlns:a="http://schemas.openxmlformats.org/drawingml/2006/main" xmlns:r="http://schemas.openxmlformats.org/officeDocument/2006/relationships" xmlns:p="http://schemas.openxmlformats.org/presentationml/2006/main" saveSubsetFonts="1">
+<p:presentation xmlns:a="http://schemas.openxmlformats.org/drawingml/2006/main" xmlns:r="http://schemas.openxmlformats.org/officeDocument/2006/relationships" xmlns:p="http://schemas.openxmlformats.org/presentationml/2006/main" showSpecialPlsOnTitleSld="0" saveSubsetFonts="1">
   <p:sldMasterIdLst>
     <p:sldMasterId id="2147483648" r:id="rId1"/>
   </p:sldMasterIdLst>
   <p:notesMasterIdLst>
-    <p:notesMasterId r:id="rId24"/>
+    <p:notesMasterId r:id="rId23"/>
   </p:notesMasterIdLst>
   <p:handoutMasterIdLst>
-    <p:handoutMasterId r:id="rId25"/>
+    <p:handoutMasterId r:id="rId24"/>
   </p:handoutMasterIdLst>
   <p:sldIdLst>
     <p:sldId id="256" r:id="rId2"/>
@@ -20,19 +20,18 @@
     <p:sldId id="267" r:id="rId8"/>
     <p:sldId id="272" r:id="rId9"/>
     <p:sldId id="273" r:id="rId10"/>
-    <p:sldId id="261" r:id="rId11"/>
-    <p:sldId id="280" r:id="rId12"/>
-    <p:sldId id="275" r:id="rId13"/>
-    <p:sldId id="276" r:id="rId14"/>
-    <p:sldId id="277" r:id="rId15"/>
-    <p:sldId id="270" r:id="rId16"/>
-    <p:sldId id="262" r:id="rId17"/>
-    <p:sldId id="263" r:id="rId18"/>
-    <p:sldId id="264" r:id="rId19"/>
-    <p:sldId id="279" r:id="rId20"/>
-    <p:sldId id="274" r:id="rId21"/>
-    <p:sldId id="282" r:id="rId22"/>
-    <p:sldId id="265" r:id="rId23"/>
+    <p:sldId id="280" r:id="rId11"/>
+    <p:sldId id="275" r:id="rId12"/>
+    <p:sldId id="276" r:id="rId13"/>
+    <p:sldId id="277" r:id="rId14"/>
+    <p:sldId id="270" r:id="rId15"/>
+    <p:sldId id="262" r:id="rId16"/>
+    <p:sldId id="263" r:id="rId17"/>
+    <p:sldId id="264" r:id="rId18"/>
+    <p:sldId id="279" r:id="rId19"/>
+    <p:sldId id="274" r:id="rId20"/>
+    <p:sldId id="282" r:id="rId21"/>
+    <p:sldId id="265" r:id="rId22"/>
   </p:sldIdLst>
   <p:sldSz cx="12192000" cy="6858000"/>
   <p:notesSz cx="6858000" cy="9144000"/>
@@ -267,7 +266,7 @@
           <a:p>
             <a:fld id="{260775FE-3F94-4831-A43A-6ED7C29BFAC4}" type="datetimeFigureOut">
               <a:rPr lang="ru-RU" smtClean="0"/>
-              <a:t>20.12.2022</a:t>
+              <a:t>21.12.2022</a:t>
             </a:fld>
             <a:endParaRPr lang="ru-RU"/>
           </a:p>
@@ -359,6 +358,7 @@
     </p:extLst>
   </p:cSld>
   <p:clrMap bg1="lt1" tx1="dk1" bg2="lt2" tx2="dk2" accent1="accent1" accent2="accent2" accent3="accent3" accent4="accent4" accent5="accent5" accent6="accent6" hlink="hlink" folHlink="folHlink"/>
+  <p:hf hdr="0" ftr="0" dt="0"/>
 </p:handoutMaster>
 </file>
 
@@ -1064,162 +1064,6 @@
 </inkml:ink>
 </file>
 
-<file path=ppt/ink/ink34.xml><?xml version="1.0" encoding="utf-8"?>
-<inkml:ink xmlns:inkml="http://www.w3.org/2003/InkML">
-  <inkml:definitions>
-    <inkml:context xml:id="ctx0">
-      <inkml:inkSource xml:id="inkSrc0">
-        <inkml:traceFormat>
-          <inkml:channel name="X" type="integer" min="-2.14748E9" max="2.14748E9" units="cm"/>
-          <inkml:channel name="Y" type="integer" min="-2.14748E9" max="2.14748E9" units="cm"/>
-        </inkml:traceFormat>
-        <inkml:channelProperties>
-          <inkml:channelProperty channel="X" name="resolution" value="1000" units="1/cm"/>
-          <inkml:channelProperty channel="Y" name="resolution" value="1000" units="1/cm"/>
-        </inkml:channelProperties>
-      </inkml:inkSource>
-      <inkml:timestamp xml:id="ts0" timeString="2022-12-20T01:11:17.288"/>
-    </inkml:context>
-    <inkml:brush xml:id="br0">
-      <inkml:brushProperty name="width" value="0.05" units="cm"/>
-      <inkml:brushProperty name="height" value="0.05" units="cm"/>
-      <inkml:brushProperty name="ignorePressure" value="1"/>
-    </inkml:brush>
-  </inkml:definitions>
-  <inkml:trace contextRef="#ctx0" brushRef="#br0">0 1,'1212'1212,"-1197"-1197</inkml:trace>
-</inkml:ink>
-</file>
-
-<file path=ppt/ink/ink35.xml><?xml version="1.0" encoding="utf-8"?>
-<inkml:ink xmlns:inkml="http://www.w3.org/2003/InkML">
-  <inkml:definitions>
-    <inkml:context xml:id="ctx0">
-      <inkml:inkSource xml:id="inkSrc0">
-        <inkml:traceFormat>
-          <inkml:channel name="X" type="integer" min="-2.14748E9" max="2.14748E9" units="cm"/>
-          <inkml:channel name="Y" type="integer" min="-2.14748E9" max="2.14748E9" units="cm"/>
-        </inkml:traceFormat>
-        <inkml:channelProperties>
-          <inkml:channelProperty channel="X" name="resolution" value="1000" units="1/cm"/>
-          <inkml:channelProperty channel="Y" name="resolution" value="1000" units="1/cm"/>
-        </inkml:channelProperties>
-      </inkml:inkSource>
-      <inkml:timestamp xml:id="ts0" timeString="2022-12-20T01:11:17.289"/>
-    </inkml:context>
-    <inkml:brush xml:id="br0">
-      <inkml:brushProperty name="width" value="0.05" units="cm"/>
-      <inkml:brushProperty name="height" value="0.05" units="cm"/>
-      <inkml:brushProperty name="ignorePressure" value="1"/>
-    </inkml:brush>
-  </inkml:definitions>
-  <inkml:trace contextRef="#ctx0" brushRef="#br0">1236 0,'-1224'1223,"1213"-1210</inkml:trace>
-</inkml:ink>
-</file>
-
-<file path=ppt/ink/ink36.xml><?xml version="1.0" encoding="utf-8"?>
-<inkml:ink xmlns:inkml="http://www.w3.org/2003/InkML">
-  <inkml:definitions>
-    <inkml:context xml:id="ctx0">
-      <inkml:inkSource xml:id="inkSrc0">
-        <inkml:traceFormat>
-          <inkml:channel name="X" type="integer" min="-2.14748E9" max="2.14748E9" units="cm"/>
-          <inkml:channel name="Y" type="integer" min="-2.14748E9" max="2.14748E9" units="cm"/>
-        </inkml:traceFormat>
-        <inkml:channelProperties>
-          <inkml:channelProperty channel="X" name="resolution" value="1000" units="1/cm"/>
-          <inkml:channelProperty channel="Y" name="resolution" value="1000" units="1/cm"/>
-        </inkml:channelProperties>
-      </inkml:inkSource>
-      <inkml:timestamp xml:id="ts0" timeString="2022-12-20T01:38:02.128"/>
-    </inkml:context>
-    <inkml:brush xml:id="br0">
-      <inkml:brushProperty name="width" value="0.05" units="cm"/>
-      <inkml:brushProperty name="height" value="0.05" units="cm"/>
-      <inkml:brushProperty name="ignorePressure" value="1"/>
-    </inkml:brush>
-  </inkml:definitions>
-  <inkml:trace contextRef="#ctx0" brushRef="#br0">1236 0,'-1224'1223,"1213"-1210</inkml:trace>
-</inkml:ink>
-</file>
-
-<file path=ppt/ink/ink37.xml><?xml version="1.0" encoding="utf-8"?>
-<inkml:ink xmlns:inkml="http://www.w3.org/2003/InkML">
-  <inkml:definitions>
-    <inkml:context xml:id="ctx0">
-      <inkml:inkSource xml:id="inkSrc0">
-        <inkml:traceFormat>
-          <inkml:channel name="X" type="integer" min="-2.14748E9" max="2.14748E9" units="cm"/>
-          <inkml:channel name="Y" type="integer" min="-2.14748E9" max="2.14748E9" units="cm"/>
-        </inkml:traceFormat>
-        <inkml:channelProperties>
-          <inkml:channelProperty channel="X" name="resolution" value="1000" units="1/cm"/>
-          <inkml:channelProperty channel="Y" name="resolution" value="1000" units="1/cm"/>
-        </inkml:channelProperties>
-      </inkml:inkSource>
-      <inkml:timestamp xml:id="ts0" timeString="2022-12-20T01:38:05.958"/>
-    </inkml:context>
-    <inkml:brush xml:id="br0">
-      <inkml:brushProperty name="width" value="0.05" units="cm"/>
-      <inkml:brushProperty name="height" value="0.05" units="cm"/>
-      <inkml:brushProperty name="ignorePressure" value="1"/>
-    </inkml:brush>
-  </inkml:definitions>
-  <inkml:trace contextRef="#ctx0" brushRef="#br0">1236 0,'-1224'1223,"1213"-1210</inkml:trace>
-</inkml:ink>
-</file>
-
-<file path=ppt/ink/ink38.xml><?xml version="1.0" encoding="utf-8"?>
-<inkml:ink xmlns:inkml="http://www.w3.org/2003/InkML">
-  <inkml:definitions>
-    <inkml:context xml:id="ctx0">
-      <inkml:inkSource xml:id="inkSrc0">
-        <inkml:traceFormat>
-          <inkml:channel name="X" type="integer" min="-2.14748E9" max="2.14748E9" units="cm"/>
-          <inkml:channel name="Y" type="integer" min="-2.14748E9" max="2.14748E9" units="cm"/>
-        </inkml:traceFormat>
-        <inkml:channelProperties>
-          <inkml:channelProperty channel="X" name="resolution" value="1000" units="1/cm"/>
-          <inkml:channelProperty channel="Y" name="resolution" value="1000" units="1/cm"/>
-        </inkml:channelProperties>
-      </inkml:inkSource>
-      <inkml:timestamp xml:id="ts0" timeString="2022-12-20T01:38:11.111"/>
-    </inkml:context>
-    <inkml:brush xml:id="br0">
-      <inkml:brushProperty name="width" value="0.05" units="cm"/>
-      <inkml:brushProperty name="height" value="0.05" units="cm"/>
-      <inkml:brushProperty name="ignorePressure" value="1"/>
-    </inkml:brush>
-  </inkml:definitions>
-  <inkml:trace contextRef="#ctx0" brushRef="#br0">0 1,'1020'1020,"-1008"-1008</inkml:trace>
-</inkml:ink>
-</file>
-
-<file path=ppt/ink/ink39.xml><?xml version="1.0" encoding="utf-8"?>
-<inkml:ink xmlns:inkml="http://www.w3.org/2003/InkML">
-  <inkml:definitions>
-    <inkml:context xml:id="ctx0">
-      <inkml:inkSource xml:id="inkSrc0">
-        <inkml:traceFormat>
-          <inkml:channel name="X" type="integer" min="-2.14748E9" max="2.14748E9" units="cm"/>
-          <inkml:channel name="Y" type="integer" min="-2.14748E9" max="2.14748E9" units="cm"/>
-        </inkml:traceFormat>
-        <inkml:channelProperties>
-          <inkml:channelProperty channel="X" name="resolution" value="1000" units="1/cm"/>
-          <inkml:channelProperty channel="Y" name="resolution" value="1000" units="1/cm"/>
-        </inkml:channelProperties>
-      </inkml:inkSource>
-      <inkml:timestamp xml:id="ts0" timeString="2022-12-20T01:38:17.320"/>
-    </inkml:context>
-    <inkml:brush xml:id="br0">
-      <inkml:brushProperty name="width" value="0.05" units="cm"/>
-      <inkml:brushProperty name="height" value="0.05" units="cm"/>
-      <inkml:brushProperty name="ignorePressure" value="1"/>
-    </inkml:brush>
-  </inkml:definitions>
-  <inkml:trace contextRef="#ctx0" brushRef="#br0">0 1,'1020'1020,"-1008"-1008</inkml:trace>
-</inkml:ink>
-</file>
-
 <file path=ppt/ink/ink4.xml><?xml version="1.0" encoding="utf-8"?>
 <inkml:ink xmlns:inkml="http://www.w3.org/2003/InkML">
   <inkml:definitions>
@@ -1243,58 +1087,6 @@
     </inkml:brush>
   </inkml:definitions>
   <inkml:trace contextRef="#ctx0" brushRef="#br0">1016 1,'-1005'1004,"995"-993</inkml:trace>
-</inkml:ink>
-</file>
-
-<file path=ppt/ink/ink40.xml><?xml version="1.0" encoding="utf-8"?>
-<inkml:ink xmlns:inkml="http://www.w3.org/2003/InkML">
-  <inkml:definitions>
-    <inkml:context xml:id="ctx0">
-      <inkml:inkSource xml:id="inkSrc0">
-        <inkml:traceFormat>
-          <inkml:channel name="X" type="integer" min="-2.14748E9" max="2.14748E9" units="cm"/>
-          <inkml:channel name="Y" type="integer" min="-2.14748E9" max="2.14748E9" units="cm"/>
-        </inkml:traceFormat>
-        <inkml:channelProperties>
-          <inkml:channelProperty channel="X" name="resolution" value="1000" units="1/cm"/>
-          <inkml:channelProperty channel="Y" name="resolution" value="1000" units="1/cm"/>
-        </inkml:channelProperties>
-      </inkml:inkSource>
-      <inkml:timestamp xml:id="ts0" timeString="2022-12-20T01:38:20.862"/>
-    </inkml:context>
-    <inkml:brush xml:id="br0">
-      <inkml:brushProperty name="width" value="0.05" units="cm"/>
-      <inkml:brushProperty name="height" value="0.05" units="cm"/>
-      <inkml:brushProperty name="ignorePressure" value="1"/>
-    </inkml:brush>
-  </inkml:definitions>
-  <inkml:trace contextRef="#ctx0" brushRef="#br0">0 1,'1020'1020,"-1008"-1008</inkml:trace>
-</inkml:ink>
-</file>
-
-<file path=ppt/ink/ink41.xml><?xml version="1.0" encoding="utf-8"?>
-<inkml:ink xmlns:inkml="http://www.w3.org/2003/InkML">
-  <inkml:definitions>
-    <inkml:context xml:id="ctx0">
-      <inkml:inkSource xml:id="inkSrc0">
-        <inkml:traceFormat>
-          <inkml:channel name="X" type="integer" min="-2.14748E9" max="2.14748E9" units="cm"/>
-          <inkml:channel name="Y" type="integer" min="-2.14748E9" max="2.14748E9" units="cm"/>
-        </inkml:traceFormat>
-        <inkml:channelProperties>
-          <inkml:channelProperty channel="X" name="resolution" value="1000" units="1/cm"/>
-          <inkml:channelProperty channel="Y" name="resolution" value="1000" units="1/cm"/>
-        </inkml:channelProperties>
-      </inkml:inkSource>
-      <inkml:timestamp xml:id="ts0" timeString="2022-12-20T01:38:24.817"/>
-    </inkml:context>
-    <inkml:brush xml:id="br0">
-      <inkml:brushProperty name="width" value="0.05" units="cm"/>
-      <inkml:brushProperty name="height" value="0.05" units="cm"/>
-      <inkml:brushProperty name="ignorePressure" value="1"/>
-    </inkml:brush>
-  </inkml:definitions>
-  <inkml:trace contextRef="#ctx0" brushRef="#br0">0 1,'1020'1020,"-1008"-1008</inkml:trace>
 </inkml:ink>
 </file>
 
@@ -1510,7 +1302,7 @@
           <a:p>
             <a:fld id="{D7E476BF-0D63-4BA0-BEBA-970FC038D5A2}" type="datetimeFigureOut">
               <a:rPr lang="ru-RU" smtClean="0"/>
-              <a:t>20.12.2022</a:t>
+              <a:t>21.12.2022</a:t>
             </a:fld>
             <a:endParaRPr lang="ru-RU"/>
           </a:p>
@@ -1682,6 +1474,7 @@
     </p:extLst>
   </p:cSld>
   <p:clrMap bg1="lt1" tx1="dk1" bg2="lt2" tx2="dk2" accent1="accent1" accent2="accent2" accent3="accent3" accent4="accent4" accent5="accent5" accent6="accent6" hlink="hlink" folHlink="folHlink"/>
+  <p:hf hdr="0" ftr="0" dt="0"/>
   <p:notesStyle>
     <a:lvl1pPr marL="0" algn="l" defTabSz="914400" rtl="0" eaLnBrk="1" latinLnBrk="0" hangingPunct="1">
       <a:defRPr sz="1200" kern="1200">
@@ -2006,9 +1799,9 @@
           <a:bodyPr/>
           <a:lstStyle/>
           <a:p>
-            <a:fld id="{2964F78B-5278-4563-8FFB-47B7B2D480A2}" type="datetime1">
+            <a:fld id="{2F1A0784-D92A-4284-94B3-C386155640F3}" type="datetime1">
               <a:rPr lang="ru-RU" smtClean="0"/>
-              <a:t>20.12.2022</a:t>
+              <a:t>21.12.2022</a:t>
             </a:fld>
             <a:endParaRPr lang="ru-RU"/>
           </a:p>
@@ -2078,6 +1871,9 @@
   <p:clrMapOvr>
     <a:masterClrMapping/>
   </p:clrMapOvr>
+  <p:transition spd="slow">
+    <p:push dir="u"/>
+  </p:transition>
 </p:sldLayout>
 </file>
 
@@ -2204,9 +2000,9 @@
           <a:bodyPr/>
           <a:lstStyle/>
           <a:p>
-            <a:fld id="{D2EBE06B-2693-4EF1-AFE8-3A4F68B58407}" type="datetime1">
+            <a:fld id="{41C4B401-F9D3-437D-9111-CC27A2D08511}" type="datetime1">
               <a:rPr lang="ru-RU" smtClean="0"/>
-              <a:t>20.12.2022</a:t>
+              <a:t>21.12.2022</a:t>
             </a:fld>
             <a:endParaRPr lang="ru-RU"/>
           </a:p>
@@ -2276,6 +2072,9 @@
   <p:clrMapOvr>
     <a:masterClrMapping/>
   </p:clrMapOvr>
+  <p:transition spd="slow">
+    <p:push dir="u"/>
+  </p:transition>
 </p:sldLayout>
 </file>
 
@@ -2412,9 +2211,9 @@
           <a:bodyPr/>
           <a:lstStyle/>
           <a:p>
-            <a:fld id="{2D02913E-9F99-4FB8-BA68-F0B5E7BF3D91}" type="datetime1">
+            <a:fld id="{85EFBF46-6852-4422-97E5-82C206A0883F}" type="datetime1">
               <a:rPr lang="ru-RU" smtClean="0"/>
-              <a:t>20.12.2022</a:t>
+              <a:t>21.12.2022</a:t>
             </a:fld>
             <a:endParaRPr lang="ru-RU"/>
           </a:p>
@@ -2484,6 +2283,9 @@
   <p:clrMapOvr>
     <a:masterClrMapping/>
   </p:clrMapOvr>
+  <p:transition spd="slow">
+    <p:push dir="u"/>
+  </p:transition>
 </p:sldLayout>
 </file>
 
@@ -2610,9 +2412,9 @@
           <a:bodyPr/>
           <a:lstStyle/>
           <a:p>
-            <a:fld id="{7F090679-CE8C-4661-96E9-579962F5993E}" type="datetime1">
+            <a:fld id="{C5998E3E-6CC7-40E3-A720-7F29E9D0C024}" type="datetime1">
               <a:rPr lang="ru-RU" smtClean="0"/>
-              <a:t>20.12.2022</a:t>
+              <a:t>21.12.2022</a:t>
             </a:fld>
             <a:endParaRPr lang="ru-RU"/>
           </a:p>
@@ -2682,6 +2484,9 @@
   <p:clrMapOvr>
     <a:masterClrMapping/>
   </p:clrMapOvr>
+  <p:transition spd="slow">
+    <p:push dir="u"/>
+  </p:transition>
 </p:sldLayout>
 </file>
 
@@ -2885,9 +2690,9 @@
           <a:bodyPr/>
           <a:lstStyle/>
           <a:p>
-            <a:fld id="{84166950-AA35-4D53-A076-7796E1C6133F}" type="datetime1">
+            <a:fld id="{F5E42EAF-C271-4F97-BC66-33281797A5C0}" type="datetime1">
               <a:rPr lang="ru-RU" smtClean="0"/>
-              <a:t>20.12.2022</a:t>
+              <a:t>21.12.2022</a:t>
             </a:fld>
             <a:endParaRPr lang="ru-RU"/>
           </a:p>
@@ -2957,6 +2762,9 @@
   <p:clrMapOvr>
     <a:masterClrMapping/>
   </p:clrMapOvr>
+  <p:transition spd="slow">
+    <p:push dir="u"/>
+  </p:transition>
 </p:sldLayout>
 </file>
 
@@ -3150,9 +2958,9 @@
           <a:bodyPr/>
           <a:lstStyle/>
           <a:p>
-            <a:fld id="{C88664BB-0D44-4BDF-B758-2BD926A35343}" type="datetime1">
+            <a:fld id="{5F71CFE8-B79B-4C2C-A16A-A1E5E70C3159}" type="datetime1">
               <a:rPr lang="ru-RU" smtClean="0"/>
-              <a:t>20.12.2022</a:t>
+              <a:t>21.12.2022</a:t>
             </a:fld>
             <a:endParaRPr lang="ru-RU"/>
           </a:p>
@@ -3222,6 +3030,9 @@
   <p:clrMapOvr>
     <a:masterClrMapping/>
   </p:clrMapOvr>
+  <p:transition spd="slow">
+    <p:push dir="u"/>
+  </p:transition>
 </p:sldLayout>
 </file>
 
@@ -3562,9 +3373,9 @@
           <a:bodyPr/>
           <a:lstStyle/>
           <a:p>
-            <a:fld id="{50D73C28-093C-4E5F-BFC9-921D3D821514}" type="datetime1">
+            <a:fld id="{E1FCC358-46C0-4E52-93AA-4355E3407619}" type="datetime1">
               <a:rPr lang="ru-RU" smtClean="0"/>
-              <a:t>20.12.2022</a:t>
+              <a:t>21.12.2022</a:t>
             </a:fld>
             <a:endParaRPr lang="ru-RU"/>
           </a:p>
@@ -3634,6 +3445,9 @@
   <p:clrMapOvr>
     <a:masterClrMapping/>
   </p:clrMapOvr>
+  <p:transition spd="slow">
+    <p:push dir="u"/>
+  </p:transition>
 </p:sldLayout>
 </file>
 
@@ -3703,9 +3517,9 @@
           <a:bodyPr/>
           <a:lstStyle/>
           <a:p>
-            <a:fld id="{F132DD2E-2B64-42DA-B6DC-30428B51FA5B}" type="datetime1">
+            <a:fld id="{18E78677-FCD7-4C5E-834C-1780AD17593F}" type="datetime1">
               <a:rPr lang="ru-RU" smtClean="0"/>
-              <a:t>20.12.2022</a:t>
+              <a:t>21.12.2022</a:t>
             </a:fld>
             <a:endParaRPr lang="ru-RU"/>
           </a:p>
@@ -3775,6 +3589,9 @@
   <p:clrMapOvr>
     <a:masterClrMapping/>
   </p:clrMapOvr>
+  <p:transition spd="slow">
+    <p:push dir="u"/>
+  </p:transition>
 </p:sldLayout>
 </file>
 
@@ -3816,9 +3633,9 @@
           <a:bodyPr/>
           <a:lstStyle/>
           <a:p>
-            <a:fld id="{B73E4082-0E05-4BFE-801A-5BD4260E0527}" type="datetime1">
+            <a:fld id="{19D4E631-773F-42E7-8B9C-141C0F4AC7D8}" type="datetime1">
               <a:rPr lang="ru-RU" smtClean="0"/>
-              <a:t>20.12.2022</a:t>
+              <a:t>21.12.2022</a:t>
             </a:fld>
             <a:endParaRPr lang="ru-RU"/>
           </a:p>
@@ -3888,6 +3705,9 @@
   <p:clrMapOvr>
     <a:masterClrMapping/>
   </p:clrMapOvr>
+  <p:transition spd="slow">
+    <p:push dir="u"/>
+  </p:transition>
 </p:sldLayout>
 </file>
 
@@ -4127,9 +3947,9 @@
           <a:bodyPr/>
           <a:lstStyle/>
           <a:p>
-            <a:fld id="{4373EBC8-9DB4-4773-A20F-85A6C2779963}" type="datetime1">
+            <a:fld id="{0468BFC5-383C-4D9D-998C-C0D4377393C2}" type="datetime1">
               <a:rPr lang="ru-RU" smtClean="0"/>
-              <a:t>20.12.2022</a:t>
+              <a:t>21.12.2022</a:t>
             </a:fld>
             <a:endParaRPr lang="ru-RU"/>
           </a:p>
@@ -4199,6 +4019,9 @@
   <p:clrMapOvr>
     <a:masterClrMapping/>
   </p:clrMapOvr>
+  <p:transition spd="slow">
+    <p:push dir="u"/>
+  </p:transition>
 </p:sldLayout>
 </file>
 
@@ -4415,9 +4238,9 @@
           <a:bodyPr/>
           <a:lstStyle/>
           <a:p>
-            <a:fld id="{D5D0C3B6-22FA-4675-8AAA-842A2337EE3A}" type="datetime1">
+            <a:fld id="{01115583-232F-495D-AEAA-C975519FA29A}" type="datetime1">
               <a:rPr lang="ru-RU" smtClean="0"/>
-              <a:t>20.12.2022</a:t>
+              <a:t>21.12.2022</a:t>
             </a:fld>
             <a:endParaRPr lang="ru-RU"/>
           </a:p>
@@ -4487,6 +4310,9 @@
   <p:clrMapOvr>
     <a:masterClrMapping/>
   </p:clrMapOvr>
+  <p:transition spd="slow">
+    <p:push dir="u"/>
+  </p:transition>
 </p:sldLayout>
 </file>
 
@@ -4656,9 +4482,9 @@
             </a:lvl1pPr>
           </a:lstStyle>
           <a:p>
-            <a:fld id="{CB208C53-2D4F-4F83-8ED4-5AA237D378F4}" type="datetime1">
+            <a:fld id="{64E0F01A-C444-4398-87A7-3FC8D95D0BBA}" type="datetime1">
               <a:rPr lang="ru-RU" smtClean="0"/>
-              <a:t>20.12.2022</a:t>
+              <a:t>21.12.2022</a:t>
             </a:fld>
             <a:endParaRPr lang="ru-RU"/>
           </a:p>
@@ -4775,7 +4601,10 @@
     <p:sldLayoutId id="2147483658" r:id="rId10"/>
     <p:sldLayoutId id="2147483659" r:id="rId11"/>
   </p:sldLayoutIdLst>
-  <p:hf sldNum="0" hdr="0" ftr="0" dt="0"/>
+  <p:transition spd="slow">
+    <p:push dir="u"/>
+  </p:transition>
+  <p:hf hdr="0" ftr="0" dt="0"/>
   <p:txStyles>
     <p:titleStyle>
       <a:lvl1pPr algn="l" defTabSz="914400" rtl="0" eaLnBrk="1" latinLnBrk="0" hangingPunct="1">
@@ -5374,6 +5203,9 @@
   <p:clrMapOvr>
     <a:masterClrMapping/>
   </p:clrMapOvr>
+  <p:transition spd="slow">
+    <p:push dir="u"/>
+  </p:transition>
 </p:sld>
 </file>
 
@@ -5412,7 +5244,7 @@
         </p:nvSpPr>
         <p:spPr>
           <a:xfrm>
-            <a:off x="818471" y="-25022"/>
+            <a:off x="377750" y="371312"/>
             <a:ext cx="10442576" cy="1325563"/>
           </a:xfrm>
         </p:spPr>
@@ -5422,7 +5254,14 @@
           <a:p>
             <a:r>
               <a:rPr lang="ru-RU" dirty="0"/>
-              <a:t>Проверка на перекрытие</a:t>
+              <a:t>Проверка на </a:t>
+            </a:r>
+            <a:br>
+              <a:rPr lang="en-US" dirty="0"/>
+            </a:br>
+            <a:r>
+              <a:rPr lang="ru-RU" dirty="0"/>
+              <a:t>перекрытие</a:t>
             </a:r>
           </a:p>
         </p:txBody>
@@ -5441,7 +5280,7 @@
         </p:nvSpPr>
         <p:spPr>
           <a:xfrm>
-            <a:off x="6507180" y="1787851"/>
+            <a:off x="5167267" y="1832395"/>
             <a:ext cx="1067049" cy="1067049"/>
           </a:xfrm>
           <a:prstGeom prst="ellipse">
@@ -5504,7 +5343,7 @@
         </p:nvSpPr>
         <p:spPr>
           <a:xfrm>
-            <a:off x="4636502" y="2973240"/>
+            <a:off x="3296589" y="3017784"/>
             <a:ext cx="1067049" cy="1067049"/>
           </a:xfrm>
           <a:prstGeom prst="ellipse">
@@ -5564,7 +5403,7 @@
         </p:nvSpPr>
         <p:spPr>
           <a:xfrm>
-            <a:off x="8192498" y="2973239"/>
+            <a:off x="6852585" y="3017783"/>
             <a:ext cx="1067049" cy="1067049"/>
           </a:xfrm>
           <a:prstGeom prst="ellipse">
@@ -5649,7 +5488,7 @@
               <p14:nvPr/>
             </p14:nvContentPartPr>
             <p14:xfrm rot="20828647">
-              <a:off x="7647920" y="2666341"/>
+              <a:off x="6308007" y="2710885"/>
               <a:ext cx="442269" cy="442269"/>
             </p14:xfrm>
           </p:contentPart>
@@ -5675,7 +5514,7 @@
             </p:blipFill>
             <p:spPr>
               <a:xfrm rot="20828647">
-                <a:off x="7638916" y="2657337"/>
+                <a:off x="6299003" y="2701881"/>
                 <a:ext cx="459917" cy="459917"/>
               </a:xfrm>
               <a:prstGeom prst="rect">
@@ -5700,7 +5539,7 @@
               <p14:nvPr/>
             </p14:nvContentPartPr>
             <p14:xfrm rot="658945">
-              <a:off x="5978013" y="2669033"/>
+              <a:off x="4638100" y="2713577"/>
               <a:ext cx="444929" cy="444929"/>
             </p14:xfrm>
           </p:contentPart>
@@ -5726,7 +5565,7 @@
             </p:blipFill>
             <p:spPr>
               <a:xfrm rot="658945">
-                <a:off x="5969014" y="2660041"/>
+                <a:off x="4629101" y="2704585"/>
                 <a:ext cx="462568" cy="462554"/>
               </a:xfrm>
               <a:prstGeom prst="rect">
@@ -5750,7 +5589,7 @@
         </p:nvSpPr>
         <p:spPr>
           <a:xfrm>
-            <a:off x="3209439" y="4174834"/>
+            <a:off x="1869526" y="4219378"/>
             <a:ext cx="1067049" cy="1067049"/>
           </a:xfrm>
           <a:prstGeom prst="ellipse">
@@ -5823,7 +5662,7 @@
         </p:nvSpPr>
         <p:spPr>
           <a:xfrm>
-            <a:off x="5871902" y="4174834"/>
+            <a:off x="4531989" y="4219378"/>
             <a:ext cx="1067049" cy="1067049"/>
           </a:xfrm>
           <a:prstGeom prst="ellipse">
@@ -5880,7 +5719,7 @@
         </p:nvSpPr>
         <p:spPr>
           <a:xfrm>
-            <a:off x="9400183" y="4174834"/>
+            <a:off x="8060270" y="4219378"/>
             <a:ext cx="1067049" cy="1067049"/>
           </a:xfrm>
           <a:prstGeom prst="ellipse">
@@ -5945,7 +5784,7 @@
         </p:nvSpPr>
         <p:spPr>
           <a:xfrm>
-            <a:off x="10654045" y="5581266"/>
+            <a:off x="9314132" y="5625810"/>
             <a:ext cx="1067049" cy="1067049"/>
           </a:xfrm>
           <a:prstGeom prst="ellipse">
@@ -6010,7 +5849,7 @@
         </p:nvSpPr>
         <p:spPr>
           <a:xfrm>
-            <a:off x="8068115" y="5581266"/>
+            <a:off x="6728202" y="5625810"/>
             <a:ext cx="1067049" cy="1067049"/>
           </a:xfrm>
           <a:prstGeom prst="ellipse">
@@ -6075,7 +5914,7 @@
         </p:nvSpPr>
         <p:spPr>
           <a:xfrm>
-            <a:off x="4134238" y="5609882"/>
+            <a:off x="2794325" y="5654426"/>
             <a:ext cx="1067049" cy="1067049"/>
           </a:xfrm>
           <a:prstGeom prst="ellipse">
@@ -6149,7 +5988,7 @@
               <p14:nvPr/>
             </p14:nvContentPartPr>
             <p14:xfrm>
-              <a:off x="4177882" y="3817823"/>
+              <a:off x="2837969" y="3862367"/>
               <a:ext cx="444929" cy="444929"/>
             </p14:xfrm>
           </p:contentPart>
@@ -6175,7 +6014,7 @@
             </p:blipFill>
             <p:spPr>
               <a:xfrm>
-                <a:off x="4168883" y="3808831"/>
+                <a:off x="2828970" y="3853375"/>
                 <a:ext cx="462568" cy="462554"/>
               </a:xfrm>
               <a:prstGeom prst="rect">
@@ -6200,7 +6039,7 @@
               <p14:nvPr/>
             </p14:nvContentPartPr>
             <p14:xfrm>
-              <a:off x="8980265" y="5136337"/>
+              <a:off x="7640352" y="5180881"/>
               <a:ext cx="444929" cy="444929"/>
             </p14:xfrm>
           </p:contentPart>
@@ -6226,7 +6065,7 @@
             </p:blipFill>
             <p:spPr>
               <a:xfrm>
-                <a:off x="8971266" y="5127345"/>
+                <a:off x="7631353" y="5171889"/>
                 <a:ext cx="462568" cy="462554"/>
               </a:xfrm>
               <a:prstGeom prst="rect">
@@ -6251,7 +6090,7 @@
               <p14:nvPr/>
             </p14:nvContentPartPr>
             <p14:xfrm rot="21329040">
-              <a:off x="9160979" y="3876490"/>
+              <a:off x="7821066" y="3921034"/>
               <a:ext cx="372187" cy="372187"/>
             </p14:xfrm>
           </p:contentPart>
@@ -6277,7 +6116,7 @@
             </p:blipFill>
             <p:spPr>
               <a:xfrm rot="21329040">
-                <a:off x="9151972" y="3867483"/>
+                <a:off x="7812059" y="3912027"/>
                 <a:ext cx="389842" cy="389842"/>
               </a:xfrm>
               <a:prstGeom prst="rect">
@@ -6302,7 +6141,7 @@
               <p14:nvPr/>
             </p14:nvContentPartPr>
             <p14:xfrm>
-              <a:off x="10467135" y="5200954"/>
+              <a:off x="9127222" y="5245498"/>
               <a:ext cx="372187" cy="372187"/>
             </p14:xfrm>
           </p:contentPart>
@@ -6328,7 +6167,7 @@
             </p:blipFill>
             <p:spPr>
               <a:xfrm>
-                <a:off x="10458128" y="5191947"/>
+                <a:off x="9118215" y="5236491"/>
                 <a:ext cx="389842" cy="389842"/>
               </a:xfrm>
               <a:prstGeom prst="rect">
@@ -6353,7 +6192,7 @@
               <p14:nvPr/>
             </p14:nvContentPartPr>
             <p14:xfrm>
-              <a:off x="5667572" y="3826454"/>
+              <a:off x="4327659" y="3870998"/>
               <a:ext cx="372187" cy="372187"/>
             </p14:xfrm>
           </p:contentPart>
@@ -6379,7 +6218,7 @@
             </p:blipFill>
             <p:spPr>
               <a:xfrm>
-                <a:off x="5658565" y="3817447"/>
+                <a:off x="4318652" y="3861991"/>
                 <a:ext cx="389842" cy="389842"/>
               </a:xfrm>
               <a:prstGeom prst="rect">
@@ -6404,7 +6243,7 @@
               <p14:nvPr/>
             </p14:nvContentPartPr>
             <p14:xfrm rot="611233">
-              <a:off x="4041736" y="5236070"/>
+              <a:off x="2701823" y="5280614"/>
               <a:ext cx="372187" cy="372187"/>
             </p14:xfrm>
           </p:contentPart>
@@ -6430,7 +6269,7 @@
             </p:blipFill>
             <p:spPr>
               <a:xfrm rot="611233">
-                <a:off x="4032729" y="5227063"/>
+                <a:off x="2692816" y="5271607"/>
                 <a:ext cx="389842" cy="389842"/>
               </a:xfrm>
               <a:prstGeom prst="rect">
@@ -6454,7 +6293,7 @@
         </p:nvSpPr>
         <p:spPr>
           <a:xfrm>
-            <a:off x="911774" y="3616231"/>
+            <a:off x="5167266" y="593612"/>
             <a:ext cx="1067049" cy="1067049"/>
           </a:xfrm>
           <a:prstGeom prst="ellipse">
@@ -6503,16 +6342,48 @@
           </a:p>
         </p:txBody>
       </p:sp>
+      <p:sp>
+        <p:nvSpPr>
+          <p:cNvPr id="3" name="Номер слайда 2">
+            <a:extLst>
+              <a:ext uri="{FF2B5EF4-FFF2-40B4-BE49-F238E27FC236}">
+                <a16:creationId xmlns:a16="http://schemas.microsoft.com/office/drawing/2014/main" id="{CC29E493-EF6F-6E86-05FE-3F1926891535}"/>
+              </a:ext>
+            </a:extLst>
+          </p:cNvPr>
+          <p:cNvSpPr>
+            <a:spLocks noGrp="1"/>
+          </p:cNvSpPr>
+          <p:nvPr>
+            <p:ph type="sldNum" sz="quarter" idx="12"/>
+          </p:nvPr>
+        </p:nvSpPr>
+        <p:spPr/>
+        <p:txBody>
+          <a:bodyPr/>
+          <a:lstStyle/>
+          <a:p>
+            <a:fld id="{2F362560-E0F8-43D8-8E93-488BE82A516D}" type="slidenum">
+              <a:rPr lang="ru-RU" smtClean="0"/>
+              <a:t>10</a:t>
+            </a:fld>
+            <a:endParaRPr lang="ru-RU"/>
+          </a:p>
+        </p:txBody>
+      </p:sp>
     </p:spTree>
     <p:extLst>
       <p:ext uri="{BB962C8B-B14F-4D97-AF65-F5344CB8AC3E}">
-        <p14:creationId xmlns:p14="http://schemas.microsoft.com/office/powerpoint/2010/main" val="4261700552"/>
+        <p14:creationId xmlns:p14="http://schemas.microsoft.com/office/powerpoint/2010/main" val="3216816535"/>
       </p:ext>
     </p:extLst>
   </p:cSld>
   <p:clrMapOvr>
     <a:masterClrMapping/>
   </p:clrMapOvr>
+  <p:transition spd="slow">
+    <p:push dir="u"/>
+  </p:transition>
   <p:timing>
     <p:tnLst>
       <p:par>
@@ -6537,1294 +6408,7 @@
                             </p:stCondLst>
                             <p:childTnLst>
                               <p:par>
-                                <p:cTn id="5" presetID="63" presetClass="path" presetSubtype="0" accel="50000" decel="50000" fill="hold" grpId="0" nodeType="afterEffect">
-                                  <p:stCondLst>
-                                    <p:cond delay="0"/>
-                                  </p:stCondLst>
-                                  <p:childTnLst>
-                                    <p:animMotion origin="layout" path="M 4.16667E-7 -2.59259E-6 L 0.45924 -0.43657 " pathEditMode="relative" rAng="0" ptsTypes="AA">
-                                      <p:cBhvr>
-                                        <p:cTn id="6" dur="2000" fill="hold"/>
-                                        <p:tgtEl>
-                                          <p:spTgt spid="30"/>
-                                        </p:tgtEl>
-                                        <p:attrNameLst>
-                                          <p:attrName>ppt_x</p:attrName>
-                                          <p:attrName>ppt_y</p:attrName>
-                                        </p:attrNameLst>
-                                      </p:cBhvr>
-                                      <p:rCtr x="22956" y="-21829"/>
-                                    </p:animMotion>
-                                  </p:childTnLst>
-                                </p:cTn>
-                              </p:par>
-                            </p:childTnLst>
-                          </p:cTn>
-                        </p:par>
-                        <p:par>
-                          <p:cTn id="7" fill="hold">
-                            <p:stCondLst>
-                              <p:cond delay="2000"/>
-                            </p:stCondLst>
-                            <p:childTnLst>
-                              <p:par>
-                                <p:cTn id="8" presetID="21" presetClass="emph" presetSubtype="0" fill="hold" grpId="0" nodeType="afterEffect">
-                                  <p:stCondLst>
-                                    <p:cond delay="0"/>
-                                  </p:stCondLst>
-                                  <p:childTnLst>
-                                    <p:animClr clrSpc="hsl" dir="cw">
-                                      <p:cBhvr override="childStyle">
-                                        <p:cTn id="9" dur="500" fill="hold"/>
-                                        <p:tgtEl>
-                                          <p:spTgt spid="7"/>
-                                        </p:tgtEl>
-                                        <p:attrNameLst>
-                                          <p:attrName>style.color</p:attrName>
-                                        </p:attrNameLst>
-                                      </p:cBhvr>
-                                      <p:by>
-                                        <p:hsl h="7200000" s="0" l="0"/>
-                                      </p:by>
-                                    </p:animClr>
-                                    <p:animClr clrSpc="hsl" dir="cw">
-                                      <p:cBhvr>
-                                        <p:cTn id="10" dur="500" fill="hold"/>
-                                        <p:tgtEl>
-                                          <p:spTgt spid="7"/>
-                                        </p:tgtEl>
-                                        <p:attrNameLst>
-                                          <p:attrName>fillcolor</p:attrName>
-                                        </p:attrNameLst>
-                                      </p:cBhvr>
-                                      <p:by>
-                                        <p:hsl h="7200000" s="0" l="0"/>
-                                      </p:by>
-                                    </p:animClr>
-                                    <p:animClr clrSpc="hsl" dir="cw">
-                                      <p:cBhvr>
-                                        <p:cTn id="11" dur="500" fill="hold"/>
-                                        <p:tgtEl>
-                                          <p:spTgt spid="7"/>
-                                        </p:tgtEl>
-                                        <p:attrNameLst>
-                                          <p:attrName>stroke.color</p:attrName>
-                                        </p:attrNameLst>
-                                      </p:cBhvr>
-                                      <p:by>
-                                        <p:hsl h="7200000" s="0" l="0"/>
-                                      </p:by>
-                                    </p:animClr>
-                                    <p:set>
-                                      <p:cBhvr>
-                                        <p:cTn id="12" dur="500" fill="hold"/>
-                                        <p:tgtEl>
-                                          <p:spTgt spid="7"/>
-                                        </p:tgtEl>
-                                        <p:attrNameLst>
-                                          <p:attrName>fill.type</p:attrName>
-                                        </p:attrNameLst>
-                                      </p:cBhvr>
-                                      <p:to>
-                                        <p:strVal val="solid"/>
-                                      </p:to>
-                                    </p:set>
-                                  </p:childTnLst>
-                                </p:cTn>
-                              </p:par>
-                            </p:childTnLst>
-                          </p:cTn>
-                        </p:par>
-                      </p:childTnLst>
-                    </p:cTn>
-                  </p:par>
-                </p:childTnLst>
-              </p:cTn>
-              <p:prevCondLst>
-                <p:cond evt="onPrev" delay="0">
-                  <p:tgtEl>
-                    <p:sldTgt/>
-                  </p:tgtEl>
-                </p:cond>
-              </p:prevCondLst>
-              <p:nextCondLst>
-                <p:cond evt="onNext" delay="0">
-                  <p:tgtEl>
-                    <p:sldTgt/>
-                  </p:tgtEl>
-                </p:cond>
-              </p:nextCondLst>
-            </p:seq>
-          </p:childTnLst>
-        </p:cTn>
-      </p:par>
-    </p:tnLst>
-    <p:bldLst>
-      <p:bldP spid="7" grpId="0" animBg="1"/>
-      <p:bldP spid="30" grpId="0" animBg="1"/>
-    </p:bldLst>
-  </p:timing>
-</p:sld>
-</file>
-
-<file path=ppt/slides/slide11.xml><?xml version="1.0" encoding="utf-8"?>
-<p:sld xmlns:a="http://schemas.openxmlformats.org/drawingml/2006/main" xmlns:r="http://schemas.openxmlformats.org/officeDocument/2006/relationships" xmlns:p="http://schemas.openxmlformats.org/presentationml/2006/main">
-  <p:cSld>
-    <p:spTree>
-      <p:nvGrpSpPr>
-        <p:cNvPr id="1" name=""/>
-        <p:cNvGrpSpPr/>
-        <p:nvPr/>
-      </p:nvGrpSpPr>
-      <p:grpSpPr>
-        <a:xfrm>
-          <a:off x="0" y="0"/>
-          <a:ext cx="0" cy="0"/>
-          <a:chOff x="0" y="0"/>
-          <a:chExt cx="0" cy="0"/>
-        </a:xfrm>
-      </p:grpSpPr>
-      <p:sp>
-        <p:nvSpPr>
-          <p:cNvPr id="2" name="Заголовок 1">
-            <a:extLst>
-              <a:ext uri="{FF2B5EF4-FFF2-40B4-BE49-F238E27FC236}">
-                <a16:creationId xmlns:a16="http://schemas.microsoft.com/office/drawing/2014/main" id="{AB5601AE-249F-225D-22AA-25A83E365005}"/>
-              </a:ext>
-            </a:extLst>
-          </p:cNvPr>
-          <p:cNvSpPr>
-            <a:spLocks noGrp="1"/>
-          </p:cNvSpPr>
-          <p:nvPr>
-            <p:ph type="title"/>
-          </p:nvPr>
-        </p:nvSpPr>
-        <p:spPr>
-          <a:xfrm>
-            <a:off x="818471" y="-25022"/>
-            <a:ext cx="10442576" cy="1325563"/>
-          </a:xfrm>
-        </p:spPr>
-        <p:txBody>
-          <a:bodyPr/>
-          <a:lstStyle/>
-          <a:p>
-            <a:r>
-              <a:rPr lang="ru-RU" dirty="0"/>
-              <a:t>Проверка на перекрытие</a:t>
-            </a:r>
-          </a:p>
-        </p:txBody>
-      </p:sp>
-      <p:sp>
-        <p:nvSpPr>
-          <p:cNvPr id="7" name="Овал 6">
-            <a:extLst>
-              <a:ext uri="{FF2B5EF4-FFF2-40B4-BE49-F238E27FC236}">
-                <a16:creationId xmlns:a16="http://schemas.microsoft.com/office/drawing/2014/main" id="{C3A143DB-F6DA-7A70-5BA6-1EBB2DC9639C}"/>
-              </a:ext>
-            </a:extLst>
-          </p:cNvPr>
-          <p:cNvSpPr/>
-          <p:nvPr/>
-        </p:nvSpPr>
-        <p:spPr>
-          <a:xfrm>
-            <a:off x="6507180" y="1787851"/>
-            <a:ext cx="1067049" cy="1067049"/>
-          </a:xfrm>
-          <a:prstGeom prst="ellipse">
-            <a:avLst/>
-          </a:prstGeom>
-          <a:solidFill>
-            <a:schemeClr val="accent1"/>
-          </a:solidFill>
-        </p:spPr>
-        <p:style>
-          <a:lnRef idx="2">
-            <a:schemeClr val="accent1">
-              <a:shade val="50000"/>
-            </a:schemeClr>
-          </a:lnRef>
-          <a:fillRef idx="1">
-            <a:schemeClr val="accent1"/>
-          </a:fillRef>
-          <a:effectRef idx="0">
-            <a:schemeClr val="accent1"/>
-          </a:effectRef>
-          <a:fontRef idx="minor">
-            <a:schemeClr val="lt1"/>
-          </a:fontRef>
-        </p:style>
-        <p:txBody>
-          <a:bodyPr rtlCol="0" anchor="ctr"/>
-          <a:lstStyle/>
-          <a:p>
-            <a:pPr algn="ctr"/>
-            <a:r>
-              <a:rPr lang="en-US" sz="1200" dirty="0"/>
-              <a:t>[5;10]</a:t>
-            </a:r>
-          </a:p>
-          <a:p>
-            <a:pPr algn="ctr"/>
-            <a:r>
-              <a:rPr lang="en-US" sz="1200" dirty="0"/>
-              <a:t>Max = 1</a:t>
-            </a:r>
-            <a:r>
-              <a:rPr lang="ru-RU" sz="1200" dirty="0"/>
-              <a:t>5</a:t>
-            </a:r>
-          </a:p>
-        </p:txBody>
-      </p:sp>
-      <p:sp>
-        <p:nvSpPr>
-          <p:cNvPr id="8" name="Овал 7">
-            <a:extLst>
-              <a:ext uri="{FF2B5EF4-FFF2-40B4-BE49-F238E27FC236}">
-                <a16:creationId xmlns:a16="http://schemas.microsoft.com/office/drawing/2014/main" id="{F4CB6CE7-D6D7-3E97-CEC8-27F95C31E2FE}"/>
-              </a:ext>
-            </a:extLst>
-          </p:cNvPr>
-          <p:cNvSpPr/>
-          <p:nvPr/>
-        </p:nvSpPr>
-        <p:spPr>
-          <a:xfrm>
-            <a:off x="4636502" y="2973240"/>
-            <a:ext cx="1067049" cy="1067049"/>
-          </a:xfrm>
-          <a:prstGeom prst="ellipse">
-            <a:avLst/>
-          </a:prstGeom>
-        </p:spPr>
-        <p:style>
-          <a:lnRef idx="2">
-            <a:schemeClr val="accent1">
-              <a:shade val="50000"/>
-            </a:schemeClr>
-          </a:lnRef>
-          <a:fillRef idx="1">
-            <a:schemeClr val="accent1"/>
-          </a:fillRef>
-          <a:effectRef idx="0">
-            <a:schemeClr val="accent1"/>
-          </a:effectRef>
-          <a:fontRef idx="minor">
-            <a:schemeClr val="lt1"/>
-          </a:fontRef>
-        </p:style>
-        <p:txBody>
-          <a:bodyPr rtlCol="0" anchor="ctr"/>
-          <a:lstStyle/>
-          <a:p>
-            <a:pPr algn="ctr"/>
-            <a:r>
-              <a:rPr lang="en-US" sz="1200" dirty="0"/>
-              <a:t>[4;12]</a:t>
-            </a:r>
-          </a:p>
-          <a:p>
-            <a:pPr algn="ctr"/>
-            <a:r>
-              <a:rPr lang="en-US" sz="1200" dirty="0"/>
-              <a:t>Max = </a:t>
-            </a:r>
-            <a:r>
-              <a:rPr lang="ru-RU" sz="1200" dirty="0"/>
-              <a:t>12</a:t>
-            </a:r>
-          </a:p>
-        </p:txBody>
-      </p:sp>
-      <p:sp>
-        <p:nvSpPr>
-          <p:cNvPr id="9" name="Овал 8">
-            <a:extLst>
-              <a:ext uri="{FF2B5EF4-FFF2-40B4-BE49-F238E27FC236}">
-                <a16:creationId xmlns:a16="http://schemas.microsoft.com/office/drawing/2014/main" id="{5DBC41C2-460E-E16C-7609-8699881505F3}"/>
-              </a:ext>
-            </a:extLst>
-          </p:cNvPr>
-          <p:cNvSpPr/>
-          <p:nvPr/>
-        </p:nvSpPr>
-        <p:spPr>
-          <a:xfrm>
-            <a:off x="8192498" y="2973239"/>
-            <a:ext cx="1067049" cy="1067049"/>
-          </a:xfrm>
-          <a:prstGeom prst="ellipse">
-            <a:avLst/>
-          </a:prstGeom>
-          <a:solidFill>
-            <a:schemeClr val="accent1"/>
-          </a:solidFill>
-          <a:ln>
-            <a:solidFill>
-              <a:schemeClr val="accent1"/>
-            </a:solidFill>
-          </a:ln>
-        </p:spPr>
-        <p:style>
-          <a:lnRef idx="2">
-            <a:schemeClr val="accent1">
-              <a:shade val="50000"/>
-            </a:schemeClr>
-          </a:lnRef>
-          <a:fillRef idx="1">
-            <a:schemeClr val="accent1"/>
-          </a:fillRef>
-          <a:effectRef idx="0">
-            <a:schemeClr val="accent1"/>
-          </a:effectRef>
-          <a:fontRef idx="minor">
-            <a:schemeClr val="lt1"/>
-          </a:fontRef>
-        </p:style>
-        <p:txBody>
-          <a:bodyPr rtlCol="0" anchor="ctr"/>
-          <a:lstStyle/>
-          <a:p>
-            <a:pPr algn="ctr"/>
-            <a:r>
-              <a:rPr lang="en-US" sz="1200" dirty="0"/>
-              <a:t>[</a:t>
-            </a:r>
-            <a:r>
-              <a:rPr lang="ru-RU" sz="1200" dirty="0"/>
-              <a:t>6</a:t>
-            </a:r>
-            <a:r>
-              <a:rPr lang="en-US" sz="1200" dirty="0"/>
-              <a:t>;1</a:t>
-            </a:r>
-            <a:r>
-              <a:rPr lang="ru-RU" sz="1200" dirty="0"/>
-              <a:t>5</a:t>
-            </a:r>
-            <a:r>
-              <a:rPr lang="en-US" sz="1200" dirty="0"/>
-              <a:t>]</a:t>
-            </a:r>
-          </a:p>
-          <a:p>
-            <a:pPr algn="ctr"/>
-            <a:r>
-              <a:rPr lang="en-US" sz="1200" dirty="0"/>
-              <a:t>Max = </a:t>
-            </a:r>
-            <a:r>
-              <a:rPr lang="ru-RU" sz="1200" dirty="0"/>
-              <a:t>15</a:t>
-            </a:r>
-          </a:p>
-        </p:txBody>
-      </p:sp>
-      <mc:AlternateContent xmlns:mc="http://schemas.openxmlformats.org/markup-compatibility/2006">
-        <mc:Choice xmlns:p14="http://schemas.microsoft.com/office/powerpoint/2010/main" Requires="p14">
-          <p:contentPart p14:bwMode="auto" r:id="rId2">
-            <p14:nvContentPartPr>
-              <p14:cNvPr id="10" name="Рукописный ввод 9">
-                <a:extLst>
-                  <a:ext uri="{FF2B5EF4-FFF2-40B4-BE49-F238E27FC236}">
-                    <a16:creationId xmlns:a16="http://schemas.microsoft.com/office/drawing/2014/main" id="{628BA94F-DC69-2410-09F2-B0E886431568}"/>
-                  </a:ext>
-                </a:extLst>
-              </p14:cNvPr>
-              <p14:cNvContentPartPr/>
-              <p14:nvPr/>
-            </p14:nvContentPartPr>
-            <p14:xfrm rot="20828647">
-              <a:off x="7647920" y="2666341"/>
-              <a:ext cx="442269" cy="442269"/>
-            </p14:xfrm>
-          </p:contentPart>
-        </mc:Choice>
-        <mc:Fallback>
-          <p:pic>
-            <p:nvPicPr>
-              <p:cNvPr id="10" name="Рукописный ввод 9">
-                <a:extLst>
-                  <a:ext uri="{FF2B5EF4-FFF2-40B4-BE49-F238E27FC236}">
-                    <a16:creationId xmlns:a16="http://schemas.microsoft.com/office/drawing/2014/main" id="{628BA94F-DC69-2410-09F2-B0E886431568}"/>
-                  </a:ext>
-                </a:extLst>
-              </p:cNvPr>
-              <p:cNvPicPr/>
-              <p:nvPr/>
-            </p:nvPicPr>
-            <p:blipFill>
-              <a:blip r:embed="rId3"/>
-              <a:stretch>
-                <a:fillRect/>
-              </a:stretch>
-            </p:blipFill>
-            <p:spPr>
-              <a:xfrm rot="20828647">
-                <a:off x="7638916" y="2657337"/>
-                <a:ext cx="459917" cy="459917"/>
-              </a:xfrm>
-              <a:prstGeom prst="rect">
-                <a:avLst/>
-              </a:prstGeom>
-            </p:spPr>
-          </p:pic>
-        </mc:Fallback>
-      </mc:AlternateContent>
-      <mc:AlternateContent xmlns:mc="http://schemas.openxmlformats.org/markup-compatibility/2006">
-        <mc:Choice xmlns:p14="http://schemas.microsoft.com/office/powerpoint/2010/main" Requires="p14">
-          <p:contentPart p14:bwMode="auto" r:id="rId4">
-            <p14:nvContentPartPr>
-              <p14:cNvPr id="11" name="Рукописный ввод 10">
-                <a:extLst>
-                  <a:ext uri="{FF2B5EF4-FFF2-40B4-BE49-F238E27FC236}">
-                    <a16:creationId xmlns:a16="http://schemas.microsoft.com/office/drawing/2014/main" id="{989A831B-F2C0-2A49-D3E5-69ECEE2B5E79}"/>
-                  </a:ext>
-                </a:extLst>
-              </p14:cNvPr>
-              <p14:cNvContentPartPr/>
-              <p14:nvPr/>
-            </p14:nvContentPartPr>
-            <p14:xfrm rot="658945">
-              <a:off x="5978013" y="2669033"/>
-              <a:ext cx="444929" cy="444929"/>
-            </p14:xfrm>
-          </p:contentPart>
-        </mc:Choice>
-        <mc:Fallback>
-          <p:pic>
-            <p:nvPicPr>
-              <p:cNvPr id="11" name="Рукописный ввод 10">
-                <a:extLst>
-                  <a:ext uri="{FF2B5EF4-FFF2-40B4-BE49-F238E27FC236}">
-                    <a16:creationId xmlns:a16="http://schemas.microsoft.com/office/drawing/2014/main" id="{989A831B-F2C0-2A49-D3E5-69ECEE2B5E79}"/>
-                  </a:ext>
-                </a:extLst>
-              </p:cNvPr>
-              <p:cNvPicPr/>
-              <p:nvPr/>
-            </p:nvPicPr>
-            <p:blipFill>
-              <a:blip r:embed="rId5"/>
-              <a:stretch>
-                <a:fillRect/>
-              </a:stretch>
-            </p:blipFill>
-            <p:spPr>
-              <a:xfrm rot="658945">
-                <a:off x="5969014" y="2660041"/>
-                <a:ext cx="462568" cy="462554"/>
-              </a:xfrm>
-              <a:prstGeom prst="rect">
-                <a:avLst/>
-              </a:prstGeom>
-            </p:spPr>
-          </p:pic>
-        </mc:Fallback>
-      </mc:AlternateContent>
-      <p:sp>
-        <p:nvSpPr>
-          <p:cNvPr id="18" name="Овал 17">
-            <a:extLst>
-              <a:ext uri="{FF2B5EF4-FFF2-40B4-BE49-F238E27FC236}">
-                <a16:creationId xmlns:a16="http://schemas.microsoft.com/office/drawing/2014/main" id="{D279F33D-9784-6123-A30D-65A0537E656C}"/>
-              </a:ext>
-            </a:extLst>
-          </p:cNvPr>
-          <p:cNvSpPr/>
-          <p:nvPr/>
-        </p:nvSpPr>
-        <p:spPr>
-          <a:xfrm>
-            <a:off x="3209439" y="4174834"/>
-            <a:ext cx="1067049" cy="1067049"/>
-          </a:xfrm>
-          <a:prstGeom prst="ellipse">
-            <a:avLst/>
-          </a:prstGeom>
-        </p:spPr>
-        <p:style>
-          <a:lnRef idx="2">
-            <a:schemeClr val="accent1">
-              <a:shade val="50000"/>
-            </a:schemeClr>
-          </a:lnRef>
-          <a:fillRef idx="1">
-            <a:schemeClr val="accent1"/>
-          </a:fillRef>
-          <a:effectRef idx="0">
-            <a:schemeClr val="accent1"/>
-          </a:effectRef>
-          <a:fontRef idx="minor">
-            <a:schemeClr val="lt1"/>
-          </a:fontRef>
-        </p:style>
-        <p:txBody>
-          <a:bodyPr rtlCol="0" anchor="ctr"/>
-          <a:lstStyle/>
-          <a:p>
-            <a:pPr algn="ctr"/>
-            <a:r>
-              <a:rPr lang="en-US" sz="1200" dirty="0"/>
-              <a:t>[</a:t>
-            </a:r>
-            <a:r>
-              <a:rPr lang="ru-RU" sz="1200" dirty="0"/>
-              <a:t>2</a:t>
-            </a:r>
-            <a:r>
-              <a:rPr lang="en-US" sz="1200" dirty="0"/>
-              <a:t>;</a:t>
-            </a:r>
-            <a:r>
-              <a:rPr lang="ru-RU" sz="1200" dirty="0"/>
-              <a:t>5</a:t>
-            </a:r>
-            <a:r>
-              <a:rPr lang="en-US" sz="1200" dirty="0"/>
-              <a:t>]</a:t>
-            </a:r>
-          </a:p>
-          <a:p>
-            <a:pPr algn="ctr"/>
-            <a:r>
-              <a:rPr lang="en-US" sz="1200" dirty="0"/>
-              <a:t>Max = 10</a:t>
-            </a:r>
-            <a:endParaRPr lang="ru-RU" sz="1200" dirty="0"/>
-          </a:p>
-        </p:txBody>
-      </p:sp>
-      <p:sp>
-        <p:nvSpPr>
-          <p:cNvPr id="19" name="Овал 18">
-            <a:extLst>
-              <a:ext uri="{FF2B5EF4-FFF2-40B4-BE49-F238E27FC236}">
-                <a16:creationId xmlns:a16="http://schemas.microsoft.com/office/drawing/2014/main" id="{C401A029-1829-83D7-8B8F-C877A3CA862E}"/>
-              </a:ext>
-            </a:extLst>
-          </p:cNvPr>
-          <p:cNvSpPr/>
-          <p:nvPr/>
-        </p:nvSpPr>
-        <p:spPr>
-          <a:xfrm>
-            <a:off x="5871902" y="4174834"/>
-            <a:ext cx="1067049" cy="1067049"/>
-          </a:xfrm>
-          <a:prstGeom prst="ellipse">
-            <a:avLst/>
-          </a:prstGeom>
-        </p:spPr>
-        <p:style>
-          <a:lnRef idx="2">
-            <a:schemeClr val="accent1">
-              <a:shade val="50000"/>
-            </a:schemeClr>
-          </a:lnRef>
-          <a:fillRef idx="1">
-            <a:schemeClr val="accent1"/>
-          </a:fillRef>
-          <a:effectRef idx="0">
-            <a:schemeClr val="accent1"/>
-          </a:effectRef>
-          <a:fontRef idx="minor">
-            <a:schemeClr val="lt1"/>
-          </a:fontRef>
-        </p:style>
-        <p:txBody>
-          <a:bodyPr rtlCol="0" anchor="ctr"/>
-          <a:lstStyle/>
-          <a:p>
-            <a:pPr algn="ctr"/>
-            <a:r>
-              <a:rPr lang="en-US" sz="1200" dirty="0"/>
-              <a:t>[4,5;5]</a:t>
-            </a:r>
-          </a:p>
-          <a:p>
-            <a:pPr algn="ctr"/>
-            <a:r>
-              <a:rPr lang="en-US" sz="1200" dirty="0"/>
-              <a:t>Max = 5</a:t>
-            </a:r>
-            <a:endParaRPr lang="ru-RU" sz="1200" dirty="0"/>
-          </a:p>
-        </p:txBody>
-      </p:sp>
-      <p:sp>
-        <p:nvSpPr>
-          <p:cNvPr id="20" name="Овал 19">
-            <a:extLst>
-              <a:ext uri="{FF2B5EF4-FFF2-40B4-BE49-F238E27FC236}">
-                <a16:creationId xmlns:a16="http://schemas.microsoft.com/office/drawing/2014/main" id="{3C2F4627-4A51-F303-7118-4C6920CBF718}"/>
-              </a:ext>
-            </a:extLst>
-          </p:cNvPr>
-          <p:cNvSpPr/>
-          <p:nvPr/>
-        </p:nvSpPr>
-        <p:spPr>
-          <a:xfrm>
-            <a:off x="9400183" y="4174834"/>
-            <a:ext cx="1067049" cy="1067049"/>
-          </a:xfrm>
-          <a:prstGeom prst="ellipse">
-            <a:avLst/>
-          </a:prstGeom>
-        </p:spPr>
-        <p:style>
-          <a:lnRef idx="2">
-            <a:schemeClr val="accent1">
-              <a:shade val="50000"/>
-            </a:schemeClr>
-          </a:lnRef>
-          <a:fillRef idx="1">
-            <a:schemeClr val="accent1"/>
-          </a:fillRef>
-          <a:effectRef idx="0">
-            <a:schemeClr val="accent1"/>
-          </a:effectRef>
-          <a:fontRef idx="minor">
-            <a:schemeClr val="lt1"/>
-          </a:fontRef>
-        </p:style>
-        <p:txBody>
-          <a:bodyPr rtlCol="0" anchor="ctr"/>
-          <a:lstStyle/>
-          <a:p>
-            <a:pPr algn="ctr"/>
-            <a:r>
-              <a:rPr lang="en-US" sz="1200" dirty="0"/>
-              <a:t>[8;12]</a:t>
-            </a:r>
-          </a:p>
-          <a:p>
-            <a:pPr algn="ctr"/>
-            <a:r>
-              <a:rPr lang="en-US" sz="1200" dirty="0"/>
-              <a:t>Max = </a:t>
-            </a:r>
-            <a:r>
-              <a:rPr lang="ru-RU" sz="1200" dirty="0"/>
-              <a:t>1</a:t>
-            </a:r>
-            <a:r>
-              <a:rPr lang="en-US" sz="1200" dirty="0"/>
-              <a:t>4</a:t>
-            </a:r>
-            <a:endParaRPr lang="ru-RU" sz="1200" dirty="0"/>
-          </a:p>
-        </p:txBody>
-      </p:sp>
-      <p:sp>
-        <p:nvSpPr>
-          <p:cNvPr id="21" name="Овал 20">
-            <a:extLst>
-              <a:ext uri="{FF2B5EF4-FFF2-40B4-BE49-F238E27FC236}">
-                <a16:creationId xmlns:a16="http://schemas.microsoft.com/office/drawing/2014/main" id="{66E23C10-C793-F8D9-EB6C-A5F6A5726B07}"/>
-              </a:ext>
-            </a:extLst>
-          </p:cNvPr>
-          <p:cNvSpPr/>
-          <p:nvPr/>
-        </p:nvSpPr>
-        <p:spPr>
-          <a:xfrm>
-            <a:off x="10654045" y="5581266"/>
-            <a:ext cx="1067049" cy="1067049"/>
-          </a:xfrm>
-          <a:prstGeom prst="ellipse">
-            <a:avLst/>
-          </a:prstGeom>
-        </p:spPr>
-        <p:style>
-          <a:lnRef idx="2">
-            <a:schemeClr val="accent1">
-              <a:shade val="50000"/>
-            </a:schemeClr>
-          </a:lnRef>
-          <a:fillRef idx="1">
-            <a:schemeClr val="accent1"/>
-          </a:fillRef>
-          <a:effectRef idx="0">
-            <a:schemeClr val="accent1"/>
-          </a:effectRef>
-          <a:fontRef idx="minor">
-            <a:schemeClr val="lt1"/>
-          </a:fontRef>
-        </p:style>
-        <p:txBody>
-          <a:bodyPr rtlCol="0" anchor="ctr"/>
-          <a:lstStyle/>
-          <a:p>
-            <a:pPr algn="ctr"/>
-            <a:r>
-              <a:rPr lang="en-US" sz="1200" dirty="0"/>
-              <a:t>[10;14]</a:t>
-            </a:r>
-          </a:p>
-          <a:p>
-            <a:pPr algn="ctr"/>
-            <a:r>
-              <a:rPr lang="en-US" sz="1200" dirty="0"/>
-              <a:t>Max = </a:t>
-            </a:r>
-            <a:r>
-              <a:rPr lang="ru-RU" sz="1200" dirty="0"/>
-              <a:t>1</a:t>
-            </a:r>
-            <a:r>
-              <a:rPr lang="en-US" sz="1200" dirty="0"/>
-              <a:t>4</a:t>
-            </a:r>
-            <a:endParaRPr lang="ru-RU" sz="1200" dirty="0"/>
-          </a:p>
-        </p:txBody>
-      </p:sp>
-      <p:sp>
-        <p:nvSpPr>
-          <p:cNvPr id="22" name="Овал 21">
-            <a:extLst>
-              <a:ext uri="{FF2B5EF4-FFF2-40B4-BE49-F238E27FC236}">
-                <a16:creationId xmlns:a16="http://schemas.microsoft.com/office/drawing/2014/main" id="{9AB7000D-0A35-8BA8-7E44-18D6AD1148EA}"/>
-              </a:ext>
-            </a:extLst>
-          </p:cNvPr>
-          <p:cNvSpPr/>
-          <p:nvPr/>
-        </p:nvSpPr>
-        <p:spPr>
-          <a:xfrm>
-            <a:off x="8068115" y="5581266"/>
-            <a:ext cx="1067049" cy="1067049"/>
-          </a:xfrm>
-          <a:prstGeom prst="ellipse">
-            <a:avLst/>
-          </a:prstGeom>
-        </p:spPr>
-        <p:style>
-          <a:lnRef idx="2">
-            <a:schemeClr val="accent1">
-              <a:shade val="50000"/>
-            </a:schemeClr>
-          </a:lnRef>
-          <a:fillRef idx="1">
-            <a:schemeClr val="accent1"/>
-          </a:fillRef>
-          <a:effectRef idx="0">
-            <a:schemeClr val="accent1"/>
-          </a:effectRef>
-          <a:fontRef idx="minor">
-            <a:schemeClr val="lt1"/>
-          </a:fontRef>
-        </p:style>
-        <p:txBody>
-          <a:bodyPr rtlCol="0" anchor="ctr"/>
-          <a:lstStyle/>
-          <a:p>
-            <a:pPr algn="ctr"/>
-            <a:r>
-              <a:rPr lang="en-US" sz="1200" dirty="0"/>
-              <a:t>[7;10]</a:t>
-            </a:r>
-          </a:p>
-          <a:p>
-            <a:pPr algn="ctr"/>
-            <a:r>
-              <a:rPr lang="en-US" sz="1200" dirty="0"/>
-              <a:t>Max = </a:t>
-            </a:r>
-            <a:r>
-              <a:rPr lang="ru-RU" sz="1200" dirty="0"/>
-              <a:t>1</a:t>
-            </a:r>
-            <a:r>
-              <a:rPr lang="en-US" sz="1200" dirty="0"/>
-              <a:t>0</a:t>
-            </a:r>
-            <a:endParaRPr lang="ru-RU" sz="1200" dirty="0"/>
-          </a:p>
-        </p:txBody>
-      </p:sp>
-      <p:sp>
-        <p:nvSpPr>
-          <p:cNvPr id="23" name="Овал 22">
-            <a:extLst>
-              <a:ext uri="{FF2B5EF4-FFF2-40B4-BE49-F238E27FC236}">
-                <a16:creationId xmlns:a16="http://schemas.microsoft.com/office/drawing/2014/main" id="{AB550798-7D56-D6FA-4571-3554A1C289E2}"/>
-              </a:ext>
-            </a:extLst>
-          </p:cNvPr>
-          <p:cNvSpPr/>
-          <p:nvPr/>
-        </p:nvSpPr>
-        <p:spPr>
-          <a:xfrm>
-            <a:off x="4134238" y="5609882"/>
-            <a:ext cx="1067049" cy="1067049"/>
-          </a:xfrm>
-          <a:prstGeom prst="ellipse">
-            <a:avLst/>
-          </a:prstGeom>
-        </p:spPr>
-        <p:style>
-          <a:lnRef idx="2">
-            <a:schemeClr val="accent1">
-              <a:shade val="50000"/>
-            </a:schemeClr>
-          </a:lnRef>
-          <a:fillRef idx="1">
-            <a:schemeClr val="accent1"/>
-          </a:fillRef>
-          <a:effectRef idx="0">
-            <a:schemeClr val="accent1"/>
-          </a:effectRef>
-          <a:fontRef idx="minor">
-            <a:schemeClr val="lt1"/>
-          </a:fontRef>
-        </p:style>
-        <p:txBody>
-          <a:bodyPr rtlCol="0" anchor="ctr"/>
-          <a:lstStyle/>
-          <a:p>
-            <a:pPr algn="ctr"/>
-            <a:r>
-              <a:rPr lang="en-US" sz="1200" dirty="0"/>
-              <a:t>[</a:t>
-            </a:r>
-            <a:r>
-              <a:rPr lang="ru-RU" sz="1200" dirty="0"/>
-              <a:t>3</a:t>
-            </a:r>
-            <a:r>
-              <a:rPr lang="en-US" sz="1200" dirty="0"/>
-              <a:t>; 10]</a:t>
-            </a:r>
-          </a:p>
-          <a:p>
-            <a:pPr algn="ctr"/>
-            <a:r>
-              <a:rPr lang="en-US" sz="1200" dirty="0"/>
-              <a:t>Max = </a:t>
-            </a:r>
-            <a:r>
-              <a:rPr lang="ru-RU" sz="1200" dirty="0"/>
-              <a:t>1</a:t>
-            </a:r>
-            <a:r>
-              <a:rPr lang="en-US" sz="1200" dirty="0"/>
-              <a:t>0</a:t>
-            </a:r>
-            <a:endParaRPr lang="ru-RU" sz="1200" dirty="0"/>
-          </a:p>
-        </p:txBody>
-      </p:sp>
-      <mc:AlternateContent xmlns:mc="http://schemas.openxmlformats.org/markup-compatibility/2006">
-        <mc:Choice xmlns:p14="http://schemas.microsoft.com/office/powerpoint/2010/main" Requires="p14">
-          <p:contentPart p14:bwMode="auto" r:id="rId6">
-            <p14:nvContentPartPr>
-              <p14:cNvPr id="24" name="Рукописный ввод 23">
-                <a:extLst>
-                  <a:ext uri="{FF2B5EF4-FFF2-40B4-BE49-F238E27FC236}">
-                    <a16:creationId xmlns:a16="http://schemas.microsoft.com/office/drawing/2014/main" id="{1EDF04A7-6C9B-4740-5F4A-4CE7DFC626F5}"/>
-                  </a:ext>
-                </a:extLst>
-              </p14:cNvPr>
-              <p14:cNvContentPartPr/>
-              <p14:nvPr/>
-            </p14:nvContentPartPr>
-            <p14:xfrm>
-              <a:off x="4177882" y="3817823"/>
-              <a:ext cx="444929" cy="444929"/>
-            </p14:xfrm>
-          </p:contentPart>
-        </mc:Choice>
-        <mc:Fallback>
-          <p:pic>
-            <p:nvPicPr>
-              <p:cNvPr id="24" name="Рукописный ввод 23">
-                <a:extLst>
-                  <a:ext uri="{FF2B5EF4-FFF2-40B4-BE49-F238E27FC236}">
-                    <a16:creationId xmlns:a16="http://schemas.microsoft.com/office/drawing/2014/main" id="{1EDF04A7-6C9B-4740-5F4A-4CE7DFC626F5}"/>
-                  </a:ext>
-                </a:extLst>
-              </p:cNvPr>
-              <p:cNvPicPr/>
-              <p:nvPr/>
-            </p:nvPicPr>
-            <p:blipFill>
-              <a:blip r:embed="rId5"/>
-              <a:stretch>
-                <a:fillRect/>
-              </a:stretch>
-            </p:blipFill>
-            <p:spPr>
-              <a:xfrm>
-                <a:off x="4168883" y="3808831"/>
-                <a:ext cx="462568" cy="462554"/>
-              </a:xfrm>
-              <a:prstGeom prst="rect">
-                <a:avLst/>
-              </a:prstGeom>
-            </p:spPr>
-          </p:pic>
-        </mc:Fallback>
-      </mc:AlternateContent>
-      <mc:AlternateContent xmlns:mc="http://schemas.openxmlformats.org/markup-compatibility/2006">
-        <mc:Choice xmlns:p14="http://schemas.microsoft.com/office/powerpoint/2010/main" Requires="p14">
-          <p:contentPart p14:bwMode="auto" r:id="rId7">
-            <p14:nvContentPartPr>
-              <p14:cNvPr id="25" name="Рукописный ввод 24">
-                <a:extLst>
-                  <a:ext uri="{FF2B5EF4-FFF2-40B4-BE49-F238E27FC236}">
-                    <a16:creationId xmlns:a16="http://schemas.microsoft.com/office/drawing/2014/main" id="{37BDCF98-B55F-E6DD-3746-BDA88E091C25}"/>
-                  </a:ext>
-                </a:extLst>
-              </p14:cNvPr>
-              <p14:cNvContentPartPr/>
-              <p14:nvPr/>
-            </p14:nvContentPartPr>
-            <p14:xfrm>
-              <a:off x="8980265" y="5136337"/>
-              <a:ext cx="444929" cy="444929"/>
-            </p14:xfrm>
-          </p:contentPart>
-        </mc:Choice>
-        <mc:Fallback>
-          <p:pic>
-            <p:nvPicPr>
-              <p:cNvPr id="25" name="Рукописный ввод 24">
-                <a:extLst>
-                  <a:ext uri="{FF2B5EF4-FFF2-40B4-BE49-F238E27FC236}">
-                    <a16:creationId xmlns:a16="http://schemas.microsoft.com/office/drawing/2014/main" id="{37BDCF98-B55F-E6DD-3746-BDA88E091C25}"/>
-                  </a:ext>
-                </a:extLst>
-              </p:cNvPr>
-              <p:cNvPicPr/>
-              <p:nvPr/>
-            </p:nvPicPr>
-            <p:blipFill>
-              <a:blip r:embed="rId5"/>
-              <a:stretch>
-                <a:fillRect/>
-              </a:stretch>
-            </p:blipFill>
-            <p:spPr>
-              <a:xfrm>
-                <a:off x="8971266" y="5127345"/>
-                <a:ext cx="462568" cy="462554"/>
-              </a:xfrm>
-              <a:prstGeom prst="rect">
-                <a:avLst/>
-              </a:prstGeom>
-            </p:spPr>
-          </p:pic>
-        </mc:Fallback>
-      </mc:AlternateContent>
-      <mc:AlternateContent xmlns:mc="http://schemas.openxmlformats.org/markup-compatibility/2006">
-        <mc:Choice xmlns:p14="http://schemas.microsoft.com/office/powerpoint/2010/main" Requires="p14">
-          <p:contentPart p14:bwMode="auto" r:id="rId8">
-            <p14:nvContentPartPr>
-              <p14:cNvPr id="26" name="Рукописный ввод 25">
-                <a:extLst>
-                  <a:ext uri="{FF2B5EF4-FFF2-40B4-BE49-F238E27FC236}">
-                    <a16:creationId xmlns:a16="http://schemas.microsoft.com/office/drawing/2014/main" id="{42AB8438-E688-0AC7-DC10-90308FFFC8DD}"/>
-                  </a:ext>
-                </a:extLst>
-              </p14:cNvPr>
-              <p14:cNvContentPartPr/>
-              <p14:nvPr/>
-            </p14:nvContentPartPr>
-            <p14:xfrm rot="21329040">
-              <a:off x="9160979" y="3876490"/>
-              <a:ext cx="372187" cy="372187"/>
-            </p14:xfrm>
-          </p:contentPart>
-        </mc:Choice>
-        <mc:Fallback>
-          <p:pic>
-            <p:nvPicPr>
-              <p:cNvPr id="26" name="Рукописный ввод 25">
-                <a:extLst>
-                  <a:ext uri="{FF2B5EF4-FFF2-40B4-BE49-F238E27FC236}">
-                    <a16:creationId xmlns:a16="http://schemas.microsoft.com/office/drawing/2014/main" id="{42AB8438-E688-0AC7-DC10-90308FFFC8DD}"/>
-                  </a:ext>
-                </a:extLst>
-              </p:cNvPr>
-              <p:cNvPicPr/>
-              <p:nvPr/>
-            </p:nvPicPr>
-            <p:blipFill>
-              <a:blip r:embed="rId9"/>
-              <a:stretch>
-                <a:fillRect/>
-              </a:stretch>
-            </p:blipFill>
-            <p:spPr>
-              <a:xfrm rot="21329040">
-                <a:off x="9151972" y="3867483"/>
-                <a:ext cx="389842" cy="389842"/>
-              </a:xfrm>
-              <a:prstGeom prst="rect">
-                <a:avLst/>
-              </a:prstGeom>
-            </p:spPr>
-          </p:pic>
-        </mc:Fallback>
-      </mc:AlternateContent>
-      <mc:AlternateContent xmlns:mc="http://schemas.openxmlformats.org/markup-compatibility/2006">
-        <mc:Choice xmlns:p14="http://schemas.microsoft.com/office/powerpoint/2010/main" Requires="p14">
-          <p:contentPart p14:bwMode="auto" r:id="rId10">
-            <p14:nvContentPartPr>
-              <p14:cNvPr id="27" name="Рукописный ввод 26">
-                <a:extLst>
-                  <a:ext uri="{FF2B5EF4-FFF2-40B4-BE49-F238E27FC236}">
-                    <a16:creationId xmlns:a16="http://schemas.microsoft.com/office/drawing/2014/main" id="{4B09BC62-0B72-C7E3-04C3-287325203569}"/>
-                  </a:ext>
-                </a:extLst>
-              </p14:cNvPr>
-              <p14:cNvContentPartPr/>
-              <p14:nvPr/>
-            </p14:nvContentPartPr>
-            <p14:xfrm>
-              <a:off x="10467135" y="5200954"/>
-              <a:ext cx="372187" cy="372187"/>
-            </p14:xfrm>
-          </p:contentPart>
-        </mc:Choice>
-        <mc:Fallback>
-          <p:pic>
-            <p:nvPicPr>
-              <p:cNvPr id="27" name="Рукописный ввод 26">
-                <a:extLst>
-                  <a:ext uri="{FF2B5EF4-FFF2-40B4-BE49-F238E27FC236}">
-                    <a16:creationId xmlns:a16="http://schemas.microsoft.com/office/drawing/2014/main" id="{4B09BC62-0B72-C7E3-04C3-287325203569}"/>
-                  </a:ext>
-                </a:extLst>
-              </p:cNvPr>
-              <p:cNvPicPr/>
-              <p:nvPr/>
-            </p:nvPicPr>
-            <p:blipFill>
-              <a:blip r:embed="rId9"/>
-              <a:stretch>
-                <a:fillRect/>
-              </a:stretch>
-            </p:blipFill>
-            <p:spPr>
-              <a:xfrm>
-                <a:off x="10458128" y="5191947"/>
-                <a:ext cx="389842" cy="389842"/>
-              </a:xfrm>
-              <a:prstGeom prst="rect">
-                <a:avLst/>
-              </a:prstGeom>
-            </p:spPr>
-          </p:pic>
-        </mc:Fallback>
-      </mc:AlternateContent>
-      <mc:AlternateContent xmlns:mc="http://schemas.openxmlformats.org/markup-compatibility/2006">
-        <mc:Choice xmlns:p14="http://schemas.microsoft.com/office/powerpoint/2010/main" Requires="p14">
-          <p:contentPart p14:bwMode="auto" r:id="rId11">
-            <p14:nvContentPartPr>
-              <p14:cNvPr id="28" name="Рукописный ввод 27">
-                <a:extLst>
-                  <a:ext uri="{FF2B5EF4-FFF2-40B4-BE49-F238E27FC236}">
-                    <a16:creationId xmlns:a16="http://schemas.microsoft.com/office/drawing/2014/main" id="{EE04B41C-7F82-E50A-AA87-44DD10BCDF1B}"/>
-                  </a:ext>
-                </a:extLst>
-              </p14:cNvPr>
-              <p14:cNvContentPartPr/>
-              <p14:nvPr/>
-            </p14:nvContentPartPr>
-            <p14:xfrm>
-              <a:off x="5667572" y="3826454"/>
-              <a:ext cx="372187" cy="372187"/>
-            </p14:xfrm>
-          </p:contentPart>
-        </mc:Choice>
-        <mc:Fallback>
-          <p:pic>
-            <p:nvPicPr>
-              <p:cNvPr id="28" name="Рукописный ввод 27">
-                <a:extLst>
-                  <a:ext uri="{FF2B5EF4-FFF2-40B4-BE49-F238E27FC236}">
-                    <a16:creationId xmlns:a16="http://schemas.microsoft.com/office/drawing/2014/main" id="{EE04B41C-7F82-E50A-AA87-44DD10BCDF1B}"/>
-                  </a:ext>
-                </a:extLst>
-              </p:cNvPr>
-              <p:cNvPicPr/>
-              <p:nvPr/>
-            </p:nvPicPr>
-            <p:blipFill>
-              <a:blip r:embed="rId9"/>
-              <a:stretch>
-                <a:fillRect/>
-              </a:stretch>
-            </p:blipFill>
-            <p:spPr>
-              <a:xfrm>
-                <a:off x="5658565" y="3817447"/>
-                <a:ext cx="389842" cy="389842"/>
-              </a:xfrm>
-              <a:prstGeom prst="rect">
-                <a:avLst/>
-              </a:prstGeom>
-            </p:spPr>
-          </p:pic>
-        </mc:Fallback>
-      </mc:AlternateContent>
-      <mc:AlternateContent xmlns:mc="http://schemas.openxmlformats.org/markup-compatibility/2006">
-        <mc:Choice xmlns:p14="http://schemas.microsoft.com/office/powerpoint/2010/main" Requires="p14">
-          <p:contentPart p14:bwMode="auto" r:id="rId12">
-            <p14:nvContentPartPr>
-              <p14:cNvPr id="29" name="Рукописный ввод 28">
-                <a:extLst>
-                  <a:ext uri="{FF2B5EF4-FFF2-40B4-BE49-F238E27FC236}">
-                    <a16:creationId xmlns:a16="http://schemas.microsoft.com/office/drawing/2014/main" id="{AC7224E7-219F-9FAB-A5AC-0BE971093677}"/>
-                  </a:ext>
-                </a:extLst>
-              </p14:cNvPr>
-              <p14:cNvContentPartPr/>
-              <p14:nvPr/>
-            </p14:nvContentPartPr>
-            <p14:xfrm rot="611233">
-              <a:off x="4041736" y="5236070"/>
-              <a:ext cx="372187" cy="372187"/>
-            </p14:xfrm>
-          </p:contentPart>
-        </mc:Choice>
-        <mc:Fallback>
-          <p:pic>
-            <p:nvPicPr>
-              <p:cNvPr id="29" name="Рукописный ввод 28">
-                <a:extLst>
-                  <a:ext uri="{FF2B5EF4-FFF2-40B4-BE49-F238E27FC236}">
-                    <a16:creationId xmlns:a16="http://schemas.microsoft.com/office/drawing/2014/main" id="{AC7224E7-219F-9FAB-A5AC-0BE971093677}"/>
-                  </a:ext>
-                </a:extLst>
-              </p:cNvPr>
-              <p:cNvPicPr/>
-              <p:nvPr/>
-            </p:nvPicPr>
-            <p:blipFill>
-              <a:blip r:embed="rId9"/>
-              <a:stretch>
-                <a:fillRect/>
-              </a:stretch>
-            </p:blipFill>
-            <p:spPr>
-              <a:xfrm rot="611233">
-                <a:off x="4032729" y="5227063"/>
-                <a:ext cx="389842" cy="389842"/>
-              </a:xfrm>
-              <a:prstGeom prst="rect">
-                <a:avLst/>
-              </a:prstGeom>
-            </p:spPr>
-          </p:pic>
-        </mc:Fallback>
-      </mc:AlternateContent>
-      <p:sp>
-        <p:nvSpPr>
-          <p:cNvPr id="30" name="Овал 29">
-            <a:extLst>
-              <a:ext uri="{FF2B5EF4-FFF2-40B4-BE49-F238E27FC236}">
-                <a16:creationId xmlns:a16="http://schemas.microsoft.com/office/drawing/2014/main" id="{28C77265-AAFA-D77C-2B77-952608D53C11}"/>
-              </a:ext>
-            </a:extLst>
-          </p:cNvPr>
-          <p:cNvSpPr/>
-          <p:nvPr/>
-        </p:nvSpPr>
-        <p:spPr>
-          <a:xfrm>
-            <a:off x="6507179" y="549068"/>
-            <a:ext cx="1067049" cy="1067049"/>
-          </a:xfrm>
-          <a:prstGeom prst="ellipse">
-            <a:avLst/>
-          </a:prstGeom>
-          <a:solidFill>
-            <a:schemeClr val="accent2">
-              <a:lumMod val="60000"/>
-              <a:lumOff val="40000"/>
-            </a:schemeClr>
-          </a:solidFill>
-        </p:spPr>
-        <p:style>
-          <a:lnRef idx="2">
-            <a:schemeClr val="accent1">
-              <a:shade val="50000"/>
-            </a:schemeClr>
-          </a:lnRef>
-          <a:fillRef idx="1">
-            <a:schemeClr val="accent1"/>
-          </a:fillRef>
-          <a:effectRef idx="0">
-            <a:schemeClr val="accent1"/>
-          </a:effectRef>
-          <a:fontRef idx="minor">
-            <a:schemeClr val="lt1"/>
-          </a:fontRef>
-        </p:style>
-        <p:txBody>
-          <a:bodyPr rtlCol="0" anchor="ctr"/>
-          <a:lstStyle/>
-          <a:p>
-            <a:pPr algn="ctr"/>
-            <a:r>
-              <a:rPr lang="en-US" sz="1200" dirty="0"/>
-              <a:t>[-2;8]</a:t>
-            </a:r>
-          </a:p>
-          <a:p>
-            <a:pPr algn="ctr"/>
-            <a:r>
-              <a:rPr lang="en-US" sz="1200" dirty="0"/>
-              <a:t>Max = 8</a:t>
-            </a:r>
-            <a:endParaRPr lang="ru-RU" sz="1200" dirty="0"/>
-          </a:p>
-        </p:txBody>
-      </p:sp>
-    </p:spTree>
-    <p:extLst>
-      <p:ext uri="{BB962C8B-B14F-4D97-AF65-F5344CB8AC3E}">
-        <p14:creationId xmlns:p14="http://schemas.microsoft.com/office/powerpoint/2010/main" val="3216816535"/>
-      </p:ext>
-    </p:extLst>
-  </p:cSld>
-  <p:clrMapOvr>
-    <a:masterClrMapping/>
-  </p:clrMapOvr>
-  <p:timing>
-    <p:tnLst>
-      <p:par>
-        <p:cTn id="1" dur="indefinite" restart="never" nodeType="tmRoot">
-          <p:childTnLst>
-            <p:seq concurrent="1" nextAc="seek">
-              <p:cTn id="2" dur="indefinite" nodeType="mainSeq">
-                <p:childTnLst>
-                  <p:par>
-                    <p:cTn id="3" fill="hold">
-                      <p:stCondLst>
-                        <p:cond delay="indefinite"/>
-                      </p:stCondLst>
-                      <p:childTnLst>
-                        <p:par>
-                          <p:cTn id="4" fill="hold">
-                            <p:stCondLst>
-                              <p:cond delay="0"/>
-                            </p:stCondLst>
-                            <p:childTnLst>
-                              <p:par>
-                                <p:cTn id="5" presetID="21" presetClass="emph" presetSubtype="0" fill="hold" grpId="0" nodeType="clickEffect">
+                                <p:cTn id="5" presetID="21" presetClass="emph" presetSubtype="0" fill="hold" grpId="0" nodeType="afterEffect">
                                   <p:stCondLst>
                                     <p:cond delay="0"/>
                                   </p:stCondLst>
@@ -7891,30 +6475,21 @@
                             </p:childTnLst>
                           </p:cTn>
                         </p:par>
-                      </p:childTnLst>
-                    </p:cTn>
-                  </p:par>
-                  <p:par>
-                    <p:cTn id="10" fill="hold">
-                      <p:stCondLst>
-                        <p:cond delay="indefinite"/>
-                      </p:stCondLst>
-                      <p:childTnLst>
                         <p:par>
-                          <p:cTn id="11" fill="hold">
+                          <p:cTn id="10" fill="hold">
                             <p:stCondLst>
-                              <p:cond delay="0"/>
+                              <p:cond delay="500"/>
                             </p:stCondLst>
                             <p:childTnLst>
                               <p:par>
-                                <p:cTn id="12" presetID="37" presetClass="path" presetSubtype="0" accel="50000" decel="50000" fill="hold" grpId="0" nodeType="clickEffect">
+                                <p:cTn id="11" presetID="37" presetClass="path" presetSubtype="0" accel="50000" decel="50000" fill="hold" grpId="0" nodeType="afterEffect">
                                   <p:stCondLst>
-                                    <p:cond delay="0"/>
+                                    <p:cond delay="750"/>
                                   </p:stCondLst>
                                   <p:childTnLst>
-                                    <p:animMotion origin="layout" path="M -0.00026 -3.7037E-7 L -0.15859 0.18264 " pathEditMode="relative" rAng="0" ptsTypes="AA">
+                                    <p:animMotion origin="layout" path="M -0.00026 -1.85185E-6 L -0.1586 0.18264 " pathEditMode="relative" rAng="0" ptsTypes="AA">
                                       <p:cBhvr>
-                                        <p:cTn id="13" dur="2000" fill="hold"/>
+                                        <p:cTn id="12" dur="2000" fill="hold"/>
                                         <p:tgtEl>
                                           <p:spTgt spid="30"/>
                                         </p:tgtEl>
@@ -7931,30 +6506,21 @@
                             </p:childTnLst>
                           </p:cTn>
                         </p:par>
-                      </p:childTnLst>
-                    </p:cTn>
-                  </p:par>
-                  <p:par>
-                    <p:cTn id="14" fill="hold">
-                      <p:stCondLst>
-                        <p:cond delay="indefinite"/>
-                      </p:stCondLst>
-                      <p:childTnLst>
                         <p:par>
-                          <p:cTn id="15" fill="hold">
+                          <p:cTn id="13" fill="hold">
                             <p:stCondLst>
-                              <p:cond delay="0"/>
+                              <p:cond delay="3250"/>
                             </p:stCondLst>
                             <p:childTnLst>
                               <p:par>
-                                <p:cTn id="16" presetID="21" presetClass="emph" presetSubtype="0" fill="hold" grpId="0" nodeType="clickEffect">
+                                <p:cTn id="14" presetID="21" presetClass="emph" presetSubtype="0" fill="hold" grpId="0" nodeType="afterEffect">
                                   <p:stCondLst>
-                                    <p:cond delay="0"/>
+                                    <p:cond delay="750"/>
                                   </p:stCondLst>
                                   <p:childTnLst>
                                     <p:animClr clrSpc="hsl" dir="cw">
                                       <p:cBhvr override="childStyle">
-                                        <p:cTn id="17" dur="500" fill="hold"/>
+                                        <p:cTn id="15" dur="500" fill="hold"/>
                                         <p:tgtEl>
                                           <p:spTgt spid="8"/>
                                         </p:tgtEl>
@@ -7968,7 +6534,7 @@
                                     </p:animClr>
                                     <p:animClr clrSpc="hsl" dir="cw">
                                       <p:cBhvr>
-                                        <p:cTn id="18" dur="500" fill="hold"/>
+                                        <p:cTn id="16" dur="500" fill="hold"/>
                                         <p:tgtEl>
                                           <p:spTgt spid="8"/>
                                         </p:tgtEl>
@@ -7982,7 +6548,7 @@
                                     </p:animClr>
                                     <p:animClr clrSpc="hsl" dir="cw">
                                       <p:cBhvr>
-                                        <p:cTn id="19" dur="500" fill="hold"/>
+                                        <p:cTn id="17" dur="500" fill="hold"/>
                                         <p:tgtEl>
                                           <p:spTgt spid="8"/>
                                         </p:tgtEl>
@@ -7996,7 +6562,7 @@
                                     </p:animClr>
                                     <p:set>
                                       <p:cBhvr>
-                                        <p:cTn id="20" dur="500" fill="hold"/>
+                                        <p:cTn id="18" dur="500" fill="hold"/>
                                         <p:tgtEl>
                                           <p:spTgt spid="8"/>
                                         </p:tgtEl>
@@ -8014,30 +6580,21 @@
                             </p:childTnLst>
                           </p:cTn>
                         </p:par>
-                      </p:childTnLst>
-                    </p:cTn>
-                  </p:par>
-                  <p:par>
-                    <p:cTn id="21" fill="hold">
-                      <p:stCondLst>
-                        <p:cond delay="indefinite"/>
-                      </p:stCondLst>
-                      <p:childTnLst>
                         <p:par>
-                          <p:cTn id="22" fill="hold">
+                          <p:cTn id="19" fill="hold">
                             <p:stCondLst>
-                              <p:cond delay="0"/>
+                              <p:cond delay="4500"/>
                             </p:stCondLst>
                             <p:childTnLst>
                               <p:par>
-                                <p:cTn id="23" presetID="37" presetClass="path" presetSubtype="0" accel="50000" decel="50000" fill="hold" grpId="1" nodeType="clickEffect">
+                                <p:cTn id="20" presetID="37" presetClass="path" presetSubtype="0" accel="50000" decel="50000" fill="hold" grpId="1" nodeType="afterEffect">
                                   <p:stCondLst>
-                                    <p:cond delay="0"/>
+                                    <p:cond delay="750"/>
                                   </p:stCondLst>
                                   <p:childTnLst>
-                                    <p:animMotion origin="layout" path="M -0.15859 0.18264 C -0.1888 0.25208 -0.24479 0.28009 -0.27461 0.35023 " pathEditMode="relative" rAng="0" ptsTypes="AA">
+                                    <p:animMotion origin="layout" path="M -0.1586 0.18264 C -0.1888 0.25209 -0.24479 0.28009 -0.27461 0.35023 " pathEditMode="relative" rAng="0" ptsTypes="AA">
                                       <p:cBhvr>
-                                        <p:cTn id="24" dur="2000" fill="hold"/>
+                                        <p:cTn id="21" dur="2000" fill="hold"/>
                                         <p:tgtEl>
                                           <p:spTgt spid="30"/>
                                         </p:tgtEl>
@@ -8055,20 +6612,20 @@
                           </p:cTn>
                         </p:par>
                         <p:par>
-                          <p:cTn id="25" fill="hold">
+                          <p:cTn id="22" fill="hold">
                             <p:stCondLst>
-                              <p:cond delay="2000"/>
+                              <p:cond delay="7250"/>
                             </p:stCondLst>
                             <p:childTnLst>
                               <p:par>
-                                <p:cTn id="26" presetID="21" presetClass="emph" presetSubtype="0" fill="hold" grpId="0" nodeType="afterEffect">
+                                <p:cTn id="23" presetID="21" presetClass="emph" presetSubtype="0" fill="hold" grpId="0" nodeType="afterEffect">
                                   <p:stCondLst>
-                                    <p:cond delay="0"/>
+                                    <p:cond delay="750"/>
                                   </p:stCondLst>
                                   <p:childTnLst>
                                     <p:animClr clrSpc="hsl" dir="cw">
                                       <p:cBhvr override="childStyle">
-                                        <p:cTn id="27" dur="500" fill="hold"/>
+                                        <p:cTn id="24" dur="500" fill="hold"/>
                                         <p:tgtEl>
                                           <p:spTgt spid="18"/>
                                         </p:tgtEl>
@@ -8082,7 +6639,7 @@
                                     </p:animClr>
                                     <p:animClr clrSpc="hsl" dir="cw">
                                       <p:cBhvr>
-                                        <p:cTn id="28" dur="500" fill="hold"/>
+                                        <p:cTn id="25" dur="500" fill="hold"/>
                                         <p:tgtEl>
                                           <p:spTgt spid="18"/>
                                         </p:tgtEl>
@@ -8096,7 +6653,7 @@
                                     </p:animClr>
                                     <p:animClr clrSpc="hsl" dir="cw">
                                       <p:cBhvr>
-                                        <p:cTn id="29" dur="500" fill="hold"/>
+                                        <p:cTn id="26" dur="500" fill="hold"/>
                                         <p:tgtEl>
                                           <p:spTgt spid="18"/>
                                         </p:tgtEl>
@@ -8110,7 +6667,7 @@
                                     </p:animClr>
                                     <p:set>
                                       <p:cBhvr>
-                                        <p:cTn id="30" dur="500" fill="hold"/>
+                                        <p:cTn id="27" dur="500" fill="hold"/>
                                         <p:tgtEl>
                                           <p:spTgt spid="18"/>
                                         </p:tgtEl>
@@ -8128,30 +6685,21 @@
                             </p:childTnLst>
                           </p:cTn>
                         </p:par>
-                      </p:childTnLst>
-                    </p:cTn>
-                  </p:par>
-                  <p:par>
-                    <p:cTn id="31" fill="hold">
-                      <p:stCondLst>
-                        <p:cond delay="indefinite"/>
-                      </p:stCondLst>
-                      <p:childTnLst>
                         <p:par>
-                          <p:cTn id="32" fill="hold">
+                          <p:cTn id="28" fill="hold">
                             <p:stCondLst>
-                              <p:cond delay="0"/>
+                              <p:cond delay="8500"/>
                             </p:stCondLst>
                             <p:childTnLst>
                               <p:par>
-                                <p:cTn id="33" presetID="37" presetClass="path" presetSubtype="0" accel="50000" decel="50000" fill="hold" grpId="2" nodeType="clickEffect">
+                                <p:cTn id="29" presetID="37" presetClass="path" presetSubtype="0" accel="50000" decel="50000" fill="hold" grpId="2" nodeType="afterEffect">
                                   <p:stCondLst>
-                                    <p:cond delay="0"/>
+                                    <p:cond delay="750"/>
                                   </p:stCondLst>
                                   <p:childTnLst>
-                                    <p:animMotion origin="layout" path="M -0.27461 0.35023 C -0.25247 0.36343 -0.23567 0.41435 -0.21341 0.42778 C -0.18554 0.49236 -0.19466 0.53565 -0.19062 0.57431 " pathEditMode="relative" rAng="0" ptsTypes="AAA">
+                                    <p:animMotion origin="layout" path="M -0.27461 0.35023 C -0.25248 0.36343 -0.23568 0.41435 -0.21341 0.42778 C -0.18555 0.49236 -0.19466 0.53565 -0.19063 0.57431 " pathEditMode="relative" rAng="0" ptsTypes="AAA">
                                       <p:cBhvr>
-                                        <p:cTn id="34" dur="2000" fill="hold"/>
+                                        <p:cTn id="30" dur="2000" fill="hold"/>
                                         <p:tgtEl>
                                           <p:spTgt spid="30"/>
                                         </p:tgtEl>
@@ -8168,30 +6716,21 @@
                             </p:childTnLst>
                           </p:cTn>
                         </p:par>
-                      </p:childTnLst>
-                    </p:cTn>
-                  </p:par>
-                  <p:par>
-                    <p:cTn id="35" fill="hold">
-                      <p:stCondLst>
-                        <p:cond delay="indefinite"/>
-                      </p:stCondLst>
-                      <p:childTnLst>
                         <p:par>
-                          <p:cTn id="36" fill="hold">
+                          <p:cTn id="31" fill="hold">
                             <p:stCondLst>
-                              <p:cond delay="0"/>
+                              <p:cond delay="11250"/>
                             </p:stCondLst>
                             <p:childTnLst>
                               <p:par>
-                                <p:cTn id="37" presetID="21" presetClass="emph" presetSubtype="0" fill="hold" grpId="0" nodeType="clickEffect">
+                                <p:cTn id="32" presetID="21" presetClass="emph" presetSubtype="0" fill="hold" grpId="0" nodeType="afterEffect">
                                   <p:stCondLst>
-                                    <p:cond delay="0"/>
+                                    <p:cond delay="750"/>
                                   </p:stCondLst>
                                   <p:childTnLst>
                                     <p:animClr clrSpc="hsl" dir="cw">
                                       <p:cBhvr override="childStyle">
-                                        <p:cTn id="38" dur="500" fill="hold"/>
+                                        <p:cTn id="33" dur="500" fill="hold"/>
                                         <p:tgtEl>
                                           <p:spTgt spid="23"/>
                                         </p:tgtEl>
@@ -8205,7 +6744,7 @@
                                     </p:animClr>
                                     <p:animClr clrSpc="hsl" dir="cw">
                                       <p:cBhvr>
-                                        <p:cTn id="39" dur="500" fill="hold"/>
+                                        <p:cTn id="34" dur="500" fill="hold"/>
                                         <p:tgtEl>
                                           <p:spTgt spid="23"/>
                                         </p:tgtEl>
@@ -8219,7 +6758,7 @@
                                     </p:animClr>
                                     <p:animClr clrSpc="hsl" dir="cw">
                                       <p:cBhvr>
-                                        <p:cTn id="40" dur="500" fill="hold"/>
+                                        <p:cTn id="35" dur="500" fill="hold"/>
                                         <p:tgtEl>
                                           <p:spTgt spid="23"/>
                                         </p:tgtEl>
@@ -8233,7 +6772,7 @@
                                     </p:animClr>
                                     <p:set>
                                       <p:cBhvr>
-                                        <p:cTn id="41" dur="500" fill="hold"/>
+                                        <p:cTn id="36" dur="500" fill="hold"/>
                                         <p:tgtEl>
                                           <p:spTgt spid="23"/>
                                         </p:tgtEl>
@@ -8251,30 +6790,21 @@
                             </p:childTnLst>
                           </p:cTn>
                         </p:par>
-                      </p:childTnLst>
-                    </p:cTn>
-                  </p:par>
-                  <p:par>
-                    <p:cTn id="42" fill="hold">
-                      <p:stCondLst>
-                        <p:cond delay="indefinite"/>
-                      </p:stCondLst>
-                      <p:childTnLst>
                         <p:par>
-                          <p:cTn id="43" fill="hold">
+                          <p:cTn id="37" fill="hold">
                             <p:stCondLst>
-                              <p:cond delay="0"/>
+                              <p:cond delay="12500"/>
                             </p:stCondLst>
                             <p:childTnLst>
                               <p:par>
-                                <p:cTn id="44" presetID="37" presetClass="path" presetSubtype="0" accel="50000" decel="50000" fill="hold" grpId="3" nodeType="clickEffect">
+                                <p:cTn id="38" presetID="37" presetClass="path" presetSubtype="0" accel="50000" decel="50000" fill="hold" grpId="3" nodeType="afterEffect">
                                   <p:stCondLst>
-                                    <p:cond delay="0"/>
+                                    <p:cond delay="750"/>
                                   </p:stCondLst>
                                   <p:childTnLst>
-                                    <p:animMotion origin="layout" path="M -0.19062 0.57431 C -0.20807 0.52708 -0.27903 0.40532 -0.27395 0.34884 C -0.2802 0.28634 -0.1832 0.20787 -0.15494 0.21806 C -0.09036 0.21551 -0.07382 0.3625 -0.0513 0.34931 " pathEditMode="relative" rAng="0" ptsTypes="AAAA">
+                                    <p:animMotion origin="layout" path="M -0.19063 0.57431 C -0.20807 0.52709 -0.27904 0.40533 -0.27396 0.34884 C -0.28021 0.28634 -0.1832 0.20787 -0.15495 0.21806 C -0.09037 0.21551 -0.07383 0.3625 -0.0513 0.34931 " pathEditMode="relative" rAng="0" ptsTypes="AAAA">
                                       <p:cBhvr>
-                                        <p:cTn id="45" dur="2000" fill="hold"/>
+                                        <p:cTn id="39" dur="2000" fill="hold"/>
                                         <p:tgtEl>
                                           <p:spTgt spid="30"/>
                                         </p:tgtEl>
@@ -8291,30 +6821,21 @@
                             </p:childTnLst>
                           </p:cTn>
                         </p:par>
-                      </p:childTnLst>
-                    </p:cTn>
-                  </p:par>
-                  <p:par>
-                    <p:cTn id="46" fill="hold">
-                      <p:stCondLst>
-                        <p:cond delay="indefinite"/>
-                      </p:stCondLst>
-                      <p:childTnLst>
                         <p:par>
-                          <p:cTn id="47" fill="hold">
+                          <p:cTn id="40" fill="hold">
                             <p:stCondLst>
-                              <p:cond delay="0"/>
+                              <p:cond delay="15250"/>
                             </p:stCondLst>
                             <p:childTnLst>
                               <p:par>
-                                <p:cTn id="48" presetID="21" presetClass="emph" presetSubtype="0" fill="hold" grpId="0" nodeType="clickEffect">
+                                <p:cTn id="41" presetID="21" presetClass="emph" presetSubtype="0" fill="hold" grpId="0" nodeType="afterEffect">
                                   <p:stCondLst>
-                                    <p:cond delay="0"/>
+                                    <p:cond delay="750"/>
                                   </p:stCondLst>
                                   <p:childTnLst>
                                     <p:animClr clrSpc="hsl" dir="cw">
                                       <p:cBhvr override="childStyle">
-                                        <p:cTn id="49" dur="500" fill="hold"/>
+                                        <p:cTn id="42" dur="500" fill="hold"/>
                                         <p:tgtEl>
                                           <p:spTgt spid="19"/>
                                         </p:tgtEl>
@@ -8328,7 +6849,7 @@
                                     </p:animClr>
                                     <p:animClr clrSpc="hsl" dir="cw">
                                       <p:cBhvr>
-                                        <p:cTn id="50" dur="500" fill="hold"/>
+                                        <p:cTn id="43" dur="500" fill="hold"/>
                                         <p:tgtEl>
                                           <p:spTgt spid="19"/>
                                         </p:tgtEl>
@@ -8342,7 +6863,7 @@
                                     </p:animClr>
                                     <p:animClr clrSpc="hsl" dir="cw">
                                       <p:cBhvr>
-                                        <p:cTn id="51" dur="500" fill="hold"/>
+                                        <p:cTn id="44" dur="500" fill="hold"/>
                                         <p:tgtEl>
                                           <p:spTgt spid="19"/>
                                         </p:tgtEl>
@@ -8356,7 +6877,7 @@
                                     </p:animClr>
                                     <p:set>
                                       <p:cBhvr>
-                                        <p:cTn id="52" dur="500" fill="hold"/>
+                                        <p:cTn id="45" dur="500" fill="hold"/>
                                         <p:tgtEl>
                                           <p:spTgt spid="19"/>
                                         </p:tgtEl>
@@ -8374,30 +6895,21 @@
                             </p:childTnLst>
                           </p:cTn>
                         </p:par>
-                      </p:childTnLst>
-                    </p:cTn>
-                  </p:par>
-                  <p:par>
-                    <p:cTn id="53" fill="hold">
-                      <p:stCondLst>
-                        <p:cond delay="indefinite"/>
-                      </p:stCondLst>
-                      <p:childTnLst>
                         <p:par>
-                          <p:cTn id="54" fill="hold">
+                          <p:cTn id="46" fill="hold">
                             <p:stCondLst>
-                              <p:cond delay="0"/>
+                              <p:cond delay="16500"/>
                             </p:stCondLst>
                             <p:childTnLst>
                               <p:par>
-                                <p:cTn id="55" presetID="37" presetClass="path" presetSubtype="0" accel="50000" decel="50000" fill="hold" grpId="4" nodeType="clickEffect">
+                                <p:cTn id="47" presetID="37" presetClass="path" presetSubtype="0" accel="50000" decel="50000" fill="hold" grpId="4" nodeType="afterEffect">
                                   <p:stCondLst>
-                                    <p:cond delay="0"/>
+                                    <p:cond delay="750"/>
                                   </p:stCondLst>
                                   <p:childTnLst>
-                                    <p:animMotion origin="layout" path="M -0.0513 0.34931 L -0.15625 0.17847 C -0.15937 0.11412 -0.04375 0.0088 -0.00299 0.01574 C 0.04792 0.01412 0.11485 0.19468 0.13802 0.18125 " pathEditMode="relative" rAng="0" ptsTypes="AAAA">
+                                    <p:animMotion origin="layout" path="M -0.0513 0.34931 L -0.15625 0.17847 C -0.15938 0.11412 -0.04375 0.0088 -0.003 0.01574 C 0.04791 0.01412 0.11484 0.19468 0.13802 0.18125 " pathEditMode="relative" rAng="0" ptsTypes="AAAA">
                                       <p:cBhvr>
-                                        <p:cTn id="56" dur="2000" fill="hold"/>
+                                        <p:cTn id="48" dur="2000" fill="hold"/>
                                         <p:tgtEl>
                                           <p:spTgt spid="30"/>
                                         </p:tgtEl>
@@ -8406,7 +6918,7 @@
                                           <p:attrName>ppt_y</p:attrName>
                                         </p:attrNameLst>
                                       </p:cBhvr>
-                                      <p:rCtr x="4219" y="-16690"/>
+                                      <p:rCtr x="4206" y="-16713"/>
                                     </p:animMotion>
                                   </p:childTnLst>
                                 </p:cTn>
@@ -8414,30 +6926,21 @@
                             </p:childTnLst>
                           </p:cTn>
                         </p:par>
-                      </p:childTnLst>
-                    </p:cTn>
-                  </p:par>
-                  <p:par>
-                    <p:cTn id="57" fill="hold">
-                      <p:stCondLst>
-                        <p:cond delay="indefinite"/>
-                      </p:stCondLst>
-                      <p:childTnLst>
                         <p:par>
-                          <p:cTn id="58" fill="hold">
+                          <p:cTn id="49" fill="hold">
                             <p:stCondLst>
-                              <p:cond delay="0"/>
+                              <p:cond delay="19250"/>
                             </p:stCondLst>
                             <p:childTnLst>
                               <p:par>
-                                <p:cTn id="59" presetID="21" presetClass="emph" presetSubtype="0" fill="hold" grpId="0" nodeType="clickEffect">
+                                <p:cTn id="50" presetID="21" presetClass="emph" presetSubtype="0" fill="hold" grpId="0" nodeType="afterEffect">
                                   <p:stCondLst>
-                                    <p:cond delay="0"/>
+                                    <p:cond delay="750"/>
                                   </p:stCondLst>
                                   <p:childTnLst>
                                     <p:animClr clrSpc="hsl" dir="cw">
                                       <p:cBhvr override="childStyle">
-                                        <p:cTn id="60" dur="500" fill="hold"/>
+                                        <p:cTn id="51" dur="500" fill="hold"/>
                                         <p:tgtEl>
                                           <p:spTgt spid="9"/>
                                         </p:tgtEl>
@@ -8451,7 +6954,7 @@
                                     </p:animClr>
                                     <p:animClr clrSpc="hsl" dir="cw">
                                       <p:cBhvr>
-                                        <p:cTn id="61" dur="500" fill="hold"/>
+                                        <p:cTn id="52" dur="500" fill="hold"/>
                                         <p:tgtEl>
                                           <p:spTgt spid="9"/>
                                         </p:tgtEl>
@@ -8465,7 +6968,7 @@
                                     </p:animClr>
                                     <p:animClr clrSpc="hsl" dir="cw">
                                       <p:cBhvr>
-                                        <p:cTn id="62" dur="500" fill="hold"/>
+                                        <p:cTn id="53" dur="500" fill="hold"/>
                                         <p:tgtEl>
                                           <p:spTgt spid="9"/>
                                         </p:tgtEl>
@@ -8479,7 +6982,7 @@
                                     </p:animClr>
                                     <p:set>
                                       <p:cBhvr>
-                                        <p:cTn id="63" dur="500" fill="hold"/>
+                                        <p:cTn id="54" dur="500" fill="hold"/>
                                         <p:tgtEl>
                                           <p:spTgt spid="9"/>
                                         </p:tgtEl>
@@ -8497,30 +7000,21 @@
                             </p:childTnLst>
                           </p:cTn>
                         </p:par>
-                      </p:childTnLst>
-                    </p:cTn>
-                  </p:par>
-                  <p:par>
-                    <p:cTn id="64" fill="hold">
-                      <p:stCondLst>
-                        <p:cond delay="indefinite"/>
-                      </p:stCondLst>
-                      <p:childTnLst>
                         <p:par>
-                          <p:cTn id="65" fill="hold">
+                          <p:cTn id="55" fill="hold">
                             <p:stCondLst>
-                              <p:cond delay="0"/>
+                              <p:cond delay="20500"/>
                             </p:stCondLst>
                             <p:childTnLst>
                               <p:par>
-                                <p:cTn id="66" presetID="37" presetClass="path" presetSubtype="0" accel="50000" decel="50000" fill="hold" grpId="5" nodeType="clickEffect">
+                                <p:cTn id="56" presetID="37" presetClass="path" presetSubtype="0" accel="50000" decel="50000" fill="hold" grpId="5" nodeType="afterEffect">
                                   <p:stCondLst>
-                                    <p:cond delay="0"/>
+                                    <p:cond delay="750"/>
                                   </p:stCondLst>
                                   <p:childTnLst>
-                                    <p:animMotion origin="layout" path="M 0.13802 0.18125 C 0.17266 0.25949 0.20222 0.27454 0.23724 0.35347 " pathEditMode="relative" rAng="0" ptsTypes="AA">
+                                    <p:animMotion origin="layout" path="M 0.13802 0.18125 C 0.17265 0.25949 0.20221 0.27454 0.23724 0.35347 " pathEditMode="relative" rAng="0" ptsTypes="AA">
                                       <p:cBhvr>
-                                        <p:cTn id="67" dur="2000" fill="hold"/>
+                                        <p:cTn id="57" dur="2000" fill="hold"/>
                                         <p:tgtEl>
                                           <p:spTgt spid="30"/>
                                         </p:tgtEl>
@@ -8537,30 +7031,21 @@
                             </p:childTnLst>
                           </p:cTn>
                         </p:par>
-                      </p:childTnLst>
-                    </p:cTn>
-                  </p:par>
-                  <p:par>
-                    <p:cTn id="68" fill="hold">
-                      <p:stCondLst>
-                        <p:cond delay="indefinite"/>
-                      </p:stCondLst>
-                      <p:childTnLst>
                         <p:par>
-                          <p:cTn id="69" fill="hold">
+                          <p:cTn id="58" fill="hold">
                             <p:stCondLst>
-                              <p:cond delay="0"/>
+                              <p:cond delay="23250"/>
                             </p:stCondLst>
                             <p:childTnLst>
                               <p:par>
-                                <p:cTn id="70" presetID="21" presetClass="emph" presetSubtype="0" fill="hold" grpId="0" nodeType="clickEffect">
+                                <p:cTn id="59" presetID="21" presetClass="emph" presetSubtype="0" fill="hold" grpId="0" nodeType="afterEffect">
                                   <p:stCondLst>
-                                    <p:cond delay="0"/>
+                                    <p:cond delay="750"/>
                                   </p:stCondLst>
                                   <p:childTnLst>
                                     <p:animClr clrSpc="hsl" dir="cw">
                                       <p:cBhvr override="childStyle">
-                                        <p:cTn id="71" dur="500" fill="hold"/>
+                                        <p:cTn id="60" dur="500" fill="hold"/>
                                         <p:tgtEl>
                                           <p:spTgt spid="20"/>
                                         </p:tgtEl>
@@ -8574,7 +7059,7 @@
                                     </p:animClr>
                                     <p:animClr clrSpc="hsl" dir="cw">
                                       <p:cBhvr>
-                                        <p:cTn id="72" dur="500" fill="hold"/>
+                                        <p:cTn id="61" dur="500" fill="hold"/>
                                         <p:tgtEl>
                                           <p:spTgt spid="20"/>
                                         </p:tgtEl>
@@ -8588,7 +7073,7 @@
                                     </p:animClr>
                                     <p:animClr clrSpc="hsl" dir="cw">
                                       <p:cBhvr>
-                                        <p:cTn id="73" dur="500" fill="hold"/>
+                                        <p:cTn id="62" dur="500" fill="hold"/>
                                         <p:tgtEl>
                                           <p:spTgt spid="20"/>
                                         </p:tgtEl>
@@ -8602,7 +7087,7 @@
                                     </p:animClr>
                                     <p:set>
                                       <p:cBhvr>
-                                        <p:cTn id="74" dur="500" fill="hold"/>
+                                        <p:cTn id="63" dur="500" fill="hold"/>
                                         <p:tgtEl>
                                           <p:spTgt spid="20"/>
                                         </p:tgtEl>
@@ -8620,30 +7105,21 @@
                             </p:childTnLst>
                           </p:cTn>
                         </p:par>
-                      </p:childTnLst>
-                    </p:cTn>
-                  </p:par>
-                  <p:par>
-                    <p:cTn id="75" fill="hold">
-                      <p:stCondLst>
-                        <p:cond delay="indefinite"/>
-                      </p:stCondLst>
-                      <p:childTnLst>
                         <p:par>
-                          <p:cTn id="76" fill="hold">
+                          <p:cTn id="64" fill="hold">
                             <p:stCondLst>
-                              <p:cond delay="0"/>
+                              <p:cond delay="24500"/>
                             </p:stCondLst>
                             <p:childTnLst>
                               <p:par>
-                                <p:cTn id="77" presetID="37" presetClass="path" presetSubtype="0" accel="50000" decel="50000" fill="hold" grpId="6" nodeType="clickEffect">
+                                <p:cTn id="65" presetID="37" presetClass="path" presetSubtype="0" accel="50000" decel="50000" fill="hold" grpId="6" nodeType="afterEffect">
                                   <p:stCondLst>
-                                    <p:cond delay="0"/>
+                                    <p:cond delay="750"/>
                                   </p:stCondLst>
                                   <p:childTnLst>
                                     <p:animMotion origin="layout" path="M 0.23724 0.35347 C 0.19883 0.42662 0.16784 0.47894 0.12969 0.55232 " pathEditMode="relative" rAng="0" ptsTypes="AA">
                                       <p:cBhvr>
-                                        <p:cTn id="78" dur="2000" fill="hold"/>
+                                        <p:cTn id="66" dur="2000" fill="hold"/>
                                         <p:tgtEl>
                                           <p:spTgt spid="30"/>
                                         </p:tgtEl>
@@ -8660,30 +7136,21 @@
                             </p:childTnLst>
                           </p:cTn>
                         </p:par>
-                      </p:childTnLst>
-                    </p:cTn>
-                  </p:par>
-                  <p:par>
-                    <p:cTn id="79" fill="hold">
-                      <p:stCondLst>
-                        <p:cond delay="indefinite"/>
-                      </p:stCondLst>
-                      <p:childTnLst>
                         <p:par>
-                          <p:cTn id="80" fill="hold">
+                          <p:cTn id="67" fill="hold">
                             <p:stCondLst>
-                              <p:cond delay="0"/>
+                              <p:cond delay="27250"/>
                             </p:stCondLst>
                             <p:childTnLst>
                               <p:par>
-                                <p:cTn id="81" presetID="21" presetClass="emph" presetSubtype="0" fill="hold" grpId="0" nodeType="clickEffect">
+                                <p:cTn id="68" presetID="21" presetClass="emph" presetSubtype="0" fill="hold" grpId="0" nodeType="afterEffect">
                                   <p:stCondLst>
-                                    <p:cond delay="0"/>
+                                    <p:cond delay="750"/>
                                   </p:stCondLst>
                                   <p:childTnLst>
                                     <p:animClr clrSpc="hsl" dir="cw">
                                       <p:cBhvr override="childStyle">
-                                        <p:cTn id="82" dur="500" fill="hold"/>
+                                        <p:cTn id="69" dur="500" fill="hold"/>
                                         <p:tgtEl>
                                           <p:spTgt spid="22"/>
                                         </p:tgtEl>
@@ -8697,7 +7164,7 @@
                                     </p:animClr>
                                     <p:animClr clrSpc="hsl" dir="cw">
                                       <p:cBhvr>
-                                        <p:cTn id="83" dur="500" fill="hold"/>
+                                        <p:cTn id="70" dur="500" fill="hold"/>
                                         <p:tgtEl>
                                           <p:spTgt spid="22"/>
                                         </p:tgtEl>
@@ -8711,7 +7178,7 @@
                                     </p:animClr>
                                     <p:animClr clrSpc="hsl" dir="cw">
                                       <p:cBhvr>
-                                        <p:cTn id="84" dur="500" fill="hold"/>
+                                        <p:cTn id="71" dur="500" fill="hold"/>
                                         <p:tgtEl>
                                           <p:spTgt spid="22"/>
                                         </p:tgtEl>
@@ -8725,7 +7192,7 @@
                                     </p:animClr>
                                     <p:set>
                                       <p:cBhvr>
-                                        <p:cTn id="85" dur="500" fill="hold"/>
+                                        <p:cTn id="72" dur="500" fill="hold"/>
                                         <p:tgtEl>
                                           <p:spTgt spid="22"/>
                                         </p:tgtEl>
@@ -8743,30 +7210,21 @@
                             </p:childTnLst>
                           </p:cTn>
                         </p:par>
-                      </p:childTnLst>
-                    </p:cTn>
-                  </p:par>
-                  <p:par>
-                    <p:cTn id="86" fill="hold">
-                      <p:stCondLst>
-                        <p:cond delay="indefinite"/>
-                      </p:stCondLst>
-                      <p:childTnLst>
                         <p:par>
-                          <p:cTn id="87" fill="hold">
+                          <p:cTn id="73" fill="hold">
                             <p:stCondLst>
-                              <p:cond delay="0"/>
+                              <p:cond delay="28500"/>
                             </p:stCondLst>
                             <p:childTnLst>
                               <p:par>
-                                <p:cTn id="88" presetID="37" presetClass="path" presetSubtype="0" accel="50000" decel="50000" fill="hold" grpId="7" nodeType="clickEffect">
+                                <p:cTn id="74" presetID="37" presetClass="path" presetSubtype="0" accel="50000" decel="50000" fill="hold" grpId="7" nodeType="afterEffect">
                                   <p:stCondLst>
-                                    <p:cond delay="0"/>
+                                    <p:cond delay="750"/>
                                   </p:stCondLst>
                                   <p:childTnLst>
-                                    <p:animMotion origin="layout" path="M 0.12969 0.55232 C 0.15196 0.56528 0.19193 0.39051 0.23724 0.36319 C 0.29831 0.37639 0.32097 0.54236 0.34701 0.57801 " pathEditMode="relative" rAng="0" ptsTypes="AAA">
+                                    <p:animMotion origin="layout" path="M 0.12969 0.55232 C 0.15195 0.56528 0.19193 0.39051 0.23724 0.3632 C 0.29831 0.37639 0.32096 0.54236 0.347 0.57801 " pathEditMode="relative" rAng="0" ptsTypes="AAA">
                                       <p:cBhvr>
-                                        <p:cTn id="89" dur="2000" fill="hold"/>
+                                        <p:cTn id="75" dur="2000" fill="hold"/>
                                         <p:tgtEl>
                                           <p:spTgt spid="30"/>
                                         </p:tgtEl>
@@ -8783,30 +7241,21 @@
                             </p:childTnLst>
                           </p:cTn>
                         </p:par>
-                      </p:childTnLst>
-                    </p:cTn>
-                  </p:par>
-                  <p:par>
-                    <p:cTn id="90" fill="hold">
-                      <p:stCondLst>
-                        <p:cond delay="indefinite"/>
-                      </p:stCondLst>
-                      <p:childTnLst>
                         <p:par>
-                          <p:cTn id="91" fill="hold">
+                          <p:cTn id="76" fill="hold">
                             <p:stCondLst>
-                              <p:cond delay="0"/>
+                              <p:cond delay="31250"/>
                             </p:stCondLst>
                             <p:childTnLst>
                               <p:par>
-                                <p:cTn id="92" presetID="21" presetClass="emph" presetSubtype="0" fill="hold" grpId="0" nodeType="clickEffect">
+                                <p:cTn id="77" presetID="21" presetClass="emph" presetSubtype="0" fill="hold" grpId="0" nodeType="afterEffect">
                                   <p:stCondLst>
-                                    <p:cond delay="0"/>
+                                    <p:cond delay="750"/>
                                   </p:stCondLst>
                                   <p:childTnLst>
                                     <p:animClr clrSpc="hsl" dir="cw">
                                       <p:cBhvr override="childStyle">
-                                        <p:cTn id="93" dur="500" fill="hold"/>
+                                        <p:cTn id="78" dur="500" fill="hold"/>
                                         <p:tgtEl>
                                           <p:spTgt spid="21"/>
                                         </p:tgtEl>
@@ -8820,7 +7269,7 @@
                                     </p:animClr>
                                     <p:animClr clrSpc="hsl" dir="cw">
                                       <p:cBhvr>
-                                        <p:cTn id="94" dur="500" fill="hold"/>
+                                        <p:cTn id="79" dur="500" fill="hold"/>
                                         <p:tgtEl>
                                           <p:spTgt spid="21"/>
                                         </p:tgtEl>
@@ -8834,7 +7283,7 @@
                                     </p:animClr>
                                     <p:animClr clrSpc="hsl" dir="cw">
                                       <p:cBhvr>
-                                        <p:cTn id="95" dur="500" fill="hold"/>
+                                        <p:cTn id="80" dur="500" fill="hold"/>
                                         <p:tgtEl>
                                           <p:spTgt spid="21"/>
                                         </p:tgtEl>
@@ -8848,7 +7297,7 @@
                                     </p:animClr>
                                     <p:set>
                                       <p:cBhvr>
-                                        <p:cTn id="96" dur="500" fill="hold"/>
+                                        <p:cTn id="81" dur="500" fill="hold"/>
                                         <p:tgtEl>
                                           <p:spTgt spid="21"/>
                                         </p:tgtEl>
@@ -8913,6 +7362,416 @@
 </p:sld>
 </file>
 
+<file path=ppt/slides/slide11.xml><?xml version="1.0" encoding="utf-8"?>
+<p:sld xmlns:a="http://schemas.openxmlformats.org/drawingml/2006/main" xmlns:r="http://schemas.openxmlformats.org/officeDocument/2006/relationships" xmlns:p="http://schemas.openxmlformats.org/presentationml/2006/main">
+  <p:cSld>
+    <p:spTree>
+      <p:nvGrpSpPr>
+        <p:cNvPr id="1" name=""/>
+        <p:cNvGrpSpPr/>
+        <p:nvPr/>
+      </p:nvGrpSpPr>
+      <p:grpSpPr>
+        <a:xfrm>
+          <a:off x="0" y="0"/>
+          <a:ext cx="0" cy="0"/>
+          <a:chOff x="0" y="0"/>
+          <a:chExt cx="0" cy="0"/>
+        </a:xfrm>
+      </p:grpSpPr>
+      <p:sp>
+        <p:nvSpPr>
+          <p:cNvPr id="2" name="Заголовок 1">
+            <a:extLst>
+              <a:ext uri="{FF2B5EF4-FFF2-40B4-BE49-F238E27FC236}">
+                <a16:creationId xmlns:a16="http://schemas.microsoft.com/office/drawing/2014/main" id="{4D38BAA6-17F8-C0E7-C211-EC86BC552CEC}"/>
+              </a:ext>
+            </a:extLst>
+          </p:cNvPr>
+          <p:cNvSpPr>
+            <a:spLocks noGrp="1"/>
+          </p:cNvSpPr>
+          <p:nvPr>
+            <p:ph type="title"/>
+          </p:nvPr>
+        </p:nvSpPr>
+        <p:spPr/>
+        <p:txBody>
+          <a:bodyPr/>
+          <a:lstStyle/>
+          <a:p>
+            <a:r>
+              <a:rPr lang="ru-RU" dirty="0">
+                <a:effectLst/>
+                <a:ea typeface="Calibri" panose="020F0502020204030204" pitchFamily="34" charset="0"/>
+              </a:rPr>
+              <a:t>Случаи, которые входят в проверку </a:t>
+            </a:r>
+            <a:br>
+              <a:rPr lang="ru-RU" dirty="0">
+                <a:effectLst/>
+                <a:ea typeface="Calibri" panose="020F0502020204030204" pitchFamily="34" charset="0"/>
+              </a:rPr>
+            </a:br>
+            <a:endParaRPr lang="ru-RU" dirty="0"/>
+          </a:p>
+        </p:txBody>
+      </p:sp>
+      <p:sp>
+        <p:nvSpPr>
+          <p:cNvPr id="4" name="TextBox 3">
+            <a:extLst>
+              <a:ext uri="{FF2B5EF4-FFF2-40B4-BE49-F238E27FC236}">
+                <a16:creationId xmlns:a16="http://schemas.microsoft.com/office/drawing/2014/main" id="{287D00B7-D970-2716-436D-CCB2535F1405}"/>
+              </a:ext>
+            </a:extLst>
+          </p:cNvPr>
+          <p:cNvSpPr txBox="1"/>
+          <p:nvPr/>
+        </p:nvSpPr>
+        <p:spPr>
+          <a:xfrm>
+            <a:off x="838200" y="1690688"/>
+            <a:ext cx="377923" cy="369332"/>
+          </a:xfrm>
+          <a:prstGeom prst="rect">
+            <a:avLst/>
+          </a:prstGeom>
+          <a:noFill/>
+        </p:spPr>
+        <p:txBody>
+          <a:bodyPr wrap="square" rtlCol="0">
+            <a:spAutoFit/>
+          </a:bodyPr>
+          <a:lstStyle/>
+          <a:p>
+            <a:r>
+              <a:rPr lang="ru-RU" dirty="0"/>
+              <a:t>1)</a:t>
+            </a:r>
+          </a:p>
+        </p:txBody>
+      </p:sp>
+      <p:pic>
+        <p:nvPicPr>
+          <p:cNvPr id="5" name="Рисунок 4">
+            <a:extLst>
+              <a:ext uri="{FF2B5EF4-FFF2-40B4-BE49-F238E27FC236}">
+                <a16:creationId xmlns:a16="http://schemas.microsoft.com/office/drawing/2014/main" id="{B0C2B224-E276-060D-2851-A0C3A02B6B9B}"/>
+              </a:ext>
+            </a:extLst>
+          </p:cNvPr>
+          <p:cNvPicPr>
+            <a:picLocks noChangeAspect="1"/>
+          </p:cNvPicPr>
+          <p:nvPr/>
+        </p:nvPicPr>
+        <p:blipFill>
+          <a:blip r:embed="rId2">
+            <a:extLst>
+              <a:ext uri="{28A0092B-C50C-407E-A947-70E740481C1C}">
+                <a14:useLocalDpi xmlns:a14="http://schemas.microsoft.com/office/drawing/2010/main" val="0"/>
+              </a:ext>
+            </a:extLst>
+          </a:blip>
+          <a:stretch>
+            <a:fillRect/>
+          </a:stretch>
+        </p:blipFill>
+        <p:spPr>
+          <a:xfrm>
+            <a:off x="1216123" y="3891250"/>
+            <a:ext cx="4620939" cy="2284465"/>
+          </a:xfrm>
+          <a:prstGeom prst="rect">
+            <a:avLst/>
+          </a:prstGeom>
+        </p:spPr>
+      </p:pic>
+      <p:sp>
+        <p:nvSpPr>
+          <p:cNvPr id="6" name="TextBox 5">
+            <a:extLst>
+              <a:ext uri="{FF2B5EF4-FFF2-40B4-BE49-F238E27FC236}">
+                <a16:creationId xmlns:a16="http://schemas.microsoft.com/office/drawing/2014/main" id="{B5733CA4-1E64-2A3B-1B05-4C36F3EA8980}"/>
+              </a:ext>
+            </a:extLst>
+          </p:cNvPr>
+          <p:cNvSpPr txBox="1"/>
+          <p:nvPr/>
+        </p:nvSpPr>
+        <p:spPr>
+          <a:xfrm>
+            <a:off x="1323142" y="1690688"/>
+            <a:ext cx="4406900" cy="923330"/>
+          </a:xfrm>
+          <a:prstGeom prst="rect">
+            <a:avLst/>
+          </a:prstGeom>
+          <a:noFill/>
+        </p:spPr>
+        <p:txBody>
+          <a:bodyPr wrap="square" rtlCol="0">
+            <a:spAutoFit/>
+          </a:bodyPr>
+          <a:lstStyle/>
+          <a:p>
+            <a:r>
+              <a:rPr lang="ru-RU" sz="1800" dirty="0">
+                <a:effectLst/>
+                <a:latin typeface="Times New Roman" panose="02020603050405020304" pitchFamily="18" charset="0"/>
+                <a:ea typeface="Calibri" panose="020F0502020204030204" pitchFamily="34" charset="0"/>
+              </a:rPr>
+              <a:t>Интервал </a:t>
+            </a:r>
+            <a:r>
+              <a:rPr lang="en-US" sz="1800" dirty="0">
+                <a:effectLst/>
+                <a:latin typeface="Times New Roman" panose="02020603050405020304" pitchFamily="18" charset="0"/>
+                <a:ea typeface="Calibri" panose="020F0502020204030204" pitchFamily="34" charset="0"/>
+              </a:rPr>
+              <a:t>x </a:t>
+            </a:r>
+            <a:r>
+              <a:rPr lang="ru-RU" sz="1800" dirty="0">
+                <a:effectLst/>
+                <a:latin typeface="Times New Roman" panose="02020603050405020304" pitchFamily="18" charset="0"/>
+                <a:ea typeface="Calibri" panose="020F0502020204030204" pitchFamily="34" charset="0"/>
+              </a:rPr>
+              <a:t>частично перекрывает интервал </a:t>
+            </a:r>
+            <a:r>
+              <a:rPr lang="en-US" sz="1800" dirty="0">
+                <a:effectLst/>
+                <a:latin typeface="Times New Roman" panose="02020603050405020304" pitchFamily="18" charset="0"/>
+                <a:ea typeface="Calibri" panose="020F0502020204030204" pitchFamily="34" charset="0"/>
+              </a:rPr>
+              <a:t>root</a:t>
+            </a:r>
+            <a:r>
+              <a:rPr lang="ru-RU" sz="1800" dirty="0">
+                <a:effectLst/>
+                <a:latin typeface="Times New Roman" panose="02020603050405020304" pitchFamily="18" charset="0"/>
+                <a:ea typeface="Calibri" panose="020F0502020204030204" pitchFamily="34" charset="0"/>
+              </a:rPr>
+              <a:t>, при этом </a:t>
+            </a:r>
+            <a:r>
+              <a:rPr lang="en-US" sz="1800" dirty="0">
+                <a:effectLst/>
+                <a:latin typeface="Times New Roman" panose="02020603050405020304" pitchFamily="18" charset="0"/>
+                <a:ea typeface="Calibri" panose="020F0502020204030204" pitchFamily="34" charset="0"/>
+              </a:rPr>
+              <a:t>x</a:t>
+            </a:r>
+            <a:r>
+              <a:rPr lang="ru-RU" sz="1800" dirty="0">
+                <a:effectLst/>
+                <a:latin typeface="Times New Roman" panose="02020603050405020304" pitchFamily="18" charset="0"/>
+                <a:ea typeface="Calibri" panose="020F0502020204030204" pitchFamily="34" charset="0"/>
+              </a:rPr>
+              <a:t> не выходит за границы </a:t>
+            </a:r>
+            <a:r>
+              <a:rPr lang="en-US" sz="1800" dirty="0">
+                <a:effectLst/>
+                <a:latin typeface="Times New Roman" panose="02020603050405020304" pitchFamily="18" charset="0"/>
+                <a:ea typeface="Calibri" panose="020F0502020204030204" pitchFamily="34" charset="0"/>
+              </a:rPr>
+              <a:t>root </a:t>
+            </a:r>
+            <a:endParaRPr lang="ru-RU" dirty="0"/>
+          </a:p>
+        </p:txBody>
+      </p:sp>
+      <p:sp>
+        <p:nvSpPr>
+          <p:cNvPr id="7" name="TextBox 6">
+            <a:extLst>
+              <a:ext uri="{FF2B5EF4-FFF2-40B4-BE49-F238E27FC236}">
+                <a16:creationId xmlns:a16="http://schemas.microsoft.com/office/drawing/2014/main" id="{4DCF1412-21C7-D449-9ED6-D82B42BBFB70}"/>
+              </a:ext>
+            </a:extLst>
+          </p:cNvPr>
+          <p:cNvSpPr txBox="1"/>
+          <p:nvPr/>
+        </p:nvSpPr>
+        <p:spPr>
+          <a:xfrm>
+            <a:off x="6096000" y="1690688"/>
+            <a:ext cx="377923" cy="369332"/>
+          </a:xfrm>
+          <a:prstGeom prst="rect">
+            <a:avLst/>
+          </a:prstGeom>
+          <a:noFill/>
+        </p:spPr>
+        <p:txBody>
+          <a:bodyPr wrap="square" rtlCol="0">
+            <a:spAutoFit/>
+          </a:bodyPr>
+          <a:lstStyle/>
+          <a:p>
+            <a:r>
+              <a:rPr lang="ru-RU" dirty="0"/>
+              <a:t>2)</a:t>
+            </a:r>
+          </a:p>
+        </p:txBody>
+      </p:sp>
+      <p:sp>
+        <p:nvSpPr>
+          <p:cNvPr id="8" name="TextBox 7">
+            <a:extLst>
+              <a:ext uri="{FF2B5EF4-FFF2-40B4-BE49-F238E27FC236}">
+                <a16:creationId xmlns:a16="http://schemas.microsoft.com/office/drawing/2014/main" id="{335439FC-56FC-0365-C719-FF7FEC82463B}"/>
+              </a:ext>
+            </a:extLst>
+          </p:cNvPr>
+          <p:cNvSpPr txBox="1"/>
+          <p:nvPr/>
+        </p:nvSpPr>
+        <p:spPr>
+          <a:xfrm>
+            <a:off x="6580942" y="1690688"/>
+            <a:ext cx="4406900" cy="923330"/>
+          </a:xfrm>
+          <a:prstGeom prst="rect">
+            <a:avLst/>
+          </a:prstGeom>
+          <a:noFill/>
+        </p:spPr>
+        <p:txBody>
+          <a:bodyPr wrap="square" rtlCol="0">
+            <a:spAutoFit/>
+          </a:bodyPr>
+          <a:lstStyle/>
+          <a:p>
+            <a:r>
+              <a:rPr lang="ru-RU" sz="1800" dirty="0">
+                <a:effectLst/>
+                <a:latin typeface="Times New Roman" panose="02020603050405020304" pitchFamily="18" charset="0"/>
+                <a:ea typeface="Calibri" panose="020F0502020204030204" pitchFamily="34" charset="0"/>
+              </a:rPr>
+              <a:t>Интервал x частично перекрывает интервал </a:t>
+            </a:r>
+            <a:r>
+              <a:rPr lang="ru-RU" sz="1800" dirty="0" err="1">
+                <a:effectLst/>
+                <a:latin typeface="Times New Roman" panose="02020603050405020304" pitchFamily="18" charset="0"/>
+                <a:ea typeface="Calibri" panose="020F0502020204030204" pitchFamily="34" charset="0"/>
+              </a:rPr>
+              <a:t>root</a:t>
+            </a:r>
+            <a:r>
+              <a:rPr lang="ru-RU" sz="1800" dirty="0">
+                <a:effectLst/>
+                <a:latin typeface="Times New Roman" panose="02020603050405020304" pitchFamily="18" charset="0"/>
+                <a:ea typeface="Calibri" panose="020F0502020204030204" pitchFamily="34" charset="0"/>
+              </a:rPr>
+              <a:t>, при этом x выходит за правую границы </a:t>
+            </a:r>
+            <a:r>
+              <a:rPr lang="ru-RU" sz="1800" dirty="0" err="1">
+                <a:effectLst/>
+                <a:latin typeface="Times New Roman" panose="02020603050405020304" pitchFamily="18" charset="0"/>
+                <a:ea typeface="Calibri" panose="020F0502020204030204" pitchFamily="34" charset="0"/>
+              </a:rPr>
+              <a:t>root</a:t>
+            </a:r>
+            <a:r>
+              <a:rPr lang="ru-RU" sz="1800" dirty="0">
+                <a:effectLst/>
+                <a:latin typeface="Times New Roman" panose="02020603050405020304" pitchFamily="18" charset="0"/>
+                <a:ea typeface="Calibri" panose="020F0502020204030204" pitchFamily="34" charset="0"/>
+              </a:rPr>
+              <a:t> </a:t>
+            </a:r>
+            <a:endParaRPr lang="ru-RU" dirty="0"/>
+          </a:p>
+        </p:txBody>
+      </p:sp>
+      <p:pic>
+        <p:nvPicPr>
+          <p:cNvPr id="9" name="Рисунок 8">
+            <a:extLst>
+              <a:ext uri="{FF2B5EF4-FFF2-40B4-BE49-F238E27FC236}">
+                <a16:creationId xmlns:a16="http://schemas.microsoft.com/office/drawing/2014/main" id="{3F0EB0EC-B504-DB80-DB99-EC2B2BBE67E5}"/>
+              </a:ext>
+            </a:extLst>
+          </p:cNvPr>
+          <p:cNvPicPr>
+            <a:picLocks noChangeAspect="1"/>
+          </p:cNvPicPr>
+          <p:nvPr/>
+        </p:nvPicPr>
+        <p:blipFill>
+          <a:blip r:embed="rId3">
+            <a:extLst>
+              <a:ext uri="{28A0092B-C50C-407E-A947-70E740481C1C}">
+                <a14:useLocalDpi xmlns:a14="http://schemas.microsoft.com/office/drawing/2010/main" val="0"/>
+              </a:ext>
+            </a:extLst>
+          </a:blip>
+          <a:stretch>
+            <a:fillRect/>
+          </a:stretch>
+        </p:blipFill>
+        <p:spPr>
+          <a:xfrm>
+            <a:off x="6418438" y="3981909"/>
+            <a:ext cx="4620939" cy="2193806"/>
+          </a:xfrm>
+          <a:prstGeom prst="rect">
+            <a:avLst/>
+          </a:prstGeom>
+        </p:spPr>
+      </p:pic>
+      <p:sp>
+        <p:nvSpPr>
+          <p:cNvPr id="3" name="Номер слайда 2">
+            <a:extLst>
+              <a:ext uri="{FF2B5EF4-FFF2-40B4-BE49-F238E27FC236}">
+                <a16:creationId xmlns:a16="http://schemas.microsoft.com/office/drawing/2014/main" id="{8C6D49CF-5E15-F126-791E-C42657E7B4E8}"/>
+              </a:ext>
+            </a:extLst>
+          </p:cNvPr>
+          <p:cNvSpPr>
+            <a:spLocks noGrp="1"/>
+          </p:cNvSpPr>
+          <p:nvPr>
+            <p:ph type="sldNum" sz="quarter" idx="12"/>
+          </p:nvPr>
+        </p:nvSpPr>
+        <p:spPr/>
+        <p:txBody>
+          <a:bodyPr/>
+          <a:lstStyle/>
+          <a:p>
+            <a:fld id="{2F362560-E0F8-43D8-8E93-488BE82A516D}" type="slidenum">
+              <a:rPr lang="ru-RU" smtClean="0"/>
+              <a:t>11</a:t>
+            </a:fld>
+            <a:endParaRPr lang="ru-RU"/>
+          </a:p>
+        </p:txBody>
+      </p:sp>
+    </p:spTree>
+    <p:extLst>
+      <p:ext uri="{BB962C8B-B14F-4D97-AF65-F5344CB8AC3E}">
+        <p14:creationId xmlns:p14="http://schemas.microsoft.com/office/powerpoint/2010/main" val="2533941027"/>
+      </p:ext>
+    </p:extLst>
+  </p:cSld>
+  <p:clrMapOvr>
+    <a:masterClrMapping/>
+  </p:clrMapOvr>
+  <p:transition spd="slow">
+    <p:push dir="u"/>
+  </p:transition>
+</p:sld>
+</file>
+
 <file path=ppt/slides/slide12.xml><?xml version="1.0" encoding="utf-8"?>
 <p:sld xmlns:a="http://schemas.openxmlformats.org/drawingml/2006/main" xmlns:r="http://schemas.openxmlformats.org/officeDocument/2006/relationships" xmlns:p="http://schemas.openxmlformats.org/presentationml/2006/main">
   <p:cSld>
@@ -8998,47 +7857,11 @@
           <a:p>
             <a:r>
               <a:rPr lang="ru-RU" dirty="0"/>
-              <a:t>1)</a:t>
-            </a:r>
-          </a:p>
-        </p:txBody>
-      </p:sp>
-      <p:pic>
-        <p:nvPicPr>
-          <p:cNvPr id="5" name="Рисунок 4">
-            <a:extLst>
-              <a:ext uri="{FF2B5EF4-FFF2-40B4-BE49-F238E27FC236}">
-                <a16:creationId xmlns:a16="http://schemas.microsoft.com/office/drawing/2014/main" id="{B0C2B224-E276-060D-2851-A0C3A02B6B9B}"/>
-              </a:ext>
-            </a:extLst>
-          </p:cNvPr>
-          <p:cNvPicPr>
-            <a:picLocks noChangeAspect="1"/>
-          </p:cNvPicPr>
-          <p:nvPr/>
-        </p:nvPicPr>
-        <p:blipFill>
-          <a:blip r:embed="rId2">
-            <a:extLst>
-              <a:ext uri="{28A0092B-C50C-407E-A947-70E740481C1C}">
-                <a14:useLocalDpi xmlns:a14="http://schemas.microsoft.com/office/drawing/2010/main" val="0"/>
-              </a:ext>
-            </a:extLst>
-          </a:blip>
-          <a:stretch>
-            <a:fillRect/>
-          </a:stretch>
-        </p:blipFill>
-        <p:spPr>
-          <a:xfrm>
-            <a:off x="1216123" y="3891250"/>
-            <a:ext cx="4620939" cy="2284465"/>
-          </a:xfrm>
-          <a:prstGeom prst="rect">
-            <a:avLst/>
-          </a:prstGeom>
-        </p:spPr>
-      </p:pic>
+              <a:t>3)</a:t>
+            </a:r>
+          </a:p>
+        </p:txBody>
+      </p:sp>
       <p:sp>
         <p:nvSpPr>
           <p:cNvPr id="6" name="TextBox 5">
@@ -9073,15 +7896,15 @@
                 <a:latin typeface="Times New Roman" panose="02020603050405020304" pitchFamily="18" charset="0"/>
                 <a:ea typeface="Calibri" panose="020F0502020204030204" pitchFamily="34" charset="0"/>
               </a:rPr>
-              <a:t>Интервал </a:t>
-            </a:r>
-            <a:r>
-              <a:rPr lang="en-US" sz="1800" dirty="0">
+              <a:t>Интервал x полностью перекрывает интервал </a:t>
+            </a:r>
+            <a:r>
+              <a:rPr lang="ru-RU" sz="1800" dirty="0" err="1">
                 <a:effectLst/>
                 <a:latin typeface="Times New Roman" panose="02020603050405020304" pitchFamily="18" charset="0"/>
                 <a:ea typeface="Calibri" panose="020F0502020204030204" pitchFamily="34" charset="0"/>
               </a:rPr>
-              <a:t>x </a:t>
+              <a:t>root</a:t>
             </a:r>
             <a:r>
               <a:rPr lang="ru-RU" sz="1800" dirty="0">
@@ -9089,10 +7912,10 @@
                 <a:latin typeface="Times New Roman" panose="02020603050405020304" pitchFamily="18" charset="0"/>
                 <a:ea typeface="Calibri" panose="020F0502020204030204" pitchFamily="34" charset="0"/>
               </a:rPr>
-              <a:t>частично перекрывает интервал </a:t>
-            </a:r>
-            <a:r>
-              <a:rPr lang="en-US" sz="1800" dirty="0">
+              <a:t>, при этом x выходит за правую границы </a:t>
+            </a:r>
+            <a:r>
+              <a:rPr lang="ru-RU" sz="1800" dirty="0" err="1">
                 <a:effectLst/>
                 <a:latin typeface="Times New Roman" panose="02020603050405020304" pitchFamily="18" charset="0"/>
                 <a:ea typeface="Calibri" panose="020F0502020204030204" pitchFamily="34" charset="0"/>
@@ -9105,31 +7928,7 @@
                 <a:latin typeface="Times New Roman" panose="02020603050405020304" pitchFamily="18" charset="0"/>
                 <a:ea typeface="Calibri" panose="020F0502020204030204" pitchFamily="34" charset="0"/>
               </a:rPr>
-              <a:t>, при этом </a:t>
-            </a:r>
-            <a:r>
-              <a:rPr lang="en-US" sz="1800" dirty="0">
-                <a:effectLst/>
-                <a:latin typeface="Times New Roman" panose="02020603050405020304" pitchFamily="18" charset="0"/>
-                <a:ea typeface="Calibri" panose="020F0502020204030204" pitchFamily="34" charset="0"/>
-              </a:rPr>
-              <a:t>x</a:t>
-            </a:r>
-            <a:r>
-              <a:rPr lang="ru-RU" sz="1800" dirty="0">
-                <a:effectLst/>
-                <a:latin typeface="Times New Roman" panose="02020603050405020304" pitchFamily="18" charset="0"/>
-                <a:ea typeface="Calibri" panose="020F0502020204030204" pitchFamily="34" charset="0"/>
-              </a:rPr>
-              <a:t> не выходит за границы </a:t>
-            </a:r>
-            <a:r>
-              <a:rPr lang="en-US" sz="1800" dirty="0">
-                <a:effectLst/>
-                <a:latin typeface="Times New Roman" panose="02020603050405020304" pitchFamily="18" charset="0"/>
-                <a:ea typeface="Calibri" panose="020F0502020204030204" pitchFamily="34" charset="0"/>
-              </a:rPr>
-              <a:t>root </a:t>
+              <a:t> </a:t>
             </a:r>
             <a:endParaRPr lang="ru-RU" dirty="0"/>
           </a:p>
@@ -9165,7 +7964,7 @@
           <a:p>
             <a:r>
               <a:rPr lang="ru-RU" dirty="0"/>
-              <a:t>2)</a:t>
+              <a:t>4)</a:t>
             </a:r>
           </a:p>
         </p:txBody>
@@ -9185,7 +7984,7 @@
         <p:spPr>
           <a:xfrm>
             <a:off x="6580942" y="1690688"/>
-            <a:ext cx="4406900" cy="923330"/>
+            <a:ext cx="4406900" cy="646331"/>
           </a:xfrm>
           <a:prstGeom prst="rect">
             <a:avLst/>
@@ -9204,7 +8003,7 @@
                 <a:latin typeface="Times New Roman" panose="02020603050405020304" pitchFamily="18" charset="0"/>
                 <a:ea typeface="Calibri" panose="020F0502020204030204" pitchFamily="34" charset="0"/>
               </a:rPr>
-              <a:t>Интервал x частично перекрывает интервал </a:t>
+              <a:t>Интервал x не перекрывает интервал </a:t>
             </a:r>
             <a:r>
               <a:rPr lang="ru-RU" sz="1800" dirty="0" err="1">
@@ -9220,7 +8019,7 @@
                 <a:latin typeface="Times New Roman" panose="02020603050405020304" pitchFamily="18" charset="0"/>
                 <a:ea typeface="Calibri" panose="020F0502020204030204" pitchFamily="34" charset="0"/>
               </a:rPr>
-              <a:t>, при этом x выходит за правую границы </a:t>
+              <a:t>, при этом x лежит правее интервала </a:t>
             </a:r>
             <a:r>
               <a:rPr lang="ru-RU" sz="1800" dirty="0" err="1">
@@ -9230,24 +8029,52 @@
               </a:rPr>
               <a:t>root</a:t>
             </a:r>
-            <a:r>
-              <a:rPr lang="ru-RU" sz="1800" dirty="0">
-                <a:effectLst/>
-                <a:latin typeface="Times New Roman" panose="02020603050405020304" pitchFamily="18" charset="0"/>
-                <a:ea typeface="Calibri" panose="020F0502020204030204" pitchFamily="34" charset="0"/>
-              </a:rPr>
-              <a:t> </a:t>
-            </a:r>
             <a:endParaRPr lang="ru-RU" dirty="0"/>
           </a:p>
         </p:txBody>
       </p:sp>
       <p:pic>
         <p:nvPicPr>
-          <p:cNvPr id="9" name="Рисунок 8">
-            <a:extLst>
-              <a:ext uri="{FF2B5EF4-FFF2-40B4-BE49-F238E27FC236}">
-                <a16:creationId xmlns:a16="http://schemas.microsoft.com/office/drawing/2014/main" id="{3F0EB0EC-B504-DB80-DB99-EC2B2BBE67E5}"/>
+          <p:cNvPr id="3" name="Рисунок 2">
+            <a:extLst>
+              <a:ext uri="{FF2B5EF4-FFF2-40B4-BE49-F238E27FC236}">
+                <a16:creationId xmlns:a16="http://schemas.microsoft.com/office/drawing/2014/main" id="{3F20BD56-D4DD-A2F1-D024-353C288FDF69}"/>
+              </a:ext>
+            </a:extLst>
+          </p:cNvPr>
+          <p:cNvPicPr>
+            <a:picLocks noChangeAspect="1"/>
+          </p:cNvPicPr>
+          <p:nvPr/>
+        </p:nvPicPr>
+        <p:blipFill>
+          <a:blip r:embed="rId2">
+            <a:extLst>
+              <a:ext uri="{28A0092B-C50C-407E-A947-70E740481C1C}">
+                <a14:useLocalDpi xmlns:a14="http://schemas.microsoft.com/office/drawing/2010/main" val="0"/>
+              </a:ext>
+            </a:extLst>
+          </a:blip>
+          <a:stretch>
+            <a:fillRect/>
+          </a:stretch>
+        </p:blipFill>
+        <p:spPr>
+          <a:xfrm>
+            <a:off x="1152624" y="3981909"/>
+            <a:ext cx="4620939" cy="2193806"/>
+          </a:xfrm>
+          <a:prstGeom prst="rect">
+            <a:avLst/>
+          </a:prstGeom>
+        </p:spPr>
+      </p:pic>
+      <p:pic>
+        <p:nvPicPr>
+          <p:cNvPr id="10" name="Рисунок 9">
+            <a:extLst>
+              <a:ext uri="{FF2B5EF4-FFF2-40B4-BE49-F238E27FC236}">
+                <a16:creationId xmlns:a16="http://schemas.microsoft.com/office/drawing/2014/main" id="{1DFEC1F7-8B04-1F88-FEB6-5D70E60ABE37}"/>
               </a:ext>
             </a:extLst>
           </p:cNvPr>
@@ -9270,24 +8097,56 @@
         </p:blipFill>
         <p:spPr>
           <a:xfrm>
-            <a:off x="6418438" y="3981909"/>
-            <a:ext cx="4620939" cy="2193806"/>
+            <a:off x="6418439" y="3981909"/>
+            <a:ext cx="4569403" cy="2193806"/>
           </a:xfrm>
           <a:prstGeom prst="rect">
             <a:avLst/>
           </a:prstGeom>
         </p:spPr>
       </p:pic>
+      <p:sp>
+        <p:nvSpPr>
+          <p:cNvPr id="5" name="Номер слайда 4">
+            <a:extLst>
+              <a:ext uri="{FF2B5EF4-FFF2-40B4-BE49-F238E27FC236}">
+                <a16:creationId xmlns:a16="http://schemas.microsoft.com/office/drawing/2014/main" id="{54224D97-8276-6C76-D77F-44614BD7AD3C}"/>
+              </a:ext>
+            </a:extLst>
+          </p:cNvPr>
+          <p:cNvSpPr>
+            <a:spLocks noGrp="1"/>
+          </p:cNvSpPr>
+          <p:nvPr>
+            <p:ph type="sldNum" sz="quarter" idx="12"/>
+          </p:nvPr>
+        </p:nvSpPr>
+        <p:spPr/>
+        <p:txBody>
+          <a:bodyPr/>
+          <a:lstStyle/>
+          <a:p>
+            <a:fld id="{2F362560-E0F8-43D8-8E93-488BE82A516D}" type="slidenum">
+              <a:rPr lang="ru-RU" smtClean="0"/>
+              <a:t>12</a:t>
+            </a:fld>
+            <a:endParaRPr lang="ru-RU"/>
+          </a:p>
+        </p:txBody>
+      </p:sp>
     </p:spTree>
     <p:extLst>
       <p:ext uri="{BB962C8B-B14F-4D97-AF65-F5344CB8AC3E}">
-        <p14:creationId xmlns:p14="http://schemas.microsoft.com/office/powerpoint/2010/main" val="2533941027"/>
+        <p14:creationId xmlns:p14="http://schemas.microsoft.com/office/powerpoint/2010/main" val="1976974645"/>
       </p:ext>
     </p:extLst>
   </p:cSld>
   <p:clrMapOvr>
     <a:masterClrMapping/>
   </p:clrMapOvr>
+  <p:transition spd="slow">
+    <p:push dir="u"/>
+  </p:transition>
 </p:sld>
 </file>
 
@@ -9376,7 +8235,7 @@
           <a:p>
             <a:r>
               <a:rPr lang="ru-RU" dirty="0"/>
-              <a:t>3)</a:t>
+              <a:t>5)</a:t>
             </a:r>
           </a:p>
         </p:txBody>
@@ -9396,7 +8255,7 @@
         <p:spPr>
           <a:xfrm>
             <a:off x="1323142" y="1690688"/>
-            <a:ext cx="4406900" cy="923330"/>
+            <a:ext cx="4406900" cy="646331"/>
           </a:xfrm>
           <a:prstGeom prst="rect">
             <a:avLst/>
@@ -9415,7 +8274,7 @@
                 <a:latin typeface="Times New Roman" panose="02020603050405020304" pitchFamily="18" charset="0"/>
                 <a:ea typeface="Calibri" panose="020F0502020204030204" pitchFamily="34" charset="0"/>
               </a:rPr>
-              <a:t>Интервал x полностью перекрывает интервал </a:t>
+              <a:t>Интервал x не перекрывает интервал </a:t>
             </a:r>
             <a:r>
               <a:rPr lang="ru-RU" sz="1800" dirty="0" err="1">
@@ -9431,7 +8290,7 @@
                 <a:latin typeface="Times New Roman" panose="02020603050405020304" pitchFamily="18" charset="0"/>
                 <a:ea typeface="Calibri" panose="020F0502020204030204" pitchFamily="34" charset="0"/>
               </a:rPr>
-              <a:t>, при этом x выходит за правую границы </a:t>
+              <a:t>, при этом x лежит левее интервала </a:t>
             </a:r>
             <a:r>
               <a:rPr lang="ru-RU" sz="1800" dirty="0" err="1">
@@ -9483,7 +8342,7 @@
           <a:p>
             <a:r>
               <a:rPr lang="ru-RU" dirty="0"/>
-              <a:t>4)</a:t>
+              <a:t>6)</a:t>
             </a:r>
           </a:p>
         </p:txBody>
@@ -9503,7 +8362,7 @@
         <p:spPr>
           <a:xfrm>
             <a:off x="6580942" y="1690688"/>
-            <a:ext cx="4406900" cy="646331"/>
+            <a:ext cx="4406900" cy="923330"/>
           </a:xfrm>
           <a:prstGeom prst="rect">
             <a:avLst/>
@@ -9522,10 +8381,26 @@
                 <a:latin typeface="Times New Roman" panose="02020603050405020304" pitchFamily="18" charset="0"/>
                 <a:ea typeface="Calibri" panose="020F0502020204030204" pitchFamily="34" charset="0"/>
               </a:rPr>
-              <a:t>Интервал x не перекрывает интервал </a:t>
-            </a:r>
-            <a:r>
-              <a:rPr lang="ru-RU" sz="1800" dirty="0" err="1">
+              <a:t>Интервал </a:t>
+            </a:r>
+            <a:r>
+              <a:rPr lang="en-US" sz="1800" dirty="0">
+                <a:effectLst/>
+                <a:latin typeface="Times New Roman" panose="02020603050405020304" pitchFamily="18" charset="0"/>
+                <a:ea typeface="Calibri" panose="020F0502020204030204" pitchFamily="34" charset="0"/>
+              </a:rPr>
+              <a:t>x </a:t>
+            </a:r>
+            <a:r>
+              <a:rPr lang="ru-RU" sz="1800" dirty="0">
+                <a:effectLst/>
+                <a:latin typeface="Times New Roman" panose="02020603050405020304" pitchFamily="18" charset="0"/>
+                <a:ea typeface="Calibri" panose="020F0502020204030204" pitchFamily="34" charset="0"/>
+              </a:rPr>
+              <a:t>частично перекрывает интервал </a:t>
+            </a:r>
+            <a:r>
+              <a:rPr lang="en-US" sz="1800" dirty="0">
                 <a:effectLst/>
                 <a:latin typeface="Times New Roman" panose="02020603050405020304" pitchFamily="18" charset="0"/>
                 <a:ea typeface="Calibri" panose="020F0502020204030204" pitchFamily="34" charset="0"/>
@@ -9538,10 +8413,26 @@
                 <a:latin typeface="Times New Roman" panose="02020603050405020304" pitchFamily="18" charset="0"/>
                 <a:ea typeface="Calibri" panose="020F0502020204030204" pitchFamily="34" charset="0"/>
               </a:rPr>
-              <a:t>, при этом x лежит правее интервала </a:t>
-            </a:r>
-            <a:r>
-              <a:rPr lang="ru-RU" sz="1800" dirty="0" err="1">
+              <a:t>, при этом </a:t>
+            </a:r>
+            <a:r>
+              <a:rPr lang="en-US" sz="1800" dirty="0">
+                <a:effectLst/>
+                <a:latin typeface="Times New Roman" panose="02020603050405020304" pitchFamily="18" charset="0"/>
+                <a:ea typeface="Calibri" panose="020F0502020204030204" pitchFamily="34" charset="0"/>
+              </a:rPr>
+              <a:t>x</a:t>
+            </a:r>
+            <a:r>
+              <a:rPr lang="ru-RU" sz="1800" dirty="0">
+                <a:effectLst/>
+                <a:latin typeface="Times New Roman" panose="02020603050405020304" pitchFamily="18" charset="0"/>
+                <a:ea typeface="Calibri" panose="020F0502020204030204" pitchFamily="34" charset="0"/>
+              </a:rPr>
+              <a:t> выходит за левую границы </a:t>
+            </a:r>
+            <a:r>
+              <a:rPr lang="en-US" sz="1800" dirty="0">
                 <a:effectLst/>
                 <a:latin typeface="Times New Roman" panose="02020603050405020304" pitchFamily="18" charset="0"/>
                 <a:ea typeface="Calibri" panose="020F0502020204030204" pitchFamily="34" charset="0"/>
@@ -9557,7 +8448,7 @@
           <p:cNvPr id="3" name="Рисунок 2">
             <a:extLst>
               <a:ext uri="{FF2B5EF4-FFF2-40B4-BE49-F238E27FC236}">
-                <a16:creationId xmlns:a16="http://schemas.microsoft.com/office/drawing/2014/main" id="{3F20BD56-D4DD-A2F1-D024-353C288FDF69}"/>
+                <a16:creationId xmlns:a16="http://schemas.microsoft.com/office/drawing/2014/main" id="{E0E7B892-2EC2-C103-16DE-97B1800000C0}"/>
               </a:ext>
             </a:extLst>
           </p:cNvPr>
@@ -9580,8 +8471,8 @@
         </p:blipFill>
         <p:spPr>
           <a:xfrm>
-            <a:off x="1152624" y="3981909"/>
-            <a:ext cx="4620939" cy="2193806"/>
+            <a:off x="6580943" y="3891250"/>
+            <a:ext cx="4406900" cy="2284465"/>
           </a:xfrm>
           <a:prstGeom prst="rect">
             <a:avLst/>
@@ -9593,7 +8484,7 @@
           <p:cNvPr id="10" name="Рисунок 9">
             <a:extLst>
               <a:ext uri="{FF2B5EF4-FFF2-40B4-BE49-F238E27FC236}">
-                <a16:creationId xmlns:a16="http://schemas.microsoft.com/office/drawing/2014/main" id="{1DFEC1F7-8B04-1F88-FEB6-5D70E60ABE37}"/>
+                <a16:creationId xmlns:a16="http://schemas.microsoft.com/office/drawing/2014/main" id="{E72BF691-56DD-F2F0-8289-2608E9AAB29C}"/>
               </a:ext>
             </a:extLst>
           </p:cNvPr>
@@ -9616,24 +8507,56 @@
         </p:blipFill>
         <p:spPr>
           <a:xfrm>
-            <a:off x="6418439" y="3981909"/>
-            <a:ext cx="4569403" cy="2193806"/>
+            <a:off x="1323142" y="3939581"/>
+            <a:ext cx="4406900" cy="2236134"/>
           </a:xfrm>
           <a:prstGeom prst="rect">
             <a:avLst/>
           </a:prstGeom>
         </p:spPr>
       </p:pic>
+      <p:sp>
+        <p:nvSpPr>
+          <p:cNvPr id="5" name="Номер слайда 4">
+            <a:extLst>
+              <a:ext uri="{FF2B5EF4-FFF2-40B4-BE49-F238E27FC236}">
+                <a16:creationId xmlns:a16="http://schemas.microsoft.com/office/drawing/2014/main" id="{57ECED4A-E836-47B7-6301-FFFDC0EA8E02}"/>
+              </a:ext>
+            </a:extLst>
+          </p:cNvPr>
+          <p:cNvSpPr>
+            <a:spLocks noGrp="1"/>
+          </p:cNvSpPr>
+          <p:nvPr>
+            <p:ph type="sldNum" sz="quarter" idx="12"/>
+          </p:nvPr>
+        </p:nvSpPr>
+        <p:spPr/>
+        <p:txBody>
+          <a:bodyPr/>
+          <a:lstStyle/>
+          <a:p>
+            <a:fld id="{2F362560-E0F8-43D8-8E93-488BE82A516D}" type="slidenum">
+              <a:rPr lang="ru-RU" smtClean="0"/>
+              <a:t>13</a:t>
+            </a:fld>
+            <a:endParaRPr lang="ru-RU"/>
+          </a:p>
+        </p:txBody>
+      </p:sp>
     </p:spTree>
     <p:extLst>
       <p:ext uri="{BB962C8B-B14F-4D97-AF65-F5344CB8AC3E}">
-        <p14:creationId xmlns:p14="http://schemas.microsoft.com/office/powerpoint/2010/main" val="1976974645"/>
+        <p14:creationId xmlns:p14="http://schemas.microsoft.com/office/powerpoint/2010/main" val="2177338105"/>
       </p:ext>
     </p:extLst>
   </p:cSld>
   <p:clrMapOvr>
     <a:masterClrMapping/>
   </p:clrMapOvr>
+  <p:transition spd="slow">
+    <p:push dir="u"/>
+  </p:transition>
 </p:sld>
 </file>
 
@@ -9659,7 +8582,7 @@
           <p:cNvPr id="2" name="Заголовок 1">
             <a:extLst>
               <a:ext uri="{FF2B5EF4-FFF2-40B4-BE49-F238E27FC236}">
-                <a16:creationId xmlns:a16="http://schemas.microsoft.com/office/drawing/2014/main" id="{4D38BAA6-17F8-C0E7-C211-EC86BC552CEC}"/>
+                <a16:creationId xmlns:a16="http://schemas.microsoft.com/office/drawing/2014/main" id="{4869D268-D5DA-113C-E660-4273CF2BFC47}"/>
               </a:ext>
             </a:extLst>
           </p:cNvPr>
@@ -9676,342 +8599,357 @@
           <a:lstStyle/>
           <a:p>
             <a:r>
+              <a:rPr lang="ru-RU" dirty="0"/>
+              <a:t>Реализация</a:t>
+            </a:r>
+          </a:p>
+        </p:txBody>
+      </p:sp>
+      <p:sp>
+        <p:nvSpPr>
+          <p:cNvPr id="3" name="Объект 2">
+            <a:extLst>
+              <a:ext uri="{FF2B5EF4-FFF2-40B4-BE49-F238E27FC236}">
+                <a16:creationId xmlns:a16="http://schemas.microsoft.com/office/drawing/2014/main" id="{A0E4F3FA-0A3A-8B4D-6812-4685D0ADA01D}"/>
+              </a:ext>
+            </a:extLst>
+          </p:cNvPr>
+          <p:cNvSpPr>
+            <a:spLocks noGrp="1"/>
+          </p:cNvSpPr>
+          <p:nvPr>
+            <p:ph idx="1"/>
+          </p:nvPr>
+        </p:nvSpPr>
+        <p:spPr/>
+        <p:txBody>
+          <a:bodyPr>
+            <a:normAutofit/>
+          </a:bodyPr>
+          <a:lstStyle/>
+          <a:p>
+            <a:r>
+              <a:rPr lang="en-US" dirty="0">
+                <a:effectLst/>
+                <a:ea typeface="Calibri" panose="020F0502020204030204" pitchFamily="34" charset="0"/>
+              </a:rPr>
+              <a:t>Insert </a:t>
+            </a:r>
+            <a:r>
               <a:rPr lang="ru-RU" dirty="0">
                 <a:effectLst/>
                 <a:ea typeface="Calibri" panose="020F0502020204030204" pitchFamily="34" charset="0"/>
               </a:rPr>
-              <a:t>Случаи, которые входят в проверку </a:t>
-            </a:r>
-            <a:br>
+              <a:t>(</a:t>
+            </a:r>
+            <a:r>
+              <a:rPr lang="en-US" i="1" dirty="0">
+                <a:effectLst/>
+                <a:ea typeface="Calibri" panose="020F0502020204030204" pitchFamily="34" charset="0"/>
+              </a:rPr>
+              <a:t>root</a:t>
+            </a:r>
+            <a:r>
               <a:rPr lang="ru-RU" dirty="0">
                 <a:effectLst/>
                 <a:ea typeface="Calibri" panose="020F0502020204030204" pitchFamily="34" charset="0"/>
               </a:rPr>
-            </a:br>
-            <a:endParaRPr lang="ru-RU" dirty="0"/>
-          </a:p>
-        </p:txBody>
-      </p:sp>
-      <p:sp>
-        <p:nvSpPr>
-          <p:cNvPr id="4" name="TextBox 3">
-            <a:extLst>
-              <a:ext uri="{FF2B5EF4-FFF2-40B4-BE49-F238E27FC236}">
-                <a16:creationId xmlns:a16="http://schemas.microsoft.com/office/drawing/2014/main" id="{287D00B7-D970-2716-436D-CCB2535F1405}"/>
-              </a:ext>
-            </a:extLst>
-          </p:cNvPr>
-          <p:cNvSpPr txBox="1"/>
-          <p:nvPr/>
-        </p:nvSpPr>
-        <p:spPr>
-          <a:xfrm>
-            <a:off x="838200" y="1690688"/>
-            <a:ext cx="377923" cy="369332"/>
-          </a:xfrm>
-          <a:prstGeom prst="rect">
-            <a:avLst/>
-          </a:prstGeom>
-          <a:noFill/>
-        </p:spPr>
-        <p:txBody>
-          <a:bodyPr wrap="square" rtlCol="0">
-            <a:spAutoFit/>
-          </a:bodyPr>
-          <a:lstStyle/>
-          <a:p>
-            <a:r>
-              <a:rPr lang="ru-RU" dirty="0"/>
-              <a:t>5)</a:t>
-            </a:r>
-          </a:p>
-        </p:txBody>
-      </p:sp>
-      <p:sp>
-        <p:nvSpPr>
-          <p:cNvPr id="6" name="TextBox 5">
-            <a:extLst>
-              <a:ext uri="{FF2B5EF4-FFF2-40B4-BE49-F238E27FC236}">
-                <a16:creationId xmlns:a16="http://schemas.microsoft.com/office/drawing/2014/main" id="{B5733CA4-1E64-2A3B-1B05-4C36F3EA8980}"/>
-              </a:ext>
-            </a:extLst>
-          </p:cNvPr>
-          <p:cNvSpPr txBox="1"/>
-          <p:nvPr/>
-        </p:nvSpPr>
-        <p:spPr>
-          <a:xfrm>
-            <a:off x="1323142" y="1690688"/>
-            <a:ext cx="4406900" cy="646331"/>
-          </a:xfrm>
-          <a:prstGeom prst="rect">
-            <a:avLst/>
-          </a:prstGeom>
-          <a:noFill/>
-        </p:spPr>
-        <p:txBody>
-          <a:bodyPr wrap="square" rtlCol="0">
-            <a:spAutoFit/>
-          </a:bodyPr>
-          <a:lstStyle/>
-          <a:p>
-            <a:r>
-              <a:rPr lang="ru-RU" sz="1800" dirty="0">
+              <a:t>, [</a:t>
+            </a:r>
+            <a:r>
+              <a:rPr lang="en-US" i="1" dirty="0">
                 <a:effectLst/>
-                <a:latin typeface="Times New Roman" panose="02020603050405020304" pitchFamily="18" charset="0"/>
                 <a:ea typeface="Calibri" panose="020F0502020204030204" pitchFamily="34" charset="0"/>
               </a:rPr>
-              <a:t>Интервал x не перекрывает интервал </a:t>
-            </a:r>
-            <a:r>
-              <a:rPr lang="ru-RU" sz="1800" dirty="0" err="1">
+              <a:t>x</a:t>
+            </a:r>
+            <a:r>
+              <a:rPr lang="ru-RU" i="1" dirty="0">
                 <a:effectLst/>
-                <a:latin typeface="Times New Roman" panose="02020603050405020304" pitchFamily="18" charset="0"/>
+                <a:ea typeface="Calibri" panose="020F0502020204030204" pitchFamily="34" charset="0"/>
+              </a:rPr>
+              <a:t>.</a:t>
+            </a:r>
+            <a:r>
+              <a:rPr lang="en-US" i="1" dirty="0">
+                <a:effectLst/>
+                <a:ea typeface="Calibri" panose="020F0502020204030204" pitchFamily="34" charset="0"/>
+              </a:rPr>
+              <a:t>low</a:t>
+            </a:r>
+            <a:r>
+              <a:rPr lang="ru-RU" dirty="0">
+                <a:effectLst/>
+                <a:ea typeface="Calibri" panose="020F0502020204030204" pitchFamily="34" charset="0"/>
+              </a:rPr>
+              <a:t>, </a:t>
+            </a:r>
+            <a:r>
+              <a:rPr lang="en-US" i="1" dirty="0">
+                <a:effectLst/>
+                <a:ea typeface="Calibri" panose="020F0502020204030204" pitchFamily="34" charset="0"/>
+              </a:rPr>
+              <a:t>x</a:t>
+            </a:r>
+            <a:r>
+              <a:rPr lang="ru-RU" i="1" dirty="0">
+                <a:effectLst/>
+                <a:ea typeface="Calibri" panose="020F0502020204030204" pitchFamily="34" charset="0"/>
+              </a:rPr>
+              <a:t>.</a:t>
+            </a:r>
+            <a:r>
+              <a:rPr lang="en-US" i="1" dirty="0">
+                <a:effectLst/>
+                <a:ea typeface="Calibri" panose="020F0502020204030204" pitchFamily="34" charset="0"/>
+              </a:rPr>
+              <a:t>high</a:t>
+            </a:r>
+            <a:r>
+              <a:rPr lang="ru-RU" dirty="0">
+                <a:effectLst/>
+                <a:ea typeface="Calibri" panose="020F0502020204030204" pitchFamily="34" charset="0"/>
+              </a:rPr>
+              <a:t>])</a:t>
+            </a:r>
+            <a:endParaRPr lang="en-US" dirty="0">
+              <a:effectLst/>
+              <a:ea typeface="Calibri" panose="020F0502020204030204" pitchFamily="34" charset="0"/>
+            </a:endParaRPr>
+          </a:p>
+          <a:p>
+            <a:endParaRPr lang="en-US" dirty="0"/>
+          </a:p>
+          <a:p>
+            <a:r>
+              <a:rPr lang="en-US" dirty="0" err="1">
+                <a:effectLst/>
+                <a:ea typeface="Calibri" panose="020F0502020204030204" pitchFamily="34" charset="0"/>
+              </a:rPr>
+              <a:t>isOverlapping</a:t>
+            </a:r>
+            <a:r>
+              <a:rPr lang="ru-RU" dirty="0">
+                <a:effectLst/>
+                <a:ea typeface="Calibri" panose="020F0502020204030204" pitchFamily="34" charset="0"/>
+              </a:rPr>
+              <a:t>(</a:t>
+            </a:r>
+            <a:r>
+              <a:rPr lang="en-US" i="1" dirty="0">
+                <a:effectLst/>
                 <a:ea typeface="Calibri" panose="020F0502020204030204" pitchFamily="34" charset="0"/>
               </a:rPr>
               <a:t>root</a:t>
             </a:r>
             <a:r>
-              <a:rPr lang="ru-RU" sz="1800" dirty="0">
+              <a:rPr lang="ru-RU" dirty="0">
                 <a:effectLst/>
-                <a:latin typeface="Times New Roman" panose="02020603050405020304" pitchFamily="18" charset="0"/>
                 <a:ea typeface="Calibri" panose="020F0502020204030204" pitchFamily="34" charset="0"/>
               </a:rPr>
-              <a:t>, при этом x лежит левее интервала </a:t>
-            </a:r>
-            <a:r>
-              <a:rPr lang="ru-RU" sz="1800" dirty="0" err="1">
+              <a:t>, [</a:t>
+            </a:r>
+            <a:r>
+              <a:rPr lang="en-US" i="1" dirty="0">
                 <a:effectLst/>
-                <a:latin typeface="Times New Roman" panose="02020603050405020304" pitchFamily="18" charset="0"/>
+                <a:ea typeface="Calibri" panose="020F0502020204030204" pitchFamily="34" charset="0"/>
+              </a:rPr>
+              <a:t>x</a:t>
+            </a:r>
+            <a:r>
+              <a:rPr lang="ru-RU" i="1" dirty="0">
+                <a:effectLst/>
+                <a:ea typeface="Calibri" panose="020F0502020204030204" pitchFamily="34" charset="0"/>
+              </a:rPr>
+              <a:t>.</a:t>
+            </a:r>
+            <a:r>
+              <a:rPr lang="en-US" i="1" dirty="0">
+                <a:effectLst/>
+                <a:ea typeface="Calibri" panose="020F0502020204030204" pitchFamily="34" charset="0"/>
+              </a:rPr>
+              <a:t>low</a:t>
+            </a:r>
+            <a:r>
+              <a:rPr lang="ru-RU" dirty="0">
+                <a:effectLst/>
+                <a:ea typeface="Calibri" panose="020F0502020204030204" pitchFamily="34" charset="0"/>
+              </a:rPr>
+              <a:t>, </a:t>
+            </a:r>
+            <a:r>
+              <a:rPr lang="en-US" i="1" dirty="0">
+                <a:effectLst/>
+                <a:ea typeface="Calibri" panose="020F0502020204030204" pitchFamily="34" charset="0"/>
+              </a:rPr>
+              <a:t>x</a:t>
+            </a:r>
+            <a:r>
+              <a:rPr lang="ru-RU" i="1" dirty="0">
+                <a:effectLst/>
+                <a:ea typeface="Calibri" panose="020F0502020204030204" pitchFamily="34" charset="0"/>
+              </a:rPr>
+              <a:t>.</a:t>
+            </a:r>
+            <a:r>
+              <a:rPr lang="en-US" i="1" dirty="0">
+                <a:effectLst/>
+                <a:ea typeface="Calibri" panose="020F0502020204030204" pitchFamily="34" charset="0"/>
+              </a:rPr>
+              <a:t>high</a:t>
+            </a:r>
+            <a:r>
+              <a:rPr lang="ru-RU" dirty="0">
+                <a:effectLst/>
+                <a:ea typeface="Calibri" panose="020F0502020204030204" pitchFamily="34" charset="0"/>
+              </a:rPr>
+              <a:t>])</a:t>
+            </a:r>
+            <a:endParaRPr lang="en-US" dirty="0">
+              <a:effectLst/>
+              <a:ea typeface="Calibri" panose="020F0502020204030204" pitchFamily="34" charset="0"/>
+            </a:endParaRPr>
+          </a:p>
+          <a:p>
+            <a:endParaRPr lang="en-US" dirty="0"/>
+          </a:p>
+          <a:p>
+            <a:r>
+              <a:rPr lang="en-US" dirty="0">
+                <a:effectLst/>
+                <a:ea typeface="Calibri" panose="020F0502020204030204" pitchFamily="34" charset="0"/>
+              </a:rPr>
+              <a:t>Remove</a:t>
+            </a:r>
+            <a:r>
+              <a:rPr lang="ru-RU" dirty="0">
+                <a:effectLst/>
+                <a:ea typeface="Calibri" panose="020F0502020204030204" pitchFamily="34" charset="0"/>
+              </a:rPr>
+              <a:t> (</a:t>
+            </a:r>
+            <a:r>
+              <a:rPr lang="en-US" dirty="0">
+                <a:effectLst/>
                 <a:ea typeface="Calibri" panose="020F0502020204030204" pitchFamily="34" charset="0"/>
               </a:rPr>
               <a:t>root</a:t>
             </a:r>
             <a:r>
-              <a:rPr lang="ru-RU" sz="1800" dirty="0">
+              <a:rPr lang="ru-RU" dirty="0">
                 <a:effectLst/>
-                <a:latin typeface="Times New Roman" panose="02020603050405020304" pitchFamily="18" charset="0"/>
                 <a:ea typeface="Calibri" panose="020F0502020204030204" pitchFamily="34" charset="0"/>
               </a:rPr>
-              <a:t> </a:t>
-            </a:r>
-            <a:endParaRPr lang="ru-RU" dirty="0"/>
-          </a:p>
-        </p:txBody>
-      </p:sp>
-      <p:sp>
-        <p:nvSpPr>
-          <p:cNvPr id="7" name="TextBox 6">
-            <a:extLst>
-              <a:ext uri="{FF2B5EF4-FFF2-40B4-BE49-F238E27FC236}">
-                <a16:creationId xmlns:a16="http://schemas.microsoft.com/office/drawing/2014/main" id="{4DCF1412-21C7-D449-9ED6-D82B42BBFB70}"/>
-              </a:ext>
-            </a:extLst>
-          </p:cNvPr>
-          <p:cNvSpPr txBox="1"/>
-          <p:nvPr/>
-        </p:nvSpPr>
-        <p:spPr>
-          <a:xfrm>
-            <a:off x="6096000" y="1690688"/>
-            <a:ext cx="377923" cy="369332"/>
-          </a:xfrm>
-          <a:prstGeom prst="rect">
-            <a:avLst/>
-          </a:prstGeom>
-          <a:noFill/>
-        </p:spPr>
-        <p:txBody>
-          <a:bodyPr wrap="square" rtlCol="0">
-            <a:spAutoFit/>
-          </a:bodyPr>
-          <a:lstStyle/>
-          <a:p>
-            <a:r>
-              <a:rPr lang="ru-RU" dirty="0"/>
-              <a:t>6)</a:t>
-            </a:r>
-          </a:p>
-        </p:txBody>
-      </p:sp>
-      <p:sp>
-        <p:nvSpPr>
-          <p:cNvPr id="8" name="TextBox 7">
-            <a:extLst>
-              <a:ext uri="{FF2B5EF4-FFF2-40B4-BE49-F238E27FC236}">
-                <a16:creationId xmlns:a16="http://schemas.microsoft.com/office/drawing/2014/main" id="{335439FC-56FC-0365-C719-FF7FEC82463B}"/>
-              </a:ext>
-            </a:extLst>
-          </p:cNvPr>
-          <p:cNvSpPr txBox="1"/>
-          <p:nvPr/>
-        </p:nvSpPr>
-        <p:spPr>
-          <a:xfrm>
-            <a:off x="6580942" y="1690688"/>
-            <a:ext cx="4406900" cy="923330"/>
-          </a:xfrm>
-          <a:prstGeom prst="rect">
-            <a:avLst/>
-          </a:prstGeom>
-          <a:noFill/>
-        </p:spPr>
-        <p:txBody>
-          <a:bodyPr wrap="square" rtlCol="0">
-            <a:spAutoFit/>
-          </a:bodyPr>
-          <a:lstStyle/>
-          <a:p>
-            <a:r>
-              <a:rPr lang="ru-RU" sz="1800" dirty="0">
+              <a:t>, [</a:t>
+            </a:r>
+            <a:r>
+              <a:rPr lang="en-US" i="1" dirty="0">
                 <a:effectLst/>
-                <a:latin typeface="Times New Roman" panose="02020603050405020304" pitchFamily="18" charset="0"/>
-                <a:ea typeface="Calibri" panose="020F0502020204030204" pitchFamily="34" charset="0"/>
-              </a:rPr>
-              <a:t>Интервал </a:t>
-            </a:r>
-            <a:r>
-              <a:rPr lang="en-US" sz="1800" dirty="0">
-                <a:effectLst/>
-                <a:latin typeface="Times New Roman" panose="02020603050405020304" pitchFamily="18" charset="0"/>
-                <a:ea typeface="Calibri" panose="020F0502020204030204" pitchFamily="34" charset="0"/>
-              </a:rPr>
-              <a:t>x </a:t>
-            </a:r>
-            <a:r>
-              <a:rPr lang="ru-RU" sz="1800" dirty="0">
-                <a:effectLst/>
-                <a:latin typeface="Times New Roman" panose="02020603050405020304" pitchFamily="18" charset="0"/>
-                <a:ea typeface="Calibri" panose="020F0502020204030204" pitchFamily="34" charset="0"/>
-              </a:rPr>
-              <a:t>частично перекрывает интервал </a:t>
-            </a:r>
-            <a:r>
-              <a:rPr lang="en-US" sz="1800" dirty="0">
-                <a:effectLst/>
-                <a:latin typeface="Times New Roman" panose="02020603050405020304" pitchFamily="18" charset="0"/>
-                <a:ea typeface="Calibri" panose="020F0502020204030204" pitchFamily="34" charset="0"/>
-              </a:rPr>
-              <a:t>root</a:t>
-            </a:r>
-            <a:r>
-              <a:rPr lang="ru-RU" sz="1800" dirty="0">
-                <a:effectLst/>
-                <a:latin typeface="Times New Roman" panose="02020603050405020304" pitchFamily="18" charset="0"/>
-                <a:ea typeface="Calibri" panose="020F0502020204030204" pitchFamily="34" charset="0"/>
-              </a:rPr>
-              <a:t>, при этом </a:t>
-            </a:r>
-            <a:r>
-              <a:rPr lang="en-US" sz="1800" dirty="0">
-                <a:effectLst/>
-                <a:latin typeface="Times New Roman" panose="02020603050405020304" pitchFamily="18" charset="0"/>
                 <a:ea typeface="Calibri" panose="020F0502020204030204" pitchFamily="34" charset="0"/>
               </a:rPr>
               <a:t>x</a:t>
             </a:r>
             <a:r>
-              <a:rPr lang="ru-RU" sz="1800" dirty="0">
+              <a:rPr lang="ru-RU" i="1" dirty="0">
                 <a:effectLst/>
-                <a:latin typeface="Times New Roman" panose="02020603050405020304" pitchFamily="18" charset="0"/>
                 <a:ea typeface="Calibri" panose="020F0502020204030204" pitchFamily="34" charset="0"/>
               </a:rPr>
-              <a:t> выходит за левую границы </a:t>
-            </a:r>
-            <a:r>
-              <a:rPr lang="en-US" sz="1800" dirty="0">
+              <a:t>.</a:t>
+            </a:r>
+            <a:r>
+              <a:rPr lang="en-US" i="1" dirty="0">
                 <a:effectLst/>
-                <a:latin typeface="Times New Roman" panose="02020603050405020304" pitchFamily="18" charset="0"/>
                 <a:ea typeface="Calibri" panose="020F0502020204030204" pitchFamily="34" charset="0"/>
               </a:rPr>
-              <a:t>root</a:t>
-            </a:r>
+              <a:t>low</a:t>
+            </a:r>
+            <a:r>
+              <a:rPr lang="ru-RU" dirty="0">
+                <a:effectLst/>
+                <a:ea typeface="Calibri" panose="020F0502020204030204" pitchFamily="34" charset="0"/>
+              </a:rPr>
+              <a:t>, </a:t>
+            </a:r>
+            <a:r>
+              <a:rPr lang="en-US" i="1" dirty="0">
+                <a:effectLst/>
+                <a:ea typeface="Calibri" panose="020F0502020204030204" pitchFamily="34" charset="0"/>
+              </a:rPr>
+              <a:t>x</a:t>
+            </a:r>
+            <a:r>
+              <a:rPr lang="ru-RU" i="1" dirty="0">
+                <a:effectLst/>
+                <a:ea typeface="Calibri" panose="020F0502020204030204" pitchFamily="34" charset="0"/>
+              </a:rPr>
+              <a:t>.</a:t>
+            </a:r>
+            <a:r>
+              <a:rPr lang="en-US" i="1" dirty="0">
+                <a:effectLst/>
+                <a:ea typeface="Calibri" panose="020F0502020204030204" pitchFamily="34" charset="0"/>
+              </a:rPr>
+              <a:t>high</a:t>
+            </a:r>
+            <a:r>
+              <a:rPr lang="ru-RU" dirty="0">
+                <a:effectLst/>
+                <a:ea typeface="Calibri" panose="020F0502020204030204" pitchFamily="34" charset="0"/>
+              </a:rPr>
+              <a:t>])</a:t>
+            </a:r>
+            <a:endParaRPr lang="en-US" dirty="0">
+              <a:effectLst/>
+              <a:ea typeface="Calibri" panose="020F0502020204030204" pitchFamily="34" charset="0"/>
+            </a:endParaRPr>
+          </a:p>
+          <a:p>
             <a:endParaRPr lang="ru-RU" dirty="0"/>
           </a:p>
         </p:txBody>
       </p:sp>
-      <p:pic>
-        <p:nvPicPr>
-          <p:cNvPr id="3" name="Рисунок 2">
-            <a:extLst>
-              <a:ext uri="{FF2B5EF4-FFF2-40B4-BE49-F238E27FC236}">
-                <a16:creationId xmlns:a16="http://schemas.microsoft.com/office/drawing/2014/main" id="{E0E7B892-2EC2-C103-16DE-97B1800000C0}"/>
-              </a:ext>
-            </a:extLst>
-          </p:cNvPr>
-          <p:cNvPicPr>
-            <a:picLocks noChangeAspect="1"/>
-          </p:cNvPicPr>
-          <p:nvPr/>
-        </p:nvPicPr>
-        <p:blipFill>
-          <a:blip r:embed="rId2">
-            <a:extLst>
-              <a:ext uri="{28A0092B-C50C-407E-A947-70E740481C1C}">
-                <a14:useLocalDpi xmlns:a14="http://schemas.microsoft.com/office/drawing/2010/main" val="0"/>
-              </a:ext>
-            </a:extLst>
-          </a:blip>
-          <a:stretch>
-            <a:fillRect/>
-          </a:stretch>
-        </p:blipFill>
-        <p:spPr>
-          <a:xfrm>
-            <a:off x="6580943" y="3891250"/>
-            <a:ext cx="4406900" cy="2284465"/>
-          </a:xfrm>
-          <a:prstGeom prst="rect">
-            <a:avLst/>
-          </a:prstGeom>
-        </p:spPr>
-      </p:pic>
-      <p:pic>
-        <p:nvPicPr>
-          <p:cNvPr id="10" name="Рисунок 9">
-            <a:extLst>
-              <a:ext uri="{FF2B5EF4-FFF2-40B4-BE49-F238E27FC236}">
-                <a16:creationId xmlns:a16="http://schemas.microsoft.com/office/drawing/2014/main" id="{E72BF691-56DD-F2F0-8289-2608E9AAB29C}"/>
-              </a:ext>
-            </a:extLst>
-          </p:cNvPr>
-          <p:cNvPicPr>
-            <a:picLocks noChangeAspect="1"/>
-          </p:cNvPicPr>
-          <p:nvPr/>
-        </p:nvPicPr>
-        <p:blipFill>
-          <a:blip r:embed="rId3">
-            <a:extLst>
-              <a:ext uri="{28A0092B-C50C-407E-A947-70E740481C1C}">
-                <a14:useLocalDpi xmlns:a14="http://schemas.microsoft.com/office/drawing/2010/main" val="0"/>
-              </a:ext>
-            </a:extLst>
-          </a:blip>
-          <a:stretch>
-            <a:fillRect/>
-          </a:stretch>
-        </p:blipFill>
-        <p:spPr>
-          <a:xfrm>
-            <a:off x="1323142" y="3939581"/>
-            <a:ext cx="4406900" cy="2236134"/>
-          </a:xfrm>
-          <a:prstGeom prst="rect">
-            <a:avLst/>
-          </a:prstGeom>
-        </p:spPr>
-      </p:pic>
+      <p:sp>
+        <p:nvSpPr>
+          <p:cNvPr id="4" name="Номер слайда 3">
+            <a:extLst>
+              <a:ext uri="{FF2B5EF4-FFF2-40B4-BE49-F238E27FC236}">
+                <a16:creationId xmlns:a16="http://schemas.microsoft.com/office/drawing/2014/main" id="{29F86593-1DB5-8F10-2B06-D5FA83E613EC}"/>
+              </a:ext>
+            </a:extLst>
+          </p:cNvPr>
+          <p:cNvSpPr>
+            <a:spLocks noGrp="1"/>
+          </p:cNvSpPr>
+          <p:nvPr>
+            <p:ph type="sldNum" sz="quarter" idx="12"/>
+          </p:nvPr>
+        </p:nvSpPr>
+        <p:spPr/>
+        <p:txBody>
+          <a:bodyPr/>
+          <a:lstStyle/>
+          <a:p>
+            <a:fld id="{2F362560-E0F8-43D8-8E93-488BE82A516D}" type="slidenum">
+              <a:rPr lang="ru-RU" smtClean="0"/>
+              <a:t>14</a:t>
+            </a:fld>
+            <a:endParaRPr lang="ru-RU"/>
+          </a:p>
+        </p:txBody>
+      </p:sp>
     </p:spTree>
     <p:extLst>
       <p:ext uri="{BB962C8B-B14F-4D97-AF65-F5344CB8AC3E}">
-        <p14:creationId xmlns:p14="http://schemas.microsoft.com/office/powerpoint/2010/main" val="2177338105"/>
+        <p14:creationId xmlns:p14="http://schemas.microsoft.com/office/powerpoint/2010/main" val="1966586845"/>
       </p:ext>
     </p:extLst>
   </p:cSld>
   <p:clrMapOvr>
     <a:masterClrMapping/>
   </p:clrMapOvr>
+  <p:transition spd="slow">
+    <p:push dir="u"/>
+  </p:transition>
 </p:sld>
 </file>
 
@@ -10037,7 +8975,7 @@
           <p:cNvPr id="2" name="Заголовок 1">
             <a:extLst>
               <a:ext uri="{FF2B5EF4-FFF2-40B4-BE49-F238E27FC236}">
-                <a16:creationId xmlns:a16="http://schemas.microsoft.com/office/drawing/2014/main" id="{4869D268-D5DA-113C-E660-4273CF2BFC47}"/>
+                <a16:creationId xmlns:a16="http://schemas.microsoft.com/office/drawing/2014/main" id="{7BB713AE-5C95-8C0C-5CC0-9511AF5E174F}"/>
               </a:ext>
             </a:extLst>
           </p:cNvPr>
@@ -10055,7 +8993,7 @@
           <a:p>
             <a:r>
               <a:rPr lang="ru-RU" dirty="0"/>
-              <a:t>Реализация</a:t>
+              <a:t>Назначение</a:t>
             </a:r>
           </a:p>
         </p:txBody>
@@ -10065,7 +9003,7 @@
           <p:cNvPr id="3" name="Объект 2">
             <a:extLst>
               <a:ext uri="{FF2B5EF4-FFF2-40B4-BE49-F238E27FC236}">
-                <a16:creationId xmlns:a16="http://schemas.microsoft.com/office/drawing/2014/main" id="{A0E4F3FA-0A3A-8B4D-6812-4685D0ADA01D}"/>
+                <a16:creationId xmlns:a16="http://schemas.microsoft.com/office/drawing/2014/main" id="{BBA388E4-B3CB-1F62-F131-94AB28A2E935}"/>
               </a:ext>
             </a:extLst>
           </p:cNvPr>
@@ -10083,296 +9021,89 @@
           </a:bodyPr>
           <a:lstStyle/>
           <a:p>
-            <a:r>
-              <a:rPr lang="en-US" dirty="0">
-                <a:effectLst/>
-                <a:ea typeface="Calibri" panose="020F0502020204030204" pitchFamily="34" charset="0"/>
-              </a:rPr>
-              <a:t>Insert </a:t>
-            </a:r>
+            <a:pPr marL="0" indent="0">
+              <a:buNone/>
+            </a:pPr>
             <a:r>
               <a:rPr lang="ru-RU" dirty="0">
                 <a:effectLst/>
                 <a:ea typeface="Calibri" panose="020F0502020204030204" pitchFamily="34" charset="0"/>
               </a:rPr>
-              <a:t>(</a:t>
-            </a:r>
-            <a:r>
-              <a:rPr lang="en-US" i="1" dirty="0">
-                <a:effectLst/>
-                <a:ea typeface="Calibri" panose="020F0502020204030204" pitchFamily="34" charset="0"/>
-              </a:rPr>
-              <a:t>root</a:t>
-            </a:r>
+              <a:t>Находит все интервалы, которые перекрываются с любым заданным интервалом или точкой. </a:t>
+            </a:r>
+            <a:endParaRPr lang="en-US" dirty="0">
+              <a:effectLst/>
+              <a:ea typeface="Calibri" panose="020F0502020204030204" pitchFamily="34" charset="0"/>
+            </a:endParaRPr>
+          </a:p>
+          <a:p>
+            <a:pPr marL="0" indent="0">
+              <a:buNone/>
+            </a:pPr>
+            <a:endParaRPr lang="ru-RU" dirty="0"/>
+          </a:p>
+          <a:p>
+            <a:pPr marL="0" indent="0">
+              <a:buNone/>
+            </a:pPr>
             <a:r>
               <a:rPr lang="ru-RU" dirty="0">
                 <a:effectLst/>
                 <a:ea typeface="Calibri" panose="020F0502020204030204" pitchFamily="34" charset="0"/>
               </a:rPr>
-              <a:t>, [</a:t>
-            </a:r>
-            <a:r>
-              <a:rPr lang="en-US" i="1" dirty="0">
-                <a:effectLst/>
-                <a:ea typeface="Calibri" panose="020F0502020204030204" pitchFamily="34" charset="0"/>
-              </a:rPr>
-              <a:t>x</a:t>
-            </a:r>
-            <a:r>
-              <a:rPr lang="ru-RU" i="1" dirty="0">
-                <a:effectLst/>
-                <a:ea typeface="Calibri" panose="020F0502020204030204" pitchFamily="34" charset="0"/>
-              </a:rPr>
-              <a:t>.</a:t>
-            </a:r>
-            <a:r>
-              <a:rPr lang="en-US" i="1" dirty="0">
-                <a:effectLst/>
-                <a:ea typeface="Calibri" panose="020F0502020204030204" pitchFamily="34" charset="0"/>
-              </a:rPr>
-              <a:t>low</a:t>
-            </a:r>
-            <a:r>
-              <a:rPr lang="ru-RU" dirty="0">
-                <a:effectLst/>
-                <a:ea typeface="Calibri" panose="020F0502020204030204" pitchFamily="34" charset="0"/>
-              </a:rPr>
-              <a:t>, </a:t>
-            </a:r>
-            <a:r>
-              <a:rPr lang="en-US" i="1" dirty="0">
-                <a:effectLst/>
-                <a:ea typeface="Calibri" panose="020F0502020204030204" pitchFamily="34" charset="0"/>
-              </a:rPr>
-              <a:t>x</a:t>
-            </a:r>
-            <a:r>
-              <a:rPr lang="ru-RU" i="1" dirty="0">
-                <a:effectLst/>
-                <a:ea typeface="Calibri" panose="020F0502020204030204" pitchFamily="34" charset="0"/>
-              </a:rPr>
-              <a:t>.</a:t>
-            </a:r>
-            <a:r>
-              <a:rPr lang="en-US" i="1" dirty="0">
-                <a:effectLst/>
-                <a:ea typeface="Calibri" panose="020F0502020204030204" pitchFamily="34" charset="0"/>
-              </a:rPr>
-              <a:t>high</a:t>
-            </a:r>
-            <a:r>
-              <a:rPr lang="ru-RU" dirty="0">
-                <a:effectLst/>
-                <a:ea typeface="Calibri" panose="020F0502020204030204" pitchFamily="34" charset="0"/>
-              </a:rPr>
-              <a:t>])</a:t>
-            </a:r>
-            <a:endParaRPr lang="en-US" dirty="0">
-              <a:effectLst/>
-              <a:ea typeface="Calibri" panose="020F0502020204030204" pitchFamily="34" charset="0"/>
-            </a:endParaRPr>
-          </a:p>
-          <a:p>
-            <a:endParaRPr lang="en-US" dirty="0"/>
-          </a:p>
-          <a:p>
-            <a:r>
-              <a:rPr lang="en-US" dirty="0" err="1">
-                <a:effectLst/>
-                <a:ea typeface="Calibri" panose="020F0502020204030204" pitchFamily="34" charset="0"/>
-              </a:rPr>
-              <a:t>isOverlapping</a:t>
-            </a:r>
-            <a:r>
-              <a:rPr lang="ru-RU" dirty="0">
-                <a:effectLst/>
-                <a:ea typeface="Calibri" panose="020F0502020204030204" pitchFamily="34" charset="0"/>
-              </a:rPr>
-              <a:t>(</a:t>
-            </a:r>
-            <a:r>
-              <a:rPr lang="en-US" i="1" dirty="0">
-                <a:effectLst/>
-                <a:ea typeface="Calibri" panose="020F0502020204030204" pitchFamily="34" charset="0"/>
-              </a:rPr>
-              <a:t>root</a:t>
-            </a:r>
-            <a:r>
-              <a:rPr lang="ru-RU" dirty="0">
-                <a:effectLst/>
-                <a:ea typeface="Calibri" panose="020F0502020204030204" pitchFamily="34" charset="0"/>
-              </a:rPr>
-              <a:t>, [</a:t>
-            </a:r>
-            <a:r>
-              <a:rPr lang="en-US" i="1" dirty="0">
-                <a:effectLst/>
-                <a:ea typeface="Calibri" panose="020F0502020204030204" pitchFamily="34" charset="0"/>
-              </a:rPr>
-              <a:t>x</a:t>
-            </a:r>
-            <a:r>
-              <a:rPr lang="ru-RU" i="1" dirty="0">
-                <a:effectLst/>
-                <a:ea typeface="Calibri" panose="020F0502020204030204" pitchFamily="34" charset="0"/>
-              </a:rPr>
-              <a:t>.</a:t>
-            </a:r>
-            <a:r>
-              <a:rPr lang="en-US" i="1" dirty="0">
-                <a:effectLst/>
-                <a:ea typeface="Calibri" panose="020F0502020204030204" pitchFamily="34" charset="0"/>
-              </a:rPr>
-              <a:t>low</a:t>
-            </a:r>
-            <a:r>
-              <a:rPr lang="ru-RU" dirty="0">
-                <a:effectLst/>
-                <a:ea typeface="Calibri" panose="020F0502020204030204" pitchFamily="34" charset="0"/>
-              </a:rPr>
-              <a:t>, </a:t>
-            </a:r>
-            <a:r>
-              <a:rPr lang="en-US" i="1" dirty="0">
-                <a:effectLst/>
-                <a:ea typeface="Calibri" panose="020F0502020204030204" pitchFamily="34" charset="0"/>
-              </a:rPr>
-              <a:t>x</a:t>
-            </a:r>
-            <a:r>
-              <a:rPr lang="ru-RU" i="1" dirty="0">
-                <a:effectLst/>
-                <a:ea typeface="Calibri" panose="020F0502020204030204" pitchFamily="34" charset="0"/>
-              </a:rPr>
-              <a:t>.</a:t>
-            </a:r>
-            <a:r>
-              <a:rPr lang="en-US" i="1" dirty="0">
-                <a:effectLst/>
-                <a:ea typeface="Calibri" panose="020F0502020204030204" pitchFamily="34" charset="0"/>
-              </a:rPr>
-              <a:t>high</a:t>
-            </a:r>
-            <a:r>
-              <a:rPr lang="ru-RU" dirty="0">
-                <a:effectLst/>
-                <a:ea typeface="Calibri" panose="020F0502020204030204" pitchFamily="34" charset="0"/>
-              </a:rPr>
-              <a:t>])</a:t>
-            </a:r>
-            <a:endParaRPr lang="en-US" dirty="0">
-              <a:effectLst/>
-              <a:ea typeface="Calibri" panose="020F0502020204030204" pitchFamily="34" charset="0"/>
-            </a:endParaRPr>
-          </a:p>
-          <a:p>
-            <a:endParaRPr lang="en-US" dirty="0"/>
-          </a:p>
-          <a:p>
-            <a:r>
-              <a:rPr lang="en-US" dirty="0">
-                <a:effectLst/>
-                <a:ea typeface="Calibri" panose="020F0502020204030204" pitchFamily="34" charset="0"/>
-              </a:rPr>
-              <a:t>Remove</a:t>
-            </a:r>
-            <a:r>
-              <a:rPr lang="ru-RU" dirty="0">
-                <a:effectLst/>
-                <a:ea typeface="Calibri" panose="020F0502020204030204" pitchFamily="34" charset="0"/>
-              </a:rPr>
-              <a:t> (</a:t>
-            </a:r>
-            <a:r>
-              <a:rPr lang="en-US" dirty="0">
-                <a:effectLst/>
-                <a:ea typeface="Calibri" panose="020F0502020204030204" pitchFamily="34" charset="0"/>
-              </a:rPr>
-              <a:t>root</a:t>
-            </a:r>
-            <a:r>
-              <a:rPr lang="ru-RU" dirty="0">
-                <a:effectLst/>
-                <a:ea typeface="Calibri" panose="020F0502020204030204" pitchFamily="34" charset="0"/>
-              </a:rPr>
-              <a:t>, [</a:t>
-            </a:r>
-            <a:r>
-              <a:rPr lang="en-US" i="1" dirty="0">
-                <a:effectLst/>
-                <a:ea typeface="Calibri" panose="020F0502020204030204" pitchFamily="34" charset="0"/>
-              </a:rPr>
-              <a:t>x</a:t>
-            </a:r>
-            <a:r>
-              <a:rPr lang="ru-RU" i="1" dirty="0">
-                <a:effectLst/>
-                <a:ea typeface="Calibri" panose="020F0502020204030204" pitchFamily="34" charset="0"/>
-              </a:rPr>
-              <a:t>.</a:t>
-            </a:r>
-            <a:r>
-              <a:rPr lang="en-US" i="1" dirty="0">
-                <a:effectLst/>
-                <a:ea typeface="Calibri" panose="020F0502020204030204" pitchFamily="34" charset="0"/>
-              </a:rPr>
-              <a:t>low</a:t>
-            </a:r>
-            <a:r>
-              <a:rPr lang="ru-RU" dirty="0">
-                <a:effectLst/>
-                <a:ea typeface="Calibri" panose="020F0502020204030204" pitchFamily="34" charset="0"/>
-              </a:rPr>
-              <a:t>, </a:t>
-            </a:r>
-            <a:r>
-              <a:rPr lang="en-US" i="1" dirty="0">
-                <a:effectLst/>
-                <a:ea typeface="Calibri" panose="020F0502020204030204" pitchFamily="34" charset="0"/>
-              </a:rPr>
-              <a:t>x</a:t>
-            </a:r>
-            <a:r>
-              <a:rPr lang="ru-RU" i="1" dirty="0">
-                <a:effectLst/>
-                <a:ea typeface="Calibri" panose="020F0502020204030204" pitchFamily="34" charset="0"/>
-              </a:rPr>
-              <a:t>.</a:t>
-            </a:r>
-            <a:r>
-              <a:rPr lang="en-US" i="1" dirty="0">
-                <a:effectLst/>
-                <a:ea typeface="Calibri" panose="020F0502020204030204" pitchFamily="34" charset="0"/>
-              </a:rPr>
-              <a:t>high</a:t>
-            </a:r>
-            <a:r>
-              <a:rPr lang="ru-RU" dirty="0">
-                <a:effectLst/>
-                <a:ea typeface="Calibri" panose="020F0502020204030204" pitchFamily="34" charset="0"/>
-              </a:rPr>
-              <a:t>])</a:t>
-            </a:r>
-            <a:endParaRPr lang="en-US" dirty="0">
-              <a:effectLst/>
-              <a:ea typeface="Calibri" panose="020F0502020204030204" pitchFamily="34" charset="0"/>
-            </a:endParaRPr>
-          </a:p>
-          <a:p>
+              <a:t>Дерево интервалов используется для поиска видимых элементов внутри трехмерной сцены.</a:t>
+            </a:r>
+          </a:p>
+          <a:p>
+            <a:pPr marL="0" indent="0">
+              <a:buNone/>
+            </a:pPr>
             <a:endParaRPr lang="ru-RU" dirty="0"/>
+          </a:p>
+        </p:txBody>
+      </p:sp>
+      <p:sp>
+        <p:nvSpPr>
+          <p:cNvPr id="4" name="Номер слайда 3">
+            <a:extLst>
+              <a:ext uri="{FF2B5EF4-FFF2-40B4-BE49-F238E27FC236}">
+                <a16:creationId xmlns:a16="http://schemas.microsoft.com/office/drawing/2014/main" id="{4A3E8156-AC6C-D694-5E94-49A90634B55F}"/>
+              </a:ext>
+            </a:extLst>
+          </p:cNvPr>
+          <p:cNvSpPr>
+            <a:spLocks noGrp="1"/>
+          </p:cNvSpPr>
+          <p:nvPr>
+            <p:ph type="sldNum" sz="quarter" idx="12"/>
+          </p:nvPr>
+        </p:nvSpPr>
+        <p:spPr/>
+        <p:txBody>
+          <a:bodyPr/>
+          <a:lstStyle/>
+          <a:p>
+            <a:fld id="{2F362560-E0F8-43D8-8E93-488BE82A516D}" type="slidenum">
+              <a:rPr lang="ru-RU" smtClean="0"/>
+              <a:t>15</a:t>
+            </a:fld>
+            <a:endParaRPr lang="ru-RU"/>
           </a:p>
         </p:txBody>
       </p:sp>
     </p:spTree>
     <p:extLst>
       <p:ext uri="{BB962C8B-B14F-4D97-AF65-F5344CB8AC3E}">
-        <p14:creationId xmlns:p14="http://schemas.microsoft.com/office/powerpoint/2010/main" val="1966586845"/>
+        <p14:creationId xmlns:p14="http://schemas.microsoft.com/office/powerpoint/2010/main" val="4228171438"/>
       </p:ext>
     </p:extLst>
   </p:cSld>
   <p:clrMapOvr>
     <a:masterClrMapping/>
   </p:clrMapOvr>
+  <p:transition spd="slow">
+    <p:push dir="u"/>
+  </p:transition>
 </p:sld>
 </file>
 
@@ -10398,7 +9129,7 @@
           <p:cNvPr id="2" name="Заголовок 1">
             <a:extLst>
               <a:ext uri="{FF2B5EF4-FFF2-40B4-BE49-F238E27FC236}">
-                <a16:creationId xmlns:a16="http://schemas.microsoft.com/office/drawing/2014/main" id="{7BB713AE-5C95-8C0C-5CC0-9511AF5E174F}"/>
+                <a16:creationId xmlns:a16="http://schemas.microsoft.com/office/drawing/2014/main" id="{09636017-BED1-67F3-EF74-CC00FA46D9E1}"/>
               </a:ext>
             </a:extLst>
           </p:cNvPr>
@@ -10416,7 +9147,7 @@
           <a:p>
             <a:r>
               <a:rPr lang="ru-RU" dirty="0"/>
-              <a:t>Назначение</a:t>
+              <a:t>Характеристики </a:t>
             </a:r>
           </a:p>
         </p:txBody>
@@ -10426,7 +9157,7 @@
           <p:cNvPr id="3" name="Объект 2">
             <a:extLst>
               <a:ext uri="{FF2B5EF4-FFF2-40B4-BE49-F238E27FC236}">
-                <a16:creationId xmlns:a16="http://schemas.microsoft.com/office/drawing/2014/main" id="{BBA388E4-B3CB-1F62-F131-94AB28A2E935}"/>
+                <a16:creationId xmlns:a16="http://schemas.microsoft.com/office/drawing/2014/main" id="{3CECA1F6-DA43-EC5C-D8A4-6330ABEB88C4}"/>
               </a:ext>
             </a:extLst>
           </p:cNvPr>
@@ -10440,61 +9171,149 @@
         <p:spPr/>
         <p:txBody>
           <a:bodyPr>
-            <a:normAutofit/>
+            <a:normAutofit lnSpcReduction="10000"/>
           </a:bodyPr>
           <a:lstStyle/>
+          <a:p>
+            <a:r>
+              <a:rPr lang="ru-RU" dirty="0"/>
+              <a:t>Время работы – </a:t>
+            </a:r>
+            <a:r>
+              <a:rPr lang="en-US" dirty="0"/>
+              <a:t>O</a:t>
+            </a:r>
+            <a:r>
+              <a:rPr lang="ru-RU" dirty="0"/>
+              <a:t>(</a:t>
+            </a:r>
+            <a:r>
+              <a:rPr lang="en-US" dirty="0"/>
+              <a:t>n</a:t>
+            </a:r>
+            <a:r>
+              <a:rPr lang="ru-RU" dirty="0"/>
+              <a:t>)</a:t>
+            </a:r>
+          </a:p>
+          <a:p>
+            <a:r>
+              <a:rPr lang="ru-RU" dirty="0"/>
+              <a:t>Начальное время создания – </a:t>
+            </a:r>
+            <a:r>
+              <a:rPr lang="en-US" dirty="0"/>
+              <a:t>O(n log n)</a:t>
+            </a:r>
+          </a:p>
+          <a:p>
+            <a:r>
+              <a:rPr lang="ru-RU" dirty="0"/>
+              <a:t>Ограничение памяти</a:t>
+            </a:r>
+            <a:r>
+              <a:rPr lang="en-US" dirty="0"/>
+              <a:t> – O(n)</a:t>
+            </a:r>
+          </a:p>
+          <a:p>
+            <a:r>
+              <a:rPr lang="ru-RU" dirty="0"/>
+              <a:t>Время вставки – </a:t>
+            </a:r>
+            <a:r>
+              <a:rPr lang="en-US" dirty="0"/>
+              <a:t>O(log n)</a:t>
+            </a:r>
+            <a:endParaRPr lang="ru-RU" dirty="0"/>
+          </a:p>
+          <a:p>
+            <a:r>
+              <a:rPr lang="ru-RU" dirty="0"/>
+              <a:t>Время удаления –</a:t>
+            </a:r>
+            <a:r>
+              <a:rPr lang="en-US" dirty="0"/>
+              <a:t> O(log n)</a:t>
+            </a:r>
+          </a:p>
+          <a:p>
+            <a:r>
+              <a:rPr lang="ru-RU" dirty="0"/>
+              <a:t>Количество строк в коде – 1007</a:t>
+            </a:r>
+          </a:p>
+          <a:p>
+            <a:r>
+              <a:rPr lang="ru-RU" dirty="0"/>
+              <a:t>Количество классов – 2</a:t>
+            </a:r>
+          </a:p>
+          <a:p>
+            <a:r>
+              <a:rPr lang="ru-RU" dirty="0"/>
+              <a:t>Количество методов – 9</a:t>
+            </a:r>
+          </a:p>
+          <a:p>
+            <a:r>
+              <a:rPr lang="ru-RU" dirty="0"/>
+              <a:t>Количество тестов – 37</a:t>
+            </a:r>
+          </a:p>
           <a:p>
             <a:pPr marL="0" indent="0">
               <a:buNone/>
             </a:pPr>
-            <a:r>
-              <a:rPr lang="ru-RU" dirty="0">
-                <a:effectLst/>
-                <a:ea typeface="Calibri" panose="020F0502020204030204" pitchFamily="34" charset="0"/>
-              </a:rPr>
-              <a:t>Находит все интервалы, которые перекрываются с любым заданным интервалом или точкой. </a:t>
-            </a:r>
-            <a:endParaRPr lang="en-US" dirty="0">
-              <a:effectLst/>
-              <a:ea typeface="Calibri" panose="020F0502020204030204" pitchFamily="34" charset="0"/>
-            </a:endParaRPr>
-          </a:p>
-          <a:p>
-            <a:pPr marL="0" indent="0">
-              <a:buNone/>
-            </a:pPr>
+            <a:endParaRPr lang="en-US" dirty="0"/>
+          </a:p>
+          <a:p>
             <a:endParaRPr lang="ru-RU" dirty="0"/>
           </a:p>
-          <a:p>
-            <a:pPr marL="0" indent="0">
-              <a:buNone/>
-            </a:pPr>
-            <a:r>
-              <a:rPr lang="ru-RU" dirty="0">
-                <a:effectLst/>
-                <a:ea typeface="Calibri" panose="020F0502020204030204" pitchFamily="34" charset="0"/>
-              </a:rPr>
-              <a:t>Дерево интервалов используется для поиска видимых элементов внутри трехмерной сцены.</a:t>
-            </a:r>
-          </a:p>
-          <a:p>
-            <a:pPr marL="0" indent="0">
-              <a:buNone/>
-            </a:pPr>
-            <a:endParaRPr lang="ru-RU" dirty="0"/>
+        </p:txBody>
+      </p:sp>
+      <p:sp>
+        <p:nvSpPr>
+          <p:cNvPr id="4" name="Номер слайда 3">
+            <a:extLst>
+              <a:ext uri="{FF2B5EF4-FFF2-40B4-BE49-F238E27FC236}">
+                <a16:creationId xmlns:a16="http://schemas.microsoft.com/office/drawing/2014/main" id="{C8B7549E-1608-3350-8562-E99702E8898A}"/>
+              </a:ext>
+            </a:extLst>
+          </p:cNvPr>
+          <p:cNvSpPr>
+            <a:spLocks noGrp="1"/>
+          </p:cNvSpPr>
+          <p:nvPr>
+            <p:ph type="sldNum" sz="quarter" idx="12"/>
+          </p:nvPr>
+        </p:nvSpPr>
+        <p:spPr/>
+        <p:txBody>
+          <a:bodyPr/>
+          <a:lstStyle/>
+          <a:p>
+            <a:fld id="{2F362560-E0F8-43D8-8E93-488BE82A516D}" type="slidenum">
+              <a:rPr lang="ru-RU" smtClean="0"/>
+              <a:t>16</a:t>
+            </a:fld>
+            <a:endParaRPr lang="ru-RU"/>
           </a:p>
         </p:txBody>
       </p:sp>
     </p:spTree>
     <p:extLst>
       <p:ext uri="{BB962C8B-B14F-4D97-AF65-F5344CB8AC3E}">
-        <p14:creationId xmlns:p14="http://schemas.microsoft.com/office/powerpoint/2010/main" val="4228171438"/>
+        <p14:creationId xmlns:p14="http://schemas.microsoft.com/office/powerpoint/2010/main" val="2477099453"/>
       </p:ext>
     </p:extLst>
   </p:cSld>
   <p:clrMapOvr>
     <a:masterClrMapping/>
   </p:clrMapOvr>
+  <p:transition spd="slow">
+    <p:push dir="u"/>
+  </p:transition>
 </p:sld>
 </file>
 
@@ -10520,7 +9339,7 @@
           <p:cNvPr id="2" name="Заголовок 1">
             <a:extLst>
               <a:ext uri="{FF2B5EF4-FFF2-40B4-BE49-F238E27FC236}">
-                <a16:creationId xmlns:a16="http://schemas.microsoft.com/office/drawing/2014/main" id="{09636017-BED1-67F3-EF74-CC00FA46D9E1}"/>
+                <a16:creationId xmlns:a16="http://schemas.microsoft.com/office/drawing/2014/main" id="{9EE64ABF-CE26-4758-0754-2F251B19CF7B}"/>
               </a:ext>
             </a:extLst>
           </p:cNvPr>
@@ -10538,7 +9357,7 @@
           <a:p>
             <a:r>
               <a:rPr lang="ru-RU" dirty="0"/>
-              <a:t>Характеристики </a:t>
+              <a:t>Формальная постановка задачи </a:t>
             </a:r>
           </a:p>
         </p:txBody>
@@ -10548,7 +9367,7 @@
           <p:cNvPr id="3" name="Объект 2">
             <a:extLst>
               <a:ext uri="{FF2B5EF4-FFF2-40B4-BE49-F238E27FC236}">
-                <a16:creationId xmlns:a16="http://schemas.microsoft.com/office/drawing/2014/main" id="{3CECA1F6-DA43-EC5C-D8A4-6330ABEB88C4}"/>
+                <a16:creationId xmlns:a16="http://schemas.microsoft.com/office/drawing/2014/main" id="{97CA1FFD-4B6B-3AFE-A998-63722B306DAE}"/>
               </a:ext>
             </a:extLst>
           </p:cNvPr>
@@ -10562,117 +9381,219 @@
         <p:spPr/>
         <p:txBody>
           <a:bodyPr>
-            <a:normAutofit lnSpcReduction="10000"/>
+            <a:normAutofit fontScale="92500" lnSpcReduction="20000"/>
           </a:bodyPr>
           <a:lstStyle/>
           <a:p>
-            <a:r>
-              <a:rPr lang="ru-RU" dirty="0"/>
-              <a:t>Время работы – </a:t>
-            </a:r>
-            <a:r>
-              <a:rPr lang="en-US" dirty="0"/>
-              <a:t>O</a:t>
-            </a:r>
-            <a:r>
-              <a:rPr lang="ru-RU" dirty="0"/>
-              <a:t>(</a:t>
-            </a:r>
-            <a:r>
-              <a:rPr lang="en-US" dirty="0"/>
-              <a:t>n</a:t>
-            </a:r>
-            <a:r>
-              <a:rPr lang="ru-RU" dirty="0"/>
-              <a:t>)</a:t>
-            </a:r>
-          </a:p>
-          <a:p>
-            <a:r>
-              <a:rPr lang="ru-RU" dirty="0"/>
-              <a:t>Начальное время создания – </a:t>
-            </a:r>
-            <a:r>
-              <a:rPr lang="en-US" dirty="0"/>
-              <a:t>O(n log n)</a:t>
-            </a:r>
-          </a:p>
-          <a:p>
-            <a:r>
-              <a:rPr lang="ru-RU" dirty="0"/>
-              <a:t>Ограничение памяти</a:t>
-            </a:r>
-            <a:r>
-              <a:rPr lang="en-US" dirty="0"/>
-              <a:t> – O(n)</a:t>
-            </a:r>
-          </a:p>
-          <a:p>
-            <a:r>
-              <a:rPr lang="ru-RU" dirty="0"/>
-              <a:t>Время вставки – </a:t>
-            </a:r>
-            <a:r>
-              <a:rPr lang="en-US" dirty="0"/>
-              <a:t>O(log n)</a:t>
-            </a:r>
-            <a:endParaRPr lang="ru-RU" dirty="0"/>
-          </a:p>
-          <a:p>
-            <a:r>
-              <a:rPr lang="ru-RU" dirty="0"/>
-              <a:t>Время удаления –</a:t>
-            </a:r>
-            <a:r>
-              <a:rPr lang="en-US" dirty="0"/>
-              <a:t> O(log n)</a:t>
-            </a:r>
-          </a:p>
-          <a:p>
-            <a:r>
-              <a:rPr lang="ru-RU" dirty="0"/>
-              <a:t>Количество строк в коде – 1007</a:t>
-            </a:r>
-          </a:p>
-          <a:p>
-            <a:r>
-              <a:rPr lang="ru-RU" dirty="0"/>
-              <a:t>Количество классов – 2</a:t>
-            </a:r>
-          </a:p>
-          <a:p>
-            <a:r>
-              <a:rPr lang="ru-RU" dirty="0"/>
-              <a:t>Количество методов – 9</a:t>
-            </a:r>
-          </a:p>
-          <a:p>
-            <a:r>
-              <a:rPr lang="ru-RU" dirty="0"/>
-              <a:t>Количество тестов – 37</a:t>
-            </a:r>
-          </a:p>
-          <a:p>
-            <a:pPr marL="0" indent="0">
+            <a:pPr indent="0" algn="just">
+              <a:lnSpc>
+                <a:spcPct val="150000"/>
+              </a:lnSpc>
               <a:buNone/>
             </a:pPr>
-            <a:endParaRPr lang="en-US" dirty="0"/>
+            <a:r>
+              <a:rPr lang="ru-RU" sz="1900" dirty="0">
+                <a:effectLst/>
+                <a:ea typeface="Calibri" panose="020F0502020204030204" pitchFamily="34" charset="0"/>
+              </a:rPr>
+              <a:t>1) Изучить структуру данных, дерево интервалов;</a:t>
+            </a:r>
+          </a:p>
+          <a:p>
+            <a:pPr indent="0" algn="just">
+              <a:lnSpc>
+                <a:spcPct val="150000"/>
+              </a:lnSpc>
+              <a:buNone/>
+            </a:pPr>
+            <a:r>
+              <a:rPr lang="ru-RU" sz="1900" dirty="0">
+                <a:effectLst/>
+                <a:ea typeface="Calibri" panose="020F0502020204030204" pitchFamily="34" charset="0"/>
+              </a:rPr>
+              <a:t>2) Реализовать для структуры данных следующие операции:</a:t>
+            </a:r>
+          </a:p>
+          <a:p>
+            <a:pPr indent="0" algn="just">
+              <a:lnSpc>
+                <a:spcPct val="150000"/>
+              </a:lnSpc>
+              <a:buNone/>
+            </a:pPr>
+            <a:r>
+              <a:rPr lang="ru-RU" sz="1900" dirty="0">
+                <a:effectLst/>
+                <a:ea typeface="Calibri" panose="020F0502020204030204" pitchFamily="34" charset="0"/>
+              </a:rPr>
+              <a:t>	1. Добавление</a:t>
+            </a:r>
+          </a:p>
+          <a:p>
+            <a:pPr indent="0" algn="just">
+              <a:lnSpc>
+                <a:spcPct val="150000"/>
+              </a:lnSpc>
+              <a:buNone/>
+            </a:pPr>
+            <a:r>
+              <a:rPr lang="ru-RU" sz="1900" dirty="0">
+                <a:effectLst/>
+                <a:ea typeface="Calibri" panose="020F0502020204030204" pitchFamily="34" charset="0"/>
+              </a:rPr>
+              <a:t>	2. Удаление</a:t>
+            </a:r>
+          </a:p>
+          <a:p>
+            <a:pPr indent="0" algn="just">
+              <a:lnSpc>
+                <a:spcPct val="150000"/>
+              </a:lnSpc>
+              <a:buNone/>
+            </a:pPr>
+            <a:r>
+              <a:rPr lang="ru-RU" sz="1900" dirty="0">
+                <a:effectLst/>
+                <a:ea typeface="Calibri" panose="020F0502020204030204" pitchFamily="34" charset="0"/>
+              </a:rPr>
+              <a:t>	3. Проверка на перекрытие</a:t>
+            </a:r>
+          </a:p>
+          <a:p>
+            <a:pPr indent="0" algn="just">
+              <a:lnSpc>
+                <a:spcPct val="150000"/>
+              </a:lnSpc>
+              <a:buNone/>
+            </a:pPr>
+            <a:r>
+              <a:rPr lang="ru-RU" sz="1900" dirty="0">
+                <a:effectLst/>
+                <a:ea typeface="Calibri" panose="020F0502020204030204" pitchFamily="34" charset="0"/>
+              </a:rPr>
+              <a:t>Ограничения:</a:t>
+            </a:r>
+          </a:p>
+          <a:p>
+            <a:pPr indent="0" algn="just">
+              <a:lnSpc>
+                <a:spcPct val="150000"/>
+              </a:lnSpc>
+              <a:buNone/>
+            </a:pPr>
+            <a:r>
+              <a:rPr lang="ru-RU" sz="1900" dirty="0">
+                <a:effectLst/>
+                <a:ea typeface="Calibri" panose="020F0502020204030204" pitchFamily="34" charset="0"/>
+              </a:rPr>
+              <a:t>	На вход принимаются значения типа </a:t>
+            </a:r>
+            <a:r>
+              <a:rPr lang="ru-RU" sz="1900" dirty="0" err="1">
+                <a:effectLst/>
+                <a:ea typeface="Calibri" panose="020F0502020204030204" pitchFamily="34" charset="0"/>
+              </a:rPr>
+              <a:t>double</a:t>
+            </a:r>
+            <a:r>
+              <a:rPr lang="ru-RU" sz="1900" dirty="0">
+                <a:effectLst/>
+                <a:ea typeface="Calibri" panose="020F0502020204030204" pitchFamily="34" charset="0"/>
+              </a:rPr>
+              <a:t>.</a:t>
+            </a:r>
+          </a:p>
+          <a:p>
+            <a:pPr indent="0" algn="just">
+              <a:lnSpc>
+                <a:spcPct val="150000"/>
+              </a:lnSpc>
+              <a:buNone/>
+            </a:pPr>
+            <a:r>
+              <a:rPr lang="ru-RU" sz="1900" dirty="0">
+                <a:effectLst/>
+                <a:ea typeface="Calibri" panose="020F0502020204030204" pitchFamily="34" charset="0"/>
+              </a:rPr>
+              <a:t>3) Выполнить исследование на производительность;</a:t>
+            </a:r>
+          </a:p>
+          <a:p>
+            <a:pPr indent="0" algn="just">
+              <a:lnSpc>
+                <a:spcPct val="150000"/>
+              </a:lnSpc>
+              <a:buNone/>
+            </a:pPr>
+            <a:r>
+              <a:rPr lang="ru-RU" sz="1900" dirty="0">
+                <a:effectLst/>
+                <a:ea typeface="Calibri" panose="020F0502020204030204" pitchFamily="34" charset="0"/>
+              </a:rPr>
+              <a:t>4) Результаты выложить </a:t>
+            </a:r>
+            <a:r>
+              <a:rPr lang="ru-RU" sz="1900" dirty="0" err="1">
+                <a:effectLst/>
+                <a:ea typeface="Calibri" panose="020F0502020204030204" pitchFamily="34" charset="0"/>
+              </a:rPr>
+              <a:t>GitHub</a:t>
+            </a:r>
+            <a:r>
+              <a:rPr lang="ru-RU" sz="1900" dirty="0">
+                <a:effectLst/>
+                <a:ea typeface="Calibri" panose="020F0502020204030204" pitchFamily="34" charset="0"/>
+              </a:rPr>
+              <a:t>;</a:t>
+            </a:r>
           </a:p>
           <a:p>
             <a:endParaRPr lang="ru-RU" dirty="0"/>
+          </a:p>
+        </p:txBody>
+      </p:sp>
+      <p:sp>
+        <p:nvSpPr>
+          <p:cNvPr id="4" name="Номер слайда 3">
+            <a:extLst>
+              <a:ext uri="{FF2B5EF4-FFF2-40B4-BE49-F238E27FC236}">
+                <a16:creationId xmlns:a16="http://schemas.microsoft.com/office/drawing/2014/main" id="{9E647D77-A2BF-A6EE-910D-801601053ED7}"/>
+              </a:ext>
+            </a:extLst>
+          </p:cNvPr>
+          <p:cNvSpPr>
+            <a:spLocks noGrp="1"/>
+          </p:cNvSpPr>
+          <p:nvPr>
+            <p:ph type="sldNum" sz="quarter" idx="12"/>
+          </p:nvPr>
+        </p:nvSpPr>
+        <p:spPr/>
+        <p:txBody>
+          <a:bodyPr/>
+          <a:lstStyle/>
+          <a:p>
+            <a:fld id="{2F362560-E0F8-43D8-8E93-488BE82A516D}" type="slidenum">
+              <a:rPr lang="ru-RU" smtClean="0"/>
+              <a:t>17</a:t>
+            </a:fld>
+            <a:endParaRPr lang="ru-RU"/>
           </a:p>
         </p:txBody>
       </p:sp>
     </p:spTree>
     <p:extLst>
       <p:ext uri="{BB962C8B-B14F-4D97-AF65-F5344CB8AC3E}">
-        <p14:creationId xmlns:p14="http://schemas.microsoft.com/office/powerpoint/2010/main" val="2477099453"/>
+        <p14:creationId xmlns:p14="http://schemas.microsoft.com/office/powerpoint/2010/main" val="3058234116"/>
       </p:ext>
     </p:extLst>
   </p:cSld>
   <p:clrMapOvr>
     <a:masterClrMapping/>
   </p:clrMapOvr>
+  <p:transition spd="slow">
+    <p:push dir="u"/>
+  </p:transition>
 </p:sld>
 </file>
 
@@ -10693,12 +9614,47 @@
           <a:chExt cx="0" cy="0"/>
         </a:xfrm>
       </p:grpSpPr>
+      <p:pic>
+        <p:nvPicPr>
+          <p:cNvPr id="29" name="Объект 14">
+            <a:extLst>
+              <a:ext uri="{FF2B5EF4-FFF2-40B4-BE49-F238E27FC236}">
+                <a16:creationId xmlns:a16="http://schemas.microsoft.com/office/drawing/2014/main" id="{08FA123D-C9CF-DEDC-2D43-0ABF0374A550}"/>
+              </a:ext>
+            </a:extLst>
+          </p:cNvPr>
+          <p:cNvPicPr>
+            <a:picLocks noGrp="1" noChangeAspect="1"/>
+          </p:cNvPicPr>
+          <p:nvPr>
+            <p:ph idx="1"/>
+          </p:nvPr>
+        </p:nvPicPr>
+        <p:blipFill>
+          <a:blip r:embed="rId2">
+            <a:extLst>
+              <a:ext uri="{28A0092B-C50C-407E-A947-70E740481C1C}">
+                <a14:useLocalDpi xmlns:a14="http://schemas.microsoft.com/office/drawing/2010/main" val="0"/>
+              </a:ext>
+            </a:extLst>
+          </a:blip>
+          <a:stretch>
+            <a:fillRect/>
+          </a:stretch>
+        </p:blipFill>
+        <p:spPr>
+          <a:xfrm>
+            <a:off x="2525513" y="1979057"/>
+            <a:ext cx="7067947" cy="4240768"/>
+          </a:xfrm>
+        </p:spPr>
+      </p:pic>
       <p:sp>
         <p:nvSpPr>
           <p:cNvPr id="2" name="Заголовок 1">
             <a:extLst>
               <a:ext uri="{FF2B5EF4-FFF2-40B4-BE49-F238E27FC236}">
-                <a16:creationId xmlns:a16="http://schemas.microsoft.com/office/drawing/2014/main" id="{9EE64ABF-CE26-4758-0754-2F251B19CF7B}"/>
+                <a16:creationId xmlns:a16="http://schemas.microsoft.com/office/drawing/2014/main" id="{7E9E9867-C268-3863-4BB3-EA931C59B35D}"/>
               </a:ext>
             </a:extLst>
           </p:cNvPr>
@@ -10715,18 +9671,55 @@
           <a:lstStyle/>
           <a:p>
             <a:r>
+              <a:rPr lang="ru-RU"/>
+              <a:t>Исследование </a:t>
+            </a:r>
+            <a:endParaRPr lang="ru-RU" dirty="0"/>
+          </a:p>
+        </p:txBody>
+      </p:sp>
+      <p:sp>
+        <p:nvSpPr>
+          <p:cNvPr id="20" name="TextBox 19">
+            <a:extLst>
+              <a:ext uri="{FF2B5EF4-FFF2-40B4-BE49-F238E27FC236}">
+                <a16:creationId xmlns:a16="http://schemas.microsoft.com/office/drawing/2014/main" id="{DBA4D009-77CB-830F-BB5F-0BD4CADA7307}"/>
+              </a:ext>
+            </a:extLst>
+          </p:cNvPr>
+          <p:cNvSpPr txBox="1"/>
+          <p:nvPr/>
+        </p:nvSpPr>
+        <p:spPr>
+          <a:xfrm>
+            <a:off x="5505450" y="2143125"/>
+            <a:ext cx="1181100" cy="369332"/>
+          </a:xfrm>
+          <a:prstGeom prst="rect">
+            <a:avLst/>
+          </a:prstGeom>
+          <a:noFill/>
+        </p:spPr>
+        <p:txBody>
+          <a:bodyPr wrap="square" rtlCol="0">
+            <a:spAutoFit/>
+          </a:bodyPr>
+          <a:lstStyle/>
+          <a:p>
+            <a:pPr algn="ctr"/>
+            <a:r>
               <a:rPr lang="ru-RU" dirty="0"/>
-              <a:t>Формальная постановка задачи </a:t>
-            </a:r>
-          </a:p>
-        </p:txBody>
-      </p:sp>
-      <p:sp>
-        <p:nvSpPr>
-          <p:cNvPr id="3" name="Объект 2">
-            <a:extLst>
-              <a:ext uri="{FF2B5EF4-FFF2-40B4-BE49-F238E27FC236}">
-                <a16:creationId xmlns:a16="http://schemas.microsoft.com/office/drawing/2014/main" id="{97CA1FFD-4B6B-3AFE-A998-63722B306DAE}"/>
+              <a:t>Вставка</a:t>
+            </a:r>
+          </a:p>
+        </p:txBody>
+      </p:sp>
+      <p:sp>
+        <p:nvSpPr>
+          <p:cNvPr id="3" name="Номер слайда 2">
+            <a:extLst>
+              <a:ext uri="{FF2B5EF4-FFF2-40B4-BE49-F238E27FC236}">
+                <a16:creationId xmlns:a16="http://schemas.microsoft.com/office/drawing/2014/main" id="{43013609-4521-2608-7D8D-DA28F15A0CD7}"/>
               </a:ext>
             </a:extLst>
           </p:cNvPr>
@@ -10734,193 +9727,35 @@
             <a:spLocks noGrp="1"/>
           </p:cNvSpPr>
           <p:nvPr>
-            <p:ph idx="1"/>
+            <p:ph type="sldNum" sz="quarter" idx="12"/>
           </p:nvPr>
         </p:nvSpPr>
         <p:spPr/>
         <p:txBody>
-          <a:bodyPr>
-            <a:normAutofit fontScale="92500" lnSpcReduction="20000"/>
-          </a:bodyPr>
+          <a:bodyPr/>
           <a:lstStyle/>
           <a:p>
-            <a:pPr indent="0" algn="just">
-              <a:lnSpc>
-                <a:spcPct val="150000"/>
-              </a:lnSpc>
-              <a:buNone/>
-            </a:pPr>
-            <a:r>
-              <a:rPr lang="ru-RU" sz="1900" dirty="0">
-                <a:effectLst/>
-                <a:ea typeface="Calibri" panose="020F0502020204030204" pitchFamily="34" charset="0"/>
-              </a:rPr>
-              <a:t>1) Изучить структуру данных, дерево интервалов;</a:t>
-            </a:r>
-          </a:p>
-          <a:p>
-            <a:pPr indent="0" algn="just">
-              <a:lnSpc>
-                <a:spcPct val="150000"/>
-              </a:lnSpc>
-              <a:buNone/>
-            </a:pPr>
-            <a:r>
-              <a:rPr lang="ru-RU" sz="1900" dirty="0">
-                <a:effectLst/>
-                <a:ea typeface="Calibri" panose="020F0502020204030204" pitchFamily="34" charset="0"/>
-              </a:rPr>
-              <a:t>2) Реализовать для структуры данных следующие операции:</a:t>
-            </a:r>
-          </a:p>
-          <a:p>
-            <a:pPr indent="0" algn="just">
-              <a:lnSpc>
-                <a:spcPct val="150000"/>
-              </a:lnSpc>
-              <a:buNone/>
-            </a:pPr>
-            <a:r>
-              <a:rPr lang="ru-RU" sz="1900" dirty="0">
-                <a:effectLst/>
-                <a:ea typeface="Calibri" panose="020F0502020204030204" pitchFamily="34" charset="0"/>
-              </a:rPr>
-              <a:t>	1. Добавление</a:t>
-            </a:r>
-          </a:p>
-          <a:p>
-            <a:pPr indent="0" algn="just">
-              <a:lnSpc>
-                <a:spcPct val="150000"/>
-              </a:lnSpc>
-              <a:buNone/>
-            </a:pPr>
-            <a:r>
-              <a:rPr lang="ru-RU" sz="1900" dirty="0">
-                <a:effectLst/>
-                <a:ea typeface="Calibri" panose="020F0502020204030204" pitchFamily="34" charset="0"/>
-              </a:rPr>
-              <a:t>	2. Удаление</a:t>
-            </a:r>
-          </a:p>
-          <a:p>
-            <a:pPr indent="0" algn="just">
-              <a:lnSpc>
-                <a:spcPct val="150000"/>
-              </a:lnSpc>
-              <a:buNone/>
-            </a:pPr>
-            <a:r>
-              <a:rPr lang="ru-RU" sz="1900" dirty="0">
-                <a:effectLst/>
-                <a:ea typeface="Calibri" panose="020F0502020204030204" pitchFamily="34" charset="0"/>
-              </a:rPr>
-              <a:t>	3. Проверка на перекрытие</a:t>
-            </a:r>
-          </a:p>
-          <a:p>
-            <a:pPr indent="0" algn="just">
-              <a:lnSpc>
-                <a:spcPct val="150000"/>
-              </a:lnSpc>
-              <a:buNone/>
-            </a:pPr>
-            <a:r>
-              <a:rPr lang="ru-RU" sz="1900" dirty="0">
-                <a:effectLst/>
-                <a:ea typeface="Calibri" panose="020F0502020204030204" pitchFamily="34" charset="0"/>
-              </a:rPr>
-              <a:t>Ограничения:</a:t>
-            </a:r>
-          </a:p>
-          <a:p>
-            <a:pPr indent="0" algn="just">
-              <a:lnSpc>
-                <a:spcPct val="150000"/>
-              </a:lnSpc>
-              <a:buNone/>
-            </a:pPr>
-            <a:r>
-              <a:rPr lang="ru-RU" sz="1900" dirty="0">
-                <a:effectLst/>
-                <a:ea typeface="Calibri" panose="020F0502020204030204" pitchFamily="34" charset="0"/>
-              </a:rPr>
-              <a:t>	На вход принимаются значения типа </a:t>
-            </a:r>
-            <a:r>
-              <a:rPr lang="ru-RU" sz="1900" dirty="0" err="1">
-                <a:effectLst/>
-                <a:ea typeface="Calibri" panose="020F0502020204030204" pitchFamily="34" charset="0"/>
-              </a:rPr>
-              <a:t>double</a:t>
-            </a:r>
-            <a:r>
-              <a:rPr lang="ru-RU" sz="1900" dirty="0">
-                <a:effectLst/>
-                <a:ea typeface="Calibri" panose="020F0502020204030204" pitchFamily="34" charset="0"/>
-              </a:rPr>
-              <a:t>.</a:t>
-            </a:r>
-          </a:p>
-          <a:p>
-            <a:pPr indent="0" algn="just">
-              <a:lnSpc>
-                <a:spcPct val="150000"/>
-              </a:lnSpc>
-              <a:buNone/>
-            </a:pPr>
-            <a:r>
-              <a:rPr lang="ru-RU" sz="1900" dirty="0">
-                <a:effectLst/>
-                <a:ea typeface="Calibri" panose="020F0502020204030204" pitchFamily="34" charset="0"/>
-              </a:rPr>
-              <a:t>3) Выполнить исследование на производительность;</a:t>
-            </a:r>
-          </a:p>
-          <a:p>
-            <a:pPr indent="0" algn="just">
-              <a:lnSpc>
-                <a:spcPct val="150000"/>
-              </a:lnSpc>
-              <a:buNone/>
-            </a:pPr>
-            <a:r>
-              <a:rPr lang="ru-RU" sz="1900" dirty="0">
-                <a:effectLst/>
-                <a:ea typeface="Calibri" panose="020F0502020204030204" pitchFamily="34" charset="0"/>
-              </a:rPr>
-              <a:t>4) Результаты выложить </a:t>
-            </a:r>
-            <a:r>
-              <a:rPr lang="ru-RU" sz="1900" dirty="0" err="1">
-                <a:effectLst/>
-                <a:ea typeface="Calibri" panose="020F0502020204030204" pitchFamily="34" charset="0"/>
-              </a:rPr>
-              <a:t>GitHub</a:t>
-            </a:r>
-            <a:r>
-              <a:rPr lang="ru-RU" sz="1900" dirty="0">
-                <a:effectLst/>
-                <a:ea typeface="Calibri" panose="020F0502020204030204" pitchFamily="34" charset="0"/>
-              </a:rPr>
-              <a:t>;</a:t>
-            </a:r>
-          </a:p>
-          <a:p>
-            <a:endParaRPr lang="ru-RU" dirty="0"/>
+            <a:fld id="{2F362560-E0F8-43D8-8E93-488BE82A516D}" type="slidenum">
+              <a:rPr lang="ru-RU" smtClean="0"/>
+              <a:t>18</a:t>
+            </a:fld>
+            <a:endParaRPr lang="ru-RU"/>
           </a:p>
         </p:txBody>
       </p:sp>
     </p:spTree>
     <p:extLst>
       <p:ext uri="{BB962C8B-B14F-4D97-AF65-F5344CB8AC3E}">
-        <p14:creationId xmlns:p14="http://schemas.microsoft.com/office/powerpoint/2010/main" val="3058234116"/>
+        <p14:creationId xmlns:p14="http://schemas.microsoft.com/office/powerpoint/2010/main" val="143607391"/>
       </p:ext>
     </p:extLst>
   </p:cSld>
   <p:clrMapOvr>
     <a:masterClrMapping/>
   </p:clrMapOvr>
+  <p:transition spd="slow">
+    <p:push dir="u"/>
+  </p:transition>
 </p:sld>
 </file>
 
@@ -10941,21 +9776,53 @@
           <a:chExt cx="0" cy="0"/>
         </a:xfrm>
       </p:grpSpPr>
+      <p:sp>
+        <p:nvSpPr>
+          <p:cNvPr id="2" name="Заголовок 1">
+            <a:extLst>
+              <a:ext uri="{FF2B5EF4-FFF2-40B4-BE49-F238E27FC236}">
+                <a16:creationId xmlns:a16="http://schemas.microsoft.com/office/drawing/2014/main" id="{7E9E9867-C268-3863-4BB3-EA931C59B35D}"/>
+              </a:ext>
+            </a:extLst>
+          </p:cNvPr>
+          <p:cNvSpPr>
+            <a:spLocks noGrp="1"/>
+          </p:cNvSpPr>
+          <p:nvPr>
+            <p:ph type="title"/>
+          </p:nvPr>
+        </p:nvSpPr>
+        <p:spPr>
+          <a:xfrm>
+            <a:off x="838200" y="368300"/>
+            <a:ext cx="10515600" cy="1325563"/>
+          </a:xfrm>
+        </p:spPr>
+        <p:txBody>
+          <a:bodyPr/>
+          <a:lstStyle/>
+          <a:p>
+            <a:r>
+              <a:rPr lang="ru-RU"/>
+              <a:t>Исследование</a:t>
+            </a:r>
+            <a:endParaRPr lang="ru-RU" dirty="0"/>
+          </a:p>
+        </p:txBody>
+      </p:sp>
       <p:pic>
         <p:nvPicPr>
-          <p:cNvPr id="29" name="Объект 14">
-            <a:extLst>
-              <a:ext uri="{FF2B5EF4-FFF2-40B4-BE49-F238E27FC236}">
-                <a16:creationId xmlns:a16="http://schemas.microsoft.com/office/drawing/2014/main" id="{08FA123D-C9CF-DEDC-2D43-0ABF0374A550}"/>
+          <p:cNvPr id="6" name="Рисунок 5">
+            <a:extLst>
+              <a:ext uri="{FF2B5EF4-FFF2-40B4-BE49-F238E27FC236}">
+                <a16:creationId xmlns:a16="http://schemas.microsoft.com/office/drawing/2014/main" id="{F6A1E437-CE3F-6FB3-6C02-DAC4848E59EF}"/>
               </a:ext>
             </a:extLst>
           </p:cNvPr>
           <p:cNvPicPr>
-            <a:picLocks noGrp="1" noChangeAspect="1"/>
+            <a:picLocks noChangeAspect="1"/>
           </p:cNvPicPr>
-          <p:nvPr>
-            <p:ph idx="1"/>
-          </p:nvPr>
+          <p:nvPr/>
         </p:nvPicPr>
         <p:blipFill>
           <a:blip r:embed="rId2">
@@ -10971,46 +9838,20 @@
         </p:blipFill>
         <p:spPr>
           <a:xfrm>
-            <a:off x="2525513" y="1979057"/>
+            <a:off x="2525514" y="1979057"/>
             <a:ext cx="7067947" cy="4240768"/>
           </a:xfrm>
+          <a:prstGeom prst="rect">
+            <a:avLst/>
+          </a:prstGeom>
         </p:spPr>
       </p:pic>
       <p:sp>
         <p:nvSpPr>
-          <p:cNvPr id="2" name="Заголовок 1">
-            <a:extLst>
-              <a:ext uri="{FF2B5EF4-FFF2-40B4-BE49-F238E27FC236}">
-                <a16:creationId xmlns:a16="http://schemas.microsoft.com/office/drawing/2014/main" id="{7E9E9867-C268-3863-4BB3-EA931C59B35D}"/>
-              </a:ext>
-            </a:extLst>
-          </p:cNvPr>
-          <p:cNvSpPr>
-            <a:spLocks noGrp="1"/>
-          </p:cNvSpPr>
-          <p:nvPr>
-            <p:ph type="title"/>
-          </p:nvPr>
-        </p:nvSpPr>
-        <p:spPr/>
-        <p:txBody>
-          <a:bodyPr/>
-          <a:lstStyle/>
-          <a:p>
-            <a:r>
-              <a:rPr lang="ru-RU"/>
-              <a:t>Исследование </a:t>
-            </a:r>
-            <a:endParaRPr lang="ru-RU" dirty="0"/>
-          </a:p>
-        </p:txBody>
-      </p:sp>
-      <p:sp>
-        <p:nvSpPr>
-          <p:cNvPr id="20" name="TextBox 19">
-            <a:extLst>
-              <a:ext uri="{FF2B5EF4-FFF2-40B4-BE49-F238E27FC236}">
-                <a16:creationId xmlns:a16="http://schemas.microsoft.com/office/drawing/2014/main" id="{DBA4D009-77CB-830F-BB5F-0BD4CADA7307}"/>
+          <p:cNvPr id="7" name="TextBox 6">
+            <a:extLst>
+              <a:ext uri="{FF2B5EF4-FFF2-40B4-BE49-F238E27FC236}">
+                <a16:creationId xmlns:a16="http://schemas.microsoft.com/office/drawing/2014/main" id="{4C5E868C-B65D-3C06-F1BA-337A6EFAA16D}"/>
               </a:ext>
             </a:extLst>
           </p:cNvPr>
@@ -11019,8 +9860,8 @@
         </p:nvSpPr>
         <p:spPr>
           <a:xfrm>
-            <a:off x="5505450" y="2143125"/>
-            <a:ext cx="1181100" cy="369332"/>
+            <a:off x="4197990" y="2085975"/>
+            <a:ext cx="3796020" cy="369332"/>
           </a:xfrm>
           <a:prstGeom prst="rect">
             <a:avLst/>
@@ -11036,21 +9877,53 @@
             <a:pPr algn="ctr"/>
             <a:r>
               <a:rPr lang="ru-RU" dirty="0"/>
-              <a:t>Вставка</a:t>
-            </a:r>
+              <a:t>Проверка на перекрытие</a:t>
+            </a:r>
+          </a:p>
+        </p:txBody>
+      </p:sp>
+      <p:sp>
+        <p:nvSpPr>
+          <p:cNvPr id="3" name="Номер слайда 2">
+            <a:extLst>
+              <a:ext uri="{FF2B5EF4-FFF2-40B4-BE49-F238E27FC236}">
+                <a16:creationId xmlns:a16="http://schemas.microsoft.com/office/drawing/2014/main" id="{EC275BB7-81C3-1F62-567E-900A150B9AB3}"/>
+              </a:ext>
+            </a:extLst>
+          </p:cNvPr>
+          <p:cNvSpPr>
+            <a:spLocks noGrp="1"/>
+          </p:cNvSpPr>
+          <p:nvPr>
+            <p:ph type="sldNum" sz="quarter" idx="12"/>
+          </p:nvPr>
+        </p:nvSpPr>
+        <p:spPr/>
+        <p:txBody>
+          <a:bodyPr/>
+          <a:lstStyle/>
+          <a:p>
+            <a:fld id="{2F362560-E0F8-43D8-8E93-488BE82A516D}" type="slidenum">
+              <a:rPr lang="ru-RU" smtClean="0"/>
+              <a:t>19</a:t>
+            </a:fld>
+            <a:endParaRPr lang="ru-RU"/>
           </a:p>
         </p:txBody>
       </p:sp>
     </p:spTree>
     <p:extLst>
       <p:ext uri="{BB962C8B-B14F-4D97-AF65-F5344CB8AC3E}">
-        <p14:creationId xmlns:p14="http://schemas.microsoft.com/office/powerpoint/2010/main" val="143607391"/>
+        <p14:creationId xmlns:p14="http://schemas.microsoft.com/office/powerpoint/2010/main" val="1936081506"/>
       </p:ext>
     </p:extLst>
   </p:cSld>
   <p:clrMapOvr>
     <a:masterClrMapping/>
   </p:clrMapOvr>
+  <p:transition spd="slow">
+    <p:push dir="u"/>
+  </p:transition>
 </p:sld>
 </file>
 
@@ -11996,6 +10869,35 @@
           </a:p>
         </p:txBody>
       </p:sp>
+      <p:sp>
+        <p:nvSpPr>
+          <p:cNvPr id="3" name="Номер слайда 2">
+            <a:extLst>
+              <a:ext uri="{FF2B5EF4-FFF2-40B4-BE49-F238E27FC236}">
+                <a16:creationId xmlns:a16="http://schemas.microsoft.com/office/drawing/2014/main" id="{BDEDA323-653E-46ED-74C8-40010AF1DE39}"/>
+              </a:ext>
+            </a:extLst>
+          </p:cNvPr>
+          <p:cNvSpPr>
+            <a:spLocks noGrp="1"/>
+          </p:cNvSpPr>
+          <p:nvPr>
+            <p:ph type="sldNum" sz="quarter" idx="12"/>
+          </p:nvPr>
+        </p:nvSpPr>
+        <p:spPr/>
+        <p:txBody>
+          <a:bodyPr/>
+          <a:lstStyle/>
+          <a:p>
+            <a:fld id="{2F362560-E0F8-43D8-8E93-488BE82A516D}" type="slidenum">
+              <a:rPr lang="ru-RU" smtClean="0"/>
+              <a:t>2</a:t>
+            </a:fld>
+            <a:endParaRPr lang="ru-RU"/>
+          </a:p>
+        </p:txBody>
+      </p:sp>
     </p:spTree>
     <p:extLst>
       <p:ext uri="{BB962C8B-B14F-4D97-AF65-F5344CB8AC3E}">
@@ -12006,6 +10908,9 @@
   <p:clrMapOvr>
     <a:masterClrMapping/>
   </p:clrMapOvr>
+  <p:transition spd="slow">
+    <p:push dir="u"/>
+  </p:transition>
 </p:sld>
 </file>
 
@@ -12053,19 +10958,18 @@
           <a:lstStyle/>
           <a:p>
             <a:r>
-              <a:rPr lang="ru-RU"/>
+              <a:rPr lang="ru-RU" dirty="0"/>
               <a:t>Исследование</a:t>
             </a:r>
-            <a:endParaRPr lang="ru-RU" dirty="0"/>
           </a:p>
         </p:txBody>
       </p:sp>
       <p:pic>
         <p:nvPicPr>
-          <p:cNvPr id="6" name="Рисунок 5">
-            <a:extLst>
-              <a:ext uri="{FF2B5EF4-FFF2-40B4-BE49-F238E27FC236}">
-                <a16:creationId xmlns:a16="http://schemas.microsoft.com/office/drawing/2014/main" id="{F6A1E437-CE3F-6FB3-6C02-DAC4848E59EF}"/>
+          <p:cNvPr id="5" name="Рисунок 4">
+            <a:extLst>
+              <a:ext uri="{FF2B5EF4-FFF2-40B4-BE49-F238E27FC236}">
+                <a16:creationId xmlns:a16="http://schemas.microsoft.com/office/drawing/2014/main" id="{DB26051D-C567-E37F-50E6-C45FB79EC322}"/>
               </a:ext>
             </a:extLst>
           </p:cNvPr>
@@ -12088,60 +10992,92 @@
         </p:blipFill>
         <p:spPr>
           <a:xfrm>
-            <a:off x="2525514" y="1979057"/>
-            <a:ext cx="7067947" cy="4240768"/>
+            <a:off x="6096000" y="2064782"/>
+            <a:ext cx="5730875" cy="3438525"/>
           </a:xfrm>
           <a:prstGeom prst="rect">
             <a:avLst/>
           </a:prstGeom>
         </p:spPr>
       </p:pic>
-      <p:sp>
-        <p:nvSpPr>
-          <p:cNvPr id="7" name="TextBox 6">
-            <a:extLst>
-              <a:ext uri="{FF2B5EF4-FFF2-40B4-BE49-F238E27FC236}">
-                <a16:creationId xmlns:a16="http://schemas.microsoft.com/office/drawing/2014/main" id="{4C5E868C-B65D-3C06-F1BA-337A6EFAA16D}"/>
-              </a:ext>
-            </a:extLst>
-          </p:cNvPr>
-          <p:cNvSpPr txBox="1"/>
+      <p:pic>
+        <p:nvPicPr>
+          <p:cNvPr id="9" name="Рисунок 8">
+            <a:extLst>
+              <a:ext uri="{FF2B5EF4-FFF2-40B4-BE49-F238E27FC236}">
+                <a16:creationId xmlns:a16="http://schemas.microsoft.com/office/drawing/2014/main" id="{6BEB6FE1-F116-AA87-574F-D67087BF3B44}"/>
+              </a:ext>
+            </a:extLst>
+          </p:cNvPr>
+          <p:cNvPicPr>
+            <a:picLocks noChangeAspect="1"/>
+          </p:cNvPicPr>
           <p:nvPr/>
-        </p:nvSpPr>
+        </p:nvPicPr>
+        <p:blipFill>
+          <a:blip r:embed="rId3">
+            <a:extLst>
+              <a:ext uri="{28A0092B-C50C-407E-A947-70E740481C1C}">
+                <a14:useLocalDpi xmlns:a14="http://schemas.microsoft.com/office/drawing/2010/main" val="0"/>
+              </a:ext>
+            </a:extLst>
+          </a:blip>
+          <a:stretch>
+            <a:fillRect/>
+          </a:stretch>
+        </p:blipFill>
         <p:spPr>
           <a:xfrm>
-            <a:off x="4197990" y="2085975"/>
-            <a:ext cx="3796020" cy="369332"/>
+            <a:off x="263641" y="2064781"/>
+            <a:ext cx="5730875" cy="3438525"/>
           </a:xfrm>
           <a:prstGeom prst="rect">
             <a:avLst/>
           </a:prstGeom>
-          <a:noFill/>
         </p:spPr>
-        <p:txBody>
-          <a:bodyPr wrap="square" rtlCol="0">
-            <a:spAutoFit/>
-          </a:bodyPr>
+      </p:pic>
+      <p:sp>
+        <p:nvSpPr>
+          <p:cNvPr id="3" name="Номер слайда 2">
+            <a:extLst>
+              <a:ext uri="{FF2B5EF4-FFF2-40B4-BE49-F238E27FC236}">
+                <a16:creationId xmlns:a16="http://schemas.microsoft.com/office/drawing/2014/main" id="{5D3CBA80-EAB8-E510-D60E-6BF241B00BC5}"/>
+              </a:ext>
+            </a:extLst>
+          </p:cNvPr>
+          <p:cNvSpPr>
+            <a:spLocks noGrp="1"/>
+          </p:cNvSpPr>
+          <p:nvPr>
+            <p:ph type="sldNum" sz="quarter" idx="12"/>
+          </p:nvPr>
+        </p:nvSpPr>
+        <p:spPr/>
+        <p:txBody>
+          <a:bodyPr/>
           <a:lstStyle/>
           <a:p>
-            <a:pPr algn="ctr"/>
-            <a:r>
-              <a:rPr lang="ru-RU" dirty="0"/>
-              <a:t>Проверка на перекрытие</a:t>
-            </a:r>
+            <a:fld id="{2F362560-E0F8-43D8-8E93-488BE82A516D}" type="slidenum">
+              <a:rPr lang="ru-RU" smtClean="0"/>
+              <a:t>20</a:t>
+            </a:fld>
+            <a:endParaRPr lang="ru-RU"/>
           </a:p>
         </p:txBody>
       </p:sp>
     </p:spTree>
     <p:extLst>
       <p:ext uri="{BB962C8B-B14F-4D97-AF65-F5344CB8AC3E}">
-        <p14:creationId xmlns:p14="http://schemas.microsoft.com/office/powerpoint/2010/main" val="1936081506"/>
+        <p14:creationId xmlns:p14="http://schemas.microsoft.com/office/powerpoint/2010/main" val="3218934826"/>
       </p:ext>
     </p:extLst>
   </p:cSld>
   <p:clrMapOvr>
     <a:masterClrMapping/>
   </p:clrMapOvr>
+  <p:transition spd="slow">
+    <p:push dir="u"/>
+  </p:transition>
 </p:sld>
 </file>
 
@@ -12167,7 +11103,7 @@
           <p:cNvPr id="2" name="Заголовок 1">
             <a:extLst>
               <a:ext uri="{FF2B5EF4-FFF2-40B4-BE49-F238E27FC236}">
-                <a16:creationId xmlns:a16="http://schemas.microsoft.com/office/drawing/2014/main" id="{7E9E9867-C268-3863-4BB3-EA931C59B35D}"/>
+                <a16:creationId xmlns:a16="http://schemas.microsoft.com/office/drawing/2014/main" id="{AAB4246A-390E-B78E-8B6C-B5A69573518A}"/>
               </a:ext>
             </a:extLst>
           </p:cNvPr>
@@ -12178,141 +11114,6 @@
             <p:ph type="title"/>
           </p:nvPr>
         </p:nvSpPr>
-        <p:spPr>
-          <a:xfrm>
-            <a:off x="838200" y="368300"/>
-            <a:ext cx="10515600" cy="1325563"/>
-          </a:xfrm>
-        </p:spPr>
-        <p:txBody>
-          <a:bodyPr/>
-          <a:lstStyle/>
-          <a:p>
-            <a:r>
-              <a:rPr lang="ru-RU" dirty="0"/>
-              <a:t>Исследование</a:t>
-            </a:r>
-          </a:p>
-        </p:txBody>
-      </p:sp>
-      <p:pic>
-        <p:nvPicPr>
-          <p:cNvPr id="5" name="Рисунок 4">
-            <a:extLst>
-              <a:ext uri="{FF2B5EF4-FFF2-40B4-BE49-F238E27FC236}">
-                <a16:creationId xmlns:a16="http://schemas.microsoft.com/office/drawing/2014/main" id="{DB26051D-C567-E37F-50E6-C45FB79EC322}"/>
-              </a:ext>
-            </a:extLst>
-          </p:cNvPr>
-          <p:cNvPicPr>
-            <a:picLocks noChangeAspect="1"/>
-          </p:cNvPicPr>
-          <p:nvPr/>
-        </p:nvPicPr>
-        <p:blipFill>
-          <a:blip r:embed="rId2">
-            <a:extLst>
-              <a:ext uri="{28A0092B-C50C-407E-A947-70E740481C1C}">
-                <a14:useLocalDpi xmlns:a14="http://schemas.microsoft.com/office/drawing/2010/main" val="0"/>
-              </a:ext>
-            </a:extLst>
-          </a:blip>
-          <a:stretch>
-            <a:fillRect/>
-          </a:stretch>
-        </p:blipFill>
-        <p:spPr>
-          <a:xfrm>
-            <a:off x="6096000" y="2064782"/>
-            <a:ext cx="5730875" cy="3438525"/>
-          </a:xfrm>
-          <a:prstGeom prst="rect">
-            <a:avLst/>
-          </a:prstGeom>
-        </p:spPr>
-      </p:pic>
-      <p:pic>
-        <p:nvPicPr>
-          <p:cNvPr id="9" name="Рисунок 8">
-            <a:extLst>
-              <a:ext uri="{FF2B5EF4-FFF2-40B4-BE49-F238E27FC236}">
-                <a16:creationId xmlns:a16="http://schemas.microsoft.com/office/drawing/2014/main" id="{6BEB6FE1-F116-AA87-574F-D67087BF3B44}"/>
-              </a:ext>
-            </a:extLst>
-          </p:cNvPr>
-          <p:cNvPicPr>
-            <a:picLocks noChangeAspect="1"/>
-          </p:cNvPicPr>
-          <p:nvPr/>
-        </p:nvPicPr>
-        <p:blipFill>
-          <a:blip r:embed="rId3">
-            <a:extLst>
-              <a:ext uri="{28A0092B-C50C-407E-A947-70E740481C1C}">
-                <a14:useLocalDpi xmlns:a14="http://schemas.microsoft.com/office/drawing/2010/main" val="0"/>
-              </a:ext>
-            </a:extLst>
-          </a:blip>
-          <a:stretch>
-            <a:fillRect/>
-          </a:stretch>
-        </p:blipFill>
-        <p:spPr>
-          <a:xfrm>
-            <a:off x="263641" y="2064781"/>
-            <a:ext cx="5730875" cy="3438525"/>
-          </a:xfrm>
-          <a:prstGeom prst="rect">
-            <a:avLst/>
-          </a:prstGeom>
-        </p:spPr>
-      </p:pic>
-    </p:spTree>
-    <p:extLst>
-      <p:ext uri="{BB962C8B-B14F-4D97-AF65-F5344CB8AC3E}">
-        <p14:creationId xmlns:p14="http://schemas.microsoft.com/office/powerpoint/2010/main" val="3218934826"/>
-      </p:ext>
-    </p:extLst>
-  </p:cSld>
-  <p:clrMapOvr>
-    <a:masterClrMapping/>
-  </p:clrMapOvr>
-</p:sld>
-</file>
-
-<file path=ppt/slides/slide22.xml><?xml version="1.0" encoding="utf-8"?>
-<p:sld xmlns:a="http://schemas.openxmlformats.org/drawingml/2006/main" xmlns:r="http://schemas.openxmlformats.org/officeDocument/2006/relationships" xmlns:p="http://schemas.openxmlformats.org/presentationml/2006/main">
-  <p:cSld>
-    <p:spTree>
-      <p:nvGrpSpPr>
-        <p:cNvPr id="1" name=""/>
-        <p:cNvGrpSpPr/>
-        <p:nvPr/>
-      </p:nvGrpSpPr>
-      <p:grpSpPr>
-        <a:xfrm>
-          <a:off x="0" y="0"/>
-          <a:ext cx="0" cy="0"/>
-          <a:chOff x="0" y="0"/>
-          <a:chExt cx="0" cy="0"/>
-        </a:xfrm>
-      </p:grpSpPr>
-      <p:sp>
-        <p:nvSpPr>
-          <p:cNvPr id="2" name="Заголовок 1">
-            <a:extLst>
-              <a:ext uri="{FF2B5EF4-FFF2-40B4-BE49-F238E27FC236}">
-                <a16:creationId xmlns:a16="http://schemas.microsoft.com/office/drawing/2014/main" id="{AAB4246A-390E-B78E-8B6C-B5A69573518A}"/>
-              </a:ext>
-            </a:extLst>
-          </p:cNvPr>
-          <p:cNvSpPr>
-            <a:spLocks noGrp="1"/>
-          </p:cNvSpPr>
-          <p:nvPr>
-            <p:ph type="title"/>
-          </p:nvPr>
-        </p:nvSpPr>
         <p:spPr/>
         <p:txBody>
           <a:bodyPr/>
@@ -12375,6 +11176,35 @@
               <a:buNone/>
             </a:pPr>
             <a:endParaRPr lang="ru-RU" dirty="0"/>
+          </a:p>
+        </p:txBody>
+      </p:sp>
+      <p:sp>
+        <p:nvSpPr>
+          <p:cNvPr id="3" name="Номер слайда 2">
+            <a:extLst>
+              <a:ext uri="{FF2B5EF4-FFF2-40B4-BE49-F238E27FC236}">
+                <a16:creationId xmlns:a16="http://schemas.microsoft.com/office/drawing/2014/main" id="{9E465A15-0B05-0B99-53E4-F46305606C23}"/>
+              </a:ext>
+            </a:extLst>
+          </p:cNvPr>
+          <p:cNvSpPr>
+            <a:spLocks noGrp="1"/>
+          </p:cNvSpPr>
+          <p:nvPr>
+            <p:ph type="sldNum" sz="quarter" idx="12"/>
+          </p:nvPr>
+        </p:nvSpPr>
+        <p:spPr/>
+        <p:txBody>
+          <a:bodyPr/>
+          <a:lstStyle/>
+          <a:p>
+            <a:fld id="{2F362560-E0F8-43D8-8E93-488BE82A516D}" type="slidenum">
+              <a:rPr lang="ru-RU" smtClean="0"/>
+              <a:t>21</a:t>
+            </a:fld>
+            <a:endParaRPr lang="ru-RU"/>
           </a:p>
         </p:txBody>
       </p:sp>
@@ -12388,6 +11218,9 @@
   <p:clrMapOvr>
     <a:masterClrMapping/>
   </p:clrMapOvr>
+  <p:transition spd="slow">
+    <p:push dir="u"/>
+  </p:transition>
 </p:sld>
 </file>
 
@@ -13062,6 +11895,35 @@
           </a:fontRef>
         </p:style>
       </p:cxnSp>
+      <p:sp>
+        <p:nvSpPr>
+          <p:cNvPr id="3" name="Номер слайда 2">
+            <a:extLst>
+              <a:ext uri="{FF2B5EF4-FFF2-40B4-BE49-F238E27FC236}">
+                <a16:creationId xmlns:a16="http://schemas.microsoft.com/office/drawing/2014/main" id="{BA5D67FF-416A-4B43-22AB-158B74EDA0C4}"/>
+              </a:ext>
+            </a:extLst>
+          </p:cNvPr>
+          <p:cNvSpPr>
+            <a:spLocks noGrp="1"/>
+          </p:cNvSpPr>
+          <p:nvPr>
+            <p:ph type="sldNum" sz="quarter" idx="12"/>
+          </p:nvPr>
+        </p:nvSpPr>
+        <p:spPr/>
+        <p:txBody>
+          <a:bodyPr/>
+          <a:lstStyle/>
+          <a:p>
+            <a:fld id="{2F362560-E0F8-43D8-8E93-488BE82A516D}" type="slidenum">
+              <a:rPr lang="ru-RU" smtClean="0"/>
+              <a:t>3</a:t>
+            </a:fld>
+            <a:endParaRPr lang="ru-RU"/>
+          </a:p>
+        </p:txBody>
+      </p:sp>
     </p:spTree>
     <p:extLst>
       <p:ext uri="{BB962C8B-B14F-4D97-AF65-F5344CB8AC3E}">
@@ -13072,6 +11934,9 @@
   <p:clrMapOvr>
     <a:masterClrMapping/>
   </p:clrMapOvr>
+  <p:transition spd="slow">
+    <p:push dir="u"/>
+  </p:transition>
 </p:sld>
 </file>
 
@@ -13559,6 +12424,35 @@
           </a:p>
         </p:txBody>
       </p:sp>
+      <p:sp>
+        <p:nvSpPr>
+          <p:cNvPr id="3" name="Номер слайда 2">
+            <a:extLst>
+              <a:ext uri="{FF2B5EF4-FFF2-40B4-BE49-F238E27FC236}">
+                <a16:creationId xmlns:a16="http://schemas.microsoft.com/office/drawing/2014/main" id="{AECD166C-BA68-B09E-35DF-01BE750D5E8E}"/>
+              </a:ext>
+            </a:extLst>
+          </p:cNvPr>
+          <p:cNvSpPr>
+            <a:spLocks noGrp="1"/>
+          </p:cNvSpPr>
+          <p:nvPr>
+            <p:ph type="sldNum" sz="quarter" idx="12"/>
+          </p:nvPr>
+        </p:nvSpPr>
+        <p:spPr/>
+        <p:txBody>
+          <a:bodyPr/>
+          <a:lstStyle/>
+          <a:p>
+            <a:fld id="{2F362560-E0F8-43D8-8E93-488BE82A516D}" type="slidenum">
+              <a:rPr lang="ru-RU" smtClean="0"/>
+              <a:t>4</a:t>
+            </a:fld>
+            <a:endParaRPr lang="ru-RU"/>
+          </a:p>
+        </p:txBody>
+      </p:sp>
     </p:spTree>
     <p:extLst>
       <p:ext uri="{BB962C8B-B14F-4D97-AF65-F5344CB8AC3E}">
@@ -13569,6 +12463,9 @@
   <p:clrMapOvr>
     <a:masterClrMapping/>
   </p:clrMapOvr>
+  <p:transition spd="slow">
+    <p:push dir="u"/>
+  </p:transition>
 </p:sld>
 </file>
 
@@ -13802,8 +12699,8 @@
           </a:p>
         </p:txBody>
       </p:sp>
-      <mc:AlternateContent xmlns:mc="http://schemas.openxmlformats.org/markup-compatibility/2006">
-        <mc:Choice xmlns:p14="http://schemas.microsoft.com/office/powerpoint/2010/main" Requires="p14">
+      <mc:AlternateContent xmlns:mc="http://schemas.openxmlformats.org/markup-compatibility/2006" xmlns:p14="http://schemas.microsoft.com/office/powerpoint/2010/main">
+        <mc:Choice Requires="p14">
           <p:contentPart p14:bwMode="auto" r:id="rId2">
             <p14:nvContentPartPr>
               <p14:cNvPr id="8" name="Рукописный ввод 7">
@@ -13822,7 +12719,7 @@
             </p14:xfrm>
           </p:contentPart>
         </mc:Choice>
-        <mc:Fallback>
+        <mc:Fallback xmlns="">
           <p:pic>
             <p:nvPicPr>
               <p:cNvPr id="8" name="Рукописный ввод 7">
@@ -13853,8 +12750,8 @@
           </p:pic>
         </mc:Fallback>
       </mc:AlternateContent>
-      <mc:AlternateContent xmlns:mc="http://schemas.openxmlformats.org/markup-compatibility/2006">
-        <mc:Choice xmlns:p14="http://schemas.microsoft.com/office/powerpoint/2010/main" Requires="p14">
+      <mc:AlternateContent xmlns:mc="http://schemas.openxmlformats.org/markup-compatibility/2006" xmlns:p14="http://schemas.microsoft.com/office/powerpoint/2010/main">
+        <mc:Choice Requires="p14">
           <p:contentPart p14:bwMode="auto" r:id="rId4">
             <p14:nvContentPartPr>
               <p14:cNvPr id="9" name="Рукописный ввод 8">
@@ -13873,7 +12770,7 @@
             </p14:xfrm>
           </p:contentPart>
         </mc:Choice>
-        <mc:Fallback>
+        <mc:Fallback xmlns="">
           <p:pic>
             <p:nvPicPr>
               <p:cNvPr id="9" name="Рукописный ввод 8">
@@ -13986,6 +12883,35 @@
           </a:p>
         </p:txBody>
       </p:sp>
+      <p:sp>
+        <p:nvSpPr>
+          <p:cNvPr id="3" name="Номер слайда 2">
+            <a:extLst>
+              <a:ext uri="{FF2B5EF4-FFF2-40B4-BE49-F238E27FC236}">
+                <a16:creationId xmlns:a16="http://schemas.microsoft.com/office/drawing/2014/main" id="{60459825-8C56-3DE3-41EF-FF59610D93D8}"/>
+              </a:ext>
+            </a:extLst>
+          </p:cNvPr>
+          <p:cNvSpPr>
+            <a:spLocks noGrp="1"/>
+          </p:cNvSpPr>
+          <p:nvPr>
+            <p:ph type="sldNum" sz="quarter" idx="12"/>
+          </p:nvPr>
+        </p:nvSpPr>
+        <p:spPr/>
+        <p:txBody>
+          <a:bodyPr/>
+          <a:lstStyle/>
+          <a:p>
+            <a:fld id="{2F362560-E0F8-43D8-8E93-488BE82A516D}" type="slidenum">
+              <a:rPr lang="ru-RU" smtClean="0"/>
+              <a:t>5</a:t>
+            </a:fld>
+            <a:endParaRPr lang="ru-RU"/>
+          </a:p>
+        </p:txBody>
+      </p:sp>
     </p:spTree>
     <p:extLst>
       <p:ext uri="{BB962C8B-B14F-4D97-AF65-F5344CB8AC3E}">
@@ -13996,7 +12922,9 @@
   <p:clrMapOvr>
     <a:masterClrMapping/>
   </p:clrMapOvr>
-  <p:transition spd="med" advTm="5000"/>
+  <p:transition spd="slow">
+    <p:push dir="u"/>
+  </p:transition>
   <p:timing>
     <p:tnLst>
       <p:par>
@@ -14009,6 +12937,9 @@
                     <p:cTn id="3" fill="hold">
                       <p:stCondLst>
                         <p:cond delay="indefinite"/>
+                        <p:cond evt="onBegin" delay="0">
+                          <p:tn val="2"/>
+                        </p:cond>
                       </p:stCondLst>
                       <p:childTnLst>
                         <p:par>
@@ -14018,7 +12949,7 @@
                             </p:stCondLst>
                             <p:childTnLst>
                               <p:par>
-                                <p:cTn id="5" presetID="50" presetClass="path" presetSubtype="0" accel="50000" decel="50000" fill="hold" grpId="0" nodeType="clickEffect">
+                                <p:cTn id="5" presetID="50" presetClass="path" presetSubtype="0" accel="50000" decel="50000" fill="hold" grpId="0" nodeType="afterEffect">
                                   <p:stCondLst>
                                     <p:cond delay="0"/>
                                   </p:stCondLst>
@@ -14042,30 +12973,21 @@
                             </p:childTnLst>
                           </p:cTn>
                         </p:par>
-                      </p:childTnLst>
-                    </p:cTn>
-                  </p:par>
-                  <p:par>
-                    <p:cTn id="7" fill="hold">
-                      <p:stCondLst>
-                        <p:cond delay="indefinite"/>
-                      </p:stCondLst>
-                      <p:childTnLst>
                         <p:par>
-                          <p:cTn id="8" fill="hold">
+                          <p:cTn id="7" fill="hold">
                             <p:stCondLst>
-                              <p:cond delay="0"/>
+                              <p:cond delay="2000"/>
                             </p:stCondLst>
                             <p:childTnLst>
                               <p:par>
-                                <p:cTn id="9" presetID="37" presetClass="path" presetSubtype="0" accel="50000" decel="50000" fill="hold" grpId="1" nodeType="clickEffect">
+                                <p:cTn id="8" presetID="37" presetClass="path" presetSubtype="0" accel="50000" decel="50000" fill="hold" grpId="1" nodeType="afterEffect">
                                   <p:stCondLst>
                                     <p:cond delay="0"/>
                                   </p:stCondLst>
                                   <p:childTnLst>
                                     <p:animMotion origin="layout" path="M 0.12943 0.19051 C 0.15182 0.20324 0.06367 0.26088 0.03464 0.33657 C 0.02214 0.41296 0.07044 0.48657 0.0375 0.55463 " pathEditMode="relative" rAng="0" ptsTypes="AAA">
                                       <p:cBhvr>
-                                        <p:cTn id="10" dur="2000" fill="hold"/>
+                                        <p:cTn id="9" dur="2000" fill="hold"/>
                                         <p:tgtEl>
                                           <p:spTgt spid="17"/>
                                         </p:tgtEl>
@@ -14605,6 +13527,35 @@
           </mc:Fallback>
         </mc:AlternateContent>
       </p:grpSp>
+      <p:sp>
+        <p:nvSpPr>
+          <p:cNvPr id="3" name="Номер слайда 2">
+            <a:extLst>
+              <a:ext uri="{FF2B5EF4-FFF2-40B4-BE49-F238E27FC236}">
+                <a16:creationId xmlns:a16="http://schemas.microsoft.com/office/drawing/2014/main" id="{280FA10B-2563-C201-CF7B-52E857BA545B}"/>
+              </a:ext>
+            </a:extLst>
+          </p:cNvPr>
+          <p:cNvSpPr>
+            <a:spLocks noGrp="1"/>
+          </p:cNvSpPr>
+          <p:nvPr>
+            <p:ph type="sldNum" sz="quarter" idx="12"/>
+          </p:nvPr>
+        </p:nvSpPr>
+        <p:spPr/>
+        <p:txBody>
+          <a:bodyPr/>
+          <a:lstStyle/>
+          <a:p>
+            <a:fld id="{2F362560-E0F8-43D8-8E93-488BE82A516D}" type="slidenum">
+              <a:rPr lang="ru-RU" smtClean="0"/>
+              <a:t>6</a:t>
+            </a:fld>
+            <a:endParaRPr lang="ru-RU"/>
+          </a:p>
+        </p:txBody>
+      </p:sp>
     </p:spTree>
     <p:extLst>
       <p:ext uri="{BB962C8B-B14F-4D97-AF65-F5344CB8AC3E}">
@@ -14615,6 +13566,9 @@
   <p:clrMapOvr>
     <a:masterClrMapping/>
   </p:clrMapOvr>
+  <p:transition spd="slow">
+    <p:push dir="u"/>
+  </p:transition>
 </p:sld>
 </file>
 
@@ -15196,6 +14150,35 @@
           </a:p>
         </p:txBody>
       </p:sp>
+      <p:sp>
+        <p:nvSpPr>
+          <p:cNvPr id="11" name="Номер слайда 10">
+            <a:extLst>
+              <a:ext uri="{FF2B5EF4-FFF2-40B4-BE49-F238E27FC236}">
+                <a16:creationId xmlns:a16="http://schemas.microsoft.com/office/drawing/2014/main" id="{012F5998-FEA4-324B-BFD4-E6E7B7277E54}"/>
+              </a:ext>
+            </a:extLst>
+          </p:cNvPr>
+          <p:cNvSpPr>
+            <a:spLocks noGrp="1"/>
+          </p:cNvSpPr>
+          <p:nvPr>
+            <p:ph type="sldNum" sz="quarter" idx="12"/>
+          </p:nvPr>
+        </p:nvSpPr>
+        <p:spPr/>
+        <p:txBody>
+          <a:bodyPr/>
+          <a:lstStyle/>
+          <a:p>
+            <a:fld id="{2F362560-E0F8-43D8-8E93-488BE82A516D}" type="slidenum">
+              <a:rPr lang="ru-RU" smtClean="0"/>
+              <a:t>7</a:t>
+            </a:fld>
+            <a:endParaRPr lang="ru-RU"/>
+          </a:p>
+        </p:txBody>
+      </p:sp>
     </p:spTree>
     <p:extLst>
       <p:ext uri="{BB962C8B-B14F-4D97-AF65-F5344CB8AC3E}">
@@ -15206,6 +14189,9 @@
   <p:clrMapOvr>
     <a:masterClrMapping/>
   </p:clrMapOvr>
+  <p:transition spd="slow">
+    <p:push dir="u"/>
+  </p:transition>
 </p:sld>
 </file>
 
@@ -16297,6 +15283,35 @@
           </a:p>
         </p:txBody>
       </p:sp>
+      <p:sp>
+        <p:nvSpPr>
+          <p:cNvPr id="2" name="Номер слайда 1">
+            <a:extLst>
+              <a:ext uri="{FF2B5EF4-FFF2-40B4-BE49-F238E27FC236}">
+                <a16:creationId xmlns:a16="http://schemas.microsoft.com/office/drawing/2014/main" id="{9112BD06-5A8D-ED07-9C0F-DA7EF97E7A98}"/>
+              </a:ext>
+            </a:extLst>
+          </p:cNvPr>
+          <p:cNvSpPr>
+            <a:spLocks noGrp="1"/>
+          </p:cNvSpPr>
+          <p:nvPr>
+            <p:ph type="sldNum" sz="quarter" idx="12"/>
+          </p:nvPr>
+        </p:nvSpPr>
+        <p:spPr/>
+        <p:txBody>
+          <a:bodyPr/>
+          <a:lstStyle/>
+          <a:p>
+            <a:fld id="{2F362560-E0F8-43D8-8E93-488BE82A516D}" type="slidenum">
+              <a:rPr lang="ru-RU" smtClean="0"/>
+              <a:t>8</a:t>
+            </a:fld>
+            <a:endParaRPr lang="ru-RU"/>
+          </a:p>
+        </p:txBody>
+      </p:sp>
     </p:spTree>
     <p:extLst>
       <p:ext uri="{BB962C8B-B14F-4D97-AF65-F5344CB8AC3E}">
@@ -16307,6 +15322,9 @@
   <p:clrMapOvr>
     <a:masterClrMapping/>
   </p:clrMapOvr>
+  <p:transition spd="slow">
+    <p:push dir="u"/>
+  </p:transition>
 </p:sld>
 </file>
 
@@ -17093,6 +16111,35 @@
           </a:p>
         </p:txBody>
       </p:sp>
+      <p:sp>
+        <p:nvSpPr>
+          <p:cNvPr id="2" name="Номер слайда 1">
+            <a:extLst>
+              <a:ext uri="{FF2B5EF4-FFF2-40B4-BE49-F238E27FC236}">
+                <a16:creationId xmlns:a16="http://schemas.microsoft.com/office/drawing/2014/main" id="{93698FE6-3E04-C7AF-10B8-1C9AC2D4235C}"/>
+              </a:ext>
+            </a:extLst>
+          </p:cNvPr>
+          <p:cNvSpPr>
+            <a:spLocks noGrp="1"/>
+          </p:cNvSpPr>
+          <p:nvPr>
+            <p:ph type="sldNum" sz="quarter" idx="12"/>
+          </p:nvPr>
+        </p:nvSpPr>
+        <p:spPr/>
+        <p:txBody>
+          <a:bodyPr/>
+          <a:lstStyle/>
+          <a:p>
+            <a:fld id="{2F362560-E0F8-43D8-8E93-488BE82A516D}" type="slidenum">
+              <a:rPr lang="ru-RU" smtClean="0"/>
+              <a:t>9</a:t>
+            </a:fld>
+            <a:endParaRPr lang="ru-RU"/>
+          </a:p>
+        </p:txBody>
+      </p:sp>
     </p:spTree>
     <p:extLst>
       <p:ext uri="{BB962C8B-B14F-4D97-AF65-F5344CB8AC3E}">
@@ -17103,6 +16150,9 @@
   <p:clrMapOvr>
     <a:masterClrMapping/>
   </p:clrMapOvr>
+  <p:transition spd="slow">
+    <p:push dir="u"/>
+  </p:transition>
 </p:sld>
 </file>
 

--- a/АиСД дерево.pptx
+++ b/АиСД дерево.pptx
@@ -192,12 +192,9 @@
           <a:lstStyle/>
           <a:p>
             <a:pPr>
-              <a:defRPr sz="2128" b="1" i="0" u="none" strike="noStrike" kern="1200" cap="all" spc="120" normalizeH="0" baseline="0">
+              <a:defRPr sz="2128" b="1" i="0" u="none" strike="noStrike" kern="1200" baseline="0">
                 <a:solidFill>
-                  <a:schemeClr val="tx1">
-                    <a:lumMod val="65000"/>
-                    <a:lumOff val="35000"/>
-                  </a:schemeClr>
+                  <a:schemeClr val="tx2"/>
                 </a:solidFill>
                 <a:latin typeface="+mn-lt"/>
                 <a:ea typeface="+mn-ea"/>
@@ -224,12 +221,9 @@
         <a:lstStyle/>
         <a:p>
           <a:pPr>
-            <a:defRPr sz="2128" b="1" i="0" u="none" strike="noStrike" kern="1200" cap="all" spc="120" normalizeH="0" baseline="0">
+            <a:defRPr sz="2128" b="1" i="0" u="none" strike="noStrike" kern="1200" baseline="0">
               <a:solidFill>
-                <a:schemeClr val="tx1">
-                  <a:lumMod val="65000"/>
-                  <a:lumOff val="35000"/>
-                </a:schemeClr>
+                <a:schemeClr val="tx2"/>
               </a:solidFill>
               <a:latin typeface="+mn-lt"/>
               <a:ea typeface="+mn-ea"/>
@@ -243,38 +237,101 @@
     <c:autoTitleDeleted val="0"/>
     <c:plotArea>
       <c:layout/>
-      <c:scatterChart>
-        <c:scatterStyle val="smoothMarker"/>
+      <c:barChart>
+        <c:barDir val="col"/>
+        <c:grouping val="clustered"/>
         <c:varyColors val="0"/>
         <c:ser>
-          <c:idx val="0"/>
-          <c:order val="0"/>
+          <c:idx val="1"/>
+          <c:order val="1"/>
           <c:spPr>
-            <a:ln w="22225" cap="rnd">
-              <a:solidFill>
-                <a:schemeClr val="accent1"/>
-              </a:solidFill>
-              <a:round/>
+            <a:gradFill rotWithShape="1">
+              <a:gsLst>
+                <a:gs pos="0">
+                  <a:schemeClr val="accent2">
+                    <a:satMod val="103000"/>
+                    <a:lumMod val="102000"/>
+                    <a:tint val="94000"/>
+                  </a:schemeClr>
+                </a:gs>
+                <a:gs pos="50000">
+                  <a:schemeClr val="accent2">
+                    <a:satMod val="110000"/>
+                    <a:lumMod val="100000"/>
+                    <a:shade val="100000"/>
+                  </a:schemeClr>
+                </a:gs>
+                <a:gs pos="100000">
+                  <a:schemeClr val="accent2">
+                    <a:lumMod val="99000"/>
+                    <a:satMod val="120000"/>
+                    <a:shade val="78000"/>
+                  </a:schemeClr>
+                </a:gs>
+              </a:gsLst>
+              <a:lin ang="5400000" scaled="0"/>
+            </a:gradFill>
+            <a:ln>
+              <a:noFill/>
             </a:ln>
             <a:effectLst/>
           </c:spPr>
-          <c:marker>
-            <c:symbol val="diamond"/>
-            <c:size val="6"/>
+          <c:invertIfNegative val="0"/>
+          <c:dLbls>
             <c:spPr>
-              <a:solidFill>
-                <a:schemeClr val="accent1"/>
-              </a:solidFill>
-              <a:ln w="9525">
-                <a:solidFill>
-                  <a:schemeClr val="accent1"/>
-                </a:solidFill>
-                <a:round/>
+              <a:noFill/>
+              <a:ln>
+                <a:noFill/>
               </a:ln>
               <a:effectLst/>
             </c:spPr>
-          </c:marker>
-          <c:xVal>
+            <c:txPr>
+              <a:bodyPr rot="0" spcFirstLastPara="1" vertOverflow="ellipsis" vert="horz" wrap="square" lIns="38100" tIns="19050" rIns="38100" bIns="19050" anchor="ctr" anchorCtr="1">
+                <a:spAutoFit/>
+              </a:bodyPr>
+              <a:lstStyle/>
+              <a:p>
+                <a:pPr>
+                  <a:defRPr sz="1197" b="0" i="0" u="none" strike="noStrike" kern="1200" baseline="0">
+                    <a:solidFill>
+                      <a:schemeClr val="tx2"/>
+                    </a:solidFill>
+                    <a:latin typeface="+mn-lt"/>
+                    <a:ea typeface="+mn-ea"/>
+                    <a:cs typeface="+mn-cs"/>
+                  </a:defRPr>
+                </a:pPr>
+                <a:endParaRPr lang="ru-RU"/>
+              </a:p>
+            </c:txPr>
+            <c:dLblPos val="outEnd"/>
+            <c:showLegendKey val="0"/>
+            <c:showVal val="1"/>
+            <c:showCatName val="0"/>
+            <c:showSerName val="0"/>
+            <c:showPercent val="0"/>
+            <c:showBubbleSize val="0"/>
+            <c:showLeaderLines val="0"/>
+            <c:extLst>
+              <c:ext xmlns:c15="http://schemas.microsoft.com/office/drawing/2012/chart" uri="{CE6537A1-D6FC-4f65-9D91-7224C49458BB}">
+                <c15:showLeaderLines val="1"/>
+                <c15:leaderLines>
+                  <c:spPr>
+                    <a:ln w="9525">
+                      <a:solidFill>
+                        <a:schemeClr val="tx2">
+                          <a:lumMod val="35000"/>
+                          <a:lumOff val="65000"/>
+                        </a:schemeClr>
+                      </a:solidFill>
+                    </a:ln>
+                    <a:effectLst/>
+                  </c:spPr>
+                </c15:leaderLines>
+              </c:ext>
+            </c:extLst>
+          </c:dLbls>
+          <c:cat>
             <c:numRef>
               <c:f>Лист1!$A$2:$A$24</c:f>
               <c:numCache>
@@ -351,8 +408,8 @@
                 </c:pt>
               </c:numCache>
             </c:numRef>
-          </c:xVal>
-          <c:yVal>
+          </c:cat>
+          <c:val>
             <c:numRef>
               <c:f>Лист1!$B$2:$B$24</c:f>
               <c:numCache>
@@ -429,48 +486,304 @@
                 </c:pt>
               </c:numCache>
             </c:numRef>
-          </c:yVal>
-          <c:smooth val="1"/>
+          </c:val>
           <c:extLst>
             <c:ext xmlns:c16="http://schemas.microsoft.com/office/drawing/2014/chart" uri="{C3380CC4-5D6E-409C-BE32-E72D297353CC}">
-              <c16:uniqueId val="{00000000-BC69-427A-AC6B-081428A8C2D8}"/>
+              <c16:uniqueId val="{00000000-6273-4045-8225-61D080DB2056}"/>
             </c:ext>
           </c:extLst>
         </c:ser>
         <c:dLbls>
+          <c:dLblPos val="outEnd"/>
           <c:showLegendKey val="0"/>
-          <c:showVal val="0"/>
+          <c:showVal val="1"/>
           <c:showCatName val="0"/>
           <c:showSerName val="0"/>
           <c:showPercent val="0"/>
           <c:showBubbleSize val="0"/>
         </c:dLbls>
-        <c:axId val="347728463"/>
-        <c:axId val="349262479"/>
-      </c:scatterChart>
-      <c:valAx>
-        <c:axId val="347728463"/>
+        <c:gapWidth val="100"/>
+        <c:overlap val="-24"/>
+        <c:axId val="393415759"/>
+        <c:axId val="393416175"/>
+        <c:extLst>
+          <c:ext xmlns:c15="http://schemas.microsoft.com/office/drawing/2012/chart" uri="{02D57815-91ED-43cb-92C2-25804820EDAC}">
+            <c15:filteredBarSeries>
+              <c15:ser>
+                <c:idx val="0"/>
+                <c:order val="0"/>
+                <c:spPr>
+                  <a:gradFill rotWithShape="1">
+                    <a:gsLst>
+                      <a:gs pos="0">
+                        <a:schemeClr val="accent1">
+                          <a:satMod val="103000"/>
+                          <a:lumMod val="102000"/>
+                          <a:tint val="94000"/>
+                        </a:schemeClr>
+                      </a:gs>
+                      <a:gs pos="50000">
+                        <a:schemeClr val="accent1">
+                          <a:satMod val="110000"/>
+                          <a:lumMod val="100000"/>
+                          <a:shade val="100000"/>
+                        </a:schemeClr>
+                      </a:gs>
+                      <a:gs pos="100000">
+                        <a:schemeClr val="accent1">
+                          <a:lumMod val="99000"/>
+                          <a:satMod val="120000"/>
+                          <a:shade val="78000"/>
+                        </a:schemeClr>
+                      </a:gs>
+                    </a:gsLst>
+                    <a:lin ang="5400000" scaled="0"/>
+                  </a:gradFill>
+                  <a:ln>
+                    <a:noFill/>
+                  </a:ln>
+                  <a:effectLst/>
+                </c:spPr>
+                <c:invertIfNegative val="0"/>
+                <c:dLbls>
+                  <c:spPr>
+                    <a:noFill/>
+                    <a:ln>
+                      <a:noFill/>
+                    </a:ln>
+                    <a:effectLst/>
+                  </c:spPr>
+                  <c:txPr>
+                    <a:bodyPr rot="0" spcFirstLastPara="1" vertOverflow="ellipsis" vert="horz" wrap="square" lIns="38100" tIns="19050" rIns="38100" bIns="19050" anchor="ctr" anchorCtr="1">
+                      <a:spAutoFit/>
+                    </a:bodyPr>
+                    <a:lstStyle/>
+                    <a:p>
+                      <a:pPr>
+                        <a:defRPr sz="1197" b="0" i="0" u="none" strike="noStrike" kern="1200" baseline="0">
+                          <a:solidFill>
+                            <a:schemeClr val="tx2"/>
+                          </a:solidFill>
+                          <a:latin typeface="+mn-lt"/>
+                          <a:ea typeface="+mn-ea"/>
+                          <a:cs typeface="+mn-cs"/>
+                        </a:defRPr>
+                      </a:pPr>
+                      <a:endParaRPr lang="ru-RU"/>
+                    </a:p>
+                  </c:txPr>
+                  <c:dLblPos val="outEnd"/>
+                  <c:showLegendKey val="0"/>
+                  <c:showVal val="1"/>
+                  <c:showCatName val="0"/>
+                  <c:showSerName val="0"/>
+                  <c:showPercent val="0"/>
+                  <c:showBubbleSize val="0"/>
+                  <c:showLeaderLines val="0"/>
+                  <c:extLst>
+                    <c:ext uri="{CE6537A1-D6FC-4f65-9D91-7224C49458BB}">
+                      <c15:showLeaderLines val="1"/>
+                      <c15:leaderLines>
+                        <c:spPr>
+                          <a:ln w="9525">
+                            <a:solidFill>
+                              <a:schemeClr val="tx2">
+                                <a:lumMod val="35000"/>
+                                <a:lumOff val="65000"/>
+                              </a:schemeClr>
+                            </a:solidFill>
+                          </a:ln>
+                          <a:effectLst/>
+                        </c:spPr>
+                      </c15:leaderLines>
+                    </c:ext>
+                  </c:extLst>
+                </c:dLbls>
+                <c:cat>
+                  <c:numRef>
+                    <c:extLst>
+                      <c:ext uri="{02D57815-91ED-43cb-92C2-25804820EDAC}">
+                        <c15:formulaRef>
+                          <c15:sqref>Лист1!$A$2:$A$24</c15:sqref>
+                        </c15:formulaRef>
+                      </c:ext>
+                    </c:extLst>
+                    <c:numCache>
+                      <c:formatCode>General</c:formatCode>
+                      <c:ptCount val="23"/>
+                      <c:pt idx="0">
+                        <c:v>1</c:v>
+                      </c:pt>
+                      <c:pt idx="1">
+                        <c:v>5</c:v>
+                      </c:pt>
+                      <c:pt idx="2">
+                        <c:v>10</c:v>
+                      </c:pt>
+                      <c:pt idx="3">
+                        <c:v>15</c:v>
+                      </c:pt>
+                      <c:pt idx="4">
+                        <c:v>20</c:v>
+                      </c:pt>
+                      <c:pt idx="5">
+                        <c:v>25</c:v>
+                      </c:pt>
+                      <c:pt idx="6">
+                        <c:v>50</c:v>
+                      </c:pt>
+                      <c:pt idx="7">
+                        <c:v>75</c:v>
+                      </c:pt>
+                      <c:pt idx="8">
+                        <c:v>3000</c:v>
+                      </c:pt>
+                      <c:pt idx="9">
+                        <c:v>4000</c:v>
+                      </c:pt>
+                      <c:pt idx="10">
+                        <c:v>5000</c:v>
+                      </c:pt>
+                      <c:pt idx="11">
+                        <c:v>6000</c:v>
+                      </c:pt>
+                      <c:pt idx="12">
+                        <c:v>7000</c:v>
+                      </c:pt>
+                      <c:pt idx="13">
+                        <c:v>8000</c:v>
+                      </c:pt>
+                      <c:pt idx="14">
+                        <c:v>9000</c:v>
+                      </c:pt>
+                      <c:pt idx="15">
+                        <c:v>10000</c:v>
+                      </c:pt>
+                      <c:pt idx="16">
+                        <c:v>100000</c:v>
+                      </c:pt>
+                      <c:pt idx="17">
+                        <c:v>125000</c:v>
+                      </c:pt>
+                      <c:pt idx="18">
+                        <c:v>150000</c:v>
+                      </c:pt>
+                      <c:pt idx="19">
+                        <c:v>200000</c:v>
+                      </c:pt>
+                      <c:pt idx="20">
+                        <c:v>250000</c:v>
+                      </c:pt>
+                      <c:pt idx="21">
+                        <c:v>500000</c:v>
+                      </c:pt>
+                      <c:pt idx="22">
+                        <c:v>1000000</c:v>
+                      </c:pt>
+                    </c:numCache>
+                  </c:numRef>
+                </c:cat>
+                <c:val>
+                  <c:numRef>
+                    <c:extLst>
+                      <c:ext uri="{02D57815-91ED-43cb-92C2-25804820EDAC}">
+                        <c15:formulaRef>
+                          <c15:sqref>Лист1!$A$2:$A$24</c15:sqref>
+                        </c15:formulaRef>
+                      </c:ext>
+                    </c:extLst>
+                    <c:numCache>
+                      <c:formatCode>General</c:formatCode>
+                      <c:ptCount val="23"/>
+                      <c:pt idx="0">
+                        <c:v>1</c:v>
+                      </c:pt>
+                      <c:pt idx="1">
+                        <c:v>5</c:v>
+                      </c:pt>
+                      <c:pt idx="2">
+                        <c:v>10</c:v>
+                      </c:pt>
+                      <c:pt idx="3">
+                        <c:v>15</c:v>
+                      </c:pt>
+                      <c:pt idx="4">
+                        <c:v>20</c:v>
+                      </c:pt>
+                      <c:pt idx="5">
+                        <c:v>25</c:v>
+                      </c:pt>
+                      <c:pt idx="6">
+                        <c:v>50</c:v>
+                      </c:pt>
+                      <c:pt idx="7">
+                        <c:v>75</c:v>
+                      </c:pt>
+                      <c:pt idx="8">
+                        <c:v>3000</c:v>
+                      </c:pt>
+                      <c:pt idx="9">
+                        <c:v>4000</c:v>
+                      </c:pt>
+                      <c:pt idx="10">
+                        <c:v>5000</c:v>
+                      </c:pt>
+                      <c:pt idx="11">
+                        <c:v>6000</c:v>
+                      </c:pt>
+                      <c:pt idx="12">
+                        <c:v>7000</c:v>
+                      </c:pt>
+                      <c:pt idx="13">
+                        <c:v>8000</c:v>
+                      </c:pt>
+                      <c:pt idx="14">
+                        <c:v>9000</c:v>
+                      </c:pt>
+                      <c:pt idx="15">
+                        <c:v>10000</c:v>
+                      </c:pt>
+                      <c:pt idx="16">
+                        <c:v>100000</c:v>
+                      </c:pt>
+                      <c:pt idx="17">
+                        <c:v>125000</c:v>
+                      </c:pt>
+                      <c:pt idx="18">
+                        <c:v>150000</c:v>
+                      </c:pt>
+                      <c:pt idx="19">
+                        <c:v>200000</c:v>
+                      </c:pt>
+                      <c:pt idx="20">
+                        <c:v>250000</c:v>
+                      </c:pt>
+                      <c:pt idx="21">
+                        <c:v>500000</c:v>
+                      </c:pt>
+                      <c:pt idx="22">
+                        <c:v>1000000</c:v>
+                      </c:pt>
+                    </c:numCache>
+                  </c:numRef>
+                </c:val>
+                <c:extLst>
+                  <c:ext xmlns:c16="http://schemas.microsoft.com/office/drawing/2014/chart" uri="{C3380CC4-5D6E-409C-BE32-E72D297353CC}">
+                    <c16:uniqueId val="{00000001-6273-4045-8225-61D080DB2056}"/>
+                  </c:ext>
+                </c:extLst>
+              </c15:ser>
+            </c15:filteredBarSeries>
+          </c:ext>
+        </c:extLst>
+      </c:barChart>
+      <c:catAx>
+        <c:axId val="393415759"/>
         <c:scaling>
           <c:orientation val="minMax"/>
-          <c:max val="1100000"/>
-          <c:min val="0"/>
         </c:scaling>
         <c:delete val="0"/>
         <c:axPos val="b"/>
-        <c:majorGridlines>
-          <c:spPr>
-            <a:ln w="9525" cap="flat" cmpd="sng" algn="ctr">
-              <a:solidFill>
-                <a:schemeClr val="tx1">
-                  <a:lumMod val="15000"/>
-                  <a:lumOff val="85000"/>
-                </a:schemeClr>
-              </a:solidFill>
-              <a:round/>
-            </a:ln>
-            <a:effectLst/>
-          </c:spPr>
-        </c:majorGridlines>
         <c:title>
           <c:tx>
             <c:rich>
@@ -478,12 +791,9 @@
               <a:lstStyle/>
               <a:p>
                 <a:pPr>
-                  <a:defRPr sz="1197" b="0" i="0" u="none" strike="noStrike" kern="1200" cap="all" baseline="0">
+                  <a:defRPr sz="1197" b="1" i="0" u="none" strike="noStrike" kern="1200" baseline="0">
                     <a:solidFill>
-                      <a:schemeClr val="tx1">
-                        <a:lumMod val="65000"/>
-                        <a:lumOff val="35000"/>
-                      </a:schemeClr>
+                      <a:schemeClr val="tx2"/>
                     </a:solidFill>
                     <a:latin typeface="+mn-lt"/>
                     <a:ea typeface="+mn-ea"/>
@@ -510,12 +820,9 @@
             <a:lstStyle/>
             <a:p>
               <a:pPr>
-                <a:defRPr sz="1197" b="0" i="0" u="none" strike="noStrike" kern="1200" cap="all" baseline="0">
+                <a:defRPr sz="1197" b="1" i="0" u="none" strike="noStrike" kern="1200" baseline="0">
                   <a:solidFill>
-                    <a:schemeClr val="tx1">
-                      <a:lumMod val="65000"/>
-                      <a:lumOff val="35000"/>
-                    </a:schemeClr>
+                    <a:schemeClr val="tx2"/>
                   </a:solidFill>
                   <a:latin typeface="+mn-lt"/>
                   <a:ea typeface="+mn-ea"/>
@@ -534,7 +841,7 @@
           <a:noFill/>
           <a:ln w="9525" cap="flat" cmpd="sng" algn="ctr">
             <a:solidFill>
-              <a:schemeClr val="dk1">
+              <a:schemeClr val="tx2">
                 <a:lumMod val="15000"/>
                 <a:lumOff val="85000"/>
               </a:schemeClr>
@@ -550,10 +857,7 @@
             <a:pPr>
               <a:defRPr sz="1197" b="0" i="0" u="none" strike="noStrike" kern="1200" baseline="0">
                 <a:solidFill>
-                  <a:schemeClr val="tx1">
-                    <a:lumMod val="65000"/>
-                    <a:lumOff val="35000"/>
-                  </a:schemeClr>
+                  <a:schemeClr val="tx2"/>
                 </a:solidFill>
                 <a:latin typeface="+mn-lt"/>
                 <a:ea typeface="+mn-ea"/>
@@ -563,14 +867,19 @@
             <a:endParaRPr lang="ru-RU"/>
           </a:p>
         </c:txPr>
-        <c:crossAx val="349262479"/>
+        <c:crossAx val="393416175"/>
         <c:crosses val="autoZero"/>
-        <c:crossBetween val="midCat"/>
-      </c:valAx>
+        <c:auto val="1"/>
+        <c:lblAlgn val="ctr"/>
+        <c:lblOffset val="100"/>
+        <c:noMultiLvlLbl val="0"/>
+      </c:catAx>
       <c:valAx>
-        <c:axId val="349262479"/>
+        <c:axId val="393416175"/>
         <c:scaling>
           <c:orientation val="minMax"/>
+          <c:max val="167"/>
+          <c:min val="0"/>
         </c:scaling>
         <c:delete val="0"/>
         <c:axPos val="l"/>
@@ -578,7 +887,7 @@
           <c:spPr>
             <a:ln w="9525" cap="flat" cmpd="sng" algn="ctr">
               <a:solidFill>
-                <a:schemeClr val="tx1">
+                <a:schemeClr val="tx2">
                   <a:lumMod val="15000"/>
                   <a:lumOff val="85000"/>
                 </a:schemeClr>
@@ -595,12 +904,9 @@
               <a:lstStyle/>
               <a:p>
                 <a:pPr>
-                  <a:defRPr sz="1197" b="0" i="0" u="none" strike="noStrike" kern="1200" cap="all" baseline="0">
+                  <a:defRPr sz="1197" b="1" i="0" u="none" strike="noStrike" kern="1200" baseline="0">
                     <a:solidFill>
-                      <a:schemeClr val="tx1">
-                        <a:lumMod val="65000"/>
-                        <a:lumOff val="35000"/>
-                      </a:schemeClr>
+                      <a:schemeClr val="tx2"/>
                     </a:solidFill>
                     <a:latin typeface="+mn-lt"/>
                     <a:ea typeface="+mn-ea"/>
@@ -627,12 +933,9 @@
             <a:lstStyle/>
             <a:p>
               <a:pPr>
-                <a:defRPr sz="1197" b="0" i="0" u="none" strike="noStrike" kern="1200" cap="all" baseline="0">
+                <a:defRPr sz="1197" b="1" i="0" u="none" strike="noStrike" kern="1200" baseline="0">
                   <a:solidFill>
-                    <a:schemeClr val="tx1">
-                      <a:lumMod val="65000"/>
-                      <a:lumOff val="35000"/>
-                    </a:schemeClr>
+                    <a:schemeClr val="tx2"/>
                   </a:solidFill>
                   <a:latin typeface="+mn-lt"/>
                   <a:ea typeface="+mn-ea"/>
@@ -649,14 +952,8 @@
         <c:tickLblPos val="nextTo"/>
         <c:spPr>
           <a:noFill/>
-          <a:ln w="9525" cap="flat" cmpd="sng" algn="ctr">
-            <a:solidFill>
-              <a:schemeClr val="dk1">
-                <a:lumMod val="15000"/>
-                <a:lumOff val="85000"/>
-              </a:schemeClr>
-            </a:solidFill>
-            <a:round/>
+          <a:ln>
+            <a:noFill/>
           </a:ln>
           <a:effectLst/>
         </c:spPr>
@@ -667,10 +964,7 @@
             <a:pPr>
               <a:defRPr sz="1197" b="0" i="0" u="none" strike="noStrike" kern="1200" baseline="0">
                 <a:solidFill>
-                  <a:schemeClr val="tx1">
-                    <a:lumMod val="65000"/>
-                    <a:lumOff val="35000"/>
-                  </a:schemeClr>
+                  <a:schemeClr val="tx2"/>
                 </a:solidFill>
                 <a:latin typeface="+mn-lt"/>
                 <a:ea typeface="+mn-ea"/>
@@ -680,9 +974,9 @@
             <a:endParaRPr lang="ru-RU"/>
           </a:p>
         </c:txPr>
-        <c:crossAx val="347728463"/>
+        <c:crossAx val="393415759"/>
         <c:crosses val="autoZero"/>
-        <c:crossBetween val="midCat"/>
+        <c:crossBetween val="between"/>
       </c:valAx>
       <c:spPr>
         <a:noFill/>
@@ -747,12 +1041,9 @@
           <a:lstStyle/>
           <a:p>
             <a:pPr>
-              <a:defRPr sz="1400" b="0" i="0" u="none" strike="noStrike" kern="1200" spc="0" baseline="0">
+              <a:defRPr sz="2128" b="1" i="0" u="none" strike="noStrike" kern="1200" baseline="0">
                 <a:solidFill>
-                  <a:schemeClr val="tx1">
-                    <a:lumMod val="65000"/>
-                    <a:lumOff val="35000"/>
-                  </a:schemeClr>
+                  <a:schemeClr val="tx2"/>
                 </a:solidFill>
                 <a:latin typeface="+mn-lt"/>
                 <a:ea typeface="+mn-ea"/>
@@ -761,13 +1052,8 @@
             </a:pPr>
             <a:r>
               <a:rPr lang="ru-RU"/>
-              <a:t>Удалеие</a:t>
-            </a:r>
-            <a:r>
-              <a:rPr lang="ru-RU" baseline="0"/>
-              <a:t> (узела нет в дереве)</a:t>
-            </a:r>
-            <a:endParaRPr lang="ru-RU"/>
+              <a:t>Удаление (удаляемого узла нет в дереве)</a:t>
+            </a:r>
           </a:p>
         </c:rich>
       </c:tx>
@@ -784,12 +1070,9 @@
         <a:lstStyle/>
         <a:p>
           <a:pPr>
-            <a:defRPr sz="1400" b="0" i="0" u="none" strike="noStrike" kern="1200" spc="0" baseline="0">
+            <a:defRPr sz="2128" b="1" i="0" u="none" strike="noStrike" kern="1200" baseline="0">
               <a:solidFill>
-                <a:schemeClr val="tx1">
-                  <a:lumMod val="65000"/>
-                  <a:lumOff val="35000"/>
-                </a:schemeClr>
+                <a:schemeClr val="tx2"/>
               </a:solidFill>
               <a:latin typeface="+mn-lt"/>
               <a:ea typeface="+mn-ea"/>
@@ -803,37 +1086,101 @@
     <c:autoTitleDeleted val="0"/>
     <c:plotArea>
       <c:layout/>
-      <c:scatterChart>
-        <c:scatterStyle val="smoothMarker"/>
+      <c:barChart>
+        <c:barDir val="col"/>
+        <c:grouping val="clustered"/>
         <c:varyColors val="0"/>
         <c:ser>
-          <c:idx val="0"/>
-          <c:order val="0"/>
+          <c:idx val="1"/>
+          <c:order val="1"/>
           <c:spPr>
-            <a:ln w="19050" cap="rnd">
-              <a:solidFill>
-                <a:schemeClr val="accent1"/>
-              </a:solidFill>
-              <a:round/>
+            <a:gradFill rotWithShape="1">
+              <a:gsLst>
+                <a:gs pos="0">
+                  <a:schemeClr val="accent2">
+                    <a:satMod val="103000"/>
+                    <a:lumMod val="102000"/>
+                    <a:tint val="94000"/>
+                  </a:schemeClr>
+                </a:gs>
+                <a:gs pos="50000">
+                  <a:schemeClr val="accent2">
+                    <a:satMod val="110000"/>
+                    <a:lumMod val="100000"/>
+                    <a:shade val="100000"/>
+                  </a:schemeClr>
+                </a:gs>
+                <a:gs pos="100000">
+                  <a:schemeClr val="accent2">
+                    <a:lumMod val="99000"/>
+                    <a:satMod val="120000"/>
+                    <a:shade val="78000"/>
+                  </a:schemeClr>
+                </a:gs>
+              </a:gsLst>
+              <a:lin ang="5400000" scaled="0"/>
+            </a:gradFill>
+            <a:ln>
+              <a:noFill/>
             </a:ln>
             <a:effectLst/>
           </c:spPr>
-          <c:marker>
-            <c:symbol val="circle"/>
-            <c:size val="5"/>
+          <c:invertIfNegative val="0"/>
+          <c:dLbls>
             <c:spPr>
-              <a:solidFill>
-                <a:schemeClr val="accent1"/>
-              </a:solidFill>
-              <a:ln w="9525">
-                <a:solidFill>
-                  <a:schemeClr val="accent1"/>
-                </a:solidFill>
+              <a:noFill/>
+              <a:ln>
+                <a:noFill/>
               </a:ln>
               <a:effectLst/>
             </c:spPr>
-          </c:marker>
-          <c:xVal>
+            <c:txPr>
+              <a:bodyPr rot="0" spcFirstLastPara="1" vertOverflow="ellipsis" vert="horz" wrap="square" lIns="38100" tIns="19050" rIns="38100" bIns="19050" anchor="ctr" anchorCtr="1">
+                <a:spAutoFit/>
+              </a:bodyPr>
+              <a:lstStyle/>
+              <a:p>
+                <a:pPr>
+                  <a:defRPr sz="1197" b="0" i="0" u="none" strike="noStrike" kern="1200" baseline="0">
+                    <a:solidFill>
+                      <a:schemeClr val="tx2"/>
+                    </a:solidFill>
+                    <a:latin typeface="+mn-lt"/>
+                    <a:ea typeface="+mn-ea"/>
+                    <a:cs typeface="+mn-cs"/>
+                  </a:defRPr>
+                </a:pPr>
+                <a:endParaRPr lang="ru-RU"/>
+              </a:p>
+            </c:txPr>
+            <c:dLblPos val="outEnd"/>
+            <c:showLegendKey val="0"/>
+            <c:showVal val="1"/>
+            <c:showCatName val="0"/>
+            <c:showSerName val="0"/>
+            <c:showPercent val="0"/>
+            <c:showBubbleSize val="0"/>
+            <c:showLeaderLines val="0"/>
+            <c:extLst>
+              <c:ext xmlns:c15="http://schemas.microsoft.com/office/drawing/2012/chart" uri="{CE6537A1-D6FC-4f65-9D91-7224C49458BB}">
+                <c15:showLeaderLines val="1"/>
+                <c15:leaderLines>
+                  <c:spPr>
+                    <a:ln w="9525">
+                      <a:solidFill>
+                        <a:schemeClr val="tx2">
+                          <a:lumMod val="35000"/>
+                          <a:lumOff val="65000"/>
+                        </a:schemeClr>
+                      </a:solidFill>
+                    </a:ln>
+                    <a:effectLst/>
+                  </c:spPr>
+                </c15:leaderLines>
+              </c:ext>
+            </c:extLst>
+          </c:dLbls>
+          <c:cat>
             <c:numRef>
               <c:f>Лист1!$A$28:$A$43</c:f>
               <c:numCache>
@@ -889,8 +1236,8 @@
                 </c:pt>
               </c:numCache>
             </c:numRef>
-          </c:xVal>
-          <c:yVal>
+          </c:cat>
+          <c:val>
             <c:numRef>
               <c:f>Лист1!$B$28:$B$43</c:f>
               <c:numCache>
@@ -946,46 +1293,262 @@
                 </c:pt>
               </c:numCache>
             </c:numRef>
-          </c:yVal>
-          <c:smooth val="1"/>
+          </c:val>
           <c:extLst>
             <c:ext xmlns:c16="http://schemas.microsoft.com/office/drawing/2014/chart" uri="{C3380CC4-5D6E-409C-BE32-E72D297353CC}">
-              <c16:uniqueId val="{00000000-8589-4282-B737-A1B7C079E7D9}"/>
+              <c16:uniqueId val="{00000000-0E6E-4345-9618-4D2498679A55}"/>
             </c:ext>
           </c:extLst>
         </c:ser>
         <c:dLbls>
+          <c:dLblPos val="outEnd"/>
           <c:showLegendKey val="0"/>
-          <c:showVal val="0"/>
+          <c:showVal val="1"/>
           <c:showCatName val="0"/>
           <c:showSerName val="0"/>
           <c:showPercent val="0"/>
           <c:showBubbleSize val="0"/>
         </c:dLbls>
-        <c:axId val="442974751"/>
-        <c:axId val="442973919"/>
-      </c:scatterChart>
-      <c:valAx>
-        <c:axId val="442974751"/>
+        <c:gapWidth val="100"/>
+        <c:overlap val="-24"/>
+        <c:axId val="453502463"/>
+        <c:axId val="453492063"/>
+        <c:extLst>
+          <c:ext xmlns:c15="http://schemas.microsoft.com/office/drawing/2012/chart" uri="{02D57815-91ED-43cb-92C2-25804820EDAC}">
+            <c15:filteredBarSeries>
+              <c15:ser>
+                <c:idx val="0"/>
+                <c:order val="0"/>
+                <c:spPr>
+                  <a:gradFill rotWithShape="1">
+                    <a:gsLst>
+                      <a:gs pos="0">
+                        <a:schemeClr val="accent1">
+                          <a:satMod val="103000"/>
+                          <a:lumMod val="102000"/>
+                          <a:tint val="94000"/>
+                        </a:schemeClr>
+                      </a:gs>
+                      <a:gs pos="50000">
+                        <a:schemeClr val="accent1">
+                          <a:satMod val="110000"/>
+                          <a:lumMod val="100000"/>
+                          <a:shade val="100000"/>
+                        </a:schemeClr>
+                      </a:gs>
+                      <a:gs pos="100000">
+                        <a:schemeClr val="accent1">
+                          <a:lumMod val="99000"/>
+                          <a:satMod val="120000"/>
+                          <a:shade val="78000"/>
+                        </a:schemeClr>
+                      </a:gs>
+                    </a:gsLst>
+                    <a:lin ang="5400000" scaled="0"/>
+                  </a:gradFill>
+                  <a:ln>
+                    <a:noFill/>
+                  </a:ln>
+                  <a:effectLst/>
+                </c:spPr>
+                <c:invertIfNegative val="0"/>
+                <c:dLbls>
+                  <c:spPr>
+                    <a:noFill/>
+                    <a:ln>
+                      <a:noFill/>
+                    </a:ln>
+                    <a:effectLst/>
+                  </c:spPr>
+                  <c:txPr>
+                    <a:bodyPr rot="0" spcFirstLastPara="1" vertOverflow="ellipsis" vert="horz" wrap="square" lIns="38100" tIns="19050" rIns="38100" bIns="19050" anchor="ctr" anchorCtr="1">
+                      <a:spAutoFit/>
+                    </a:bodyPr>
+                    <a:lstStyle/>
+                    <a:p>
+                      <a:pPr>
+                        <a:defRPr sz="1197" b="0" i="0" u="none" strike="noStrike" kern="1200" baseline="0">
+                          <a:solidFill>
+                            <a:schemeClr val="tx2"/>
+                          </a:solidFill>
+                          <a:latin typeface="+mn-lt"/>
+                          <a:ea typeface="+mn-ea"/>
+                          <a:cs typeface="+mn-cs"/>
+                        </a:defRPr>
+                      </a:pPr>
+                      <a:endParaRPr lang="ru-RU"/>
+                    </a:p>
+                  </c:txPr>
+                  <c:dLblPos val="outEnd"/>
+                  <c:showLegendKey val="0"/>
+                  <c:showVal val="1"/>
+                  <c:showCatName val="0"/>
+                  <c:showSerName val="0"/>
+                  <c:showPercent val="0"/>
+                  <c:showBubbleSize val="0"/>
+                  <c:showLeaderLines val="0"/>
+                  <c:extLst>
+                    <c:ext uri="{CE6537A1-D6FC-4f65-9D91-7224C49458BB}">
+                      <c15:showLeaderLines val="1"/>
+                      <c15:leaderLines>
+                        <c:spPr>
+                          <a:ln w="9525">
+                            <a:solidFill>
+                              <a:schemeClr val="tx2">
+                                <a:lumMod val="35000"/>
+                                <a:lumOff val="65000"/>
+                              </a:schemeClr>
+                            </a:solidFill>
+                          </a:ln>
+                          <a:effectLst/>
+                        </c:spPr>
+                      </c15:leaderLines>
+                    </c:ext>
+                  </c:extLst>
+                </c:dLbls>
+                <c:cat>
+                  <c:numRef>
+                    <c:extLst>
+                      <c:ext uri="{02D57815-91ED-43cb-92C2-25804820EDAC}">
+                        <c15:formulaRef>
+                          <c15:sqref>Лист1!$A$28:$A$43</c15:sqref>
+                        </c15:formulaRef>
+                      </c:ext>
+                    </c:extLst>
+                    <c:numCache>
+                      <c:formatCode>General</c:formatCode>
+                      <c:ptCount val="16"/>
+                      <c:pt idx="0">
+                        <c:v>1</c:v>
+                      </c:pt>
+                      <c:pt idx="1">
+                        <c:v>10</c:v>
+                      </c:pt>
+                      <c:pt idx="2">
+                        <c:v>50</c:v>
+                      </c:pt>
+                      <c:pt idx="3">
+                        <c:v>100</c:v>
+                      </c:pt>
+                      <c:pt idx="4">
+                        <c:v>200</c:v>
+                      </c:pt>
+                      <c:pt idx="5">
+                        <c:v>400</c:v>
+                      </c:pt>
+                      <c:pt idx="6">
+                        <c:v>800</c:v>
+                      </c:pt>
+                      <c:pt idx="7">
+                        <c:v>1000</c:v>
+                      </c:pt>
+                      <c:pt idx="8">
+                        <c:v>5000</c:v>
+                      </c:pt>
+                      <c:pt idx="9">
+                        <c:v>10000</c:v>
+                      </c:pt>
+                      <c:pt idx="10">
+                        <c:v>100000</c:v>
+                      </c:pt>
+                      <c:pt idx="11">
+                        <c:v>150000</c:v>
+                      </c:pt>
+                      <c:pt idx="12">
+                        <c:v>200000</c:v>
+                      </c:pt>
+                      <c:pt idx="13">
+                        <c:v>250000</c:v>
+                      </c:pt>
+                      <c:pt idx="14">
+                        <c:v>500000</c:v>
+                      </c:pt>
+                      <c:pt idx="15">
+                        <c:v>1000000</c:v>
+                      </c:pt>
+                    </c:numCache>
+                  </c:numRef>
+                </c:cat>
+                <c:val>
+                  <c:numRef>
+                    <c:extLst>
+                      <c:ext uri="{02D57815-91ED-43cb-92C2-25804820EDAC}">
+                        <c15:formulaRef>
+                          <c15:sqref>Лист1!$A$28:$A$43</c15:sqref>
+                        </c15:formulaRef>
+                      </c:ext>
+                    </c:extLst>
+                    <c:numCache>
+                      <c:formatCode>General</c:formatCode>
+                      <c:ptCount val="16"/>
+                      <c:pt idx="0">
+                        <c:v>1</c:v>
+                      </c:pt>
+                      <c:pt idx="1">
+                        <c:v>10</c:v>
+                      </c:pt>
+                      <c:pt idx="2">
+                        <c:v>50</c:v>
+                      </c:pt>
+                      <c:pt idx="3">
+                        <c:v>100</c:v>
+                      </c:pt>
+                      <c:pt idx="4">
+                        <c:v>200</c:v>
+                      </c:pt>
+                      <c:pt idx="5">
+                        <c:v>400</c:v>
+                      </c:pt>
+                      <c:pt idx="6">
+                        <c:v>800</c:v>
+                      </c:pt>
+                      <c:pt idx="7">
+                        <c:v>1000</c:v>
+                      </c:pt>
+                      <c:pt idx="8">
+                        <c:v>5000</c:v>
+                      </c:pt>
+                      <c:pt idx="9">
+                        <c:v>10000</c:v>
+                      </c:pt>
+                      <c:pt idx="10">
+                        <c:v>100000</c:v>
+                      </c:pt>
+                      <c:pt idx="11">
+                        <c:v>150000</c:v>
+                      </c:pt>
+                      <c:pt idx="12">
+                        <c:v>200000</c:v>
+                      </c:pt>
+                      <c:pt idx="13">
+                        <c:v>250000</c:v>
+                      </c:pt>
+                      <c:pt idx="14">
+                        <c:v>500000</c:v>
+                      </c:pt>
+                      <c:pt idx="15">
+                        <c:v>1000000</c:v>
+                      </c:pt>
+                    </c:numCache>
+                  </c:numRef>
+                </c:val>
+                <c:extLst>
+                  <c:ext xmlns:c16="http://schemas.microsoft.com/office/drawing/2014/chart" uri="{C3380CC4-5D6E-409C-BE32-E72D297353CC}">
+                    <c16:uniqueId val="{00000001-0E6E-4345-9618-4D2498679A55}"/>
+                  </c:ext>
+                </c:extLst>
+              </c15:ser>
+            </c15:filteredBarSeries>
+          </c:ext>
+        </c:extLst>
+      </c:barChart>
+      <c:catAx>
+        <c:axId val="453502463"/>
         <c:scaling>
           <c:orientation val="minMax"/>
         </c:scaling>
         <c:delete val="0"/>
         <c:axPos val="b"/>
-        <c:majorGridlines>
-          <c:spPr>
-            <a:ln w="9525" cap="flat" cmpd="sng" algn="ctr">
-              <a:solidFill>
-                <a:schemeClr val="tx1">
-                  <a:lumMod val="15000"/>
-                  <a:lumOff val="85000"/>
-                </a:schemeClr>
-              </a:solidFill>
-              <a:round/>
-            </a:ln>
-            <a:effectLst/>
-          </c:spPr>
-        </c:majorGridlines>
         <c:title>
           <c:tx>
             <c:rich>
@@ -993,12 +1556,9 @@
               <a:lstStyle/>
               <a:p>
                 <a:pPr>
-                  <a:defRPr sz="1000" b="0" i="0" u="none" strike="noStrike" kern="1200" baseline="0">
+                  <a:defRPr sz="1197" b="1" i="0" u="none" strike="noStrike" kern="1200" baseline="0">
                     <a:solidFill>
-                      <a:schemeClr val="tx1">
-                        <a:lumMod val="65000"/>
-                        <a:lumOff val="35000"/>
-                      </a:schemeClr>
+                      <a:schemeClr val="tx2"/>
                     </a:solidFill>
                     <a:latin typeface="+mn-lt"/>
                     <a:ea typeface="+mn-ea"/>
@@ -1007,7 +1567,7 @@
                 </a:pPr>
                 <a:r>
                   <a:rPr lang="ru-RU"/>
-                  <a:t>количесво узлов</a:t>
+                  <a:t>Количество узлов </a:t>
                 </a:r>
               </a:p>
             </c:rich>
@@ -1025,12 +1585,9 @@
             <a:lstStyle/>
             <a:p>
               <a:pPr>
-                <a:defRPr sz="1000" b="0" i="0" u="none" strike="noStrike" kern="1200" baseline="0">
+                <a:defRPr sz="1197" b="1" i="0" u="none" strike="noStrike" kern="1200" baseline="0">
                   <a:solidFill>
-                    <a:schemeClr val="tx1">
-                      <a:lumMod val="65000"/>
-                      <a:lumOff val="35000"/>
-                    </a:schemeClr>
+                    <a:schemeClr val="tx2"/>
                   </a:solidFill>
                   <a:latin typeface="+mn-lt"/>
                   <a:ea typeface="+mn-ea"/>
@@ -1049,9 +1606,9 @@
           <a:noFill/>
           <a:ln w="9525" cap="flat" cmpd="sng" algn="ctr">
             <a:solidFill>
-              <a:schemeClr val="tx1">
-                <a:lumMod val="25000"/>
-                <a:lumOff val="75000"/>
+              <a:schemeClr val="tx2">
+                <a:lumMod val="15000"/>
+                <a:lumOff val="85000"/>
               </a:schemeClr>
             </a:solidFill>
             <a:round/>
@@ -1063,12 +1620,9 @@
           <a:lstStyle/>
           <a:p>
             <a:pPr>
-              <a:defRPr sz="900" b="0" i="0" u="none" strike="noStrike" kern="1200" baseline="0">
+              <a:defRPr sz="1197" b="0" i="0" u="none" strike="noStrike" kern="1200" baseline="0">
                 <a:solidFill>
-                  <a:schemeClr val="tx1">
-                    <a:lumMod val="65000"/>
-                    <a:lumOff val="35000"/>
-                  </a:schemeClr>
+                  <a:schemeClr val="tx2"/>
                 </a:solidFill>
                 <a:latin typeface="+mn-lt"/>
                 <a:ea typeface="+mn-ea"/>
@@ -1078,14 +1632,19 @@
             <a:endParaRPr lang="ru-RU"/>
           </a:p>
         </c:txPr>
-        <c:crossAx val="442973919"/>
+        <c:crossAx val="453492063"/>
         <c:crosses val="autoZero"/>
-        <c:crossBetween val="midCat"/>
-      </c:valAx>
+        <c:auto val="1"/>
+        <c:lblAlgn val="ctr"/>
+        <c:lblOffset val="100"/>
+        <c:noMultiLvlLbl val="0"/>
+      </c:catAx>
       <c:valAx>
-        <c:axId val="442973919"/>
+        <c:axId val="453492063"/>
         <c:scaling>
           <c:orientation val="minMax"/>
+          <c:max val="10"/>
+          <c:min val="0"/>
         </c:scaling>
         <c:delete val="0"/>
         <c:axPos val="l"/>
@@ -1093,7 +1652,7 @@
           <c:spPr>
             <a:ln w="9525" cap="flat" cmpd="sng" algn="ctr">
               <a:solidFill>
-                <a:schemeClr val="tx1">
+                <a:schemeClr val="tx2">
                   <a:lumMod val="15000"/>
                   <a:lumOff val="85000"/>
                 </a:schemeClr>
@@ -1110,12 +1669,9 @@
               <a:lstStyle/>
               <a:p>
                 <a:pPr>
-                  <a:defRPr sz="1000" b="0" i="0" u="none" strike="noStrike" kern="1200" baseline="0">
+                  <a:defRPr sz="1197" b="1" i="0" u="none" strike="noStrike" kern="1200" baseline="0">
                     <a:solidFill>
-                      <a:schemeClr val="tx1">
-                        <a:lumMod val="65000"/>
-                        <a:lumOff val="35000"/>
-                      </a:schemeClr>
+                      <a:schemeClr val="tx2"/>
                     </a:solidFill>
                     <a:latin typeface="+mn-lt"/>
                     <a:ea typeface="+mn-ea"/>
@@ -1124,7 +1680,7 @@
                 </a:pPr>
                 <a:r>
                   <a:rPr lang="ru-RU"/>
-                  <a:t>время</a:t>
+                  <a:t>Время</a:t>
                 </a:r>
               </a:p>
             </c:rich>
@@ -1142,12 +1698,552 @@
             <a:lstStyle/>
             <a:p>
               <a:pPr>
-                <a:defRPr sz="1000" b="0" i="0" u="none" strike="noStrike" kern="1200" baseline="0">
+                <a:defRPr sz="1197" b="1" i="0" u="none" strike="noStrike" kern="1200" baseline="0">
                   <a:solidFill>
-                    <a:schemeClr val="tx1">
-                      <a:lumMod val="65000"/>
-                      <a:lumOff val="35000"/>
-                    </a:schemeClr>
+                    <a:schemeClr val="tx2"/>
+                  </a:solidFill>
+                  <a:latin typeface="+mn-lt"/>
+                  <a:ea typeface="+mn-ea"/>
+                  <a:cs typeface="+mn-cs"/>
+                </a:defRPr>
+              </a:pPr>
+              <a:endParaRPr lang="ru-RU"/>
+            </a:p>
+          </c:txPr>
+        </c:title>
+        <c:numFmt formatCode="General" sourceLinked="1"/>
+        <c:majorTickMark val="none"/>
+        <c:minorTickMark val="none"/>
+        <c:tickLblPos val="nextTo"/>
+        <c:spPr>
+          <a:noFill/>
+          <a:ln>
+            <a:noFill/>
+          </a:ln>
+          <a:effectLst/>
+        </c:spPr>
+        <c:txPr>
+          <a:bodyPr rot="-60000000" spcFirstLastPara="1" vertOverflow="ellipsis" vert="horz" wrap="square" anchor="ctr" anchorCtr="1"/>
+          <a:lstStyle/>
+          <a:p>
+            <a:pPr>
+              <a:defRPr sz="1197" b="0" i="0" u="none" strike="noStrike" kern="1200" baseline="0">
+                <a:solidFill>
+                  <a:schemeClr val="tx2"/>
+                </a:solidFill>
+                <a:latin typeface="+mn-lt"/>
+                <a:ea typeface="+mn-ea"/>
+                <a:cs typeface="+mn-cs"/>
+              </a:defRPr>
+            </a:pPr>
+            <a:endParaRPr lang="ru-RU"/>
+          </a:p>
+        </c:txPr>
+        <c:crossAx val="453502463"/>
+        <c:crosses val="autoZero"/>
+        <c:crossBetween val="between"/>
+      </c:valAx>
+      <c:spPr>
+        <a:noFill/>
+        <a:ln>
+          <a:noFill/>
+        </a:ln>
+        <a:effectLst/>
+      </c:spPr>
+    </c:plotArea>
+    <c:plotVisOnly val="1"/>
+    <c:dispBlanksAs val="gap"/>
+    <c:extLst>
+      <c:ext xmlns:c16r3="http://schemas.microsoft.com/office/drawing/2017/03/chart" uri="{56B9EC1D-385E-4148-901F-78D8002777C0}">
+        <c16r3:dataDisplayOptions16>
+          <c16r3:dispNaAsBlank val="1"/>
+        </c16r3:dataDisplayOptions16>
+      </c:ext>
+    </c:extLst>
+    <c:showDLblsOverMax val="0"/>
+  </c:chart>
+  <c:spPr>
+    <a:noFill/>
+    <a:ln>
+      <a:noFill/>
+    </a:ln>
+    <a:effectLst/>
+  </c:spPr>
+  <c:txPr>
+    <a:bodyPr/>
+    <a:lstStyle/>
+    <a:p>
+      <a:pPr>
+        <a:defRPr/>
+      </a:pPr>
+      <a:endParaRPr lang="ru-RU"/>
+    </a:p>
+  </c:txPr>
+  <c:externalData r:id="rId3">
+    <c:autoUpdate val="0"/>
+  </c:externalData>
+</c:chartSpace>
+</file>
+
+<file path=ppt/charts/chart3.xml><?xml version="1.0" encoding="utf-8"?>
+<c:chartSpace xmlns:c="http://schemas.openxmlformats.org/drawingml/2006/chart" xmlns:a="http://schemas.openxmlformats.org/drawingml/2006/main" xmlns:r="http://schemas.openxmlformats.org/officeDocument/2006/relationships" xmlns:c16r2="http://schemas.microsoft.com/office/drawing/2015/06/chart">
+  <c:date1904 val="0"/>
+  <c:lang val="ru-RU"/>
+  <c:roundedCorners val="0"/>
+  <mc:AlternateContent xmlns:mc="http://schemas.openxmlformats.org/markup-compatibility/2006">
+    <mc:Choice xmlns:c14="http://schemas.microsoft.com/office/drawing/2007/8/2/chart" Requires="c14">
+      <c14:style val="102"/>
+    </mc:Choice>
+    <mc:Fallback>
+      <c:style val="2"/>
+    </mc:Fallback>
+  </mc:AlternateContent>
+  <c:chart>
+    <c:title>
+      <c:tx>
+        <c:rich>
+          <a:bodyPr rot="0" spcFirstLastPara="1" vertOverflow="ellipsis" vert="horz" wrap="square" anchor="ctr" anchorCtr="1"/>
+          <a:lstStyle/>
+          <a:p>
+            <a:pPr>
+              <a:defRPr sz="2128" b="1" i="0" u="none" strike="noStrike" kern="1200" baseline="0">
+                <a:solidFill>
+                  <a:schemeClr val="tx2"/>
+                </a:solidFill>
+                <a:latin typeface="+mn-lt"/>
+                <a:ea typeface="+mn-ea"/>
+                <a:cs typeface="+mn-cs"/>
+              </a:defRPr>
+            </a:pPr>
+            <a:r>
+              <a:rPr lang="ru-RU"/>
+              <a:t>Удаление (удаляемый узел есть в дереве)</a:t>
+            </a:r>
+          </a:p>
+        </c:rich>
+      </c:tx>
+      <c:overlay val="0"/>
+      <c:spPr>
+        <a:noFill/>
+        <a:ln>
+          <a:noFill/>
+        </a:ln>
+        <a:effectLst/>
+      </c:spPr>
+      <c:txPr>
+        <a:bodyPr rot="0" spcFirstLastPara="1" vertOverflow="ellipsis" vert="horz" wrap="square" anchor="ctr" anchorCtr="1"/>
+        <a:lstStyle/>
+        <a:p>
+          <a:pPr>
+            <a:defRPr sz="2128" b="1" i="0" u="none" strike="noStrike" kern="1200" baseline="0">
+              <a:solidFill>
+                <a:schemeClr val="tx2"/>
+              </a:solidFill>
+              <a:latin typeface="+mn-lt"/>
+              <a:ea typeface="+mn-ea"/>
+              <a:cs typeface="+mn-cs"/>
+            </a:defRPr>
+          </a:pPr>
+          <a:endParaRPr lang="ru-RU"/>
+        </a:p>
+      </c:txPr>
+    </c:title>
+    <c:autoTitleDeleted val="0"/>
+    <c:plotArea>
+      <c:layout/>
+      <c:barChart>
+        <c:barDir val="col"/>
+        <c:grouping val="clustered"/>
+        <c:varyColors val="0"/>
+        <c:ser>
+          <c:idx val="1"/>
+          <c:order val="1"/>
+          <c:spPr>
+            <a:gradFill rotWithShape="1">
+              <a:gsLst>
+                <a:gs pos="0">
+                  <a:schemeClr val="accent2">
+                    <a:satMod val="103000"/>
+                    <a:lumMod val="102000"/>
+                    <a:tint val="94000"/>
+                  </a:schemeClr>
+                </a:gs>
+                <a:gs pos="50000">
+                  <a:schemeClr val="accent2">
+                    <a:satMod val="110000"/>
+                    <a:lumMod val="100000"/>
+                    <a:shade val="100000"/>
+                  </a:schemeClr>
+                </a:gs>
+                <a:gs pos="100000">
+                  <a:schemeClr val="accent2">
+                    <a:lumMod val="99000"/>
+                    <a:satMod val="120000"/>
+                    <a:shade val="78000"/>
+                  </a:schemeClr>
+                </a:gs>
+              </a:gsLst>
+              <a:lin ang="5400000" scaled="0"/>
+            </a:gradFill>
+            <a:ln>
+              <a:noFill/>
+            </a:ln>
+            <a:effectLst/>
+          </c:spPr>
+          <c:invertIfNegative val="0"/>
+          <c:cat>
+            <c:numRef>
+              <c:f>Лист1!$P$28:$P$43</c:f>
+              <c:numCache>
+                <c:formatCode>General</c:formatCode>
+                <c:ptCount val="16"/>
+                <c:pt idx="0">
+                  <c:v>1</c:v>
+                </c:pt>
+                <c:pt idx="1">
+                  <c:v>10</c:v>
+                </c:pt>
+                <c:pt idx="2">
+                  <c:v>50</c:v>
+                </c:pt>
+                <c:pt idx="3">
+                  <c:v>100</c:v>
+                </c:pt>
+                <c:pt idx="4">
+                  <c:v>200</c:v>
+                </c:pt>
+                <c:pt idx="5">
+                  <c:v>400</c:v>
+                </c:pt>
+                <c:pt idx="6">
+                  <c:v>800</c:v>
+                </c:pt>
+                <c:pt idx="7">
+                  <c:v>1000</c:v>
+                </c:pt>
+                <c:pt idx="8">
+                  <c:v>5000</c:v>
+                </c:pt>
+                <c:pt idx="9">
+                  <c:v>10000</c:v>
+                </c:pt>
+                <c:pt idx="10">
+                  <c:v>100000</c:v>
+                </c:pt>
+                <c:pt idx="11">
+                  <c:v>150000</c:v>
+                </c:pt>
+                <c:pt idx="12">
+                  <c:v>200000</c:v>
+                </c:pt>
+                <c:pt idx="13">
+                  <c:v>250000</c:v>
+                </c:pt>
+                <c:pt idx="14">
+                  <c:v>500000</c:v>
+                </c:pt>
+                <c:pt idx="15">
+                  <c:v>1000000</c:v>
+                </c:pt>
+              </c:numCache>
+            </c:numRef>
+          </c:cat>
+          <c:val>
+            <c:numRef>
+              <c:f>Лист1!$Q$28:$Q$43</c:f>
+              <c:numCache>
+                <c:formatCode>General</c:formatCode>
+                <c:ptCount val="16"/>
+                <c:pt idx="0">
+                  <c:v>3</c:v>
+                </c:pt>
+                <c:pt idx="1">
+                  <c:v>4</c:v>
+                </c:pt>
+                <c:pt idx="2">
+                  <c:v>4</c:v>
+                </c:pt>
+                <c:pt idx="3">
+                  <c:v>4</c:v>
+                </c:pt>
+                <c:pt idx="4">
+                  <c:v>4</c:v>
+                </c:pt>
+                <c:pt idx="5">
+                  <c:v>4</c:v>
+                </c:pt>
+                <c:pt idx="6">
+                  <c:v>4</c:v>
+                </c:pt>
+                <c:pt idx="7">
+                  <c:v>4</c:v>
+                </c:pt>
+                <c:pt idx="8">
+                  <c:v>5</c:v>
+                </c:pt>
+                <c:pt idx="9">
+                  <c:v>5</c:v>
+                </c:pt>
+                <c:pt idx="10">
+                  <c:v>3</c:v>
+                </c:pt>
+                <c:pt idx="11">
+                  <c:v>3</c:v>
+                </c:pt>
+                <c:pt idx="12">
+                  <c:v>5</c:v>
+                </c:pt>
+                <c:pt idx="13">
+                  <c:v>5</c:v>
+                </c:pt>
+                <c:pt idx="14">
+                  <c:v>5</c:v>
+                </c:pt>
+                <c:pt idx="15">
+                  <c:v>5</c:v>
+                </c:pt>
+              </c:numCache>
+            </c:numRef>
+          </c:val>
+          <c:extLst>
+            <c:ext xmlns:c16="http://schemas.microsoft.com/office/drawing/2014/chart" uri="{C3380CC4-5D6E-409C-BE32-E72D297353CC}">
+              <c16:uniqueId val="{00000000-E4C8-4C57-B3E9-BD0D440A5E3F}"/>
+            </c:ext>
+          </c:extLst>
+        </c:ser>
+        <c:dLbls>
+          <c:showLegendKey val="0"/>
+          <c:showVal val="0"/>
+          <c:showCatName val="0"/>
+          <c:showSerName val="0"/>
+          <c:showPercent val="0"/>
+          <c:showBubbleSize val="0"/>
+        </c:dLbls>
+        <c:gapWidth val="100"/>
+        <c:overlap val="-24"/>
+        <c:axId val="2132019040"/>
+        <c:axId val="2132036096"/>
+        <c:extLst>
+          <c:ext xmlns:c15="http://schemas.microsoft.com/office/drawing/2012/chart" uri="{02D57815-91ED-43cb-92C2-25804820EDAC}">
+            <c15:filteredBarSeries>
+              <c15:ser>
+                <c:idx val="0"/>
+                <c:order val="0"/>
+                <c:spPr>
+                  <a:gradFill rotWithShape="1">
+                    <a:gsLst>
+                      <a:gs pos="0">
+                        <a:schemeClr val="accent1">
+                          <a:satMod val="103000"/>
+                          <a:lumMod val="102000"/>
+                          <a:tint val="94000"/>
+                        </a:schemeClr>
+                      </a:gs>
+                      <a:gs pos="50000">
+                        <a:schemeClr val="accent1">
+                          <a:satMod val="110000"/>
+                          <a:lumMod val="100000"/>
+                          <a:shade val="100000"/>
+                        </a:schemeClr>
+                      </a:gs>
+                      <a:gs pos="100000">
+                        <a:schemeClr val="accent1">
+                          <a:lumMod val="99000"/>
+                          <a:satMod val="120000"/>
+                          <a:shade val="78000"/>
+                        </a:schemeClr>
+                      </a:gs>
+                    </a:gsLst>
+                    <a:lin ang="5400000" scaled="0"/>
+                  </a:gradFill>
+                  <a:ln>
+                    <a:noFill/>
+                  </a:ln>
+                  <a:effectLst/>
+                </c:spPr>
+                <c:invertIfNegative val="0"/>
+                <c:cat>
+                  <c:numRef>
+                    <c:extLst>
+                      <c:ext uri="{02D57815-91ED-43cb-92C2-25804820EDAC}">
+                        <c15:formulaRef>
+                          <c15:sqref>Лист1!$P$28:$P$43</c15:sqref>
+                        </c15:formulaRef>
+                      </c:ext>
+                    </c:extLst>
+                    <c:numCache>
+                      <c:formatCode>General</c:formatCode>
+                      <c:ptCount val="16"/>
+                      <c:pt idx="0">
+                        <c:v>1</c:v>
+                      </c:pt>
+                      <c:pt idx="1">
+                        <c:v>10</c:v>
+                      </c:pt>
+                      <c:pt idx="2">
+                        <c:v>50</c:v>
+                      </c:pt>
+                      <c:pt idx="3">
+                        <c:v>100</c:v>
+                      </c:pt>
+                      <c:pt idx="4">
+                        <c:v>200</c:v>
+                      </c:pt>
+                      <c:pt idx="5">
+                        <c:v>400</c:v>
+                      </c:pt>
+                      <c:pt idx="6">
+                        <c:v>800</c:v>
+                      </c:pt>
+                      <c:pt idx="7">
+                        <c:v>1000</c:v>
+                      </c:pt>
+                      <c:pt idx="8">
+                        <c:v>5000</c:v>
+                      </c:pt>
+                      <c:pt idx="9">
+                        <c:v>10000</c:v>
+                      </c:pt>
+                      <c:pt idx="10">
+                        <c:v>100000</c:v>
+                      </c:pt>
+                      <c:pt idx="11">
+                        <c:v>150000</c:v>
+                      </c:pt>
+                      <c:pt idx="12">
+                        <c:v>200000</c:v>
+                      </c:pt>
+                      <c:pt idx="13">
+                        <c:v>250000</c:v>
+                      </c:pt>
+                      <c:pt idx="14">
+                        <c:v>500000</c:v>
+                      </c:pt>
+                      <c:pt idx="15">
+                        <c:v>1000000</c:v>
+                      </c:pt>
+                    </c:numCache>
+                  </c:numRef>
+                </c:cat>
+                <c:val>
+                  <c:numRef>
+                    <c:extLst>
+                      <c:ext uri="{02D57815-91ED-43cb-92C2-25804820EDAC}">
+                        <c15:formulaRef>
+                          <c15:sqref>Лист1!$P$28:$P$43</c15:sqref>
+                        </c15:formulaRef>
+                      </c:ext>
+                    </c:extLst>
+                    <c:numCache>
+                      <c:formatCode>General</c:formatCode>
+                      <c:ptCount val="16"/>
+                      <c:pt idx="0">
+                        <c:v>1</c:v>
+                      </c:pt>
+                      <c:pt idx="1">
+                        <c:v>10</c:v>
+                      </c:pt>
+                      <c:pt idx="2">
+                        <c:v>50</c:v>
+                      </c:pt>
+                      <c:pt idx="3">
+                        <c:v>100</c:v>
+                      </c:pt>
+                      <c:pt idx="4">
+                        <c:v>200</c:v>
+                      </c:pt>
+                      <c:pt idx="5">
+                        <c:v>400</c:v>
+                      </c:pt>
+                      <c:pt idx="6">
+                        <c:v>800</c:v>
+                      </c:pt>
+                      <c:pt idx="7">
+                        <c:v>1000</c:v>
+                      </c:pt>
+                      <c:pt idx="8">
+                        <c:v>5000</c:v>
+                      </c:pt>
+                      <c:pt idx="9">
+                        <c:v>10000</c:v>
+                      </c:pt>
+                      <c:pt idx="10">
+                        <c:v>100000</c:v>
+                      </c:pt>
+                      <c:pt idx="11">
+                        <c:v>150000</c:v>
+                      </c:pt>
+                      <c:pt idx="12">
+                        <c:v>200000</c:v>
+                      </c:pt>
+                      <c:pt idx="13">
+                        <c:v>250000</c:v>
+                      </c:pt>
+                      <c:pt idx="14">
+                        <c:v>500000</c:v>
+                      </c:pt>
+                      <c:pt idx="15">
+                        <c:v>1000000</c:v>
+                      </c:pt>
+                    </c:numCache>
+                  </c:numRef>
+                </c:val>
+                <c:extLst>
+                  <c:ext xmlns:c16="http://schemas.microsoft.com/office/drawing/2014/chart" uri="{C3380CC4-5D6E-409C-BE32-E72D297353CC}">
+                    <c16:uniqueId val="{00000001-E4C8-4C57-B3E9-BD0D440A5E3F}"/>
+                  </c:ext>
+                </c:extLst>
+              </c15:ser>
+            </c15:filteredBarSeries>
+          </c:ext>
+        </c:extLst>
+      </c:barChart>
+      <c:catAx>
+        <c:axId val="2132019040"/>
+        <c:scaling>
+          <c:orientation val="minMax"/>
+        </c:scaling>
+        <c:delete val="0"/>
+        <c:axPos val="b"/>
+        <c:title>
+          <c:tx>
+            <c:rich>
+              <a:bodyPr rot="0" spcFirstLastPara="1" vertOverflow="ellipsis" vert="horz" wrap="square" anchor="ctr" anchorCtr="1"/>
+              <a:lstStyle/>
+              <a:p>
+                <a:pPr>
+                  <a:defRPr sz="1197" b="1" i="0" u="none" strike="noStrike" kern="1200" baseline="0">
+                    <a:solidFill>
+                      <a:schemeClr val="tx2"/>
+                    </a:solidFill>
+                    <a:latin typeface="+mn-lt"/>
+                    <a:ea typeface="+mn-ea"/>
+                    <a:cs typeface="+mn-cs"/>
+                  </a:defRPr>
+                </a:pPr>
+                <a:r>
+                  <a:rPr lang="ru-RU"/>
+                  <a:t>Количество узлов</a:t>
+                </a:r>
+              </a:p>
+            </c:rich>
+          </c:tx>
+          <c:overlay val="0"/>
+          <c:spPr>
+            <a:noFill/>
+            <a:ln>
+              <a:noFill/>
+            </a:ln>
+            <a:effectLst/>
+          </c:spPr>
+          <c:txPr>
+            <a:bodyPr rot="0" spcFirstLastPara="1" vertOverflow="ellipsis" vert="horz" wrap="square" anchor="ctr" anchorCtr="1"/>
+            <a:lstStyle/>
+            <a:p>
+              <a:pPr>
+                <a:defRPr sz="1197" b="1" i="0" u="none" strike="noStrike" kern="1200" baseline="0">
+                  <a:solidFill>
+                    <a:schemeClr val="tx2"/>
                   </a:solidFill>
                   <a:latin typeface="+mn-lt"/>
                   <a:ea typeface="+mn-ea"/>
@@ -1166,9 +2262,9 @@
           <a:noFill/>
           <a:ln w="9525" cap="flat" cmpd="sng" algn="ctr">
             <a:solidFill>
-              <a:schemeClr val="tx1">
-                <a:lumMod val="25000"/>
-                <a:lumOff val="75000"/>
+              <a:schemeClr val="tx2">
+                <a:lumMod val="15000"/>
+                <a:lumOff val="85000"/>
               </a:schemeClr>
             </a:solidFill>
             <a:round/>
@@ -1180,12 +2276,9 @@
           <a:lstStyle/>
           <a:p>
             <a:pPr>
-              <a:defRPr sz="900" b="0" i="0" u="none" strike="noStrike" kern="1200" baseline="0">
+              <a:defRPr sz="1197" b="0" i="0" u="none" strike="noStrike" kern="1200" baseline="0">
                 <a:solidFill>
-                  <a:schemeClr val="tx1">
-                    <a:lumMod val="65000"/>
-                    <a:lumOff val="35000"/>
-                  </a:schemeClr>
+                  <a:schemeClr val="tx2"/>
                 </a:solidFill>
                 <a:latin typeface="+mn-lt"/>
                 <a:ea typeface="+mn-ea"/>
@@ -1195,9 +2288,782 @@
             <a:endParaRPr lang="ru-RU"/>
           </a:p>
         </c:txPr>
-        <c:crossAx val="442974751"/>
+        <c:crossAx val="2132036096"/>
         <c:crosses val="autoZero"/>
-        <c:crossBetween val="midCat"/>
+        <c:auto val="1"/>
+        <c:lblAlgn val="ctr"/>
+        <c:lblOffset val="100"/>
+        <c:noMultiLvlLbl val="0"/>
+      </c:catAx>
+      <c:valAx>
+        <c:axId val="2132036096"/>
+        <c:scaling>
+          <c:orientation val="minMax"/>
+        </c:scaling>
+        <c:delete val="0"/>
+        <c:axPos val="l"/>
+        <c:majorGridlines>
+          <c:spPr>
+            <a:ln w="9525" cap="flat" cmpd="sng" algn="ctr">
+              <a:solidFill>
+                <a:schemeClr val="tx2">
+                  <a:lumMod val="15000"/>
+                  <a:lumOff val="85000"/>
+                </a:schemeClr>
+              </a:solidFill>
+              <a:round/>
+            </a:ln>
+            <a:effectLst/>
+          </c:spPr>
+        </c:majorGridlines>
+        <c:title>
+          <c:tx>
+            <c:rich>
+              <a:bodyPr rot="-5400000" spcFirstLastPara="1" vertOverflow="ellipsis" vert="horz" wrap="square" anchor="ctr" anchorCtr="1"/>
+              <a:lstStyle/>
+              <a:p>
+                <a:pPr>
+                  <a:defRPr sz="1197" b="1" i="0" u="none" strike="noStrike" kern="1200" baseline="0">
+                    <a:solidFill>
+                      <a:schemeClr val="tx2"/>
+                    </a:solidFill>
+                    <a:latin typeface="+mn-lt"/>
+                    <a:ea typeface="+mn-ea"/>
+                    <a:cs typeface="+mn-cs"/>
+                  </a:defRPr>
+                </a:pPr>
+                <a:r>
+                  <a:rPr lang="ru-RU"/>
+                  <a:t>Время</a:t>
+                </a:r>
+              </a:p>
+            </c:rich>
+          </c:tx>
+          <c:overlay val="0"/>
+          <c:spPr>
+            <a:noFill/>
+            <a:ln>
+              <a:noFill/>
+            </a:ln>
+            <a:effectLst/>
+          </c:spPr>
+          <c:txPr>
+            <a:bodyPr rot="-5400000" spcFirstLastPara="1" vertOverflow="ellipsis" vert="horz" wrap="square" anchor="ctr" anchorCtr="1"/>
+            <a:lstStyle/>
+            <a:p>
+              <a:pPr>
+                <a:defRPr sz="1197" b="1" i="0" u="none" strike="noStrike" kern="1200" baseline="0">
+                  <a:solidFill>
+                    <a:schemeClr val="tx2"/>
+                  </a:solidFill>
+                  <a:latin typeface="+mn-lt"/>
+                  <a:ea typeface="+mn-ea"/>
+                  <a:cs typeface="+mn-cs"/>
+                </a:defRPr>
+              </a:pPr>
+              <a:endParaRPr lang="ru-RU"/>
+            </a:p>
+          </c:txPr>
+        </c:title>
+        <c:numFmt formatCode="General" sourceLinked="1"/>
+        <c:majorTickMark val="none"/>
+        <c:minorTickMark val="none"/>
+        <c:tickLblPos val="nextTo"/>
+        <c:spPr>
+          <a:noFill/>
+          <a:ln>
+            <a:noFill/>
+          </a:ln>
+          <a:effectLst/>
+        </c:spPr>
+        <c:txPr>
+          <a:bodyPr rot="-60000000" spcFirstLastPara="1" vertOverflow="ellipsis" vert="horz" wrap="square" anchor="ctr" anchorCtr="1"/>
+          <a:lstStyle/>
+          <a:p>
+            <a:pPr>
+              <a:defRPr sz="1197" b="0" i="0" u="none" strike="noStrike" kern="1200" baseline="0">
+                <a:solidFill>
+                  <a:schemeClr val="tx2"/>
+                </a:solidFill>
+                <a:latin typeface="+mn-lt"/>
+                <a:ea typeface="+mn-ea"/>
+                <a:cs typeface="+mn-cs"/>
+              </a:defRPr>
+            </a:pPr>
+            <a:endParaRPr lang="ru-RU"/>
+          </a:p>
+        </c:txPr>
+        <c:crossAx val="2132019040"/>
+        <c:crosses val="autoZero"/>
+        <c:crossBetween val="between"/>
+      </c:valAx>
+      <c:spPr>
+        <a:noFill/>
+        <a:ln>
+          <a:noFill/>
+        </a:ln>
+        <a:effectLst/>
+      </c:spPr>
+    </c:plotArea>
+    <c:plotVisOnly val="1"/>
+    <c:dispBlanksAs val="gap"/>
+    <c:extLst>
+      <c:ext xmlns:c16r3="http://schemas.microsoft.com/office/drawing/2017/03/chart" uri="{56B9EC1D-385E-4148-901F-78D8002777C0}">
+        <c16r3:dataDisplayOptions16>
+          <c16r3:dispNaAsBlank val="1"/>
+        </c16r3:dataDisplayOptions16>
+      </c:ext>
+    </c:extLst>
+    <c:showDLblsOverMax val="0"/>
+  </c:chart>
+  <c:spPr>
+    <a:noFill/>
+    <a:ln>
+      <a:noFill/>
+    </a:ln>
+    <a:effectLst/>
+  </c:spPr>
+  <c:txPr>
+    <a:bodyPr/>
+    <a:lstStyle/>
+    <a:p>
+      <a:pPr>
+        <a:defRPr/>
+      </a:pPr>
+      <a:endParaRPr lang="ru-RU"/>
+    </a:p>
+  </c:txPr>
+  <c:externalData r:id="rId3">
+    <c:autoUpdate val="0"/>
+  </c:externalData>
+</c:chartSpace>
+</file>
+
+<file path=ppt/charts/chart4.xml><?xml version="1.0" encoding="utf-8"?>
+<c:chartSpace xmlns:c="http://schemas.openxmlformats.org/drawingml/2006/chart" xmlns:a="http://schemas.openxmlformats.org/drawingml/2006/main" xmlns:r="http://schemas.openxmlformats.org/officeDocument/2006/relationships" xmlns:c16r2="http://schemas.microsoft.com/office/drawing/2015/06/chart">
+  <c:date1904 val="0"/>
+  <c:lang val="ru-RU"/>
+  <c:roundedCorners val="0"/>
+  <mc:AlternateContent xmlns:mc="http://schemas.openxmlformats.org/markup-compatibility/2006">
+    <mc:Choice xmlns:c14="http://schemas.microsoft.com/office/drawing/2007/8/2/chart" Requires="c14">
+      <c14:style val="102"/>
+    </mc:Choice>
+    <mc:Fallback>
+      <c:style val="2"/>
+    </mc:Fallback>
+  </mc:AlternateContent>
+  <c:chart>
+    <c:title>
+      <c:tx>
+        <c:rich>
+          <a:bodyPr rot="0" spcFirstLastPara="1" vertOverflow="ellipsis" vert="horz" wrap="square" anchor="ctr" anchorCtr="1"/>
+          <a:lstStyle/>
+          <a:p>
+            <a:pPr>
+              <a:defRPr sz="2128" b="1" i="0" u="none" strike="noStrike" kern="1200" baseline="0">
+                <a:solidFill>
+                  <a:schemeClr val="tx2"/>
+                </a:solidFill>
+                <a:latin typeface="+mn-lt"/>
+                <a:ea typeface="+mn-ea"/>
+                <a:cs typeface="+mn-cs"/>
+              </a:defRPr>
+            </a:pPr>
+            <a:r>
+              <a:rPr lang="ru-RU"/>
+              <a:t>Перекрытие</a:t>
+            </a:r>
+          </a:p>
+        </c:rich>
+      </c:tx>
+      <c:overlay val="0"/>
+      <c:spPr>
+        <a:noFill/>
+        <a:ln>
+          <a:noFill/>
+        </a:ln>
+        <a:effectLst/>
+      </c:spPr>
+      <c:txPr>
+        <a:bodyPr rot="0" spcFirstLastPara="1" vertOverflow="ellipsis" vert="horz" wrap="square" anchor="ctr" anchorCtr="1"/>
+        <a:lstStyle/>
+        <a:p>
+          <a:pPr>
+            <a:defRPr sz="2128" b="1" i="0" u="none" strike="noStrike" kern="1200" baseline="0">
+              <a:solidFill>
+                <a:schemeClr val="tx2"/>
+              </a:solidFill>
+              <a:latin typeface="+mn-lt"/>
+              <a:ea typeface="+mn-ea"/>
+              <a:cs typeface="+mn-cs"/>
+            </a:defRPr>
+          </a:pPr>
+          <a:endParaRPr lang="ru-RU"/>
+        </a:p>
+      </c:txPr>
+    </c:title>
+    <c:autoTitleDeleted val="0"/>
+    <c:plotArea>
+      <c:layout/>
+      <c:barChart>
+        <c:barDir val="col"/>
+        <c:grouping val="clustered"/>
+        <c:varyColors val="0"/>
+        <c:ser>
+          <c:idx val="1"/>
+          <c:order val="1"/>
+          <c:spPr>
+            <a:gradFill rotWithShape="1">
+              <a:gsLst>
+                <a:gs pos="0">
+                  <a:schemeClr val="accent2">
+                    <a:satMod val="103000"/>
+                    <a:lumMod val="102000"/>
+                    <a:tint val="94000"/>
+                  </a:schemeClr>
+                </a:gs>
+                <a:gs pos="50000">
+                  <a:schemeClr val="accent2">
+                    <a:satMod val="110000"/>
+                    <a:lumMod val="100000"/>
+                    <a:shade val="100000"/>
+                  </a:schemeClr>
+                </a:gs>
+                <a:gs pos="100000">
+                  <a:schemeClr val="accent2">
+                    <a:lumMod val="99000"/>
+                    <a:satMod val="120000"/>
+                    <a:shade val="78000"/>
+                  </a:schemeClr>
+                </a:gs>
+              </a:gsLst>
+              <a:lin ang="5400000" scaled="0"/>
+            </a:gradFill>
+            <a:ln>
+              <a:noFill/>
+            </a:ln>
+            <a:effectLst/>
+          </c:spPr>
+          <c:invertIfNegative val="0"/>
+          <c:cat>
+            <c:numRef>
+              <c:f>Лист1!$A$49:$A$65</c:f>
+              <c:numCache>
+                <c:formatCode>General</c:formatCode>
+                <c:ptCount val="17"/>
+                <c:pt idx="0">
+                  <c:v>1</c:v>
+                </c:pt>
+                <c:pt idx="1">
+                  <c:v>10</c:v>
+                </c:pt>
+                <c:pt idx="2">
+                  <c:v>20</c:v>
+                </c:pt>
+                <c:pt idx="3">
+                  <c:v>40</c:v>
+                </c:pt>
+                <c:pt idx="4">
+                  <c:v>80</c:v>
+                </c:pt>
+                <c:pt idx="5">
+                  <c:v>100</c:v>
+                </c:pt>
+                <c:pt idx="6">
+                  <c:v>200</c:v>
+                </c:pt>
+                <c:pt idx="7">
+                  <c:v>400</c:v>
+                </c:pt>
+                <c:pt idx="8">
+                  <c:v>800</c:v>
+                </c:pt>
+                <c:pt idx="9">
+                  <c:v>1000</c:v>
+                </c:pt>
+                <c:pt idx="10">
+                  <c:v>5000</c:v>
+                </c:pt>
+                <c:pt idx="11">
+                  <c:v>10000</c:v>
+                </c:pt>
+                <c:pt idx="12">
+                  <c:v>100000</c:v>
+                </c:pt>
+                <c:pt idx="13">
+                  <c:v>150000</c:v>
+                </c:pt>
+                <c:pt idx="14">
+                  <c:v>200000</c:v>
+                </c:pt>
+                <c:pt idx="15">
+                  <c:v>500000</c:v>
+                </c:pt>
+                <c:pt idx="16">
+                  <c:v>1000000</c:v>
+                </c:pt>
+              </c:numCache>
+            </c:numRef>
+          </c:cat>
+          <c:val>
+            <c:numRef>
+              <c:f>Лист1!$B$49:$B$65</c:f>
+              <c:numCache>
+                <c:formatCode>General</c:formatCode>
+                <c:ptCount val="17"/>
+                <c:pt idx="0">
+                  <c:v>6</c:v>
+                </c:pt>
+                <c:pt idx="1">
+                  <c:v>6</c:v>
+                </c:pt>
+                <c:pt idx="2">
+                  <c:v>6</c:v>
+                </c:pt>
+                <c:pt idx="3">
+                  <c:v>9</c:v>
+                </c:pt>
+                <c:pt idx="4">
+                  <c:v>20</c:v>
+                </c:pt>
+                <c:pt idx="5">
+                  <c:v>26</c:v>
+                </c:pt>
+                <c:pt idx="6">
+                  <c:v>56</c:v>
+                </c:pt>
+                <c:pt idx="7">
+                  <c:v>113</c:v>
+                </c:pt>
+                <c:pt idx="8">
+                  <c:v>224</c:v>
+                </c:pt>
+                <c:pt idx="9">
+                  <c:v>271</c:v>
+                </c:pt>
+                <c:pt idx="10">
+                  <c:v>350</c:v>
+                </c:pt>
+                <c:pt idx="11">
+                  <c:v>451</c:v>
+                </c:pt>
+                <c:pt idx="12">
+                  <c:v>581</c:v>
+                </c:pt>
+                <c:pt idx="13">
+                  <c:v>613</c:v>
+                </c:pt>
+                <c:pt idx="14">
+                  <c:v>818</c:v>
+                </c:pt>
+                <c:pt idx="15">
+                  <c:v>767</c:v>
+                </c:pt>
+                <c:pt idx="16">
+                  <c:v>667</c:v>
+                </c:pt>
+              </c:numCache>
+            </c:numRef>
+          </c:val>
+          <c:extLst>
+            <c:ext xmlns:c16="http://schemas.microsoft.com/office/drawing/2014/chart" uri="{C3380CC4-5D6E-409C-BE32-E72D297353CC}">
+              <c16:uniqueId val="{00000000-B2A5-413D-A2FD-54904CE4FFBB}"/>
+            </c:ext>
+          </c:extLst>
+        </c:ser>
+        <c:dLbls>
+          <c:showLegendKey val="0"/>
+          <c:showVal val="0"/>
+          <c:showCatName val="0"/>
+          <c:showSerName val="0"/>
+          <c:showPercent val="0"/>
+          <c:showBubbleSize val="0"/>
+        </c:dLbls>
+        <c:gapWidth val="100"/>
+        <c:overlap val="-24"/>
+        <c:axId val="453502463"/>
+        <c:axId val="453492063"/>
+        <c:extLst>
+          <c:ext xmlns:c15="http://schemas.microsoft.com/office/drawing/2012/chart" uri="{02D57815-91ED-43cb-92C2-25804820EDAC}">
+            <c15:filteredBarSeries>
+              <c15:ser>
+                <c:idx val="0"/>
+                <c:order val="0"/>
+                <c:spPr>
+                  <a:gradFill rotWithShape="1">
+                    <a:gsLst>
+                      <a:gs pos="0">
+                        <a:schemeClr val="accent1">
+                          <a:satMod val="103000"/>
+                          <a:lumMod val="102000"/>
+                          <a:tint val="94000"/>
+                        </a:schemeClr>
+                      </a:gs>
+                      <a:gs pos="50000">
+                        <a:schemeClr val="accent1">
+                          <a:satMod val="110000"/>
+                          <a:lumMod val="100000"/>
+                          <a:shade val="100000"/>
+                        </a:schemeClr>
+                      </a:gs>
+                      <a:gs pos="100000">
+                        <a:schemeClr val="accent1">
+                          <a:lumMod val="99000"/>
+                          <a:satMod val="120000"/>
+                          <a:shade val="78000"/>
+                        </a:schemeClr>
+                      </a:gs>
+                    </a:gsLst>
+                    <a:lin ang="5400000" scaled="0"/>
+                  </a:gradFill>
+                  <a:ln>
+                    <a:noFill/>
+                  </a:ln>
+                  <a:effectLst/>
+                </c:spPr>
+                <c:invertIfNegative val="0"/>
+                <c:cat>
+                  <c:numRef>
+                    <c:extLst>
+                      <c:ext uri="{02D57815-91ED-43cb-92C2-25804820EDAC}">
+                        <c15:formulaRef>
+                          <c15:sqref>Лист1!$A$49:$A$65</c15:sqref>
+                        </c15:formulaRef>
+                      </c:ext>
+                    </c:extLst>
+                    <c:numCache>
+                      <c:formatCode>General</c:formatCode>
+                      <c:ptCount val="17"/>
+                      <c:pt idx="0">
+                        <c:v>1</c:v>
+                      </c:pt>
+                      <c:pt idx="1">
+                        <c:v>10</c:v>
+                      </c:pt>
+                      <c:pt idx="2">
+                        <c:v>20</c:v>
+                      </c:pt>
+                      <c:pt idx="3">
+                        <c:v>40</c:v>
+                      </c:pt>
+                      <c:pt idx="4">
+                        <c:v>80</c:v>
+                      </c:pt>
+                      <c:pt idx="5">
+                        <c:v>100</c:v>
+                      </c:pt>
+                      <c:pt idx="6">
+                        <c:v>200</c:v>
+                      </c:pt>
+                      <c:pt idx="7">
+                        <c:v>400</c:v>
+                      </c:pt>
+                      <c:pt idx="8">
+                        <c:v>800</c:v>
+                      </c:pt>
+                      <c:pt idx="9">
+                        <c:v>1000</c:v>
+                      </c:pt>
+                      <c:pt idx="10">
+                        <c:v>5000</c:v>
+                      </c:pt>
+                      <c:pt idx="11">
+                        <c:v>10000</c:v>
+                      </c:pt>
+                      <c:pt idx="12">
+                        <c:v>100000</c:v>
+                      </c:pt>
+                      <c:pt idx="13">
+                        <c:v>150000</c:v>
+                      </c:pt>
+                      <c:pt idx="14">
+                        <c:v>200000</c:v>
+                      </c:pt>
+                      <c:pt idx="15">
+                        <c:v>500000</c:v>
+                      </c:pt>
+                      <c:pt idx="16">
+                        <c:v>1000000</c:v>
+                      </c:pt>
+                    </c:numCache>
+                  </c:numRef>
+                </c:cat>
+                <c:val>
+                  <c:numRef>
+                    <c:extLst>
+                      <c:ext uri="{02D57815-91ED-43cb-92C2-25804820EDAC}">
+                        <c15:formulaRef>
+                          <c15:sqref>Лист1!$A$49:$A$65</c15:sqref>
+                        </c15:formulaRef>
+                      </c:ext>
+                    </c:extLst>
+                    <c:numCache>
+                      <c:formatCode>General</c:formatCode>
+                      <c:ptCount val="17"/>
+                      <c:pt idx="0">
+                        <c:v>1</c:v>
+                      </c:pt>
+                      <c:pt idx="1">
+                        <c:v>10</c:v>
+                      </c:pt>
+                      <c:pt idx="2">
+                        <c:v>20</c:v>
+                      </c:pt>
+                      <c:pt idx="3">
+                        <c:v>40</c:v>
+                      </c:pt>
+                      <c:pt idx="4">
+                        <c:v>80</c:v>
+                      </c:pt>
+                      <c:pt idx="5">
+                        <c:v>100</c:v>
+                      </c:pt>
+                      <c:pt idx="6">
+                        <c:v>200</c:v>
+                      </c:pt>
+                      <c:pt idx="7">
+                        <c:v>400</c:v>
+                      </c:pt>
+                      <c:pt idx="8">
+                        <c:v>800</c:v>
+                      </c:pt>
+                      <c:pt idx="9">
+                        <c:v>1000</c:v>
+                      </c:pt>
+                      <c:pt idx="10">
+                        <c:v>5000</c:v>
+                      </c:pt>
+                      <c:pt idx="11">
+                        <c:v>10000</c:v>
+                      </c:pt>
+                      <c:pt idx="12">
+                        <c:v>100000</c:v>
+                      </c:pt>
+                      <c:pt idx="13">
+                        <c:v>150000</c:v>
+                      </c:pt>
+                      <c:pt idx="14">
+                        <c:v>200000</c:v>
+                      </c:pt>
+                      <c:pt idx="15">
+                        <c:v>500000</c:v>
+                      </c:pt>
+                      <c:pt idx="16">
+                        <c:v>1000000</c:v>
+                      </c:pt>
+                    </c:numCache>
+                  </c:numRef>
+                </c:val>
+                <c:extLst>
+                  <c:ext xmlns:c16="http://schemas.microsoft.com/office/drawing/2014/chart" uri="{C3380CC4-5D6E-409C-BE32-E72D297353CC}">
+                    <c16:uniqueId val="{00000001-B2A5-413D-A2FD-54904CE4FFBB}"/>
+                  </c:ext>
+                </c:extLst>
+              </c15:ser>
+            </c15:filteredBarSeries>
+          </c:ext>
+        </c:extLst>
+      </c:barChart>
+      <c:catAx>
+        <c:axId val="453502463"/>
+        <c:scaling>
+          <c:orientation val="minMax"/>
+        </c:scaling>
+        <c:delete val="0"/>
+        <c:axPos val="b"/>
+        <c:title>
+          <c:tx>
+            <c:rich>
+              <a:bodyPr rot="0" spcFirstLastPara="1" vertOverflow="ellipsis" vert="horz" wrap="square" anchor="ctr" anchorCtr="1"/>
+              <a:lstStyle/>
+              <a:p>
+                <a:pPr>
+                  <a:defRPr sz="1197" b="1" i="0" u="none" strike="noStrike" kern="1200" baseline="0">
+                    <a:solidFill>
+                      <a:schemeClr val="tx2"/>
+                    </a:solidFill>
+                    <a:latin typeface="+mn-lt"/>
+                    <a:ea typeface="+mn-ea"/>
+                    <a:cs typeface="+mn-cs"/>
+                  </a:defRPr>
+                </a:pPr>
+                <a:r>
+                  <a:rPr lang="ru-RU"/>
+                  <a:t>Количество узлов </a:t>
+                </a:r>
+              </a:p>
+            </c:rich>
+          </c:tx>
+          <c:overlay val="0"/>
+          <c:spPr>
+            <a:noFill/>
+            <a:ln>
+              <a:noFill/>
+            </a:ln>
+            <a:effectLst/>
+          </c:spPr>
+          <c:txPr>
+            <a:bodyPr rot="0" spcFirstLastPara="1" vertOverflow="ellipsis" vert="horz" wrap="square" anchor="ctr" anchorCtr="1"/>
+            <a:lstStyle/>
+            <a:p>
+              <a:pPr>
+                <a:defRPr sz="1197" b="1" i="0" u="none" strike="noStrike" kern="1200" baseline="0">
+                  <a:solidFill>
+                    <a:schemeClr val="tx2"/>
+                  </a:solidFill>
+                  <a:latin typeface="+mn-lt"/>
+                  <a:ea typeface="+mn-ea"/>
+                  <a:cs typeface="+mn-cs"/>
+                </a:defRPr>
+              </a:pPr>
+              <a:endParaRPr lang="ru-RU"/>
+            </a:p>
+          </c:txPr>
+        </c:title>
+        <c:numFmt formatCode="General" sourceLinked="1"/>
+        <c:majorTickMark val="none"/>
+        <c:minorTickMark val="none"/>
+        <c:tickLblPos val="nextTo"/>
+        <c:spPr>
+          <a:noFill/>
+          <a:ln w="9525" cap="flat" cmpd="sng" algn="ctr">
+            <a:solidFill>
+              <a:schemeClr val="tx2">
+                <a:lumMod val="15000"/>
+                <a:lumOff val="85000"/>
+              </a:schemeClr>
+            </a:solidFill>
+            <a:round/>
+          </a:ln>
+          <a:effectLst/>
+        </c:spPr>
+        <c:txPr>
+          <a:bodyPr rot="-60000000" spcFirstLastPara="1" vertOverflow="ellipsis" vert="horz" wrap="square" anchor="ctr" anchorCtr="1"/>
+          <a:lstStyle/>
+          <a:p>
+            <a:pPr>
+              <a:defRPr sz="1197" b="0" i="0" u="none" strike="noStrike" kern="1200" baseline="0">
+                <a:solidFill>
+                  <a:schemeClr val="tx2"/>
+                </a:solidFill>
+                <a:latin typeface="+mn-lt"/>
+                <a:ea typeface="+mn-ea"/>
+                <a:cs typeface="+mn-cs"/>
+              </a:defRPr>
+            </a:pPr>
+            <a:endParaRPr lang="ru-RU"/>
+          </a:p>
+        </c:txPr>
+        <c:crossAx val="453492063"/>
+        <c:crosses val="autoZero"/>
+        <c:auto val="1"/>
+        <c:lblAlgn val="ctr"/>
+        <c:lblOffset val="100"/>
+        <c:noMultiLvlLbl val="0"/>
+      </c:catAx>
+      <c:valAx>
+        <c:axId val="453492063"/>
+        <c:scaling>
+          <c:orientation val="minMax"/>
+          <c:max val="850"/>
+          <c:min val="0"/>
+        </c:scaling>
+        <c:delete val="0"/>
+        <c:axPos val="l"/>
+        <c:majorGridlines>
+          <c:spPr>
+            <a:ln w="9525" cap="flat" cmpd="sng" algn="ctr">
+              <a:solidFill>
+                <a:schemeClr val="tx2">
+                  <a:lumMod val="15000"/>
+                  <a:lumOff val="85000"/>
+                </a:schemeClr>
+              </a:solidFill>
+              <a:round/>
+            </a:ln>
+            <a:effectLst/>
+          </c:spPr>
+        </c:majorGridlines>
+        <c:title>
+          <c:tx>
+            <c:rich>
+              <a:bodyPr rot="-5400000" spcFirstLastPara="1" vertOverflow="ellipsis" vert="horz" wrap="square" anchor="ctr" anchorCtr="1"/>
+              <a:lstStyle/>
+              <a:p>
+                <a:pPr>
+                  <a:defRPr sz="1197" b="1" i="0" u="none" strike="noStrike" kern="1200" baseline="0">
+                    <a:solidFill>
+                      <a:schemeClr val="tx2"/>
+                    </a:solidFill>
+                    <a:latin typeface="+mn-lt"/>
+                    <a:ea typeface="+mn-ea"/>
+                    <a:cs typeface="+mn-cs"/>
+                  </a:defRPr>
+                </a:pPr>
+                <a:r>
+                  <a:rPr lang="ru-RU"/>
+                  <a:t>Время</a:t>
+                </a:r>
+              </a:p>
+            </c:rich>
+          </c:tx>
+          <c:overlay val="0"/>
+          <c:spPr>
+            <a:noFill/>
+            <a:ln>
+              <a:noFill/>
+            </a:ln>
+            <a:effectLst/>
+          </c:spPr>
+          <c:txPr>
+            <a:bodyPr rot="-5400000" spcFirstLastPara="1" vertOverflow="ellipsis" vert="horz" wrap="square" anchor="ctr" anchorCtr="1"/>
+            <a:lstStyle/>
+            <a:p>
+              <a:pPr>
+                <a:defRPr sz="1197" b="1" i="0" u="none" strike="noStrike" kern="1200" baseline="0">
+                  <a:solidFill>
+                    <a:schemeClr val="tx2"/>
+                  </a:solidFill>
+                  <a:latin typeface="+mn-lt"/>
+                  <a:ea typeface="+mn-ea"/>
+                  <a:cs typeface="+mn-cs"/>
+                </a:defRPr>
+              </a:pPr>
+              <a:endParaRPr lang="ru-RU"/>
+            </a:p>
+          </c:txPr>
+        </c:title>
+        <c:numFmt formatCode="General" sourceLinked="1"/>
+        <c:majorTickMark val="none"/>
+        <c:minorTickMark val="none"/>
+        <c:tickLblPos val="nextTo"/>
+        <c:spPr>
+          <a:noFill/>
+          <a:ln>
+            <a:noFill/>
+          </a:ln>
+          <a:effectLst/>
+        </c:spPr>
+        <c:txPr>
+          <a:bodyPr rot="-60000000" spcFirstLastPara="1" vertOverflow="ellipsis" vert="horz" wrap="square" anchor="ctr" anchorCtr="1"/>
+          <a:lstStyle/>
+          <a:p>
+            <a:pPr>
+              <a:defRPr sz="1197" b="0" i="0" u="none" strike="noStrike" kern="1200" baseline="0">
+                <a:solidFill>
+                  <a:schemeClr val="tx2"/>
+                </a:solidFill>
+                <a:latin typeface="+mn-lt"/>
+                <a:ea typeface="+mn-ea"/>
+                <a:cs typeface="+mn-cs"/>
+              </a:defRPr>
+            </a:pPr>
+            <a:endParaRPr lang="ru-RU"/>
+          </a:p>
+        </c:txPr>
+        <c:crossAx val="453502463"/>
+        <c:crosses val="autoZero"/>
+        <c:crossBetween val="between"/>
       </c:valAx>
       <c:spPr>
         <a:noFill/>
@@ -1321,34 +3187,108 @@
 </cs:colorStyle>
 </file>
 
+<file path=ppt/charts/colors3.xml><?xml version="1.0" encoding="utf-8"?>
+<cs:colorStyle xmlns:cs="http://schemas.microsoft.com/office/drawing/2012/chartStyle" xmlns:a="http://schemas.openxmlformats.org/drawingml/2006/main" meth="cycle" id="10">
+  <a:schemeClr val="accent1"/>
+  <a:schemeClr val="accent2"/>
+  <a:schemeClr val="accent3"/>
+  <a:schemeClr val="accent4"/>
+  <a:schemeClr val="accent5"/>
+  <a:schemeClr val="accent6"/>
+  <cs:variation/>
+  <cs:variation>
+    <a:lumMod val="60000"/>
+  </cs:variation>
+  <cs:variation>
+    <a:lumMod val="80000"/>
+    <a:lumOff val="20000"/>
+  </cs:variation>
+  <cs:variation>
+    <a:lumMod val="80000"/>
+  </cs:variation>
+  <cs:variation>
+    <a:lumMod val="60000"/>
+    <a:lumOff val="40000"/>
+  </cs:variation>
+  <cs:variation>
+    <a:lumMod val="50000"/>
+  </cs:variation>
+  <cs:variation>
+    <a:lumMod val="70000"/>
+    <a:lumOff val="30000"/>
+  </cs:variation>
+  <cs:variation>
+    <a:lumMod val="70000"/>
+  </cs:variation>
+  <cs:variation>
+    <a:lumMod val="50000"/>
+    <a:lumOff val="50000"/>
+  </cs:variation>
+</cs:colorStyle>
+</file>
+
+<file path=ppt/charts/colors4.xml><?xml version="1.0" encoding="utf-8"?>
+<cs:colorStyle xmlns:cs="http://schemas.microsoft.com/office/drawing/2012/chartStyle" xmlns:a="http://schemas.openxmlformats.org/drawingml/2006/main" meth="cycle" id="10">
+  <a:schemeClr val="accent1"/>
+  <a:schemeClr val="accent2"/>
+  <a:schemeClr val="accent3"/>
+  <a:schemeClr val="accent4"/>
+  <a:schemeClr val="accent5"/>
+  <a:schemeClr val="accent6"/>
+  <cs:variation/>
+  <cs:variation>
+    <a:lumMod val="60000"/>
+  </cs:variation>
+  <cs:variation>
+    <a:lumMod val="80000"/>
+    <a:lumOff val="20000"/>
+  </cs:variation>
+  <cs:variation>
+    <a:lumMod val="80000"/>
+  </cs:variation>
+  <cs:variation>
+    <a:lumMod val="60000"/>
+    <a:lumOff val="40000"/>
+  </cs:variation>
+  <cs:variation>
+    <a:lumMod val="50000"/>
+  </cs:variation>
+  <cs:variation>
+    <a:lumMod val="70000"/>
+    <a:lumOff val="30000"/>
+  </cs:variation>
+  <cs:variation>
+    <a:lumMod val="70000"/>
+  </cs:variation>
+  <cs:variation>
+    <a:lumMod val="50000"/>
+    <a:lumOff val="50000"/>
+  </cs:variation>
+</cs:colorStyle>
+</file>
+
 <file path=ppt/charts/style1.xml><?xml version="1.0" encoding="utf-8"?>
-<cs:chartStyle xmlns:cs="http://schemas.microsoft.com/office/drawing/2012/chartStyle" xmlns:a="http://schemas.openxmlformats.org/drawingml/2006/main" id="241">
+<cs:chartStyle xmlns:cs="http://schemas.microsoft.com/office/drawing/2012/chartStyle" xmlns:a="http://schemas.openxmlformats.org/drawingml/2006/main" id="207">
   <cs:axisTitle>
     <cs:lnRef idx="0"/>
     <cs:fillRef idx="0"/>
     <cs:effectRef idx="0"/>
     <cs:fontRef idx="minor">
-      <a:schemeClr val="tx1">
-        <a:lumMod val="65000"/>
-        <a:lumOff val="35000"/>
-      </a:schemeClr>
+      <a:schemeClr val="tx2"/>
     </cs:fontRef>
-    <cs:defRPr sz="1197" kern="1200" cap="all"/>
+    <cs:defRPr sz="1197" b="1" kern="1200"/>
   </cs:axisTitle>
   <cs:categoryAxis>
     <cs:lnRef idx="0"/>
     <cs:fillRef idx="0"/>
     <cs:effectRef idx="0"/>
     <cs:fontRef idx="minor">
-      <a:schemeClr val="tx1">
-        <a:lumMod val="65000"/>
-        <a:lumOff val="35000"/>
-      </a:schemeClr>
+      <a:schemeClr val="tx2"/>
     </cs:fontRef>
     <cs:spPr>
       <a:ln w="9525" cap="flat" cmpd="sng" algn="ctr">
         <a:solidFill>
-          <a:schemeClr val="tx1">
+          <a:schemeClr val="tx2">
             <a:lumMod val="15000"/>
             <a:lumOff val="85000"/>
           </a:schemeClr>
@@ -1356,22 +3296,22 @@
         <a:round/>
       </a:ln>
     </cs:spPr>
-    <cs:defRPr sz="1197" kern="1200" cap="all" spc="120" normalizeH="0" baseline="0"/>
+    <cs:defRPr sz="1197" kern="1200"/>
   </cs:categoryAxis>
   <cs:chartArea mods="allowNoFillOverride allowNoLineOverride">
     <cs:lnRef idx="0"/>
     <cs:fillRef idx="0"/>
     <cs:effectRef idx="0"/>
     <cs:fontRef idx="minor">
-      <a:schemeClr val="dk1"/>
+      <a:schemeClr val="tx2"/>
     </cs:fontRef>
     <cs:spPr>
       <a:solidFill>
-        <a:schemeClr val="lt1"/>
+        <a:schemeClr val="bg1"/>
       </a:solidFill>
       <a:ln w="9525" cap="flat" cmpd="sng" algn="ctr">
         <a:solidFill>
-          <a:schemeClr val="tx1">
+          <a:schemeClr val="tx2">
             <a:lumMod val="15000"/>
             <a:lumOff val="85000"/>
           </a:schemeClr>
@@ -1386,21 +3326,17 @@
     <cs:fillRef idx="0"/>
     <cs:effectRef idx="0"/>
     <cs:fontRef idx="minor">
-      <a:schemeClr val="tx1">
-        <a:lumMod val="50000"/>
-        <a:lumOff val="50000"/>
-      </a:schemeClr>
+      <a:schemeClr val="tx2"/>
     </cs:fontRef>
-    <cs:defRPr sz="1064" b="0" i="0" u="none" strike="noStrike" kern="1200" baseline="0"/>
+    <cs:defRPr sz="1197" kern="1200"/>
   </cs:dataLabel>
   <cs:dataLabelCallout>
     <cs:lnRef idx="0"/>
     <cs:fillRef idx="0"/>
     <cs:effectRef idx="0"/>
     <cs:fontRef idx="minor">
-      <a:schemeClr val="dk1">
-        <a:lumMod val="65000"/>
-        <a:lumOff val="35000"/>
+      <a:schemeClr val="dk2">
+        <a:lumMod val="75000"/>
       </a:schemeClr>
     </cs:fontRef>
     <cs:spPr>
@@ -1423,45 +3359,35 @@
   </cs:dataLabelCallout>
   <cs:dataPoint>
     <cs:lnRef idx="0"/>
-    <cs:fillRef idx="0">
+    <cs:fillRef idx="3">
       <cs:styleClr val="auto"/>
     </cs:fillRef>
-    <cs:effectRef idx="0"/>
+    <cs:effectRef idx="2"/>
     <cs:fontRef idx="minor">
-      <a:schemeClr val="dk1"/>
+      <a:schemeClr val="tx2"/>
     </cs:fontRef>
-    <cs:spPr>
-      <a:solidFill>
-        <a:schemeClr val="phClr"/>
-      </a:solidFill>
-    </cs:spPr>
   </cs:dataPoint>
   <cs:dataPoint3D>
     <cs:lnRef idx="0"/>
-    <cs:fillRef idx="0">
+    <cs:fillRef idx="3">
       <cs:styleClr val="auto"/>
     </cs:fillRef>
-    <cs:effectRef idx="0"/>
+    <cs:effectRef idx="2"/>
     <cs:fontRef idx="minor">
-      <a:schemeClr val="dk1"/>
+      <a:schemeClr val="tx2"/>
     </cs:fontRef>
-    <cs:spPr>
-      <a:solidFill>
-        <a:schemeClr val="phClr"/>
-      </a:solidFill>
-    </cs:spPr>
   </cs:dataPoint3D>
   <cs:dataPointLine>
     <cs:lnRef idx="0">
       <cs:styleClr val="auto"/>
     </cs:lnRef>
-    <cs:fillRef idx="0"/>
-    <cs:effectRef idx="0"/>
+    <cs:fillRef idx="3"/>
+    <cs:effectRef idx="2"/>
     <cs:fontRef idx="minor">
-      <a:schemeClr val="dk1"/>
+      <a:schemeClr val="tx2"/>
     </cs:fontRef>
     <cs:spPr>
-      <a:ln w="22225" cap="rnd">
+      <a:ln w="31750" cap="rnd">
         <a:solidFill>
           <a:schemeClr val="phClr"/>
         </a:solidFill>
@@ -1470,37 +3396,32 @@
     </cs:spPr>
   </cs:dataPointLine>
   <cs:dataPointMarker>
-    <cs:lnRef idx="0">
-      <cs:styleClr val="auto"/>
-    </cs:lnRef>
-    <cs:fillRef idx="0">
+    <cs:lnRef idx="0"/>
+    <cs:fillRef idx="3">
       <cs:styleClr val="auto"/>
     </cs:fillRef>
-    <cs:effectRef idx="0"/>
+    <cs:effectRef idx="2"/>
     <cs:fontRef idx="minor">
-      <a:schemeClr val="dk1"/>
+      <a:schemeClr val="tx2"/>
     </cs:fontRef>
     <cs:spPr>
-      <a:solidFill>
-        <a:schemeClr val="phClr"/>
-      </a:solidFill>
-      <a:ln w="9525">
+      <a:ln w="12700">
         <a:solidFill>
-          <a:schemeClr val="phClr"/>
+          <a:schemeClr val="lt2"/>
         </a:solidFill>
         <a:round/>
       </a:ln>
     </cs:spPr>
   </cs:dataPointMarker>
-  <cs:dataPointMarkerLayout size="6"/>
+  <cs:dataPointMarkerLayout symbol="circle" size="6"/>
   <cs:dataPointWireframe>
     <cs:lnRef idx="0">
       <cs:styleClr val="auto"/>
     </cs:lnRef>
-    <cs:fillRef idx="0"/>
-    <cs:effectRef idx="0"/>
+    <cs:fillRef idx="3"/>
+    <cs:effectRef idx="2"/>
     <cs:fontRef idx="minor">
-      <a:schemeClr val="dk1"/>
+      <a:schemeClr val="tx2"/>
     </cs:fontRef>
     <cs:spPr>
       <a:ln w="9525" cap="rnd">
@@ -1516,15 +3437,12 @@
     <cs:fillRef idx="0"/>
     <cs:effectRef idx="0"/>
     <cs:fontRef idx="minor">
-      <a:schemeClr val="tx1">
-        <a:lumMod val="65000"/>
-        <a:lumOff val="35000"/>
-      </a:schemeClr>
+      <a:schemeClr val="tx2"/>
     </cs:fontRef>
     <cs:spPr>
       <a:ln w="9525">
         <a:solidFill>
-          <a:schemeClr val="tx1">
+          <a:schemeClr val="tx2">
             <a:lumMod val="15000"/>
             <a:lumOff val="85000"/>
           </a:schemeClr>
@@ -1543,15 +3461,15 @@
     <cs:spPr>
       <a:solidFill>
         <a:schemeClr val="dk1">
-          <a:lumMod val="75000"/>
-          <a:lumOff val="25000"/>
+          <a:lumMod val="65000"/>
+          <a:lumOff val="35000"/>
         </a:schemeClr>
       </a:solidFill>
       <a:ln w="9525">
         <a:solidFill>
           <a:schemeClr val="tx1">
-            <a:lumMod val="15000"/>
-            <a:lumOff val="85000"/>
+            <a:lumMod val="65000"/>
+            <a:lumOff val="35000"/>
           </a:schemeClr>
         </a:solidFill>
       </a:ln>
@@ -1562,16 +3480,17 @@
     <cs:fillRef idx="0"/>
     <cs:effectRef idx="0"/>
     <cs:fontRef idx="minor">
-      <a:schemeClr val="dk1"/>
+      <a:schemeClr val="tx2"/>
     </cs:fontRef>
     <cs:spPr>
       <a:ln w="9525">
         <a:solidFill>
-          <a:schemeClr val="tx1">
-            <a:lumMod val="35000"/>
-            <a:lumOff val="65000"/>
+          <a:schemeClr val="tx2">
+            <a:lumMod val="60000"/>
+            <a:lumOff val="40000"/>
           </a:schemeClr>
         </a:solidFill>
+        <a:prstDash val="dash"/>
       </a:ln>
     </cs:spPr>
   </cs:dropLine>
@@ -1580,14 +3499,14 @@
     <cs:fillRef idx="0"/>
     <cs:effectRef idx="0"/>
     <cs:fontRef idx="minor">
-      <a:schemeClr val="dk1"/>
+      <a:schemeClr val="tx2"/>
     </cs:fontRef>
     <cs:spPr>
       <a:ln w="9525">
         <a:solidFill>
-          <a:schemeClr val="tx1">
-            <a:lumMod val="65000"/>
-            <a:lumOff val="35000"/>
+          <a:schemeClr val="tx2">
+            <a:lumMod val="75000"/>
+            <a:lumOff val="25000"/>
           </a:schemeClr>
         </a:solidFill>
         <a:round/>
@@ -1599,7 +3518,7 @@
     <cs:fillRef idx="0"/>
     <cs:effectRef idx="0"/>
     <cs:fontRef idx="minor">
-      <a:schemeClr val="dk1"/>
+      <a:schemeClr val="tx2"/>
     </cs:fontRef>
   </cs:floor>
   <cs:gridlineMajor>
@@ -1607,12 +3526,12 @@
     <cs:fillRef idx="0"/>
     <cs:effectRef idx="0"/>
     <cs:fontRef idx="minor">
-      <a:schemeClr val="dk1"/>
+      <a:schemeClr val="tx2"/>
     </cs:fontRef>
     <cs:spPr>
       <a:ln w="9525" cap="flat" cmpd="sng" algn="ctr">
         <a:solidFill>
-          <a:schemeClr val="tx1">
+          <a:schemeClr val="tx2">
             <a:lumMod val="15000"/>
             <a:lumOff val="85000"/>
           </a:schemeClr>
@@ -1626,12 +3545,12 @@
     <cs:fillRef idx="0"/>
     <cs:effectRef idx="0"/>
     <cs:fontRef idx="minor">
-      <a:schemeClr val="dk1"/>
+      <a:schemeClr val="tx2"/>
     </cs:fontRef>
     <cs:spPr>
       <a:ln>
         <a:solidFill>
-          <a:schemeClr val="tx1">
+          <a:schemeClr val="tx2">
             <a:lumMod val="5000"/>
             <a:lumOff val="95000"/>
           </a:schemeClr>
@@ -1644,16 +3563,17 @@
     <cs:fillRef idx="0"/>
     <cs:effectRef idx="0"/>
     <cs:fontRef idx="minor">
-      <a:schemeClr val="dk1"/>
+      <a:schemeClr val="tx2"/>
     </cs:fontRef>
     <cs:spPr>
       <a:ln w="9525">
         <a:solidFill>
-          <a:schemeClr val="tx1">
-            <a:lumMod val="35000"/>
-            <a:lumOff val="65000"/>
+          <a:schemeClr val="tx2">
+            <a:lumMod val="60000"/>
+            <a:lumOff val="40000"/>
           </a:schemeClr>
         </a:solidFill>
+        <a:prstDash val="dash"/>
       </a:ln>
     </cs:spPr>
   </cs:hiLoLine>
@@ -1662,12 +3582,12 @@
     <cs:fillRef idx="0"/>
     <cs:effectRef idx="0"/>
     <cs:fontRef idx="minor">
-      <a:schemeClr val="dk1"/>
+      <a:schemeClr val="tx2"/>
     </cs:fontRef>
     <cs:spPr>
       <a:ln w="9525">
         <a:solidFill>
-          <a:schemeClr val="tx1">
+          <a:schemeClr val="tx2">
             <a:lumMod val="35000"/>
             <a:lumOff val="65000"/>
           </a:schemeClr>
@@ -1680,27 +3600,24 @@
     <cs:fillRef idx="0"/>
     <cs:effectRef idx="0"/>
     <cs:fontRef idx="minor">
-      <a:schemeClr val="tx1">
-        <a:lumMod val="65000"/>
-        <a:lumOff val="35000"/>
-      </a:schemeClr>
+      <a:schemeClr val="tx2"/>
     </cs:fontRef>
     <cs:defRPr sz="1197" kern="1200"/>
   </cs:legend>
-  <cs:plotArea mods="allowNoFillOverride allowNoLineOverride">
+  <cs:plotArea>
     <cs:lnRef idx="0"/>
     <cs:fillRef idx="0"/>
     <cs:effectRef idx="0"/>
     <cs:fontRef idx="minor">
-      <a:schemeClr val="dk1"/>
+      <a:schemeClr val="tx2"/>
     </cs:fontRef>
   </cs:plotArea>
-  <cs:plotArea3D mods="allowNoFillOverride allowNoLineOverride">
+  <cs:plotArea3D>
     <cs:lnRef idx="0"/>
     <cs:fillRef idx="0"/>
     <cs:effectRef idx="0"/>
     <cs:fontRef idx="minor">
-      <a:schemeClr val="dk1"/>
+      <a:schemeClr val="tx2"/>
     </cs:fontRef>
   </cs:plotArea3D>
   <cs:seriesAxis>
@@ -1708,15 +3625,12 @@
     <cs:fillRef idx="0"/>
     <cs:effectRef idx="0"/>
     <cs:fontRef idx="minor">
-      <a:schemeClr val="tx1">
-        <a:lumMod val="65000"/>
-        <a:lumOff val="35000"/>
-      </a:schemeClr>
+      <a:schemeClr val="tx2"/>
     </cs:fontRef>
     <cs:spPr>
       <a:ln w="9525" cap="flat" cmpd="sng" algn="ctr">
         <a:solidFill>
-          <a:schemeClr val="tx1">
+          <a:schemeClr val="tx2">
             <a:lumMod val="15000"/>
             <a:lumOff val="85000"/>
           </a:schemeClr>
@@ -1731,17 +3645,17 @@
     <cs:fillRef idx="0"/>
     <cs:effectRef idx="0"/>
     <cs:fontRef idx="minor">
-      <a:schemeClr val="dk1"/>
+      <a:schemeClr val="tx2"/>
     </cs:fontRef>
     <cs:spPr>
       <a:ln w="9525">
         <a:solidFill>
-          <a:schemeClr val="tx1">
-            <a:lumMod val="35000"/>
-            <a:lumOff val="65000"/>
+          <a:schemeClr val="tx2">
+            <a:lumMod val="60000"/>
+            <a:lumOff val="40000"/>
           </a:schemeClr>
         </a:solidFill>
-        <a:round/>
+        <a:prstDash val="dash"/>
       </a:ln>
     </cs:spPr>
   </cs:seriesLine>
@@ -1750,12 +3664,9 @@
     <cs:fillRef idx="0"/>
     <cs:effectRef idx="0"/>
     <cs:fontRef idx="minor">
-      <a:schemeClr val="tx1">
-        <a:lumMod val="65000"/>
-        <a:lumOff val="35000"/>
-      </a:schemeClr>
+      <a:schemeClr val="tx2"/>
     </cs:fontRef>
-    <cs:defRPr sz="2128" b="1" kern="1200" cap="all" spc="120" normalizeH="0" baseline="0"/>
+    <cs:defRPr sz="2128" b="1" kern="1200"/>
   </cs:title>
   <cs:trendline>
     <cs:lnRef idx="0">
@@ -1764,13 +3675,14 @@
     <cs:fillRef idx="0"/>
     <cs:effectRef idx="0"/>
     <cs:fontRef idx="minor">
-      <a:schemeClr val="dk1"/>
+      <a:schemeClr val="tx2"/>
     </cs:fontRef>
     <cs:spPr>
-      <a:ln w="9525" cap="rnd">
+      <a:ln w="19050" cap="rnd">
         <a:solidFill>
           <a:schemeClr val="phClr"/>
         </a:solidFill>
+        <a:prstDash val="sysDash"/>
       </a:ln>
     </cs:spPr>
   </cs:trendline>
@@ -1779,19 +3691,16 @@
     <cs:fillRef idx="0"/>
     <cs:effectRef idx="0"/>
     <cs:fontRef idx="minor">
-      <a:schemeClr val="tx1">
-        <a:lumMod val="65000"/>
-        <a:lumOff val="35000"/>
-      </a:schemeClr>
+      <a:schemeClr val="tx2"/>
     </cs:fontRef>
-    <cs:defRPr sz="1064" kern="1200"/>
+    <cs:defRPr sz="1197" kern="1200"/>
   </cs:trendlineLabel>
   <cs:upBar>
     <cs:lnRef idx="0"/>
     <cs:fillRef idx="0"/>
     <cs:effectRef idx="0"/>
     <cs:fontRef idx="minor">
-      <a:schemeClr val="dk1"/>
+      <a:schemeClr val="tx2"/>
     </cs:fontRef>
     <cs:spPr>
       <a:solidFill>
@@ -1800,8 +3709,8 @@
       <a:ln w="9525">
         <a:solidFill>
           <a:schemeClr val="tx1">
-            <a:lumMod val="65000"/>
-            <a:lumOff val="35000"/>
+            <a:lumMod val="15000"/>
+            <a:lumOff val="85000"/>
           </a:schemeClr>
         </a:solidFill>
       </a:ln>
@@ -1812,15 +3721,43 @@
     <cs:fillRef idx="0"/>
     <cs:effectRef idx="0"/>
     <cs:fontRef idx="minor">
-      <a:schemeClr val="tx1">
-        <a:lumMod val="65000"/>
-        <a:lumOff val="35000"/>
-      </a:schemeClr>
+      <a:schemeClr val="tx2"/>
+    </cs:fontRef>
+    <cs:defRPr sz="1197" kern="1200"/>
+  </cs:valueAxis>
+  <cs:wall>
+    <cs:lnRef idx="0"/>
+    <cs:fillRef idx="0"/>
+    <cs:effectRef idx="0"/>
+    <cs:fontRef idx="minor">
+      <a:schemeClr val="tx2"/>
+    </cs:fontRef>
+  </cs:wall>
+</cs:chartStyle>
+</file>
+
+<file path=ppt/charts/style2.xml><?xml version="1.0" encoding="utf-8"?>
+<cs:chartStyle xmlns:cs="http://schemas.microsoft.com/office/drawing/2012/chartStyle" xmlns:a="http://schemas.openxmlformats.org/drawingml/2006/main" id="207">
+  <cs:axisTitle>
+    <cs:lnRef idx="0"/>
+    <cs:fillRef idx="0"/>
+    <cs:effectRef idx="0"/>
+    <cs:fontRef idx="minor">
+      <a:schemeClr val="tx2"/>
+    </cs:fontRef>
+    <cs:defRPr sz="1197" b="1" kern="1200"/>
+  </cs:axisTitle>
+  <cs:categoryAxis>
+    <cs:lnRef idx="0"/>
+    <cs:fillRef idx="0"/>
+    <cs:effectRef idx="0"/>
+    <cs:fontRef idx="minor">
+      <a:schemeClr val="tx2"/>
     </cs:fontRef>
     <cs:spPr>
       <a:ln w="9525" cap="flat" cmpd="sng" algn="ctr">
         <a:solidFill>
-          <a:schemeClr val="dk1">
+          <a:schemeClr val="tx2">
             <a:lumMod val="15000"/>
             <a:lumOff val="85000"/>
           </a:schemeClr>
@@ -1829,61 +3766,13 @@
       </a:ln>
     </cs:spPr>
     <cs:defRPr sz="1197" kern="1200"/>
-  </cs:valueAxis>
-  <cs:wall>
-    <cs:lnRef idx="0"/>
-    <cs:fillRef idx="0"/>
-    <cs:effectRef idx="0"/>
-    <cs:fontRef idx="minor">
-      <a:schemeClr val="dk1"/>
-    </cs:fontRef>
-  </cs:wall>
-</cs:chartStyle>
-</file>
-
-<file path=ppt/charts/style2.xml><?xml version="1.0" encoding="utf-8"?>
-<cs:chartStyle xmlns:cs="http://schemas.microsoft.com/office/drawing/2012/chartStyle" xmlns:a="http://schemas.openxmlformats.org/drawingml/2006/main" id="240">
-  <cs:axisTitle>
-    <cs:lnRef idx="0"/>
-    <cs:fillRef idx="0"/>
-    <cs:effectRef idx="0"/>
-    <cs:fontRef idx="minor">
-      <a:schemeClr val="tx1">
-        <a:lumMod val="65000"/>
-        <a:lumOff val="35000"/>
-      </a:schemeClr>
-    </cs:fontRef>
-    <cs:defRPr sz="1000" kern="1200"/>
-  </cs:axisTitle>
-  <cs:categoryAxis>
-    <cs:lnRef idx="0"/>
-    <cs:fillRef idx="0"/>
-    <cs:effectRef idx="0"/>
-    <cs:fontRef idx="minor">
-      <a:schemeClr val="tx1">
-        <a:lumMod val="65000"/>
-        <a:lumOff val="35000"/>
-      </a:schemeClr>
-    </cs:fontRef>
-    <cs:spPr>
-      <a:ln w="9525" cap="flat" cmpd="sng" algn="ctr">
-        <a:solidFill>
-          <a:schemeClr val="tx1">
-            <a:lumMod val="25000"/>
-            <a:lumOff val="75000"/>
-          </a:schemeClr>
-        </a:solidFill>
-        <a:round/>
-      </a:ln>
-    </cs:spPr>
-    <cs:defRPr sz="900" kern="1200"/>
   </cs:categoryAxis>
   <cs:chartArea mods="allowNoFillOverride allowNoLineOverride">
     <cs:lnRef idx="0"/>
     <cs:fillRef idx="0"/>
     <cs:effectRef idx="0"/>
     <cs:fontRef idx="minor">
-      <a:schemeClr val="tx1"/>
+      <a:schemeClr val="tx2"/>
     </cs:fontRef>
     <cs:spPr>
       <a:solidFill>
@@ -1891,7 +3780,7 @@
       </a:solidFill>
       <a:ln w="9525" cap="flat" cmpd="sng" algn="ctr">
         <a:solidFill>
-          <a:schemeClr val="tx1">
+          <a:schemeClr val="tx2">
             <a:lumMod val="15000"/>
             <a:lumOff val="85000"/>
           </a:schemeClr>
@@ -1899,28 +3788,24 @@
         <a:round/>
       </a:ln>
     </cs:spPr>
-    <cs:defRPr sz="1000" kern="1200"/>
+    <cs:defRPr sz="1197" kern="1200"/>
   </cs:chartArea>
   <cs:dataLabel>
     <cs:lnRef idx="0"/>
     <cs:fillRef idx="0"/>
     <cs:effectRef idx="0"/>
     <cs:fontRef idx="minor">
-      <a:schemeClr val="tx1">
-        <a:lumMod val="75000"/>
-        <a:lumOff val="25000"/>
-      </a:schemeClr>
+      <a:schemeClr val="tx2"/>
     </cs:fontRef>
-    <cs:defRPr sz="900" kern="1200"/>
+    <cs:defRPr sz="1197" kern="1200"/>
   </cs:dataLabel>
   <cs:dataLabelCallout>
     <cs:lnRef idx="0"/>
     <cs:fillRef idx="0"/>
     <cs:effectRef idx="0"/>
     <cs:fontRef idx="minor">
-      <a:schemeClr val="dk1">
-        <a:lumMod val="65000"/>
-        <a:lumOff val="35000"/>
+      <a:schemeClr val="dk2">
+        <a:lumMod val="75000"/>
       </a:schemeClr>
     </cs:fontRef>
     <cs:spPr>
@@ -1936,42 +3821,42 @@
         </a:solidFill>
       </a:ln>
     </cs:spPr>
-    <cs:defRPr sz="900" kern="1200"/>
+    <cs:defRPr sz="1197" kern="1200"/>
     <cs:bodyPr rot="0" spcFirstLastPara="1" vertOverflow="clip" horzOverflow="clip" vert="horz" wrap="square" lIns="36576" tIns="18288" rIns="36576" bIns="18288" anchor="ctr" anchorCtr="1">
       <a:spAutoFit/>
     </cs:bodyPr>
   </cs:dataLabelCallout>
   <cs:dataPoint>
     <cs:lnRef idx="0"/>
-    <cs:fillRef idx="1">
+    <cs:fillRef idx="3">
       <cs:styleClr val="auto"/>
     </cs:fillRef>
-    <cs:effectRef idx="0"/>
+    <cs:effectRef idx="2"/>
     <cs:fontRef idx="minor">
-      <a:schemeClr val="tx1"/>
+      <a:schemeClr val="tx2"/>
     </cs:fontRef>
   </cs:dataPoint>
   <cs:dataPoint3D>
     <cs:lnRef idx="0"/>
-    <cs:fillRef idx="1">
+    <cs:fillRef idx="3">
       <cs:styleClr val="auto"/>
     </cs:fillRef>
-    <cs:effectRef idx="0"/>
+    <cs:effectRef idx="2"/>
     <cs:fontRef idx="minor">
-      <a:schemeClr val="tx1"/>
+      <a:schemeClr val="tx2"/>
     </cs:fontRef>
   </cs:dataPoint3D>
   <cs:dataPointLine>
     <cs:lnRef idx="0">
       <cs:styleClr val="auto"/>
     </cs:lnRef>
-    <cs:fillRef idx="1"/>
-    <cs:effectRef idx="0"/>
+    <cs:fillRef idx="3"/>
+    <cs:effectRef idx="2"/>
     <cs:fontRef idx="minor">
-      <a:schemeClr val="tx1"/>
+      <a:schemeClr val="tx2"/>
     </cs:fontRef>
     <cs:spPr>
-      <a:ln w="19050" cap="rnd">
+      <a:ln w="31750" cap="rnd">
         <a:solidFill>
           <a:schemeClr val="phClr"/>
         </a:solidFill>
@@ -1980,33 +3865,32 @@
     </cs:spPr>
   </cs:dataPointLine>
   <cs:dataPointMarker>
-    <cs:lnRef idx="0">
-      <cs:styleClr val="auto"/>
-    </cs:lnRef>
-    <cs:fillRef idx="1">
+    <cs:lnRef idx="0"/>
+    <cs:fillRef idx="3">
       <cs:styleClr val="auto"/>
     </cs:fillRef>
-    <cs:effectRef idx="0"/>
+    <cs:effectRef idx="2"/>
     <cs:fontRef idx="minor">
-      <a:schemeClr val="tx1"/>
+      <a:schemeClr val="tx2"/>
     </cs:fontRef>
     <cs:spPr>
-      <a:ln w="9525">
+      <a:ln w="12700">
         <a:solidFill>
-          <a:schemeClr val="phClr"/>
+          <a:schemeClr val="lt2"/>
         </a:solidFill>
+        <a:round/>
       </a:ln>
     </cs:spPr>
   </cs:dataPointMarker>
-  <cs:dataPointMarkerLayout symbol="circle" size="5"/>
+  <cs:dataPointMarkerLayout symbol="circle" size="6"/>
   <cs:dataPointWireframe>
     <cs:lnRef idx="0">
       <cs:styleClr val="auto"/>
     </cs:lnRef>
-    <cs:fillRef idx="0"/>
-    <cs:effectRef idx="0"/>
+    <cs:fillRef idx="3"/>
+    <cs:effectRef idx="2"/>
     <cs:fontRef idx="minor">
-      <a:schemeClr val="dk1"/>
+      <a:schemeClr val="tx2"/>
     </cs:fontRef>
     <cs:spPr>
       <a:ln w="9525" cap="rnd">
@@ -2022,47 +3906,41 @@
     <cs:fillRef idx="0"/>
     <cs:effectRef idx="0"/>
     <cs:fontRef idx="minor">
-      <a:schemeClr val="tx1">
-        <a:lumMod val="65000"/>
-        <a:lumOff val="35000"/>
-      </a:schemeClr>
+      <a:schemeClr val="tx2"/>
     </cs:fontRef>
     <cs:spPr>
-      <a:noFill/>
-      <a:ln w="9525" cap="flat" cmpd="sng" algn="ctr">
+      <a:ln w="9525">
         <a:solidFill>
-          <a:schemeClr val="tx1">
+          <a:schemeClr val="tx2">
             <a:lumMod val="15000"/>
             <a:lumOff val="85000"/>
           </a:schemeClr>
         </a:solidFill>
-        <a:round/>
       </a:ln>
     </cs:spPr>
-    <cs:defRPr sz="900" kern="1200"/>
+    <cs:defRPr sz="1197" kern="1200"/>
   </cs:dataTable>
   <cs:downBar>
     <cs:lnRef idx="0"/>
     <cs:fillRef idx="0"/>
     <cs:effectRef idx="0"/>
     <cs:fontRef idx="minor">
-      <a:schemeClr val="tx1"/>
+      <a:schemeClr val="dk1"/>
     </cs:fontRef>
     <cs:spPr>
       <a:solidFill>
         <a:schemeClr val="dk1">
-          <a:lumMod val="75000"/>
-          <a:lumOff val="25000"/>
+          <a:lumMod val="65000"/>
+          <a:lumOff val="35000"/>
         </a:schemeClr>
       </a:solidFill>
-      <a:ln w="9525" cap="flat" cmpd="sng" algn="ctr">
+      <a:ln w="9525">
         <a:solidFill>
           <a:schemeClr val="tx1">
             <a:lumMod val="65000"/>
             <a:lumOff val="35000"/>
           </a:schemeClr>
         </a:solidFill>
-        <a:round/>
       </a:ln>
     </cs:spPr>
   </cs:downBar>
@@ -2071,17 +3949,17 @@
     <cs:fillRef idx="0"/>
     <cs:effectRef idx="0"/>
     <cs:fontRef idx="minor">
-      <a:schemeClr val="tx1"/>
+      <a:schemeClr val="tx2"/>
     </cs:fontRef>
     <cs:spPr>
-      <a:ln w="9525" cap="flat" cmpd="sng" algn="ctr">
+      <a:ln w="9525">
         <a:solidFill>
-          <a:schemeClr val="tx1">
-            <a:lumMod val="35000"/>
-            <a:lumOff val="65000"/>
+          <a:schemeClr val="tx2">
+            <a:lumMod val="60000"/>
+            <a:lumOff val="40000"/>
           </a:schemeClr>
         </a:solidFill>
-        <a:round/>
+        <a:prstDash val="dash"/>
       </a:ln>
     </cs:spPr>
   </cs:dropLine>
@@ -2090,14 +3968,14 @@
     <cs:fillRef idx="0"/>
     <cs:effectRef idx="0"/>
     <cs:fontRef idx="minor">
-      <a:schemeClr val="tx1"/>
+      <a:schemeClr val="tx2"/>
     </cs:fontRef>
     <cs:spPr>
-      <a:ln w="9525" cap="flat" cmpd="sng" algn="ctr">
+      <a:ln w="9525">
         <a:solidFill>
-          <a:schemeClr val="tx1">
-            <a:lumMod val="65000"/>
-            <a:lumOff val="35000"/>
+          <a:schemeClr val="tx2">
+            <a:lumMod val="75000"/>
+            <a:lumOff val="25000"/>
           </a:schemeClr>
         </a:solidFill>
         <a:round/>
@@ -2109,26 +3987,20 @@
     <cs:fillRef idx="0"/>
     <cs:effectRef idx="0"/>
     <cs:fontRef idx="minor">
-      <a:schemeClr val="tx1"/>
+      <a:schemeClr val="tx2"/>
     </cs:fontRef>
-    <cs:spPr>
-      <a:noFill/>
-      <a:ln>
-        <a:noFill/>
-      </a:ln>
-    </cs:spPr>
   </cs:floor>
   <cs:gridlineMajor>
     <cs:lnRef idx="0"/>
     <cs:fillRef idx="0"/>
     <cs:effectRef idx="0"/>
     <cs:fontRef idx="minor">
-      <a:schemeClr val="tx1"/>
+      <a:schemeClr val="tx2"/>
     </cs:fontRef>
     <cs:spPr>
       <a:ln w="9525" cap="flat" cmpd="sng" algn="ctr">
         <a:solidFill>
-          <a:schemeClr val="tx1">
+          <a:schemeClr val="tx2">
             <a:lumMod val="15000"/>
             <a:lumOff val="85000"/>
           </a:schemeClr>
@@ -2142,17 +4014,16 @@
     <cs:fillRef idx="0"/>
     <cs:effectRef idx="0"/>
     <cs:fontRef idx="minor">
-      <a:schemeClr val="tx1"/>
+      <a:schemeClr val="tx2"/>
     </cs:fontRef>
     <cs:spPr>
-      <a:ln w="9525" cap="flat" cmpd="sng" algn="ctr">
+      <a:ln>
         <a:solidFill>
-          <a:schemeClr val="tx1">
+          <a:schemeClr val="tx2">
             <a:lumMod val="5000"/>
             <a:lumOff val="95000"/>
           </a:schemeClr>
         </a:solidFill>
-        <a:round/>
       </a:ln>
     </cs:spPr>
   </cs:gridlineMinor>
@@ -2161,17 +4032,17 @@
     <cs:fillRef idx="0"/>
     <cs:effectRef idx="0"/>
     <cs:fontRef idx="minor">
-      <a:schemeClr val="tx1"/>
+      <a:schemeClr val="tx2"/>
     </cs:fontRef>
     <cs:spPr>
-      <a:ln w="9525" cap="flat" cmpd="sng" algn="ctr">
+      <a:ln w="9525">
         <a:solidFill>
-          <a:schemeClr val="tx1">
-            <a:lumMod val="50000"/>
-            <a:lumOff val="50000"/>
+          <a:schemeClr val="tx2">
+            <a:lumMod val="60000"/>
+            <a:lumOff val="40000"/>
           </a:schemeClr>
         </a:solidFill>
-        <a:round/>
+        <a:prstDash val="dash"/>
       </a:ln>
     </cs:spPr>
   </cs:hiLoLine>
@@ -2180,17 +4051,16 @@
     <cs:fillRef idx="0"/>
     <cs:effectRef idx="0"/>
     <cs:fontRef idx="minor">
-      <a:schemeClr val="tx1"/>
+      <a:schemeClr val="tx2"/>
     </cs:fontRef>
     <cs:spPr>
-      <a:ln w="9525" cap="flat" cmpd="sng" algn="ctr">
+      <a:ln w="9525">
         <a:solidFill>
-          <a:schemeClr val="tx1">
+          <a:schemeClr val="tx2">
             <a:lumMod val="35000"/>
             <a:lumOff val="65000"/>
           </a:schemeClr>
         </a:solidFill>
-        <a:round/>
       </a:ln>
     </cs:spPr>
   </cs:leaderLine>
@@ -2199,27 +4069,24 @@
     <cs:fillRef idx="0"/>
     <cs:effectRef idx="0"/>
     <cs:fontRef idx="minor">
-      <a:schemeClr val="tx1">
-        <a:lumMod val="65000"/>
-        <a:lumOff val="35000"/>
-      </a:schemeClr>
+      <a:schemeClr val="tx2"/>
     </cs:fontRef>
-    <cs:defRPr sz="900" kern="1200"/>
+    <cs:defRPr sz="1197" kern="1200"/>
   </cs:legend>
-  <cs:plotArea mods="allowNoFillOverride allowNoLineOverride">
+  <cs:plotArea>
     <cs:lnRef idx="0"/>
     <cs:fillRef idx="0"/>
     <cs:effectRef idx="0"/>
     <cs:fontRef idx="minor">
-      <a:schemeClr val="tx1"/>
+      <a:schemeClr val="tx2"/>
     </cs:fontRef>
   </cs:plotArea>
-  <cs:plotArea3D mods="allowNoFillOverride allowNoLineOverride">
+  <cs:plotArea3D>
     <cs:lnRef idx="0"/>
     <cs:fillRef idx="0"/>
     <cs:effectRef idx="0"/>
     <cs:fontRef idx="minor">
-      <a:schemeClr val="tx1"/>
+      <a:schemeClr val="tx2"/>
     </cs:fontRef>
   </cs:plotArea3D>
   <cs:seriesAxis>
@@ -2227,29 +4094,37 @@
     <cs:fillRef idx="0"/>
     <cs:effectRef idx="0"/>
     <cs:fontRef idx="minor">
-      <a:schemeClr val="tx1">
-        <a:lumMod val="65000"/>
-        <a:lumOff val="35000"/>
-      </a:schemeClr>
+      <a:schemeClr val="tx2"/>
     </cs:fontRef>
-    <cs:defRPr sz="900" kern="1200"/>
+    <cs:spPr>
+      <a:ln w="9525" cap="flat" cmpd="sng" algn="ctr">
+        <a:solidFill>
+          <a:schemeClr val="tx2">
+            <a:lumMod val="15000"/>
+            <a:lumOff val="85000"/>
+          </a:schemeClr>
+        </a:solidFill>
+        <a:round/>
+      </a:ln>
+    </cs:spPr>
+    <cs:defRPr sz="1197" kern="1200"/>
   </cs:seriesAxis>
   <cs:seriesLine>
     <cs:lnRef idx="0"/>
     <cs:fillRef idx="0"/>
     <cs:effectRef idx="0"/>
     <cs:fontRef idx="minor">
-      <a:schemeClr val="tx1"/>
+      <a:schemeClr val="tx2"/>
     </cs:fontRef>
     <cs:spPr>
-      <a:ln w="9525" cap="flat" cmpd="sng" algn="ctr">
+      <a:ln w="9525">
         <a:solidFill>
-          <a:schemeClr val="tx1">
-            <a:lumMod val="35000"/>
-            <a:lumOff val="65000"/>
+          <a:schemeClr val="tx2">
+            <a:lumMod val="60000"/>
+            <a:lumOff val="40000"/>
           </a:schemeClr>
         </a:solidFill>
-        <a:round/>
+        <a:prstDash val="dash"/>
       </a:ln>
     </cs:spPr>
   </cs:seriesLine>
@@ -2258,12 +4133,9 @@
     <cs:fillRef idx="0"/>
     <cs:effectRef idx="0"/>
     <cs:fontRef idx="minor">
-      <a:schemeClr val="tx1">
-        <a:lumMod val="65000"/>
-        <a:lumOff val="35000"/>
-      </a:schemeClr>
+      <a:schemeClr val="tx2"/>
     </cs:fontRef>
-    <cs:defRPr sz="1400" b="0" kern="1200" spc="0" baseline="0"/>
+    <cs:defRPr sz="2128" b="1" kern="1200"/>
   </cs:title>
   <cs:trendline>
     <cs:lnRef idx="0">
@@ -2272,14 +4144,14 @@
     <cs:fillRef idx="0"/>
     <cs:effectRef idx="0"/>
     <cs:fontRef idx="minor">
-      <a:schemeClr val="tx1"/>
+      <a:schemeClr val="tx2"/>
     </cs:fontRef>
     <cs:spPr>
       <a:ln w="19050" cap="rnd">
         <a:solidFill>
           <a:schemeClr val="phClr"/>
         </a:solidFill>
-        <a:prstDash val="sysDot"/>
+        <a:prstDash val="sysDash"/>
       </a:ln>
     </cs:spPr>
   </cs:trendline>
@@ -2288,32 +4160,28 @@
     <cs:fillRef idx="0"/>
     <cs:effectRef idx="0"/>
     <cs:fontRef idx="minor">
-      <a:schemeClr val="tx1">
-        <a:lumMod val="65000"/>
-        <a:lumOff val="35000"/>
-      </a:schemeClr>
+      <a:schemeClr val="tx2"/>
     </cs:fontRef>
-    <cs:defRPr sz="900" kern="1200"/>
+    <cs:defRPr sz="1197" kern="1200"/>
   </cs:trendlineLabel>
   <cs:upBar>
     <cs:lnRef idx="0"/>
     <cs:fillRef idx="0"/>
     <cs:effectRef idx="0"/>
     <cs:fontRef idx="minor">
-      <a:schemeClr val="tx1"/>
+      <a:schemeClr val="tx2"/>
     </cs:fontRef>
     <cs:spPr>
       <a:solidFill>
         <a:schemeClr val="lt1"/>
       </a:solidFill>
-      <a:ln w="9525" cap="flat" cmpd="sng" algn="ctr">
+      <a:ln w="9525">
         <a:solidFill>
           <a:schemeClr val="tx1">
-            <a:lumMod val="65000"/>
-            <a:lumOff val="35000"/>
+            <a:lumMod val="15000"/>
+            <a:lumOff val="85000"/>
           </a:schemeClr>
         </a:solidFill>
-        <a:round/>
       </a:ln>
     </cs:spPr>
   </cs:upBar>
@@ -2322,37 +4190,955 @@
     <cs:fillRef idx="0"/>
     <cs:effectRef idx="0"/>
     <cs:fontRef idx="minor">
-      <a:schemeClr val="tx1">
-        <a:lumMod val="65000"/>
-        <a:lumOff val="35000"/>
-      </a:schemeClr>
+      <a:schemeClr val="tx2"/>
     </cs:fontRef>
-    <cs:spPr>
-      <a:ln w="9525" cap="flat" cmpd="sng" algn="ctr">
-        <a:solidFill>
-          <a:schemeClr val="tx1">
-            <a:lumMod val="25000"/>
-            <a:lumOff val="75000"/>
-          </a:schemeClr>
-        </a:solidFill>
-        <a:round/>
-      </a:ln>
-    </cs:spPr>
-    <cs:defRPr sz="900" kern="1200"/>
+    <cs:defRPr sz="1197" kern="1200"/>
   </cs:valueAxis>
   <cs:wall>
     <cs:lnRef idx="0"/>
     <cs:fillRef idx="0"/>
     <cs:effectRef idx="0"/>
     <cs:fontRef idx="minor">
-      <a:schemeClr val="tx1"/>
+      <a:schemeClr val="tx2"/>
+    </cs:fontRef>
+  </cs:wall>
+</cs:chartStyle>
+</file>
+
+<file path=ppt/charts/style3.xml><?xml version="1.0" encoding="utf-8"?>
+<cs:chartStyle xmlns:cs="http://schemas.microsoft.com/office/drawing/2012/chartStyle" xmlns:a="http://schemas.openxmlformats.org/drawingml/2006/main" id="207">
+  <cs:axisTitle>
+    <cs:lnRef idx="0"/>
+    <cs:fillRef idx="0"/>
+    <cs:effectRef idx="0"/>
+    <cs:fontRef idx="minor">
+      <a:schemeClr val="tx2"/>
+    </cs:fontRef>
+    <cs:defRPr sz="1197" b="1" kern="1200"/>
+  </cs:axisTitle>
+  <cs:categoryAxis>
+    <cs:lnRef idx="0"/>
+    <cs:fillRef idx="0"/>
+    <cs:effectRef idx="0"/>
+    <cs:fontRef idx="minor">
+      <a:schemeClr val="tx2"/>
     </cs:fontRef>
     <cs:spPr>
-      <a:noFill/>
-      <a:ln>
-        <a:noFill/>
+      <a:ln w="9525" cap="flat" cmpd="sng" algn="ctr">
+        <a:solidFill>
+          <a:schemeClr val="tx2">
+            <a:lumMod val="15000"/>
+            <a:lumOff val="85000"/>
+          </a:schemeClr>
+        </a:solidFill>
+        <a:round/>
       </a:ln>
     </cs:spPr>
+    <cs:defRPr sz="1197" kern="1200"/>
+  </cs:categoryAxis>
+  <cs:chartArea mods="allowNoFillOverride allowNoLineOverride">
+    <cs:lnRef idx="0"/>
+    <cs:fillRef idx="0"/>
+    <cs:effectRef idx="0"/>
+    <cs:fontRef idx="minor">
+      <a:schemeClr val="tx2"/>
+    </cs:fontRef>
+    <cs:spPr>
+      <a:solidFill>
+        <a:schemeClr val="bg1"/>
+      </a:solidFill>
+      <a:ln w="9525" cap="flat" cmpd="sng" algn="ctr">
+        <a:solidFill>
+          <a:schemeClr val="tx2">
+            <a:lumMod val="15000"/>
+            <a:lumOff val="85000"/>
+          </a:schemeClr>
+        </a:solidFill>
+        <a:round/>
+      </a:ln>
+    </cs:spPr>
+    <cs:defRPr sz="1197" kern="1200"/>
+  </cs:chartArea>
+  <cs:dataLabel>
+    <cs:lnRef idx="0"/>
+    <cs:fillRef idx="0"/>
+    <cs:effectRef idx="0"/>
+    <cs:fontRef idx="minor">
+      <a:schemeClr val="tx2"/>
+    </cs:fontRef>
+    <cs:defRPr sz="1197" kern="1200"/>
+  </cs:dataLabel>
+  <cs:dataLabelCallout>
+    <cs:lnRef idx="0"/>
+    <cs:fillRef idx="0"/>
+    <cs:effectRef idx="0"/>
+    <cs:fontRef idx="minor">
+      <a:schemeClr val="dk2">
+        <a:lumMod val="75000"/>
+      </a:schemeClr>
+    </cs:fontRef>
+    <cs:spPr>
+      <a:solidFill>
+        <a:schemeClr val="lt1"/>
+      </a:solidFill>
+      <a:ln>
+        <a:solidFill>
+          <a:schemeClr val="dk1">
+            <a:lumMod val="25000"/>
+            <a:lumOff val="75000"/>
+          </a:schemeClr>
+        </a:solidFill>
+      </a:ln>
+    </cs:spPr>
+    <cs:defRPr sz="1197" kern="1200"/>
+    <cs:bodyPr rot="0" spcFirstLastPara="1" vertOverflow="clip" horzOverflow="clip" vert="horz" wrap="square" lIns="36576" tIns="18288" rIns="36576" bIns="18288" anchor="ctr" anchorCtr="1">
+      <a:spAutoFit/>
+    </cs:bodyPr>
+  </cs:dataLabelCallout>
+  <cs:dataPoint>
+    <cs:lnRef idx="0"/>
+    <cs:fillRef idx="3">
+      <cs:styleClr val="auto"/>
+    </cs:fillRef>
+    <cs:effectRef idx="2"/>
+    <cs:fontRef idx="minor">
+      <a:schemeClr val="tx2"/>
+    </cs:fontRef>
+  </cs:dataPoint>
+  <cs:dataPoint3D>
+    <cs:lnRef idx="0"/>
+    <cs:fillRef idx="3">
+      <cs:styleClr val="auto"/>
+    </cs:fillRef>
+    <cs:effectRef idx="2"/>
+    <cs:fontRef idx="minor">
+      <a:schemeClr val="tx2"/>
+    </cs:fontRef>
+  </cs:dataPoint3D>
+  <cs:dataPointLine>
+    <cs:lnRef idx="0">
+      <cs:styleClr val="auto"/>
+    </cs:lnRef>
+    <cs:fillRef idx="3"/>
+    <cs:effectRef idx="2"/>
+    <cs:fontRef idx="minor">
+      <a:schemeClr val="tx2"/>
+    </cs:fontRef>
+    <cs:spPr>
+      <a:ln w="31750" cap="rnd">
+        <a:solidFill>
+          <a:schemeClr val="phClr"/>
+        </a:solidFill>
+        <a:round/>
+      </a:ln>
+    </cs:spPr>
+  </cs:dataPointLine>
+  <cs:dataPointMarker>
+    <cs:lnRef idx="0"/>
+    <cs:fillRef idx="3">
+      <cs:styleClr val="auto"/>
+    </cs:fillRef>
+    <cs:effectRef idx="2"/>
+    <cs:fontRef idx="minor">
+      <a:schemeClr val="tx2"/>
+    </cs:fontRef>
+    <cs:spPr>
+      <a:ln w="12700">
+        <a:solidFill>
+          <a:schemeClr val="lt2"/>
+        </a:solidFill>
+        <a:round/>
+      </a:ln>
+    </cs:spPr>
+  </cs:dataPointMarker>
+  <cs:dataPointMarkerLayout symbol="circle" size="6"/>
+  <cs:dataPointWireframe>
+    <cs:lnRef idx="0">
+      <cs:styleClr val="auto"/>
+    </cs:lnRef>
+    <cs:fillRef idx="3"/>
+    <cs:effectRef idx="2"/>
+    <cs:fontRef idx="minor">
+      <a:schemeClr val="tx2"/>
+    </cs:fontRef>
+    <cs:spPr>
+      <a:ln w="9525" cap="rnd">
+        <a:solidFill>
+          <a:schemeClr val="phClr"/>
+        </a:solidFill>
+        <a:round/>
+      </a:ln>
+    </cs:spPr>
+  </cs:dataPointWireframe>
+  <cs:dataTable>
+    <cs:lnRef idx="0"/>
+    <cs:fillRef idx="0"/>
+    <cs:effectRef idx="0"/>
+    <cs:fontRef idx="minor">
+      <a:schemeClr val="tx2"/>
+    </cs:fontRef>
+    <cs:spPr>
+      <a:ln w="9525">
+        <a:solidFill>
+          <a:schemeClr val="tx2">
+            <a:lumMod val="15000"/>
+            <a:lumOff val="85000"/>
+          </a:schemeClr>
+        </a:solidFill>
+      </a:ln>
+    </cs:spPr>
+    <cs:defRPr sz="1197" kern="1200"/>
+  </cs:dataTable>
+  <cs:downBar>
+    <cs:lnRef idx="0"/>
+    <cs:fillRef idx="0"/>
+    <cs:effectRef idx="0"/>
+    <cs:fontRef idx="minor">
+      <a:schemeClr val="dk1"/>
+    </cs:fontRef>
+    <cs:spPr>
+      <a:solidFill>
+        <a:schemeClr val="dk1">
+          <a:lumMod val="65000"/>
+          <a:lumOff val="35000"/>
+        </a:schemeClr>
+      </a:solidFill>
+      <a:ln w="9525">
+        <a:solidFill>
+          <a:schemeClr val="tx1">
+            <a:lumMod val="65000"/>
+            <a:lumOff val="35000"/>
+          </a:schemeClr>
+        </a:solidFill>
+      </a:ln>
+    </cs:spPr>
+  </cs:downBar>
+  <cs:dropLine>
+    <cs:lnRef idx="0"/>
+    <cs:fillRef idx="0"/>
+    <cs:effectRef idx="0"/>
+    <cs:fontRef idx="minor">
+      <a:schemeClr val="tx2"/>
+    </cs:fontRef>
+    <cs:spPr>
+      <a:ln w="9525">
+        <a:solidFill>
+          <a:schemeClr val="tx2">
+            <a:lumMod val="60000"/>
+            <a:lumOff val="40000"/>
+          </a:schemeClr>
+        </a:solidFill>
+        <a:prstDash val="dash"/>
+      </a:ln>
+    </cs:spPr>
+  </cs:dropLine>
+  <cs:errorBar>
+    <cs:lnRef idx="0"/>
+    <cs:fillRef idx="0"/>
+    <cs:effectRef idx="0"/>
+    <cs:fontRef idx="minor">
+      <a:schemeClr val="tx2"/>
+    </cs:fontRef>
+    <cs:spPr>
+      <a:ln w="9525">
+        <a:solidFill>
+          <a:schemeClr val="tx2">
+            <a:lumMod val="75000"/>
+            <a:lumOff val="25000"/>
+          </a:schemeClr>
+        </a:solidFill>
+        <a:round/>
+      </a:ln>
+    </cs:spPr>
+  </cs:errorBar>
+  <cs:floor>
+    <cs:lnRef idx="0"/>
+    <cs:fillRef idx="0"/>
+    <cs:effectRef idx="0"/>
+    <cs:fontRef idx="minor">
+      <a:schemeClr val="tx2"/>
+    </cs:fontRef>
+  </cs:floor>
+  <cs:gridlineMajor>
+    <cs:lnRef idx="0"/>
+    <cs:fillRef idx="0"/>
+    <cs:effectRef idx="0"/>
+    <cs:fontRef idx="minor">
+      <a:schemeClr val="tx2"/>
+    </cs:fontRef>
+    <cs:spPr>
+      <a:ln w="9525" cap="flat" cmpd="sng" algn="ctr">
+        <a:solidFill>
+          <a:schemeClr val="tx2">
+            <a:lumMod val="15000"/>
+            <a:lumOff val="85000"/>
+          </a:schemeClr>
+        </a:solidFill>
+        <a:round/>
+      </a:ln>
+    </cs:spPr>
+  </cs:gridlineMajor>
+  <cs:gridlineMinor>
+    <cs:lnRef idx="0"/>
+    <cs:fillRef idx="0"/>
+    <cs:effectRef idx="0"/>
+    <cs:fontRef idx="minor">
+      <a:schemeClr val="tx2"/>
+    </cs:fontRef>
+    <cs:spPr>
+      <a:ln>
+        <a:solidFill>
+          <a:schemeClr val="tx2">
+            <a:lumMod val="5000"/>
+            <a:lumOff val="95000"/>
+          </a:schemeClr>
+        </a:solidFill>
+      </a:ln>
+    </cs:spPr>
+  </cs:gridlineMinor>
+  <cs:hiLoLine>
+    <cs:lnRef idx="0"/>
+    <cs:fillRef idx="0"/>
+    <cs:effectRef idx="0"/>
+    <cs:fontRef idx="minor">
+      <a:schemeClr val="tx2"/>
+    </cs:fontRef>
+    <cs:spPr>
+      <a:ln w="9525">
+        <a:solidFill>
+          <a:schemeClr val="tx2">
+            <a:lumMod val="60000"/>
+            <a:lumOff val="40000"/>
+          </a:schemeClr>
+        </a:solidFill>
+        <a:prstDash val="dash"/>
+      </a:ln>
+    </cs:spPr>
+  </cs:hiLoLine>
+  <cs:leaderLine>
+    <cs:lnRef idx="0"/>
+    <cs:fillRef idx="0"/>
+    <cs:effectRef idx="0"/>
+    <cs:fontRef idx="minor">
+      <a:schemeClr val="tx2"/>
+    </cs:fontRef>
+    <cs:spPr>
+      <a:ln w="9525">
+        <a:solidFill>
+          <a:schemeClr val="tx2">
+            <a:lumMod val="35000"/>
+            <a:lumOff val="65000"/>
+          </a:schemeClr>
+        </a:solidFill>
+      </a:ln>
+    </cs:spPr>
+  </cs:leaderLine>
+  <cs:legend>
+    <cs:lnRef idx="0"/>
+    <cs:fillRef idx="0"/>
+    <cs:effectRef idx="0"/>
+    <cs:fontRef idx="minor">
+      <a:schemeClr val="tx2"/>
+    </cs:fontRef>
+    <cs:defRPr sz="1197" kern="1200"/>
+  </cs:legend>
+  <cs:plotArea>
+    <cs:lnRef idx="0"/>
+    <cs:fillRef idx="0"/>
+    <cs:effectRef idx="0"/>
+    <cs:fontRef idx="minor">
+      <a:schemeClr val="tx2"/>
+    </cs:fontRef>
+  </cs:plotArea>
+  <cs:plotArea3D>
+    <cs:lnRef idx="0"/>
+    <cs:fillRef idx="0"/>
+    <cs:effectRef idx="0"/>
+    <cs:fontRef idx="minor">
+      <a:schemeClr val="tx2"/>
+    </cs:fontRef>
+  </cs:plotArea3D>
+  <cs:seriesAxis>
+    <cs:lnRef idx="0"/>
+    <cs:fillRef idx="0"/>
+    <cs:effectRef idx="0"/>
+    <cs:fontRef idx="minor">
+      <a:schemeClr val="tx2"/>
+    </cs:fontRef>
+    <cs:spPr>
+      <a:ln w="9525" cap="flat" cmpd="sng" algn="ctr">
+        <a:solidFill>
+          <a:schemeClr val="tx2">
+            <a:lumMod val="15000"/>
+            <a:lumOff val="85000"/>
+          </a:schemeClr>
+        </a:solidFill>
+        <a:round/>
+      </a:ln>
+    </cs:spPr>
+    <cs:defRPr sz="1197" kern="1200"/>
+  </cs:seriesAxis>
+  <cs:seriesLine>
+    <cs:lnRef idx="0"/>
+    <cs:fillRef idx="0"/>
+    <cs:effectRef idx="0"/>
+    <cs:fontRef idx="minor">
+      <a:schemeClr val="tx2"/>
+    </cs:fontRef>
+    <cs:spPr>
+      <a:ln w="9525">
+        <a:solidFill>
+          <a:schemeClr val="tx2">
+            <a:lumMod val="60000"/>
+            <a:lumOff val="40000"/>
+          </a:schemeClr>
+        </a:solidFill>
+        <a:prstDash val="dash"/>
+      </a:ln>
+    </cs:spPr>
+  </cs:seriesLine>
+  <cs:title>
+    <cs:lnRef idx="0"/>
+    <cs:fillRef idx="0"/>
+    <cs:effectRef idx="0"/>
+    <cs:fontRef idx="minor">
+      <a:schemeClr val="tx2"/>
+    </cs:fontRef>
+    <cs:defRPr sz="2128" b="1" kern="1200"/>
+  </cs:title>
+  <cs:trendline>
+    <cs:lnRef idx="0">
+      <cs:styleClr val="auto"/>
+    </cs:lnRef>
+    <cs:fillRef idx="0"/>
+    <cs:effectRef idx="0"/>
+    <cs:fontRef idx="minor">
+      <a:schemeClr val="tx2"/>
+    </cs:fontRef>
+    <cs:spPr>
+      <a:ln w="19050" cap="rnd">
+        <a:solidFill>
+          <a:schemeClr val="phClr"/>
+        </a:solidFill>
+        <a:prstDash val="sysDash"/>
+      </a:ln>
+    </cs:spPr>
+  </cs:trendline>
+  <cs:trendlineLabel>
+    <cs:lnRef idx="0"/>
+    <cs:fillRef idx="0"/>
+    <cs:effectRef idx="0"/>
+    <cs:fontRef idx="minor">
+      <a:schemeClr val="tx2"/>
+    </cs:fontRef>
+    <cs:defRPr sz="1197" kern="1200"/>
+  </cs:trendlineLabel>
+  <cs:upBar>
+    <cs:lnRef idx="0"/>
+    <cs:fillRef idx="0"/>
+    <cs:effectRef idx="0"/>
+    <cs:fontRef idx="minor">
+      <a:schemeClr val="tx2"/>
+    </cs:fontRef>
+    <cs:spPr>
+      <a:solidFill>
+        <a:schemeClr val="lt1"/>
+      </a:solidFill>
+      <a:ln w="9525">
+        <a:solidFill>
+          <a:schemeClr val="tx1">
+            <a:lumMod val="15000"/>
+            <a:lumOff val="85000"/>
+          </a:schemeClr>
+        </a:solidFill>
+      </a:ln>
+    </cs:spPr>
+  </cs:upBar>
+  <cs:valueAxis>
+    <cs:lnRef idx="0"/>
+    <cs:fillRef idx="0"/>
+    <cs:effectRef idx="0"/>
+    <cs:fontRef idx="minor">
+      <a:schemeClr val="tx2"/>
+    </cs:fontRef>
+    <cs:defRPr sz="1197" kern="1200"/>
+  </cs:valueAxis>
+  <cs:wall>
+    <cs:lnRef idx="0"/>
+    <cs:fillRef idx="0"/>
+    <cs:effectRef idx="0"/>
+    <cs:fontRef idx="minor">
+      <a:schemeClr val="tx2"/>
+    </cs:fontRef>
+  </cs:wall>
+</cs:chartStyle>
+</file>
+
+<file path=ppt/charts/style4.xml><?xml version="1.0" encoding="utf-8"?>
+<cs:chartStyle xmlns:cs="http://schemas.microsoft.com/office/drawing/2012/chartStyle" xmlns:a="http://schemas.openxmlformats.org/drawingml/2006/main" id="207">
+  <cs:axisTitle>
+    <cs:lnRef idx="0"/>
+    <cs:fillRef idx="0"/>
+    <cs:effectRef idx="0"/>
+    <cs:fontRef idx="minor">
+      <a:schemeClr val="tx2"/>
+    </cs:fontRef>
+    <cs:defRPr sz="1197" b="1" kern="1200"/>
+  </cs:axisTitle>
+  <cs:categoryAxis>
+    <cs:lnRef idx="0"/>
+    <cs:fillRef idx="0"/>
+    <cs:effectRef idx="0"/>
+    <cs:fontRef idx="minor">
+      <a:schemeClr val="tx2"/>
+    </cs:fontRef>
+    <cs:spPr>
+      <a:ln w="9525" cap="flat" cmpd="sng" algn="ctr">
+        <a:solidFill>
+          <a:schemeClr val="tx2">
+            <a:lumMod val="15000"/>
+            <a:lumOff val="85000"/>
+          </a:schemeClr>
+        </a:solidFill>
+        <a:round/>
+      </a:ln>
+    </cs:spPr>
+    <cs:defRPr sz="1197" kern="1200"/>
+  </cs:categoryAxis>
+  <cs:chartArea mods="allowNoFillOverride allowNoLineOverride">
+    <cs:lnRef idx="0"/>
+    <cs:fillRef idx="0"/>
+    <cs:effectRef idx="0"/>
+    <cs:fontRef idx="minor">
+      <a:schemeClr val="tx2"/>
+    </cs:fontRef>
+    <cs:spPr>
+      <a:solidFill>
+        <a:schemeClr val="bg1"/>
+      </a:solidFill>
+      <a:ln w="9525" cap="flat" cmpd="sng" algn="ctr">
+        <a:solidFill>
+          <a:schemeClr val="tx2">
+            <a:lumMod val="15000"/>
+            <a:lumOff val="85000"/>
+          </a:schemeClr>
+        </a:solidFill>
+        <a:round/>
+      </a:ln>
+    </cs:spPr>
+    <cs:defRPr sz="1197" kern="1200"/>
+  </cs:chartArea>
+  <cs:dataLabel>
+    <cs:lnRef idx="0"/>
+    <cs:fillRef idx="0"/>
+    <cs:effectRef idx="0"/>
+    <cs:fontRef idx="minor">
+      <a:schemeClr val="tx2"/>
+    </cs:fontRef>
+    <cs:defRPr sz="1197" kern="1200"/>
+  </cs:dataLabel>
+  <cs:dataLabelCallout>
+    <cs:lnRef idx="0"/>
+    <cs:fillRef idx="0"/>
+    <cs:effectRef idx="0"/>
+    <cs:fontRef idx="minor">
+      <a:schemeClr val="dk2">
+        <a:lumMod val="75000"/>
+      </a:schemeClr>
+    </cs:fontRef>
+    <cs:spPr>
+      <a:solidFill>
+        <a:schemeClr val="lt1"/>
+      </a:solidFill>
+      <a:ln>
+        <a:solidFill>
+          <a:schemeClr val="dk1">
+            <a:lumMod val="25000"/>
+            <a:lumOff val="75000"/>
+          </a:schemeClr>
+        </a:solidFill>
+      </a:ln>
+    </cs:spPr>
+    <cs:defRPr sz="1197" kern="1200"/>
+    <cs:bodyPr rot="0" spcFirstLastPara="1" vertOverflow="clip" horzOverflow="clip" vert="horz" wrap="square" lIns="36576" tIns="18288" rIns="36576" bIns="18288" anchor="ctr" anchorCtr="1">
+      <a:spAutoFit/>
+    </cs:bodyPr>
+  </cs:dataLabelCallout>
+  <cs:dataPoint>
+    <cs:lnRef idx="0"/>
+    <cs:fillRef idx="3">
+      <cs:styleClr val="auto"/>
+    </cs:fillRef>
+    <cs:effectRef idx="2"/>
+    <cs:fontRef idx="minor">
+      <a:schemeClr val="tx2"/>
+    </cs:fontRef>
+  </cs:dataPoint>
+  <cs:dataPoint3D>
+    <cs:lnRef idx="0"/>
+    <cs:fillRef idx="3">
+      <cs:styleClr val="auto"/>
+    </cs:fillRef>
+    <cs:effectRef idx="2"/>
+    <cs:fontRef idx="minor">
+      <a:schemeClr val="tx2"/>
+    </cs:fontRef>
+  </cs:dataPoint3D>
+  <cs:dataPointLine>
+    <cs:lnRef idx="0">
+      <cs:styleClr val="auto"/>
+    </cs:lnRef>
+    <cs:fillRef idx="3"/>
+    <cs:effectRef idx="2"/>
+    <cs:fontRef idx="minor">
+      <a:schemeClr val="tx2"/>
+    </cs:fontRef>
+    <cs:spPr>
+      <a:ln w="31750" cap="rnd">
+        <a:solidFill>
+          <a:schemeClr val="phClr"/>
+        </a:solidFill>
+        <a:round/>
+      </a:ln>
+    </cs:spPr>
+  </cs:dataPointLine>
+  <cs:dataPointMarker>
+    <cs:lnRef idx="0"/>
+    <cs:fillRef idx="3">
+      <cs:styleClr val="auto"/>
+    </cs:fillRef>
+    <cs:effectRef idx="2"/>
+    <cs:fontRef idx="minor">
+      <a:schemeClr val="tx2"/>
+    </cs:fontRef>
+    <cs:spPr>
+      <a:ln w="12700">
+        <a:solidFill>
+          <a:schemeClr val="lt2"/>
+        </a:solidFill>
+        <a:round/>
+      </a:ln>
+    </cs:spPr>
+  </cs:dataPointMarker>
+  <cs:dataPointMarkerLayout symbol="circle" size="6"/>
+  <cs:dataPointWireframe>
+    <cs:lnRef idx="0">
+      <cs:styleClr val="auto"/>
+    </cs:lnRef>
+    <cs:fillRef idx="3"/>
+    <cs:effectRef idx="2"/>
+    <cs:fontRef idx="minor">
+      <a:schemeClr val="tx2"/>
+    </cs:fontRef>
+    <cs:spPr>
+      <a:ln w="9525" cap="rnd">
+        <a:solidFill>
+          <a:schemeClr val="phClr"/>
+        </a:solidFill>
+        <a:round/>
+      </a:ln>
+    </cs:spPr>
+  </cs:dataPointWireframe>
+  <cs:dataTable>
+    <cs:lnRef idx="0"/>
+    <cs:fillRef idx="0"/>
+    <cs:effectRef idx="0"/>
+    <cs:fontRef idx="minor">
+      <a:schemeClr val="tx2"/>
+    </cs:fontRef>
+    <cs:spPr>
+      <a:ln w="9525">
+        <a:solidFill>
+          <a:schemeClr val="tx2">
+            <a:lumMod val="15000"/>
+            <a:lumOff val="85000"/>
+          </a:schemeClr>
+        </a:solidFill>
+      </a:ln>
+    </cs:spPr>
+    <cs:defRPr sz="1197" kern="1200"/>
+  </cs:dataTable>
+  <cs:downBar>
+    <cs:lnRef idx="0"/>
+    <cs:fillRef idx="0"/>
+    <cs:effectRef idx="0"/>
+    <cs:fontRef idx="minor">
+      <a:schemeClr val="dk1"/>
+    </cs:fontRef>
+    <cs:spPr>
+      <a:solidFill>
+        <a:schemeClr val="dk1">
+          <a:lumMod val="65000"/>
+          <a:lumOff val="35000"/>
+        </a:schemeClr>
+      </a:solidFill>
+      <a:ln w="9525">
+        <a:solidFill>
+          <a:schemeClr val="tx1">
+            <a:lumMod val="65000"/>
+            <a:lumOff val="35000"/>
+          </a:schemeClr>
+        </a:solidFill>
+      </a:ln>
+    </cs:spPr>
+  </cs:downBar>
+  <cs:dropLine>
+    <cs:lnRef idx="0"/>
+    <cs:fillRef idx="0"/>
+    <cs:effectRef idx="0"/>
+    <cs:fontRef idx="minor">
+      <a:schemeClr val="tx2"/>
+    </cs:fontRef>
+    <cs:spPr>
+      <a:ln w="9525">
+        <a:solidFill>
+          <a:schemeClr val="tx2">
+            <a:lumMod val="60000"/>
+            <a:lumOff val="40000"/>
+          </a:schemeClr>
+        </a:solidFill>
+        <a:prstDash val="dash"/>
+      </a:ln>
+    </cs:spPr>
+  </cs:dropLine>
+  <cs:errorBar>
+    <cs:lnRef idx="0"/>
+    <cs:fillRef idx="0"/>
+    <cs:effectRef idx="0"/>
+    <cs:fontRef idx="minor">
+      <a:schemeClr val="tx2"/>
+    </cs:fontRef>
+    <cs:spPr>
+      <a:ln w="9525">
+        <a:solidFill>
+          <a:schemeClr val="tx2">
+            <a:lumMod val="75000"/>
+            <a:lumOff val="25000"/>
+          </a:schemeClr>
+        </a:solidFill>
+        <a:round/>
+      </a:ln>
+    </cs:spPr>
+  </cs:errorBar>
+  <cs:floor>
+    <cs:lnRef idx="0"/>
+    <cs:fillRef idx="0"/>
+    <cs:effectRef idx="0"/>
+    <cs:fontRef idx="minor">
+      <a:schemeClr val="tx2"/>
+    </cs:fontRef>
+  </cs:floor>
+  <cs:gridlineMajor>
+    <cs:lnRef idx="0"/>
+    <cs:fillRef idx="0"/>
+    <cs:effectRef idx="0"/>
+    <cs:fontRef idx="minor">
+      <a:schemeClr val="tx2"/>
+    </cs:fontRef>
+    <cs:spPr>
+      <a:ln w="9525" cap="flat" cmpd="sng" algn="ctr">
+        <a:solidFill>
+          <a:schemeClr val="tx2">
+            <a:lumMod val="15000"/>
+            <a:lumOff val="85000"/>
+          </a:schemeClr>
+        </a:solidFill>
+        <a:round/>
+      </a:ln>
+    </cs:spPr>
+  </cs:gridlineMajor>
+  <cs:gridlineMinor>
+    <cs:lnRef idx="0"/>
+    <cs:fillRef idx="0"/>
+    <cs:effectRef idx="0"/>
+    <cs:fontRef idx="minor">
+      <a:schemeClr val="tx2"/>
+    </cs:fontRef>
+    <cs:spPr>
+      <a:ln>
+        <a:solidFill>
+          <a:schemeClr val="tx2">
+            <a:lumMod val="5000"/>
+            <a:lumOff val="95000"/>
+          </a:schemeClr>
+        </a:solidFill>
+      </a:ln>
+    </cs:spPr>
+  </cs:gridlineMinor>
+  <cs:hiLoLine>
+    <cs:lnRef idx="0"/>
+    <cs:fillRef idx="0"/>
+    <cs:effectRef idx="0"/>
+    <cs:fontRef idx="minor">
+      <a:schemeClr val="tx2"/>
+    </cs:fontRef>
+    <cs:spPr>
+      <a:ln w="9525">
+        <a:solidFill>
+          <a:schemeClr val="tx2">
+            <a:lumMod val="60000"/>
+            <a:lumOff val="40000"/>
+          </a:schemeClr>
+        </a:solidFill>
+        <a:prstDash val="dash"/>
+      </a:ln>
+    </cs:spPr>
+  </cs:hiLoLine>
+  <cs:leaderLine>
+    <cs:lnRef idx="0"/>
+    <cs:fillRef idx="0"/>
+    <cs:effectRef idx="0"/>
+    <cs:fontRef idx="minor">
+      <a:schemeClr val="tx2"/>
+    </cs:fontRef>
+    <cs:spPr>
+      <a:ln w="9525">
+        <a:solidFill>
+          <a:schemeClr val="tx2">
+            <a:lumMod val="35000"/>
+            <a:lumOff val="65000"/>
+          </a:schemeClr>
+        </a:solidFill>
+      </a:ln>
+    </cs:spPr>
+  </cs:leaderLine>
+  <cs:legend>
+    <cs:lnRef idx="0"/>
+    <cs:fillRef idx="0"/>
+    <cs:effectRef idx="0"/>
+    <cs:fontRef idx="minor">
+      <a:schemeClr val="tx2"/>
+    </cs:fontRef>
+    <cs:defRPr sz="1197" kern="1200"/>
+  </cs:legend>
+  <cs:plotArea>
+    <cs:lnRef idx="0"/>
+    <cs:fillRef idx="0"/>
+    <cs:effectRef idx="0"/>
+    <cs:fontRef idx="minor">
+      <a:schemeClr val="tx2"/>
+    </cs:fontRef>
+  </cs:plotArea>
+  <cs:plotArea3D>
+    <cs:lnRef idx="0"/>
+    <cs:fillRef idx="0"/>
+    <cs:effectRef idx="0"/>
+    <cs:fontRef idx="minor">
+      <a:schemeClr val="tx2"/>
+    </cs:fontRef>
+  </cs:plotArea3D>
+  <cs:seriesAxis>
+    <cs:lnRef idx="0"/>
+    <cs:fillRef idx="0"/>
+    <cs:effectRef idx="0"/>
+    <cs:fontRef idx="minor">
+      <a:schemeClr val="tx2"/>
+    </cs:fontRef>
+    <cs:spPr>
+      <a:ln w="9525" cap="flat" cmpd="sng" algn="ctr">
+        <a:solidFill>
+          <a:schemeClr val="tx2">
+            <a:lumMod val="15000"/>
+            <a:lumOff val="85000"/>
+          </a:schemeClr>
+        </a:solidFill>
+        <a:round/>
+      </a:ln>
+    </cs:spPr>
+    <cs:defRPr sz="1197" kern="1200"/>
+  </cs:seriesAxis>
+  <cs:seriesLine>
+    <cs:lnRef idx="0"/>
+    <cs:fillRef idx="0"/>
+    <cs:effectRef idx="0"/>
+    <cs:fontRef idx="minor">
+      <a:schemeClr val="tx2"/>
+    </cs:fontRef>
+    <cs:spPr>
+      <a:ln w="9525">
+        <a:solidFill>
+          <a:schemeClr val="tx2">
+            <a:lumMod val="60000"/>
+            <a:lumOff val="40000"/>
+          </a:schemeClr>
+        </a:solidFill>
+        <a:prstDash val="dash"/>
+      </a:ln>
+    </cs:spPr>
+  </cs:seriesLine>
+  <cs:title>
+    <cs:lnRef idx="0"/>
+    <cs:fillRef idx="0"/>
+    <cs:effectRef idx="0"/>
+    <cs:fontRef idx="minor">
+      <a:schemeClr val="tx2"/>
+    </cs:fontRef>
+    <cs:defRPr sz="2128" b="1" kern="1200"/>
+  </cs:title>
+  <cs:trendline>
+    <cs:lnRef idx="0">
+      <cs:styleClr val="auto"/>
+    </cs:lnRef>
+    <cs:fillRef idx="0"/>
+    <cs:effectRef idx="0"/>
+    <cs:fontRef idx="minor">
+      <a:schemeClr val="tx2"/>
+    </cs:fontRef>
+    <cs:spPr>
+      <a:ln w="19050" cap="rnd">
+        <a:solidFill>
+          <a:schemeClr val="phClr"/>
+        </a:solidFill>
+        <a:prstDash val="sysDash"/>
+      </a:ln>
+    </cs:spPr>
+  </cs:trendline>
+  <cs:trendlineLabel>
+    <cs:lnRef idx="0"/>
+    <cs:fillRef idx="0"/>
+    <cs:effectRef idx="0"/>
+    <cs:fontRef idx="minor">
+      <a:schemeClr val="tx2"/>
+    </cs:fontRef>
+    <cs:defRPr sz="1197" kern="1200"/>
+  </cs:trendlineLabel>
+  <cs:upBar>
+    <cs:lnRef idx="0"/>
+    <cs:fillRef idx="0"/>
+    <cs:effectRef idx="0"/>
+    <cs:fontRef idx="minor">
+      <a:schemeClr val="tx2"/>
+    </cs:fontRef>
+    <cs:spPr>
+      <a:solidFill>
+        <a:schemeClr val="lt1"/>
+      </a:solidFill>
+      <a:ln w="9525">
+        <a:solidFill>
+          <a:schemeClr val="tx1">
+            <a:lumMod val="15000"/>
+            <a:lumOff val="85000"/>
+          </a:schemeClr>
+        </a:solidFill>
+      </a:ln>
+    </cs:spPr>
+  </cs:upBar>
+  <cs:valueAxis>
+    <cs:lnRef idx="0"/>
+    <cs:fillRef idx="0"/>
+    <cs:effectRef idx="0"/>
+    <cs:fontRef idx="minor">
+      <a:schemeClr val="tx2"/>
+    </cs:fontRef>
+    <cs:defRPr sz="1197" kern="1200"/>
+  </cs:valueAxis>
+  <cs:wall>
+    <cs:lnRef idx="0"/>
+    <cs:fillRef idx="0"/>
+    <cs:effectRef idx="0"/>
+    <cs:fontRef idx="minor">
+      <a:schemeClr val="tx2"/>
+    </cs:fontRef>
   </cs:wall>
 </cs:chartStyle>
 </file>
@@ -12162,10 +14948,10 @@
       </p:sp>
       <p:graphicFrame>
         <p:nvGraphicFramePr>
-          <p:cNvPr id="13" name="Диаграмма 12">
+          <p:cNvPr id="4" name="Диаграмма 3">
             <a:extLst>
               <a:ext uri="{FF2B5EF4-FFF2-40B4-BE49-F238E27FC236}">
-                <a16:creationId xmlns:a16="http://schemas.microsoft.com/office/drawing/2014/main" id="{96E52388-3A4C-BFF5-4841-9CDDDED41958}"/>
+                <a16:creationId xmlns:a16="http://schemas.microsoft.com/office/drawing/2014/main" id="{1DF4EE8D-3FC6-D264-EA95-EE57F5D90190}"/>
               </a:ext>
             </a:extLst>
           </p:cNvPr>
@@ -12175,14 +14961,14 @@
           <p:nvPr>
             <p:extLst>
               <p:ext uri="{D42A27DB-BD31-4B8C-83A1-F6EECF244321}">
-                <p14:modId xmlns:p14="http://schemas.microsoft.com/office/powerpoint/2010/main" val="3689670290"/>
+                <p14:modId xmlns:p14="http://schemas.microsoft.com/office/powerpoint/2010/main" val="3403665647"/>
               </p:ext>
             </p:extLst>
           </p:nvPr>
         </p:nvGraphicFramePr>
         <p:xfrm>
-          <a:off x="2283446" y="1629277"/>
-          <a:ext cx="7625108" cy="4727073"/>
+          <a:off x="2254416" y="1576978"/>
+          <a:ext cx="7683167" cy="4595221"/>
         </p:xfrm>
         <a:graphic>
           <a:graphicData uri="http://schemas.openxmlformats.org/drawingml/2006/chart">
@@ -12288,10 +15074,10 @@
       </p:sp>
       <p:graphicFrame>
         <p:nvGraphicFramePr>
-          <p:cNvPr id="4" name="Диаграмма 3">
+          <p:cNvPr id="5" name="Диаграмма 4">
             <a:extLst>
               <a:ext uri="{FF2B5EF4-FFF2-40B4-BE49-F238E27FC236}">
-                <a16:creationId xmlns:a16="http://schemas.microsoft.com/office/drawing/2014/main" id="{5459C993-61CA-F5FF-32B3-C5E54B30FFAB}"/>
+                <a16:creationId xmlns:a16="http://schemas.microsoft.com/office/drawing/2014/main" id="{1D50D23B-8553-2B56-E811-7357DE29C4E4}"/>
               </a:ext>
             </a:extLst>
           </p:cNvPr>
@@ -12301,18 +15087,48 @@
           <p:nvPr>
             <p:extLst>
               <p:ext uri="{D42A27DB-BD31-4B8C-83A1-F6EECF244321}">
-                <p14:modId xmlns:p14="http://schemas.microsoft.com/office/powerpoint/2010/main" val="744574530"/>
+                <p14:modId xmlns:p14="http://schemas.microsoft.com/office/powerpoint/2010/main" val="4010489655"/>
               </p:ext>
             </p:extLst>
           </p:nvPr>
         </p:nvGraphicFramePr>
         <p:xfrm>
-          <a:off x="838200" y="2336565"/>
-          <a:ext cx="4865483" cy="2942376"/>
+          <a:off x="838200" y="1855961"/>
+          <a:ext cx="5244853" cy="3693940"/>
         </p:xfrm>
         <a:graphic>
           <a:graphicData uri="http://schemas.openxmlformats.org/drawingml/2006/chart">
             <c:chart xmlns:c="http://schemas.openxmlformats.org/drawingml/2006/chart" xmlns:r="http://schemas.openxmlformats.org/officeDocument/2006/relationships" r:id="rId2"/>
+          </a:graphicData>
+        </a:graphic>
+      </p:graphicFrame>
+      <p:graphicFrame>
+        <p:nvGraphicFramePr>
+          <p:cNvPr id="6" name="Диаграмма 5">
+            <a:extLst>
+              <a:ext uri="{FF2B5EF4-FFF2-40B4-BE49-F238E27FC236}">
+                <a16:creationId xmlns:a16="http://schemas.microsoft.com/office/drawing/2014/main" id="{013F1D48-1797-9704-B273-EED994BDD441}"/>
+              </a:ext>
+            </a:extLst>
+          </p:cNvPr>
+          <p:cNvGraphicFramePr>
+            <a:graphicFrameLocks/>
+          </p:cNvGraphicFramePr>
+          <p:nvPr>
+            <p:extLst>
+              <p:ext uri="{D42A27DB-BD31-4B8C-83A1-F6EECF244321}">
+                <p14:modId xmlns:p14="http://schemas.microsoft.com/office/powerpoint/2010/main" val="3079415251"/>
+              </p:ext>
+            </p:extLst>
+          </p:nvPr>
+        </p:nvGraphicFramePr>
+        <p:xfrm>
+          <a:off x="6108949" y="1855961"/>
+          <a:ext cx="5244852" cy="3693940"/>
+        </p:xfrm>
+        <a:graphic>
+          <a:graphicData uri="http://schemas.openxmlformats.org/drawingml/2006/chart">
+            <c:chart xmlns:c="http://schemas.openxmlformats.org/drawingml/2006/chart" xmlns:r="http://schemas.openxmlformats.org/officeDocument/2006/relationships" r:id="rId3"/>
           </a:graphicData>
         </a:graphic>
       </p:graphicFrame>
@@ -12382,78 +15198,6 @@
           </a:p>
         </p:txBody>
       </p:sp>
-      <p:pic>
-        <p:nvPicPr>
-          <p:cNvPr id="5" name="Рисунок 4">
-            <a:extLst>
-              <a:ext uri="{FF2B5EF4-FFF2-40B4-BE49-F238E27FC236}">
-                <a16:creationId xmlns:a16="http://schemas.microsoft.com/office/drawing/2014/main" id="{DB26051D-C567-E37F-50E6-C45FB79EC322}"/>
-              </a:ext>
-            </a:extLst>
-          </p:cNvPr>
-          <p:cNvPicPr>
-            <a:picLocks noChangeAspect="1"/>
-          </p:cNvPicPr>
-          <p:nvPr/>
-        </p:nvPicPr>
-        <p:blipFill>
-          <a:blip r:embed="rId2">
-            <a:extLst>
-              <a:ext uri="{28A0092B-C50C-407E-A947-70E740481C1C}">
-                <a14:useLocalDpi xmlns:a14="http://schemas.microsoft.com/office/drawing/2010/main" val="0"/>
-              </a:ext>
-            </a:extLst>
-          </a:blip>
-          <a:stretch>
-            <a:fillRect/>
-          </a:stretch>
-        </p:blipFill>
-        <p:spPr>
-          <a:xfrm>
-            <a:off x="6096000" y="2064782"/>
-            <a:ext cx="5730875" cy="3438525"/>
-          </a:xfrm>
-          <a:prstGeom prst="rect">
-            <a:avLst/>
-          </a:prstGeom>
-        </p:spPr>
-      </p:pic>
-      <p:pic>
-        <p:nvPicPr>
-          <p:cNvPr id="9" name="Рисунок 8">
-            <a:extLst>
-              <a:ext uri="{FF2B5EF4-FFF2-40B4-BE49-F238E27FC236}">
-                <a16:creationId xmlns:a16="http://schemas.microsoft.com/office/drawing/2014/main" id="{6BEB6FE1-F116-AA87-574F-D67087BF3B44}"/>
-              </a:ext>
-            </a:extLst>
-          </p:cNvPr>
-          <p:cNvPicPr>
-            <a:picLocks noChangeAspect="1"/>
-          </p:cNvPicPr>
-          <p:nvPr/>
-        </p:nvPicPr>
-        <p:blipFill>
-          <a:blip r:embed="rId3">
-            <a:extLst>
-              <a:ext uri="{28A0092B-C50C-407E-A947-70E740481C1C}">
-                <a14:useLocalDpi xmlns:a14="http://schemas.microsoft.com/office/drawing/2010/main" val="0"/>
-              </a:ext>
-            </a:extLst>
-          </a:blip>
-          <a:stretch>
-            <a:fillRect/>
-          </a:stretch>
-        </p:blipFill>
-        <p:spPr>
-          <a:xfrm>
-            <a:off x="263641" y="2064781"/>
-            <a:ext cx="5730875" cy="3438525"/>
-          </a:xfrm>
-          <a:prstGeom prst="rect">
-            <a:avLst/>
-          </a:prstGeom>
-        </p:spPr>
-      </p:pic>
       <p:sp>
         <p:nvSpPr>
           <p:cNvPr id="3" name="Номер слайда 2">
@@ -12483,6 +15227,36 @@
           </a:p>
         </p:txBody>
       </p:sp>
+      <p:graphicFrame>
+        <p:nvGraphicFramePr>
+          <p:cNvPr id="4" name="Диаграмма 3">
+            <a:extLst>
+              <a:ext uri="{FF2B5EF4-FFF2-40B4-BE49-F238E27FC236}">
+                <a16:creationId xmlns:a16="http://schemas.microsoft.com/office/drawing/2014/main" id="{4A9DD364-5D26-BE82-133A-79E0DE24C34E}"/>
+              </a:ext>
+            </a:extLst>
+          </p:cNvPr>
+          <p:cNvGraphicFramePr>
+            <a:graphicFrameLocks/>
+          </p:cNvGraphicFramePr>
+          <p:nvPr>
+            <p:extLst>
+              <p:ext uri="{D42A27DB-BD31-4B8C-83A1-F6EECF244321}">
+                <p14:modId xmlns:p14="http://schemas.microsoft.com/office/powerpoint/2010/main" val="3853998685"/>
+              </p:ext>
+            </p:extLst>
+          </p:nvPr>
+        </p:nvGraphicFramePr>
+        <p:xfrm>
+          <a:off x="2275296" y="1693863"/>
+          <a:ext cx="7641407" cy="4392557"/>
+        </p:xfrm>
+        <a:graphic>
+          <a:graphicData uri="http://schemas.openxmlformats.org/drawingml/2006/chart">
+            <c:chart xmlns:c="http://schemas.openxmlformats.org/drawingml/2006/chart" xmlns:r="http://schemas.openxmlformats.org/officeDocument/2006/relationships" r:id="rId2"/>
+          </a:graphicData>
+        </a:graphic>
+      </p:graphicFrame>
     </p:spTree>
     <p:extLst>
       <p:ext uri="{BB962C8B-B14F-4D97-AF65-F5344CB8AC3E}">
@@ -16112,8 +18886,8 @@
           </a:p>
         </p:txBody>
       </p:sp>
-      <mc:AlternateContent xmlns:mc="http://schemas.openxmlformats.org/markup-compatibility/2006">
-        <mc:Choice xmlns:p14="http://schemas.microsoft.com/office/powerpoint/2010/main" Requires="p14">
+      <mc:AlternateContent xmlns:mc="http://schemas.openxmlformats.org/markup-compatibility/2006" xmlns:p14="http://schemas.microsoft.com/office/powerpoint/2010/main">
+        <mc:Choice Requires="p14">
           <p:contentPart p14:bwMode="auto" r:id="rId6">
             <p14:nvContentPartPr>
               <p14:cNvPr id="4" name="Рукописный ввод 3">
@@ -16132,7 +18906,7 @@
             </p14:xfrm>
           </p:contentPart>
         </mc:Choice>
-        <mc:Fallback>
+        <mc:Fallback xmlns="">
           <p:pic>
             <p:nvPicPr>
               <p:cNvPr id="4" name="Рукописный ввод 3">

--- a/АиСД дерево.pptx
+++ b/АиСД дерево.pptx
@@ -202,9 +202,14 @@
               </a:defRPr>
             </a:pPr>
             <a:r>
-              <a:rPr lang="ru-RU"/>
-              <a:t>Вставка</a:t>
-            </a:r>
+              <a:rPr lang="ru-RU" dirty="0"/>
+              <a:t>Добавление узла</a:t>
+            </a:r>
+            <a:r>
+              <a:rPr lang="ru-RU" baseline="0" dirty="0"/>
+              <a:t> в дерево</a:t>
+            </a:r>
+            <a:endParaRPr lang="ru-RU" dirty="0"/>
           </a:p>
         </c:rich>
       </c:tx>
@@ -5237,7 +5242,7 @@
           <a:p>
             <a:fld id="{260775FE-3F94-4831-A43A-6ED7C29BFAC4}" type="datetimeFigureOut">
               <a:rPr lang="ru-RU" smtClean="0"/>
-              <a:t>11.01.2023</a:t>
+              <a:t>14.01.2023</a:t>
             </a:fld>
             <a:endParaRPr lang="ru-RU"/>
           </a:p>
@@ -6221,7 +6226,7 @@
           <a:p>
             <a:fld id="{D7E476BF-0D63-4BA0-BEBA-970FC038D5A2}" type="datetimeFigureOut">
               <a:rPr lang="ru-RU" smtClean="0"/>
-              <a:t>11.01.2023</a:t>
+              <a:t>14.01.2023</a:t>
             </a:fld>
             <a:endParaRPr lang="ru-RU"/>
           </a:p>
@@ -6720,7 +6725,7 @@
           <a:p>
             <a:fld id="{2F1A0784-D92A-4284-94B3-C386155640F3}" type="datetime1">
               <a:rPr lang="ru-RU" smtClean="0"/>
-              <a:t>11.01.2023</a:t>
+              <a:t>14.01.2023</a:t>
             </a:fld>
             <a:endParaRPr lang="ru-RU"/>
           </a:p>
@@ -6921,7 +6926,7 @@
           <a:p>
             <a:fld id="{41C4B401-F9D3-437D-9111-CC27A2D08511}" type="datetime1">
               <a:rPr lang="ru-RU" smtClean="0"/>
-              <a:t>11.01.2023</a:t>
+              <a:t>14.01.2023</a:t>
             </a:fld>
             <a:endParaRPr lang="ru-RU"/>
           </a:p>
@@ -7132,7 +7137,7 @@
           <a:p>
             <a:fld id="{85EFBF46-6852-4422-97E5-82C206A0883F}" type="datetime1">
               <a:rPr lang="ru-RU" smtClean="0"/>
-              <a:t>11.01.2023</a:t>
+              <a:t>14.01.2023</a:t>
             </a:fld>
             <a:endParaRPr lang="ru-RU"/>
           </a:p>
@@ -7333,7 +7338,7 @@
           <a:p>
             <a:fld id="{C5998E3E-6CC7-40E3-A720-7F29E9D0C024}" type="datetime1">
               <a:rPr lang="ru-RU" smtClean="0"/>
-              <a:t>11.01.2023</a:t>
+              <a:t>14.01.2023</a:t>
             </a:fld>
             <a:endParaRPr lang="ru-RU"/>
           </a:p>
@@ -7611,7 +7616,7 @@
           <a:p>
             <a:fld id="{F5E42EAF-C271-4F97-BC66-33281797A5C0}" type="datetime1">
               <a:rPr lang="ru-RU" smtClean="0"/>
-              <a:t>11.01.2023</a:t>
+              <a:t>14.01.2023</a:t>
             </a:fld>
             <a:endParaRPr lang="ru-RU"/>
           </a:p>
@@ -7879,7 +7884,7 @@
           <a:p>
             <a:fld id="{5F71CFE8-B79B-4C2C-A16A-A1E5E70C3159}" type="datetime1">
               <a:rPr lang="ru-RU" smtClean="0"/>
-              <a:t>11.01.2023</a:t>
+              <a:t>14.01.2023</a:t>
             </a:fld>
             <a:endParaRPr lang="ru-RU"/>
           </a:p>
@@ -8294,7 +8299,7 @@
           <a:p>
             <a:fld id="{E1FCC358-46C0-4E52-93AA-4355E3407619}" type="datetime1">
               <a:rPr lang="ru-RU" smtClean="0"/>
-              <a:t>11.01.2023</a:t>
+              <a:t>14.01.2023</a:t>
             </a:fld>
             <a:endParaRPr lang="ru-RU"/>
           </a:p>
@@ -8438,7 +8443,7 @@
           <a:p>
             <a:fld id="{18E78677-FCD7-4C5E-834C-1780AD17593F}" type="datetime1">
               <a:rPr lang="ru-RU" smtClean="0"/>
-              <a:t>11.01.2023</a:t>
+              <a:t>14.01.2023</a:t>
             </a:fld>
             <a:endParaRPr lang="ru-RU"/>
           </a:p>
@@ -8554,7 +8559,7 @@
           <a:p>
             <a:fld id="{19D4E631-773F-42E7-8B9C-141C0F4AC7D8}" type="datetime1">
               <a:rPr lang="ru-RU" smtClean="0"/>
-              <a:t>11.01.2023</a:t>
+              <a:t>14.01.2023</a:t>
             </a:fld>
             <a:endParaRPr lang="ru-RU"/>
           </a:p>
@@ -8868,7 +8873,7 @@
           <a:p>
             <a:fld id="{0468BFC5-383C-4D9D-998C-C0D4377393C2}" type="datetime1">
               <a:rPr lang="ru-RU" smtClean="0"/>
-              <a:t>11.01.2023</a:t>
+              <a:t>14.01.2023</a:t>
             </a:fld>
             <a:endParaRPr lang="ru-RU"/>
           </a:p>
@@ -9159,7 +9164,7 @@
           <a:p>
             <a:fld id="{01115583-232F-495D-AEAA-C975519FA29A}" type="datetime1">
               <a:rPr lang="ru-RU" smtClean="0"/>
-              <a:t>11.01.2023</a:t>
+              <a:t>14.01.2023</a:t>
             </a:fld>
             <a:endParaRPr lang="ru-RU"/>
           </a:p>
@@ -9403,7 +9408,7 @@
           <a:p>
             <a:fld id="{64E0F01A-C444-4398-87A7-3FC8D95D0BBA}" type="datetime1">
               <a:rPr lang="ru-RU" smtClean="0"/>
-              <a:t>11.01.2023</a:t>
+              <a:t>14.01.2023</a:t>
             </a:fld>
             <a:endParaRPr lang="ru-RU"/>
           </a:p>
@@ -10049,7 +10054,7 @@
                 <a:effectLst/>
                 <a:latin typeface="Times New Roman" panose="02020603050405020304" pitchFamily="18" charset="0"/>
               </a:rPr>
-              <a:t>Руководитель практики </a:t>
+              <a:t>Руководитель</a:t>
             </a:r>
           </a:p>
           <a:p>
@@ -10107,7 +10112,7 @@
           <a:p>
             <a:r>
               <a:rPr lang="ru-RU" dirty="0"/>
-              <a:t>2022</a:t>
+              <a:t>2023</a:t>
             </a:r>
           </a:p>
         </p:txBody>
@@ -10528,7 +10533,7 @@
         </p:nvSpPr>
         <p:spPr>
           <a:xfrm>
-            <a:off x="915473" y="-48267"/>
+            <a:off x="915473" y="-75427"/>
             <a:ext cx="10442576" cy="1325563"/>
           </a:xfrm>
         </p:spPr>
@@ -10558,7 +10563,7 @@
         <p:spPr>
           <a:xfrm flipH="1">
             <a:off x="915473" y="1802869"/>
-            <a:ext cx="263156" cy="369332"/>
+            <a:ext cx="398958" cy="369332"/>
           </a:xfrm>
           <a:prstGeom prst="rect">
             <a:avLst/>
@@ -10573,7 +10578,7 @@
           <a:p>
             <a:r>
               <a:rPr lang="ru-RU" dirty="0"/>
-              <a:t>3</a:t>
+              <a:t>3)</a:t>
             </a:r>
           </a:p>
         </p:txBody>
@@ -10923,7 +10928,7 @@
         <p:spPr>
           <a:xfrm flipH="1">
             <a:off x="6381240" y="1802869"/>
-            <a:ext cx="263156" cy="369332"/>
+            <a:ext cx="398958" cy="369332"/>
           </a:xfrm>
           <a:prstGeom prst="rect">
             <a:avLst/>
@@ -10938,7 +10943,7 @@
           <a:p>
             <a:r>
               <a:rPr lang="ru-RU" dirty="0"/>
-              <a:t>4</a:t>
+              <a:t>4)</a:t>
             </a:r>
           </a:p>
         </p:txBody>
@@ -10965,10 +10970,18 @@
           <a:lstStyle/>
           <a:p>
             <a:fld id="{2F362560-E0F8-43D8-8E93-488BE82A516D}" type="slidenum">
-              <a:rPr lang="ru-RU" smtClean="0"/>
+              <a:rPr lang="ru-RU" sz="2000" smtClean="0">
+                <a:solidFill>
+                  <a:schemeClr val="tx1"/>
+                </a:solidFill>
+              </a:rPr>
               <a:t>10</a:t>
             </a:fld>
-            <a:endParaRPr lang="ru-RU"/>
+            <a:endParaRPr lang="ru-RU" sz="2000" dirty="0">
+              <a:solidFill>
+                <a:schemeClr val="tx1"/>
+              </a:solidFill>
+            </a:endParaRPr>
           </a:p>
         </p:txBody>
       </p:sp>
@@ -12154,10 +12167,18 @@
           <a:lstStyle/>
           <a:p>
             <a:fld id="{2F362560-E0F8-43D8-8E93-488BE82A516D}" type="slidenum">
-              <a:rPr lang="ru-RU" smtClean="0"/>
+              <a:rPr lang="ru-RU" sz="2000" smtClean="0">
+                <a:solidFill>
+                  <a:schemeClr val="tx1"/>
+                </a:solidFill>
+              </a:rPr>
               <a:t>11</a:t>
             </a:fld>
-            <a:endParaRPr lang="ru-RU"/>
+            <a:endParaRPr lang="ru-RU" sz="2000" dirty="0">
+              <a:solidFill>
+                <a:schemeClr val="tx1"/>
+              </a:solidFill>
+            </a:endParaRPr>
           </a:p>
         </p:txBody>
       </p:sp>
@@ -13181,7 +13202,7 @@
           <a:p>
             <a:r>
               <a:rPr lang="ru-RU" dirty="0"/>
-              <a:t>Варианты перекрытия</a:t>
+              <a:t>Варианты перекрытия </a:t>
             </a:r>
           </a:p>
         </p:txBody>
@@ -13367,10 +13388,18 @@
           <a:lstStyle/>
           <a:p>
             <a:fld id="{2F362560-E0F8-43D8-8E93-488BE82A516D}" type="slidenum">
-              <a:rPr lang="ru-RU" smtClean="0"/>
+              <a:rPr lang="ru-RU" sz="2000" smtClean="0">
+                <a:solidFill>
+                  <a:schemeClr val="tx1"/>
+                </a:solidFill>
+              </a:rPr>
               <a:t>12</a:t>
             </a:fld>
-            <a:endParaRPr lang="ru-RU"/>
+            <a:endParaRPr lang="ru-RU" sz="2000" dirty="0">
+              <a:solidFill>
+                <a:schemeClr val="tx1"/>
+              </a:solidFill>
+            </a:endParaRPr>
           </a:p>
         </p:txBody>
       </p:sp>
@@ -13741,10 +13770,18 @@
           <a:lstStyle/>
           <a:p>
             <a:fld id="{2F362560-E0F8-43D8-8E93-488BE82A516D}" type="slidenum">
-              <a:rPr lang="ru-RU" smtClean="0"/>
+              <a:rPr lang="ru-RU" smtClean="0">
+                <a:solidFill>
+                  <a:schemeClr val="tx1"/>
+                </a:solidFill>
+              </a:rPr>
               <a:t>13</a:t>
             </a:fld>
-            <a:endParaRPr lang="ru-RU"/>
+            <a:endParaRPr lang="ru-RU">
+              <a:solidFill>
+                <a:schemeClr val="tx1"/>
+              </a:solidFill>
+            </a:endParaRPr>
           </a:p>
         </p:txBody>
       </p:sp>
@@ -14139,10 +14176,18 @@
           <a:lstStyle/>
           <a:p>
             <a:fld id="{2F362560-E0F8-43D8-8E93-488BE82A516D}" type="slidenum">
-              <a:rPr lang="ru-RU" smtClean="0"/>
+              <a:rPr lang="ru-RU" sz="2000" smtClean="0">
+                <a:solidFill>
+                  <a:schemeClr val="tx1"/>
+                </a:solidFill>
+              </a:rPr>
               <a:t>14</a:t>
             </a:fld>
-            <a:endParaRPr lang="ru-RU"/>
+            <a:endParaRPr lang="ru-RU" sz="2000" dirty="0">
+              <a:solidFill>
+                <a:schemeClr val="tx1"/>
+              </a:solidFill>
+            </a:endParaRPr>
           </a:p>
         </p:txBody>
       </p:sp>
@@ -14663,16 +14708,29 @@
             <p:ph type="sldNum" sz="quarter" idx="12"/>
           </p:nvPr>
         </p:nvSpPr>
-        <p:spPr/>
+        <p:spPr>
+          <a:xfrm>
+            <a:off x="8610600" y="6310312"/>
+            <a:ext cx="2743200" cy="365125"/>
+          </a:xfrm>
+        </p:spPr>
         <p:txBody>
           <a:bodyPr/>
           <a:lstStyle/>
           <a:p>
             <a:fld id="{2F362560-E0F8-43D8-8E93-488BE82A516D}" type="slidenum">
-              <a:rPr lang="ru-RU" smtClean="0"/>
+              <a:rPr lang="ru-RU" sz="2000" smtClean="0">
+                <a:solidFill>
+                  <a:schemeClr val="tx1"/>
+                </a:solidFill>
+              </a:rPr>
               <a:t>15</a:t>
             </a:fld>
-            <a:endParaRPr lang="ru-RU"/>
+            <a:endParaRPr lang="ru-RU" sz="2000">
+              <a:solidFill>
+                <a:schemeClr val="tx1"/>
+              </a:solidFill>
+            </a:endParaRPr>
           </a:p>
         </p:txBody>
       </p:sp>
@@ -14836,10 +14894,18 @@
           <a:lstStyle/>
           <a:p>
             <a:fld id="{2F362560-E0F8-43D8-8E93-488BE82A516D}" type="slidenum">
-              <a:rPr lang="ru-RU" smtClean="0"/>
+              <a:rPr lang="ru-RU" sz="2000" smtClean="0">
+                <a:solidFill>
+                  <a:schemeClr val="tx1"/>
+                </a:solidFill>
+              </a:rPr>
               <a:t>16</a:t>
             </a:fld>
-            <a:endParaRPr lang="ru-RU"/>
+            <a:endParaRPr lang="ru-RU" sz="2000">
+              <a:solidFill>
+                <a:schemeClr val="tx1"/>
+              </a:solidFill>
+            </a:endParaRPr>
           </a:p>
         </p:txBody>
       </p:sp>
@@ -14933,16 +14999,29 @@
             <p:ph type="sldNum" sz="quarter" idx="12"/>
           </p:nvPr>
         </p:nvSpPr>
-        <p:spPr/>
+        <p:spPr>
+          <a:xfrm>
+            <a:off x="8610600" y="6356350"/>
+            <a:ext cx="2743200" cy="365125"/>
+          </a:xfrm>
+        </p:spPr>
         <p:txBody>
           <a:bodyPr/>
           <a:lstStyle/>
           <a:p>
             <a:fld id="{2F362560-E0F8-43D8-8E93-488BE82A516D}" type="slidenum">
-              <a:rPr lang="ru-RU" smtClean="0"/>
+              <a:rPr lang="ru-RU" smtClean="0">
+                <a:solidFill>
+                  <a:schemeClr val="tx1"/>
+                </a:solidFill>
+              </a:rPr>
               <a:t>17</a:t>
             </a:fld>
-            <a:endParaRPr lang="ru-RU"/>
+            <a:endParaRPr lang="ru-RU">
+              <a:solidFill>
+                <a:schemeClr val="tx1"/>
+              </a:solidFill>
+            </a:endParaRPr>
           </a:p>
         </p:txBody>
       </p:sp>
@@ -14961,7 +15040,7 @@
           <p:nvPr>
             <p:extLst>
               <p:ext uri="{D42A27DB-BD31-4B8C-83A1-F6EECF244321}">
-                <p14:modId xmlns:p14="http://schemas.microsoft.com/office/powerpoint/2010/main" val="3403665647"/>
+                <p14:modId xmlns:p14="http://schemas.microsoft.com/office/powerpoint/2010/main" val="3703124618"/>
               </p:ext>
             </p:extLst>
           </p:nvPr>
@@ -15065,10 +15144,18 @@
           <a:lstStyle/>
           <a:p>
             <a:fld id="{2F362560-E0F8-43D8-8E93-488BE82A516D}" type="slidenum">
-              <a:rPr lang="ru-RU" smtClean="0"/>
+              <a:rPr lang="ru-RU" sz="2000" smtClean="0">
+                <a:solidFill>
+                  <a:schemeClr val="tx1"/>
+                </a:solidFill>
+              </a:rPr>
               <a:t>18</a:t>
             </a:fld>
-            <a:endParaRPr lang="ru-RU"/>
+            <a:endParaRPr lang="ru-RU" sz="2000">
+              <a:solidFill>
+                <a:schemeClr val="tx1"/>
+              </a:solidFill>
+            </a:endParaRPr>
           </a:p>
         </p:txBody>
       </p:sp>
@@ -15220,10 +15307,18 @@
           <a:lstStyle/>
           <a:p>
             <a:fld id="{2F362560-E0F8-43D8-8E93-488BE82A516D}" type="slidenum">
-              <a:rPr lang="ru-RU" smtClean="0"/>
+              <a:rPr lang="ru-RU" sz="2000" smtClean="0">
+                <a:solidFill>
+                  <a:schemeClr val="tx1"/>
+                </a:solidFill>
+              </a:rPr>
               <a:t>19</a:t>
             </a:fld>
-            <a:endParaRPr lang="ru-RU"/>
+            <a:endParaRPr lang="ru-RU" sz="2000">
+              <a:solidFill>
+                <a:schemeClr val="tx1"/>
+              </a:solidFill>
+            </a:endParaRPr>
           </a:p>
         </p:txBody>
       </p:sp>
@@ -15737,24 +15832,6 @@
               </a:rPr>
               <a:t>CATS</a:t>
             </a:r>
-            <a:endParaRPr lang="en-US" sz="1900" dirty="0">
-              <a:effectLst/>
-              <a:ea typeface="Calibri" panose="020F0502020204030204" pitchFamily="34" charset="0"/>
-            </a:endParaRPr>
-          </a:p>
-          <a:p>
-            <a:pPr indent="0" algn="just">
-              <a:lnSpc>
-                <a:spcPct val="150000"/>
-              </a:lnSpc>
-              <a:buNone/>
-            </a:pPr>
-            <a:endParaRPr lang="ru-RU" sz="1900" dirty="0">
-              <a:effectLst/>
-              <a:ea typeface="Calibri" panose="020F0502020204030204" pitchFamily="34" charset="0"/>
-            </a:endParaRPr>
-          </a:p>
-          <a:p>
             <a:endParaRPr lang="ru-RU" dirty="0"/>
           </a:p>
         </p:txBody>
@@ -15781,10 +15858,18 @@
           <a:lstStyle/>
           <a:p>
             <a:fld id="{2F362560-E0F8-43D8-8E93-488BE82A516D}" type="slidenum">
-              <a:rPr lang="ru-RU" smtClean="0"/>
+              <a:rPr lang="ru-RU" sz="2000" smtClean="0">
+                <a:solidFill>
+                  <a:schemeClr val="tx1"/>
+                </a:solidFill>
+              </a:rPr>
               <a:t>2</a:t>
             </a:fld>
-            <a:endParaRPr lang="ru-RU"/>
+            <a:endParaRPr lang="ru-RU" sz="2000" dirty="0">
+              <a:solidFill>
+                <a:schemeClr val="tx1"/>
+              </a:solidFill>
+            </a:endParaRPr>
           </a:p>
         </p:txBody>
       </p:sp>
@@ -15963,10 +16048,18 @@
           <a:lstStyle/>
           <a:p>
             <a:fld id="{2F362560-E0F8-43D8-8E93-488BE82A516D}" type="slidenum">
-              <a:rPr lang="ru-RU" smtClean="0"/>
+              <a:rPr lang="ru-RU" sz="2000" smtClean="0">
+                <a:solidFill>
+                  <a:schemeClr val="tx1"/>
+                </a:solidFill>
+              </a:rPr>
               <a:t>20</a:t>
             </a:fld>
-            <a:endParaRPr lang="ru-RU"/>
+            <a:endParaRPr lang="ru-RU" sz="2000">
+              <a:solidFill>
+                <a:schemeClr val="tx1"/>
+              </a:solidFill>
+            </a:endParaRPr>
           </a:p>
         </p:txBody>
       </p:sp>
@@ -16181,10 +16274,18 @@
           <a:lstStyle/>
           <a:p>
             <a:fld id="{2F362560-E0F8-43D8-8E93-488BE82A516D}" type="slidenum">
-              <a:rPr lang="ru-RU" smtClean="0"/>
+              <a:rPr lang="ru-RU" sz="2000" smtClean="0">
+                <a:solidFill>
+                  <a:schemeClr val="tx1"/>
+                </a:solidFill>
+              </a:rPr>
               <a:t>3</a:t>
             </a:fld>
-            <a:endParaRPr lang="ru-RU"/>
+            <a:endParaRPr lang="ru-RU" sz="2000">
+              <a:solidFill>
+                <a:schemeClr val="tx1"/>
+              </a:solidFill>
+            </a:endParaRPr>
           </a:p>
         </p:txBody>
       </p:sp>
@@ -16886,7 +16987,7 @@
         </p:nvSpPr>
         <p:spPr>
           <a:xfrm>
-            <a:off x="8994734" y="3637557"/>
+            <a:off x="8994734" y="3121268"/>
             <a:ext cx="1136710" cy="1136710"/>
           </a:xfrm>
           <a:prstGeom prst="ellipse">
@@ -16943,7 +17044,7 @@
         </p:nvSpPr>
         <p:spPr>
           <a:xfrm>
-            <a:off x="8994734" y="3059436"/>
+            <a:off x="8994734" y="2543147"/>
             <a:ext cx="2338691" cy="369332"/>
           </a:xfrm>
           <a:prstGeom prst="rect">
@@ -16978,7 +17079,7 @@
         </p:nvSpPr>
         <p:spPr>
           <a:xfrm>
-            <a:off x="8994734" y="4983056"/>
+            <a:off x="8994734" y="4466767"/>
             <a:ext cx="2338691" cy="369332"/>
           </a:xfrm>
           <a:prstGeom prst="rect">
@@ -17017,7 +17118,7 @@
         </p:nvSpPr>
         <p:spPr>
           <a:xfrm>
-            <a:off x="8994734" y="5561177"/>
+            <a:off x="8994734" y="5044888"/>
             <a:ext cx="2648022" cy="646331"/>
           </a:xfrm>
           <a:prstGeom prst="rect">
@@ -17162,16 +17263,29 @@
             <p:ph type="sldNum" sz="quarter" idx="12"/>
           </p:nvPr>
         </p:nvSpPr>
-        <p:spPr/>
+        <p:spPr>
+          <a:xfrm>
+            <a:off x="8590225" y="6353740"/>
+            <a:ext cx="2743200" cy="365125"/>
+          </a:xfrm>
+        </p:spPr>
         <p:txBody>
           <a:bodyPr/>
           <a:lstStyle/>
           <a:p>
             <a:fld id="{2F362560-E0F8-43D8-8E93-488BE82A516D}" type="slidenum">
-              <a:rPr lang="ru-RU" smtClean="0"/>
+              <a:rPr lang="ru-RU" sz="2000" smtClean="0">
+                <a:solidFill>
+                  <a:schemeClr val="tx1"/>
+                </a:solidFill>
+              </a:rPr>
               <a:t>4</a:t>
             </a:fld>
-            <a:endParaRPr lang="ru-RU"/>
+            <a:endParaRPr lang="ru-RU" sz="2000" dirty="0">
+              <a:solidFill>
+                <a:schemeClr val="tx1"/>
+              </a:solidFill>
+            </a:endParaRPr>
           </a:p>
         </p:txBody>
       </p:sp>
@@ -17806,13 +17920,15 @@
               </a:ext>
             </a:extLst>
           </p:cNvPr>
-          <p:cNvCxnSpPr/>
+          <p:cNvCxnSpPr>
+            <a:cxnSpLocks/>
+          </p:cNvCxnSpPr>
           <p:nvPr/>
         </p:nvCxnSpPr>
         <p:spPr>
           <a:xfrm>
             <a:off x="4019550" y="1790700"/>
-            <a:ext cx="0" cy="4699000"/>
+            <a:ext cx="0" cy="4048785"/>
           </a:xfrm>
           <a:prstGeom prst="line">
             <a:avLst/>
@@ -17842,13 +17958,15 @@
               </a:ext>
             </a:extLst>
           </p:cNvPr>
-          <p:cNvCxnSpPr/>
+          <p:cNvCxnSpPr>
+            <a:cxnSpLocks/>
+          </p:cNvCxnSpPr>
           <p:nvPr/>
         </p:nvCxnSpPr>
         <p:spPr>
           <a:xfrm>
             <a:off x="7486650" y="1790700"/>
-            <a:ext cx="0" cy="4699000"/>
+            <a:ext cx="0" cy="4052888"/>
           </a:xfrm>
           <a:prstGeom prst="line">
             <a:avLst/>
@@ -17891,10 +18009,18 @@
           <a:lstStyle/>
           <a:p>
             <a:fld id="{2F362560-E0F8-43D8-8E93-488BE82A516D}" type="slidenum">
-              <a:rPr lang="ru-RU" smtClean="0"/>
+              <a:rPr lang="ru-RU" sz="2000" smtClean="0">
+                <a:solidFill>
+                  <a:schemeClr val="tx1"/>
+                </a:solidFill>
+              </a:rPr>
               <a:t>5</a:t>
             </a:fld>
-            <a:endParaRPr lang="ru-RU"/>
+            <a:endParaRPr lang="ru-RU" sz="2000">
+              <a:solidFill>
+                <a:schemeClr val="tx1"/>
+              </a:solidFill>
+            </a:endParaRPr>
           </a:p>
         </p:txBody>
       </p:sp>
@@ -18414,16 +18540,29 @@
             <p:ph type="sldNum" sz="quarter" idx="12"/>
           </p:nvPr>
         </p:nvSpPr>
-        <p:spPr/>
+        <p:spPr>
+          <a:xfrm>
+            <a:off x="8610600" y="6383509"/>
+            <a:ext cx="2743200" cy="365125"/>
+          </a:xfrm>
+        </p:spPr>
         <p:txBody>
           <a:bodyPr/>
           <a:lstStyle/>
           <a:p>
             <a:fld id="{2F362560-E0F8-43D8-8E93-488BE82A516D}" type="slidenum">
-              <a:rPr lang="ru-RU" smtClean="0"/>
+              <a:rPr lang="ru-RU" sz="2000" smtClean="0">
+                <a:solidFill>
+                  <a:schemeClr val="tx1"/>
+                </a:solidFill>
+              </a:rPr>
               <a:t>6</a:t>
             </a:fld>
-            <a:endParaRPr lang="ru-RU"/>
+            <a:endParaRPr lang="ru-RU" sz="2000" dirty="0">
+              <a:solidFill>
+                <a:schemeClr val="tx1"/>
+              </a:solidFill>
+            </a:endParaRPr>
           </a:p>
         </p:txBody>
       </p:sp>
@@ -18488,7 +18627,7 @@
           <a:p>
             <a:r>
               <a:rPr lang="ru-RU" dirty="0"/>
-              <a:t>Добавление узла в дерево</a:t>
+              <a:t>Процесс добавления узла в дерево</a:t>
             </a:r>
           </a:p>
         </p:txBody>
@@ -18879,10 +19018,18 @@
           <a:lstStyle/>
           <a:p>
             <a:fld id="{2F362560-E0F8-43D8-8E93-488BE82A516D}" type="slidenum">
-              <a:rPr lang="ru-RU" smtClean="0"/>
+              <a:rPr lang="ru-RU" sz="2000" smtClean="0">
+                <a:solidFill>
+                  <a:schemeClr val="tx1"/>
+                </a:solidFill>
+              </a:rPr>
               <a:t>7</a:t>
             </a:fld>
-            <a:endParaRPr lang="ru-RU"/>
+            <a:endParaRPr lang="ru-RU" sz="2000" dirty="0">
+              <a:solidFill>
+                <a:schemeClr val="tx1"/>
+              </a:solidFill>
+            </a:endParaRPr>
           </a:p>
         </p:txBody>
       </p:sp>
@@ -19818,10 +19965,18 @@
           <a:lstStyle/>
           <a:p>
             <a:fld id="{2F362560-E0F8-43D8-8E93-488BE82A516D}" type="slidenum">
-              <a:rPr lang="ru-RU" smtClean="0"/>
+              <a:rPr lang="ru-RU" sz="2000" smtClean="0">
+                <a:solidFill>
+                  <a:schemeClr val="tx1"/>
+                </a:solidFill>
+              </a:rPr>
               <a:t>8</a:t>
             </a:fld>
-            <a:endParaRPr lang="ru-RU"/>
+            <a:endParaRPr lang="ru-RU" sz="2000">
+              <a:solidFill>
+                <a:schemeClr val="tx1"/>
+              </a:solidFill>
+            </a:endParaRPr>
           </a:p>
         </p:txBody>
       </p:sp>
@@ -20366,7 +20521,7 @@
         <p:spPr>
           <a:xfrm flipH="1">
             <a:off x="915473" y="1802869"/>
-            <a:ext cx="263156" cy="369332"/>
+            <a:ext cx="398958" cy="369332"/>
           </a:xfrm>
           <a:prstGeom prst="rect">
             <a:avLst/>
@@ -20381,7 +20536,7 @@
           <a:p>
             <a:r>
               <a:rPr lang="ru-RU" dirty="0"/>
-              <a:t>1</a:t>
+              <a:t>1)</a:t>
             </a:r>
           </a:p>
         </p:txBody>
@@ -20861,7 +21016,7 @@
         <p:spPr>
           <a:xfrm flipH="1">
             <a:off x="6381240" y="1802869"/>
-            <a:ext cx="263156" cy="369332"/>
+            <a:ext cx="398958" cy="369332"/>
           </a:xfrm>
           <a:prstGeom prst="rect">
             <a:avLst/>
@@ -20876,7 +21031,7 @@
           <a:p>
             <a:r>
               <a:rPr lang="ru-RU" dirty="0"/>
-              <a:t>2</a:t>
+              <a:t>2)</a:t>
             </a:r>
           </a:p>
         </p:txBody>
@@ -20951,10 +21106,18 @@
           <a:lstStyle/>
           <a:p>
             <a:fld id="{2F362560-E0F8-43D8-8E93-488BE82A516D}" type="slidenum">
-              <a:rPr lang="ru-RU" smtClean="0"/>
+              <a:rPr lang="ru-RU" sz="2000" smtClean="0">
+                <a:solidFill>
+                  <a:schemeClr val="tx1"/>
+                </a:solidFill>
+              </a:rPr>
               <a:t>9</a:t>
             </a:fld>
-            <a:endParaRPr lang="ru-RU"/>
+            <a:endParaRPr lang="ru-RU" sz="2000" dirty="0">
+              <a:solidFill>
+                <a:schemeClr val="tx1"/>
+              </a:solidFill>
+            </a:endParaRPr>
           </a:p>
         </p:txBody>
       </p:sp>

--- a/АиСД дерево.pptx
+++ b/АиСД дерево.pptx
@@ -203,13 +203,8 @@
             </a:pPr>
             <a:r>
               <a:rPr lang="ru-RU" dirty="0"/>
-              <a:t>Добавление узла</a:t>
-            </a:r>
-            <a:r>
-              <a:rPr lang="ru-RU" baseline="0" dirty="0"/>
-              <a:t> в дерево</a:t>
-            </a:r>
-            <a:endParaRPr lang="ru-RU" dirty="0"/>
+              <a:t>Эффективность по времени</a:t>
+            </a:r>
           </a:p>
         </c:rich>
       </c:tx>
@@ -14839,7 +14834,7 @@
                 <a:effectLst/>
                 <a:ea typeface="Calibri" panose="020F0502020204030204" pitchFamily="34" charset="0"/>
               </a:rPr>
-              <a:t>Поиск всех интервалов или точки, которые перекрывает заданный интервал. </a:t>
+              <a:t>Поиск всех интервалов (точек), которые перекрываются заданным интервалом. </a:t>
             </a:r>
             <a:endParaRPr lang="en-US" dirty="0">
               <a:effectLst/>
@@ -14858,10 +14853,16 @@
             </a:pPr>
             <a:r>
               <a:rPr lang="ru-RU" dirty="0">
+                <a:ea typeface="Calibri" panose="020F0502020204030204" pitchFamily="34" charset="0"/>
+              </a:rPr>
+              <a:t>П</a:t>
+            </a:r>
+            <a:r>
+              <a:rPr lang="ru-RU" dirty="0">
                 <a:effectLst/>
                 <a:ea typeface="Calibri" panose="020F0502020204030204" pitchFamily="34" charset="0"/>
               </a:rPr>
-              <a:t>Дерево интервалов используется для поиска видимых элементов внутри трехмерной сцены.</a:t>
+              <a:t>оиска видимых элементов внутри трехмерной сцены.</a:t>
             </a:r>
           </a:p>
           <a:p>
@@ -14970,7 +14971,7 @@
           <a:p>
             <a:r>
               <a:rPr lang="ru-RU" dirty="0"/>
-              <a:t>Исследование</a:t>
+              <a:t>Добавление узла в дерево</a:t>
             </a:r>
             <a:r>
               <a:rPr lang="en-US" dirty="0"/>
@@ -15040,7 +15041,7 @@
           <p:nvPr>
             <p:extLst>
               <p:ext uri="{D42A27DB-BD31-4B8C-83A1-F6EECF244321}">
-                <p14:modId xmlns:p14="http://schemas.microsoft.com/office/powerpoint/2010/main" val="3703124618"/>
+                <p14:modId xmlns:p14="http://schemas.microsoft.com/office/powerpoint/2010/main" val="3204100236"/>
               </p:ext>
             </p:extLst>
           </p:nvPr>
@@ -15115,10 +15116,9 @@
           <a:lstStyle/>
           <a:p>
             <a:r>
-              <a:rPr lang="ru-RU"/>
-              <a:t>Исследование</a:t>
-            </a:r>
-            <a:endParaRPr lang="ru-RU" dirty="0"/>
+              <a:rPr lang="ru-RU" dirty="0"/>
+              <a:t>Удаление узла из дерева</a:t>
+            </a:r>
           </a:p>
         </p:txBody>
       </p:sp>
@@ -15952,15 +15952,17 @@
         </p:nvSpPr>
         <p:spPr/>
         <p:txBody>
-          <a:bodyPr/>
+          <a:bodyPr>
+            <a:normAutofit fontScale="92500"/>
+          </a:bodyPr>
           <a:lstStyle/>
           <a:p>
-            <a:pPr marL="0" indent="0">
-              <a:buNone/>
+            <a:pPr marL="514350" indent="-514350">
+              <a:buAutoNum type="arabicParenR"/>
             </a:pPr>
             <a:r>
               <a:rPr lang="ru-RU" dirty="0"/>
-              <a:t>В ходе исследования была собрана информация главная информация, относящаяся к структуре данных </a:t>
+              <a:t>Сформирован список литературы по теме </a:t>
             </a:r>
             <a:r>
               <a:rPr lang="en-US" dirty="0"/>
@@ -15974,17 +15976,63 @@
               <a:rPr lang="en-US" dirty="0"/>
               <a:t>”</a:t>
             </a:r>
+          </a:p>
+          <a:p>
+            <a:pPr marL="514350" indent="-514350">
+              <a:buFont typeface="Arial" panose="020B0604020202020204" pitchFamily="34" charset="0"/>
+              <a:buAutoNum type="arabicParenR"/>
+            </a:pPr>
             <a:r>
               <a:rPr lang="ru-RU" dirty="0"/>
-              <a:t>, был реализован программный код на языке программирования </a:t>
+              <a:t>Подготовлен очень хороший доклад по теме </a:t>
             </a:r>
             <a:r>
               <a:rPr lang="en-US" dirty="0"/>
-              <a:t>C#. </a:t>
+              <a:t>“</a:t>
             </a:r>
             <a:r>
               <a:rPr lang="ru-RU" dirty="0"/>
-              <a:t>Программный код был протестирован на 37 тестах.</a:t>
+              <a:t>Дерево интервалов</a:t>
+            </a:r>
+            <a:r>
+              <a:rPr lang="en-US" dirty="0"/>
+              <a:t>”</a:t>
+            </a:r>
+            <a:endParaRPr lang="ru-RU" dirty="0"/>
+          </a:p>
+          <a:p>
+            <a:pPr marL="514350" indent="-514350">
+              <a:buAutoNum type="arabicParenR"/>
+            </a:pPr>
+            <a:r>
+              <a:rPr lang="ru-RU" dirty="0"/>
+              <a:t>Реализован (на языке программирования </a:t>
+            </a:r>
+            <a:r>
+              <a:rPr lang="en-US" dirty="0"/>
+              <a:t>C#</a:t>
+            </a:r>
+            <a:r>
+              <a:rPr lang="ru-RU" dirty="0"/>
+              <a:t>) эффективный программный код по операциям над указанной структурой данных</a:t>
+            </a:r>
+          </a:p>
+          <a:p>
+            <a:pPr marL="514350" indent="-514350">
+              <a:buAutoNum type="arabicParenR"/>
+            </a:pPr>
+            <a:r>
+              <a:rPr lang="ru-RU" dirty="0"/>
+              <a:t>Программный код протестирован на 37 тестах</a:t>
+            </a:r>
+          </a:p>
+          <a:p>
+            <a:pPr marL="514350" indent="-514350">
+              <a:buAutoNum type="arabicParenR"/>
+            </a:pPr>
+            <a:r>
+              <a:rPr lang="ru-RU" dirty="0"/>
+              <a:t>Проведен анализ эффективности операций по времени</a:t>
             </a:r>
           </a:p>
           <a:p>
